--- a/DIP_Phase_1_Lab_Manuals/DIP Lab Manual for Phase 1.pptx
+++ b/DIP_Phase_1_Lab_Manuals/DIP Lab Manual for Phase 1.pptx
@@ -280,7 +280,7 @@
           <a:p>
             <a:fld id="{4185243A-FD7B-4629-BD73-22CC1259F9E9}" type="datetimeFigureOut">
               <a:rPr lang="en-US" smtClean="0"/>
-              <a:t>19-Jul-17</a:t>
+              <a:t>24-Jul-17</a:t>
             </a:fld>
             <a:endParaRPr lang="en-US"/>
           </a:p>
@@ -678,7 +678,7 @@
           <a:p>
             <a:fld id="{CC6F718F-701E-4707-8408-57D61FEAC21D}" type="datetimeFigureOut">
               <a:rPr lang="en-US" smtClean="0"/>
-              <a:t>19-Jul-17</a:t>
+              <a:t>24-Jul-17</a:t>
             </a:fld>
             <a:endParaRPr lang="en-US"/>
           </a:p>
@@ -848,7 +848,7 @@
           <a:p>
             <a:fld id="{CC6F718F-701E-4707-8408-57D61FEAC21D}" type="datetimeFigureOut">
               <a:rPr lang="en-US" smtClean="0"/>
-              <a:t>19-Jul-17</a:t>
+              <a:t>24-Jul-17</a:t>
             </a:fld>
             <a:endParaRPr lang="en-US"/>
           </a:p>
@@ -1028,7 +1028,7 @@
           <a:p>
             <a:fld id="{CC6F718F-701E-4707-8408-57D61FEAC21D}" type="datetimeFigureOut">
               <a:rPr lang="en-US" smtClean="0"/>
-              <a:t>19-Jul-17</a:t>
+              <a:t>24-Jul-17</a:t>
             </a:fld>
             <a:endParaRPr lang="en-US"/>
           </a:p>
@@ -1198,7 +1198,7 @@
           <a:p>
             <a:fld id="{CC6F718F-701E-4707-8408-57D61FEAC21D}" type="datetimeFigureOut">
               <a:rPr lang="en-US" smtClean="0"/>
-              <a:t>19-Jul-17</a:t>
+              <a:t>24-Jul-17</a:t>
             </a:fld>
             <a:endParaRPr lang="en-US"/>
           </a:p>
@@ -1444,7 +1444,7 @@
           <a:p>
             <a:fld id="{CC6F718F-701E-4707-8408-57D61FEAC21D}" type="datetimeFigureOut">
               <a:rPr lang="en-US" smtClean="0"/>
-              <a:t>19-Jul-17</a:t>
+              <a:t>24-Jul-17</a:t>
             </a:fld>
             <a:endParaRPr lang="en-US"/>
           </a:p>
@@ -1676,7 +1676,7 @@
           <a:p>
             <a:fld id="{CC6F718F-701E-4707-8408-57D61FEAC21D}" type="datetimeFigureOut">
               <a:rPr lang="en-US" smtClean="0"/>
-              <a:t>19-Jul-17</a:t>
+              <a:t>24-Jul-17</a:t>
             </a:fld>
             <a:endParaRPr lang="en-US"/>
           </a:p>
@@ -2043,7 +2043,7 @@
           <a:p>
             <a:fld id="{CC6F718F-701E-4707-8408-57D61FEAC21D}" type="datetimeFigureOut">
               <a:rPr lang="en-US" smtClean="0"/>
-              <a:t>19-Jul-17</a:t>
+              <a:t>24-Jul-17</a:t>
             </a:fld>
             <a:endParaRPr lang="en-US"/>
           </a:p>
@@ -2161,7 +2161,7 @@
           <a:p>
             <a:fld id="{CC6F718F-701E-4707-8408-57D61FEAC21D}" type="datetimeFigureOut">
               <a:rPr lang="en-US" smtClean="0"/>
-              <a:t>19-Jul-17</a:t>
+              <a:t>24-Jul-17</a:t>
             </a:fld>
             <a:endParaRPr lang="en-US"/>
           </a:p>
@@ -2256,7 +2256,7 @@
           <a:p>
             <a:fld id="{CC6F718F-701E-4707-8408-57D61FEAC21D}" type="datetimeFigureOut">
               <a:rPr lang="en-US" smtClean="0"/>
-              <a:t>19-Jul-17</a:t>
+              <a:t>24-Jul-17</a:t>
             </a:fld>
             <a:endParaRPr lang="en-US"/>
           </a:p>
@@ -2533,7 +2533,7 @@
           <a:p>
             <a:fld id="{CC6F718F-701E-4707-8408-57D61FEAC21D}" type="datetimeFigureOut">
               <a:rPr lang="en-US" smtClean="0"/>
-              <a:t>19-Jul-17</a:t>
+              <a:t>24-Jul-17</a:t>
             </a:fld>
             <a:endParaRPr lang="en-US"/>
           </a:p>
@@ -2790,7 +2790,7 @@
           <a:p>
             <a:fld id="{CC6F718F-701E-4707-8408-57D61FEAC21D}" type="datetimeFigureOut">
               <a:rPr lang="en-US" smtClean="0"/>
-              <a:t>19-Jul-17</a:t>
+              <a:t>24-Jul-17</a:t>
             </a:fld>
             <a:endParaRPr lang="en-US"/>
           </a:p>
@@ -3003,7 +3003,7 @@
           <a:p>
             <a:fld id="{CC6F718F-701E-4707-8408-57D61FEAC21D}" type="datetimeFigureOut">
               <a:rPr lang="en-US" smtClean="0"/>
-              <a:t>19-Jul-17</a:t>
+              <a:t>24-Jul-17</a:t>
             </a:fld>
             <a:endParaRPr lang="en-US"/>
           </a:p>
@@ -6652,8 +6652,8 @@
         </p:nvSpPr>
         <p:spPr>
           <a:xfrm>
-            <a:off x="1028700" y="3043647"/>
-            <a:ext cx="4838700" cy="3416320"/>
+            <a:off x="1066800" y="3038204"/>
+            <a:ext cx="5029200" cy="2862322"/>
           </a:xfrm>
           <a:prstGeom prst="rect">
             <a:avLst/>
@@ -6671,24 +6671,8 @@
               <a:buChar char="Ø"/>
             </a:pPr>
             <a:r>
-              <a:rPr lang="en-US" sz="2400" dirty="0"/>
-              <a:t>Download the </a:t>
-            </a:r>
-            <a:r>
-              <a:rPr lang="en-US" sz="2400" dirty="0" err="1"/>
-              <a:t>ino</a:t>
-            </a:r>
-            <a:r>
-              <a:rPr lang="en-US" sz="2400" dirty="0"/>
-              <a:t> files in the folder and place them into a folder named ‘</a:t>
-            </a:r>
-            <a:r>
-              <a:rPr lang="en-US" sz="2400" dirty="0" err="1"/>
-              <a:t>UGV_Library_Program</a:t>
-            </a:r>
-            <a:r>
-              <a:rPr lang="en-US" sz="2400" dirty="0"/>
-              <a:t>’</a:t>
+              <a:rPr lang="en-US" sz="2000" dirty="0"/>
+              <a:t>Click on ‘DOWNLOAD ALL’ on the top right corner of the window and unzip the zip file.</a:t>
             </a:r>
           </a:p>
           <a:p>
@@ -6697,9 +6681,22 @@
               <a:buChar char="Ø"/>
             </a:pPr>
             <a:r>
-              <a:rPr lang="en-US" sz="2400" dirty="0"/>
-              <a:t>Click on either file and open it using Arduino IDE</a:t>
-            </a:r>
+              <a:rPr lang="en-US" sz="2000" dirty="0">
+                <a:solidFill>
+                  <a:srgbClr val="FF0000"/>
+                </a:solidFill>
+              </a:rPr>
+              <a:t>Do not change the file name</a:t>
+            </a:r>
+            <a:r>
+              <a:rPr lang="en-US" sz="2000" dirty="0"/>
+              <a:t>, make sure the 2 INO files are kept in a single folder</a:t>
+            </a:r>
+            <a:endParaRPr lang="en-US" sz="2000" dirty="0">
+              <a:solidFill>
+                <a:srgbClr val="FF0000"/>
+              </a:solidFill>
+            </a:endParaRPr>
           </a:p>
           <a:p>
             <a:pPr marL="285750" indent="-285750">
@@ -6707,8 +6704,8 @@
               <a:buChar char="Ø"/>
             </a:pPr>
             <a:r>
-              <a:rPr lang="en-US" sz="2400" dirty="0"/>
-              <a:t>Your window should consists of 2 tabs</a:t>
+              <a:rPr lang="en-US" sz="2000" dirty="0"/>
+              <a:t>Click on either INO file and open it using Arduino IDE</a:t>
             </a:r>
           </a:p>
           <a:p>
@@ -6717,8 +6714,18 @@
               <a:buChar char="Ø"/>
             </a:pPr>
             <a:r>
-              <a:rPr lang="en-US" sz="2400" dirty="0"/>
-              <a:t>For now, you can ignore the first tab and click the second tab</a:t>
+              <a:rPr lang="en-US" sz="2000" dirty="0"/>
+              <a:t>Your window should consists of 2 tabs -&gt;&gt;</a:t>
+            </a:r>
+          </a:p>
+          <a:p>
+            <a:pPr marL="285750" indent="-285750">
+              <a:buFont typeface="Wingdings" panose="05000000000000000000" pitchFamily="2" charset="2"/>
+              <a:buChar char="Ø"/>
+            </a:pPr>
+            <a:r>
+              <a:rPr lang="en-US" sz="2000" dirty="0"/>
+              <a:t>As for now, you can ignore the first tab and click on the second tab</a:t>
             </a:r>
           </a:p>
         </p:txBody>
@@ -6768,7 +6775,7 @@
         <p:spPr>
           <a:xfrm>
             <a:off x="990600" y="1950019"/>
-            <a:ext cx="4495800" cy="1107996"/>
+            <a:ext cx="4495800" cy="830997"/>
           </a:xfrm>
           <a:prstGeom prst="rect">
             <a:avLst/>
@@ -6789,24 +6796,18 @@
               <a:rPr lang="en-SG" sz="1600" dirty="0">
                 <a:latin typeface="Arial"/>
               </a:rPr>
-              <a:t>Link to Arduino code:</a:t>
-            </a:r>
-          </a:p>
-          <a:p>
-            <a:pPr marL="365760" lvl="1"/>
-            <a:r>
-              <a:rPr lang="en-SG" sz="1600" dirty="0">
-                <a:latin typeface="Arial"/>
+              <a:t> Link to Arduino code:</a:t>
+            </a:r>
+          </a:p>
+          <a:p>
+            <a:pPr lvl="1"/>
+            <a:r>
+              <a:rPr lang="en-US" sz="1600" dirty="0">
                 <a:hlinkClick r:id="rId3"/>
               </a:rPr>
-              <a:t>https://github.com/ChuaKengPeng/DIP2017/tree/master/UGV_Library_Program</a:t>
-            </a:r>
-            <a:endParaRPr lang="en-SG" sz="1600" dirty="0">
-              <a:latin typeface="Arial"/>
-            </a:endParaRPr>
-          </a:p>
-          <a:p>
-            <a:endParaRPr lang="en-US" dirty="0"/>
+              <a:t>https://drive.google.com/open?id=0B0Yrf1mbmTaxaVpqZE5Id29DMlU</a:t>
+            </a:r>
+            <a:endParaRPr lang="en-US" sz="1600" dirty="0"/>
           </a:p>
         </p:txBody>
       </p:sp>

--- a/DIP_Phase_1_Lab_Manuals/DIP Lab Manual for Phase 1.pptx
+++ b/DIP_Phase_1_Lab_Manuals/DIP Lab Manual for Phase 1.pptx
@@ -5,7 +5,7 @@
     <p:sldMasterId id="2147483876" r:id="rId1"/>
   </p:sldMasterIdLst>
   <p:notesMasterIdLst>
-    <p:notesMasterId r:id="rId23"/>
+    <p:notesMasterId r:id="rId24"/>
   </p:notesMasterIdLst>
   <p:sldIdLst>
     <p:sldId id="256" r:id="rId2"/>
@@ -29,6 +29,7 @@
     <p:sldId id="293" r:id="rId20"/>
     <p:sldId id="294" r:id="rId21"/>
     <p:sldId id="295" r:id="rId22"/>
+    <p:sldId id="300" r:id="rId23"/>
   </p:sldIdLst>
   <p:sldSz cx="12192000" cy="6858000"/>
   <p:notesSz cx="6858000" cy="9144000"/>
@@ -172,6 +173,7 @@
             <p14:sldId id="293"/>
             <p14:sldId id="294"/>
             <p14:sldId id="295"/>
+            <p14:sldId id="300"/>
           </p14:sldIdLst>
         </p14:section>
       </p14:sectionLst>
@@ -280,7 +282,7 @@
           <a:p>
             <a:fld id="{4185243A-FD7B-4629-BD73-22CC1259F9E9}" type="datetimeFigureOut">
               <a:rPr lang="en-US" smtClean="0"/>
-              <a:t>24-Jul-17</a:t>
+              <a:t>26-Jul-17</a:t>
             </a:fld>
             <a:endParaRPr lang="en-US"/>
           </a:p>
@@ -678,7 +680,7 @@
           <a:p>
             <a:fld id="{CC6F718F-701E-4707-8408-57D61FEAC21D}" type="datetimeFigureOut">
               <a:rPr lang="en-US" smtClean="0"/>
-              <a:t>24-Jul-17</a:t>
+              <a:t>26-Jul-17</a:t>
             </a:fld>
             <a:endParaRPr lang="en-US"/>
           </a:p>
@@ -848,7 +850,7 @@
           <a:p>
             <a:fld id="{CC6F718F-701E-4707-8408-57D61FEAC21D}" type="datetimeFigureOut">
               <a:rPr lang="en-US" smtClean="0"/>
-              <a:t>24-Jul-17</a:t>
+              <a:t>26-Jul-17</a:t>
             </a:fld>
             <a:endParaRPr lang="en-US"/>
           </a:p>
@@ -1028,7 +1030,7 @@
           <a:p>
             <a:fld id="{CC6F718F-701E-4707-8408-57D61FEAC21D}" type="datetimeFigureOut">
               <a:rPr lang="en-US" smtClean="0"/>
-              <a:t>24-Jul-17</a:t>
+              <a:t>26-Jul-17</a:t>
             </a:fld>
             <a:endParaRPr lang="en-US"/>
           </a:p>
@@ -1198,7 +1200,7 @@
           <a:p>
             <a:fld id="{CC6F718F-701E-4707-8408-57D61FEAC21D}" type="datetimeFigureOut">
               <a:rPr lang="en-US" smtClean="0"/>
-              <a:t>24-Jul-17</a:t>
+              <a:t>26-Jul-17</a:t>
             </a:fld>
             <a:endParaRPr lang="en-US"/>
           </a:p>
@@ -1444,7 +1446,7 @@
           <a:p>
             <a:fld id="{CC6F718F-701E-4707-8408-57D61FEAC21D}" type="datetimeFigureOut">
               <a:rPr lang="en-US" smtClean="0"/>
-              <a:t>24-Jul-17</a:t>
+              <a:t>26-Jul-17</a:t>
             </a:fld>
             <a:endParaRPr lang="en-US"/>
           </a:p>
@@ -1676,7 +1678,7 @@
           <a:p>
             <a:fld id="{CC6F718F-701E-4707-8408-57D61FEAC21D}" type="datetimeFigureOut">
               <a:rPr lang="en-US" smtClean="0"/>
-              <a:t>24-Jul-17</a:t>
+              <a:t>26-Jul-17</a:t>
             </a:fld>
             <a:endParaRPr lang="en-US"/>
           </a:p>
@@ -2043,7 +2045,7 @@
           <a:p>
             <a:fld id="{CC6F718F-701E-4707-8408-57D61FEAC21D}" type="datetimeFigureOut">
               <a:rPr lang="en-US" smtClean="0"/>
-              <a:t>24-Jul-17</a:t>
+              <a:t>26-Jul-17</a:t>
             </a:fld>
             <a:endParaRPr lang="en-US"/>
           </a:p>
@@ -2161,7 +2163,7 @@
           <a:p>
             <a:fld id="{CC6F718F-701E-4707-8408-57D61FEAC21D}" type="datetimeFigureOut">
               <a:rPr lang="en-US" smtClean="0"/>
-              <a:t>24-Jul-17</a:t>
+              <a:t>26-Jul-17</a:t>
             </a:fld>
             <a:endParaRPr lang="en-US"/>
           </a:p>
@@ -2256,7 +2258,7 @@
           <a:p>
             <a:fld id="{CC6F718F-701E-4707-8408-57D61FEAC21D}" type="datetimeFigureOut">
               <a:rPr lang="en-US" smtClean="0"/>
-              <a:t>24-Jul-17</a:t>
+              <a:t>26-Jul-17</a:t>
             </a:fld>
             <a:endParaRPr lang="en-US"/>
           </a:p>
@@ -2533,7 +2535,7 @@
           <a:p>
             <a:fld id="{CC6F718F-701E-4707-8408-57D61FEAC21D}" type="datetimeFigureOut">
               <a:rPr lang="en-US" smtClean="0"/>
-              <a:t>24-Jul-17</a:t>
+              <a:t>26-Jul-17</a:t>
             </a:fld>
             <a:endParaRPr lang="en-US"/>
           </a:p>
@@ -2790,7 +2792,7 @@
           <a:p>
             <a:fld id="{CC6F718F-701E-4707-8408-57D61FEAC21D}" type="datetimeFigureOut">
               <a:rPr lang="en-US" smtClean="0"/>
-              <a:t>24-Jul-17</a:t>
+              <a:t>26-Jul-17</a:t>
             </a:fld>
             <a:endParaRPr lang="en-US"/>
           </a:p>
@@ -3003,7 +3005,7 @@
           <a:p>
             <a:fld id="{CC6F718F-701E-4707-8408-57D61FEAC21D}" type="datetimeFigureOut">
               <a:rPr lang="en-US" smtClean="0"/>
-              <a:t>24-Jul-17</a:t>
+              <a:t>26-Jul-17</a:t>
             </a:fld>
             <a:endParaRPr lang="en-US"/>
           </a:p>
@@ -4245,47 +4247,6 @@
           <a:chExt cx="0" cy="0"/>
         </a:xfrm>
       </p:grpSpPr>
-      <p:pic>
-        <p:nvPicPr>
-          <p:cNvPr id="5123" name="Picture 3" descr="C:\Users\Geng Ting\Downloads\BuildABot_Schematic_Connections.png"/>
-          <p:cNvPicPr>
-            <a:picLocks noChangeAspect="1" noChangeArrowheads="1"/>
-          </p:cNvPicPr>
-          <p:nvPr/>
-        </p:nvPicPr>
-        <p:blipFill>
-          <a:blip r:embed="rId2">
-            <a:extLst>
-              <a:ext uri="{28A0092B-C50C-407E-A947-70E740481C1C}">
-                <a14:useLocalDpi xmlns:a14="http://schemas.microsoft.com/office/drawing/2010/main" val="0"/>
-              </a:ext>
-            </a:extLst>
-          </a:blip>
-          <a:srcRect/>
-          <a:stretch>
-            <a:fillRect/>
-          </a:stretch>
-        </p:blipFill>
-        <p:spPr bwMode="auto">
-          <a:xfrm>
-            <a:off x="1676400" y="1066801"/>
-            <a:ext cx="9067800" cy="5795913"/>
-          </a:xfrm>
-          <a:prstGeom prst="rect">
-            <a:avLst/>
-          </a:prstGeom>
-          <a:noFill/>
-          <a:extLst>
-            <a:ext uri="{909E8E84-426E-40DD-AFC4-6F175D3DCCD1}">
-              <a14:hiddenFill xmlns:a14="http://schemas.microsoft.com/office/drawing/2010/main">
-                <a:solidFill>
-                  <a:srgbClr val="FFFFFF"/>
-                </a:solidFill>
-              </a14:hiddenFill>
-            </a:ext>
-          </a:extLst>
-        </p:spPr>
-      </p:pic>
       <p:sp>
         <p:nvSpPr>
           <p:cNvPr id="4" name="Title 1">
@@ -4302,7 +4263,7 @@
         </p:nvSpPr>
         <p:spPr>
           <a:xfrm>
-            <a:off x="2057400" y="152400"/>
+            <a:off x="1701563" y="-75470"/>
             <a:ext cx="8229600" cy="1143000"/>
           </a:xfrm>
           <a:prstGeom prst="rect">
@@ -4339,6 +4300,421 @@
                 <a:latin typeface="Bauhaus 93" panose="04030905020B02020C02" pitchFamily="82" charset="0"/>
               </a:rPr>
               <a:t>Schematic Diagram</a:t>
+            </a:r>
+          </a:p>
+        </p:txBody>
+      </p:sp>
+      <p:grpSp>
+        <p:nvGrpSpPr>
+          <p:cNvPr id="31" name="Group 30">
+            <a:extLst>
+              <a:ext uri="{FF2B5EF4-FFF2-40B4-BE49-F238E27FC236}">
+                <a16:creationId xmlns:a16="http://schemas.microsoft.com/office/drawing/2014/main" id="{27C51DC5-2E52-44B5-86E0-89FE34380705}"/>
+              </a:ext>
+            </a:extLst>
+          </p:cNvPr>
+          <p:cNvGrpSpPr/>
+          <p:nvPr/>
+        </p:nvGrpSpPr>
+        <p:grpSpPr>
+          <a:xfrm>
+            <a:off x="952500" y="838200"/>
+            <a:ext cx="10363200" cy="5795913"/>
+            <a:chOff x="381000" y="1062087"/>
+            <a:chExt cx="10363200" cy="5795913"/>
+          </a:xfrm>
+        </p:grpSpPr>
+        <p:pic>
+          <p:nvPicPr>
+            <p:cNvPr id="23" name="Picture 22">
+              <a:extLst>
+                <a:ext uri="{FF2B5EF4-FFF2-40B4-BE49-F238E27FC236}">
+                  <a16:creationId xmlns:a16="http://schemas.microsoft.com/office/drawing/2014/main" id="{84D73CD4-0DA0-46D0-A1F0-DC05E2FAB166}"/>
+                </a:ext>
+              </a:extLst>
+            </p:cNvPr>
+            <p:cNvPicPr>
+              <a:picLocks noChangeAspect="1"/>
+            </p:cNvPicPr>
+            <p:nvPr/>
+          </p:nvPicPr>
+          <p:blipFill>
+            <a:blip r:embed="rId2"/>
+            <a:stretch>
+              <a:fillRect/>
+            </a:stretch>
+          </p:blipFill>
+          <p:spPr>
+            <a:xfrm>
+              <a:off x="381000" y="1387927"/>
+              <a:ext cx="765392" cy="1589315"/>
+            </a:xfrm>
+            <a:prstGeom prst="rect">
+              <a:avLst/>
+            </a:prstGeom>
+          </p:spPr>
+        </p:pic>
+        <p:pic>
+          <p:nvPicPr>
+            <p:cNvPr id="26" name="Picture 25">
+              <a:extLst>
+                <a:ext uri="{FF2B5EF4-FFF2-40B4-BE49-F238E27FC236}">
+                  <a16:creationId xmlns:a16="http://schemas.microsoft.com/office/drawing/2014/main" id="{80B2BB81-7287-4E54-9CC9-8FDA27697858}"/>
+                </a:ext>
+              </a:extLst>
+            </p:cNvPr>
+            <p:cNvPicPr>
+              <a:picLocks noChangeAspect="1"/>
+            </p:cNvPicPr>
+            <p:nvPr/>
+          </p:nvPicPr>
+          <p:blipFill>
+            <a:blip r:embed="rId3"/>
+            <a:stretch>
+              <a:fillRect/>
+            </a:stretch>
+          </p:blipFill>
+          <p:spPr>
+            <a:xfrm rot="5400000" flipV="1">
+              <a:off x="161560" y="3688306"/>
+              <a:ext cx="1353279" cy="221617"/>
+            </a:xfrm>
+            <a:prstGeom prst="rect">
+              <a:avLst/>
+            </a:prstGeom>
+          </p:spPr>
+        </p:pic>
+        <p:pic>
+          <p:nvPicPr>
+            <p:cNvPr id="5123" name="Picture 3" descr="C:\Users\Geng Ting\Downloads\BuildABot_Schematic_Connections.png"/>
+            <p:cNvPicPr>
+              <a:picLocks noChangeAspect="1" noChangeArrowheads="1"/>
+            </p:cNvPicPr>
+            <p:nvPr/>
+          </p:nvPicPr>
+          <p:blipFill>
+            <a:blip r:embed="rId4">
+              <a:extLst>
+                <a:ext uri="{28A0092B-C50C-407E-A947-70E740481C1C}">
+                  <a14:useLocalDpi xmlns:a14="http://schemas.microsoft.com/office/drawing/2010/main" val="0"/>
+                </a:ext>
+              </a:extLst>
+            </a:blip>
+            <a:srcRect/>
+            <a:stretch>
+              <a:fillRect/>
+            </a:stretch>
+          </p:blipFill>
+          <p:spPr bwMode="auto">
+            <a:xfrm>
+              <a:off x="1676400" y="1062087"/>
+              <a:ext cx="9067800" cy="5795913"/>
+            </a:xfrm>
+            <a:prstGeom prst="rect">
+              <a:avLst/>
+            </a:prstGeom>
+            <a:noFill/>
+            <a:extLst>
+              <a:ext uri="{909E8E84-426E-40DD-AFC4-6F175D3DCCD1}">
+                <a14:hiddenFill xmlns:a14="http://schemas.microsoft.com/office/drawing/2010/main">
+                  <a:solidFill>
+                    <a:srgbClr val="FFFFFF"/>
+                  </a:solidFill>
+                </a14:hiddenFill>
+              </a:ext>
+            </a:extLst>
+          </p:spPr>
+        </p:pic>
+        <p:cxnSp>
+          <p:nvCxnSpPr>
+            <p:cNvPr id="6" name="Straight Connector 5">
+              <a:extLst>
+                <a:ext uri="{FF2B5EF4-FFF2-40B4-BE49-F238E27FC236}">
+                  <a16:creationId xmlns:a16="http://schemas.microsoft.com/office/drawing/2014/main" id="{951511C7-4304-4BD7-A14F-2F25A95F8404}"/>
+                </a:ext>
+              </a:extLst>
+            </p:cNvPr>
+            <p:cNvCxnSpPr>
+              <a:cxnSpLocks/>
+            </p:cNvCxnSpPr>
+            <p:nvPr/>
+          </p:nvCxnSpPr>
+          <p:spPr>
+            <a:xfrm>
+              <a:off x="685800" y="4637314"/>
+              <a:ext cx="5029200" cy="0"/>
+            </a:xfrm>
+            <a:prstGeom prst="line">
+              <a:avLst/>
+            </a:prstGeom>
+            <a:ln w="57150">
+              <a:solidFill>
+                <a:schemeClr val="tx1"/>
+              </a:solidFill>
+            </a:ln>
+          </p:spPr>
+          <p:style>
+            <a:lnRef idx="1">
+              <a:schemeClr val="accent1"/>
+            </a:lnRef>
+            <a:fillRef idx="0">
+              <a:schemeClr val="accent1"/>
+            </a:fillRef>
+            <a:effectRef idx="0">
+              <a:schemeClr val="accent1"/>
+            </a:effectRef>
+            <a:fontRef idx="minor">
+              <a:schemeClr val="tx1"/>
+            </a:fontRef>
+          </p:style>
+        </p:cxnSp>
+        <p:cxnSp>
+          <p:nvCxnSpPr>
+            <p:cNvPr id="9" name="Straight Connector 8">
+              <a:extLst>
+                <a:ext uri="{FF2B5EF4-FFF2-40B4-BE49-F238E27FC236}">
+                  <a16:creationId xmlns:a16="http://schemas.microsoft.com/office/drawing/2014/main" id="{EDBCFE26-084C-43DA-8194-A5BA624D1FB0}"/>
+                </a:ext>
+              </a:extLst>
+            </p:cNvPr>
+            <p:cNvCxnSpPr>
+              <a:cxnSpLocks/>
+            </p:cNvCxnSpPr>
+            <p:nvPr/>
+          </p:nvCxnSpPr>
+          <p:spPr>
+            <a:xfrm>
+              <a:off x="5715000" y="4267200"/>
+              <a:ext cx="0" cy="381000"/>
+            </a:xfrm>
+            <a:prstGeom prst="line">
+              <a:avLst/>
+            </a:prstGeom>
+            <a:ln w="57150">
+              <a:solidFill>
+                <a:schemeClr val="tx1"/>
+              </a:solidFill>
+            </a:ln>
+          </p:spPr>
+          <p:style>
+            <a:lnRef idx="1">
+              <a:schemeClr val="accent1"/>
+            </a:lnRef>
+            <a:fillRef idx="0">
+              <a:schemeClr val="accent1"/>
+            </a:fillRef>
+            <a:effectRef idx="0">
+              <a:schemeClr val="accent1"/>
+            </a:effectRef>
+            <a:fontRef idx="minor">
+              <a:schemeClr val="tx1"/>
+            </a:fontRef>
+          </p:style>
+        </p:cxnSp>
+        <p:cxnSp>
+          <p:nvCxnSpPr>
+            <p:cNvPr id="18" name="Straight Connector 17">
+              <a:extLst>
+                <a:ext uri="{FF2B5EF4-FFF2-40B4-BE49-F238E27FC236}">
+                  <a16:creationId xmlns:a16="http://schemas.microsoft.com/office/drawing/2014/main" id="{98C317C3-7C5B-4499-96B9-72BEC31AF8BF}"/>
+                </a:ext>
+              </a:extLst>
+            </p:cNvPr>
+            <p:cNvCxnSpPr>
+              <a:cxnSpLocks/>
+            </p:cNvCxnSpPr>
+            <p:nvPr/>
+          </p:nvCxnSpPr>
+          <p:spPr>
+            <a:xfrm>
+              <a:off x="685800" y="2514600"/>
+              <a:ext cx="0" cy="2151654"/>
+            </a:xfrm>
+            <a:prstGeom prst="line">
+              <a:avLst/>
+            </a:prstGeom>
+            <a:ln w="57150">
+              <a:solidFill>
+                <a:schemeClr val="tx1"/>
+              </a:solidFill>
+            </a:ln>
+          </p:spPr>
+          <p:style>
+            <a:lnRef idx="1">
+              <a:schemeClr val="accent1"/>
+            </a:lnRef>
+            <a:fillRef idx="0">
+              <a:schemeClr val="accent1"/>
+            </a:fillRef>
+            <a:effectRef idx="0">
+              <a:schemeClr val="accent1"/>
+            </a:effectRef>
+            <a:fontRef idx="minor">
+              <a:schemeClr val="tx1"/>
+            </a:fontRef>
+          </p:style>
+        </p:cxnSp>
+        <p:cxnSp>
+          <p:nvCxnSpPr>
+            <p:cNvPr id="19" name="Straight Connector 18">
+              <a:extLst>
+                <a:ext uri="{FF2B5EF4-FFF2-40B4-BE49-F238E27FC236}">
+                  <a16:creationId xmlns:a16="http://schemas.microsoft.com/office/drawing/2014/main" id="{22264DF4-1375-4E0D-B1A5-1269F44D7784}"/>
+                </a:ext>
+              </a:extLst>
+            </p:cNvPr>
+            <p:cNvCxnSpPr>
+              <a:cxnSpLocks/>
+            </p:cNvCxnSpPr>
+            <p:nvPr/>
+          </p:nvCxnSpPr>
+          <p:spPr>
+            <a:xfrm flipH="1">
+              <a:off x="838200" y="6019800"/>
+              <a:ext cx="2514600" cy="0"/>
+            </a:xfrm>
+            <a:prstGeom prst="line">
+              <a:avLst/>
+            </a:prstGeom>
+            <a:ln w="57150">
+              <a:solidFill>
+                <a:srgbClr val="FF9900"/>
+              </a:solidFill>
+            </a:ln>
+          </p:spPr>
+          <p:style>
+            <a:lnRef idx="1">
+              <a:schemeClr val="accent1"/>
+            </a:lnRef>
+            <a:fillRef idx="0">
+              <a:schemeClr val="accent1"/>
+            </a:fillRef>
+            <a:effectRef idx="0">
+              <a:schemeClr val="accent1"/>
+            </a:effectRef>
+            <a:fontRef idx="minor">
+              <a:schemeClr val="tx1"/>
+            </a:fontRef>
+          </p:style>
+        </p:cxnSp>
+        <p:cxnSp>
+          <p:nvCxnSpPr>
+            <p:cNvPr id="21" name="Straight Connector 20">
+              <a:extLst>
+                <a:ext uri="{FF2B5EF4-FFF2-40B4-BE49-F238E27FC236}">
+                  <a16:creationId xmlns:a16="http://schemas.microsoft.com/office/drawing/2014/main" id="{B52463AF-73D6-4461-B2A6-054735298DC1}"/>
+                </a:ext>
+              </a:extLst>
+            </p:cNvPr>
+            <p:cNvCxnSpPr>
+              <a:cxnSpLocks/>
+            </p:cNvCxnSpPr>
+            <p:nvPr/>
+          </p:nvCxnSpPr>
+          <p:spPr>
+            <a:xfrm flipV="1">
+              <a:off x="838200" y="4267200"/>
+              <a:ext cx="0" cy="1752600"/>
+            </a:xfrm>
+            <a:prstGeom prst="line">
+              <a:avLst/>
+            </a:prstGeom>
+            <a:ln w="57150">
+              <a:solidFill>
+                <a:srgbClr val="FF9900"/>
+              </a:solidFill>
+            </a:ln>
+          </p:spPr>
+          <p:style>
+            <a:lnRef idx="1">
+              <a:schemeClr val="accent1"/>
+            </a:lnRef>
+            <a:fillRef idx="0">
+              <a:schemeClr val="accent1"/>
+            </a:fillRef>
+            <a:effectRef idx="0">
+              <a:schemeClr val="accent1"/>
+            </a:effectRef>
+            <a:fontRef idx="minor">
+              <a:schemeClr val="tx1"/>
+            </a:fontRef>
+          </p:style>
+        </p:cxnSp>
+        <p:cxnSp>
+          <p:nvCxnSpPr>
+            <p:cNvPr id="29" name="Straight Connector 28">
+              <a:extLst>
+                <a:ext uri="{FF2B5EF4-FFF2-40B4-BE49-F238E27FC236}">
+                  <a16:creationId xmlns:a16="http://schemas.microsoft.com/office/drawing/2014/main" id="{120EBEB5-5636-44C6-B430-7D240BA3A417}"/>
+                </a:ext>
+              </a:extLst>
+            </p:cNvPr>
+            <p:cNvCxnSpPr>
+              <a:cxnSpLocks/>
+            </p:cNvCxnSpPr>
+            <p:nvPr/>
+          </p:nvCxnSpPr>
+          <p:spPr>
+            <a:xfrm flipV="1">
+              <a:off x="838199" y="2514600"/>
+              <a:ext cx="0" cy="838200"/>
+            </a:xfrm>
+            <a:prstGeom prst="line">
+              <a:avLst/>
+            </a:prstGeom>
+            <a:ln w="57150">
+              <a:solidFill>
+                <a:srgbClr val="FF9900"/>
+              </a:solidFill>
+            </a:ln>
+          </p:spPr>
+          <p:style>
+            <a:lnRef idx="1">
+              <a:schemeClr val="accent1"/>
+            </a:lnRef>
+            <a:fillRef idx="0">
+              <a:schemeClr val="accent1"/>
+            </a:fillRef>
+            <a:effectRef idx="0">
+              <a:schemeClr val="accent1"/>
+            </a:effectRef>
+            <a:fontRef idx="minor">
+              <a:schemeClr val="tx1"/>
+            </a:fontRef>
+          </p:style>
+        </p:cxnSp>
+      </p:grpSp>
+      <p:sp>
+        <p:nvSpPr>
+          <p:cNvPr id="1024" name="TextBox 1023">
+            <a:extLst>
+              <a:ext uri="{FF2B5EF4-FFF2-40B4-BE49-F238E27FC236}">
+                <a16:creationId xmlns:a16="http://schemas.microsoft.com/office/drawing/2014/main" id="{C855783A-6C6B-4D18-910F-BA56B7F35B7C}"/>
+              </a:ext>
+            </a:extLst>
+          </p:cNvPr>
+          <p:cNvSpPr txBox="1"/>
+          <p:nvPr/>
+        </p:nvSpPr>
+        <p:spPr>
+          <a:xfrm>
+            <a:off x="838200" y="6587446"/>
+            <a:ext cx="10439400" cy="307777"/>
+          </a:xfrm>
+          <a:prstGeom prst="rect">
+            <a:avLst/>
+          </a:prstGeom>
+          <a:noFill/>
+        </p:spPr>
+        <p:txBody>
+          <a:bodyPr wrap="square" rtlCol="0">
+            <a:spAutoFit/>
+          </a:bodyPr>
+          <a:lstStyle/>
+          <a:p>
+            <a:r>
+              <a:rPr lang="en-US" sz="1400" b="1" u="sng" dirty="0"/>
+              <a:t>Do note that the schematic above is for reference only. You may reconstruct the circuit based on your UGV to achieve better performance.</a:t>
             </a:r>
           </a:p>
         </p:txBody>
@@ -6841,44 +7217,12 @@
           <a:chExt cx="0" cy="0"/>
         </a:xfrm>
       </p:grpSpPr>
-      <p:sp>
-        <p:nvSpPr>
-          <p:cNvPr id="6" name="Title 1"/>
-          <p:cNvSpPr>
-            <a:spLocks noGrp="1"/>
-          </p:cNvSpPr>
-          <p:nvPr>
-            <p:ph type="title"/>
-          </p:nvPr>
-        </p:nvSpPr>
-        <p:spPr>
-          <a:xfrm>
-            <a:off x="1981200" y="76200"/>
-            <a:ext cx="8229600" cy="1143000"/>
-          </a:xfrm>
-        </p:spPr>
-        <p:txBody>
-          <a:bodyPr>
-            <a:normAutofit/>
-          </a:bodyPr>
-          <a:lstStyle/>
-          <a:p>
-            <a:pPr algn="ctr"/>
-            <a:r>
-              <a:rPr lang="en-US" sz="5400" dirty="0">
-                <a:latin typeface="Bauhaus 93" panose="04030905020B02020C02" pitchFamily="82" charset="0"/>
-              </a:rPr>
-              <a:t>Building Procedures</a:t>
-            </a:r>
-          </a:p>
-        </p:txBody>
-      </p:sp>
       <p:pic>
         <p:nvPicPr>
-          <p:cNvPr id="8" name="Picture 7">
+          <p:cNvPr id="2" name="Picture 1">
             <a:extLst>
               <a:ext uri="{FF2B5EF4-FFF2-40B4-BE49-F238E27FC236}">
-                <a16:creationId xmlns:a16="http://schemas.microsoft.com/office/drawing/2014/main" id="{66664782-FBC3-4684-80A8-B0C17DE79C10}"/>
+                <a16:creationId xmlns:a16="http://schemas.microsoft.com/office/drawing/2014/main" id="{0758349C-82B0-413F-BB4D-E547A2864B56}"/>
               </a:ext>
             </a:extLst>
           </p:cNvPr>
@@ -6895,14 +7239,46 @@
         </p:blipFill>
         <p:spPr>
           <a:xfrm>
-            <a:off x="914400" y="1066800"/>
-            <a:ext cx="10363200" cy="5707400"/>
+            <a:off x="533400" y="914400"/>
+            <a:ext cx="11180821" cy="5897916"/>
           </a:xfrm>
           <a:prstGeom prst="rect">
             <a:avLst/>
           </a:prstGeom>
         </p:spPr>
       </p:pic>
+      <p:sp>
+        <p:nvSpPr>
+          <p:cNvPr id="6" name="Title 1"/>
+          <p:cNvSpPr>
+            <a:spLocks noGrp="1"/>
+          </p:cNvSpPr>
+          <p:nvPr>
+            <p:ph type="title"/>
+          </p:nvPr>
+        </p:nvSpPr>
+        <p:spPr>
+          <a:xfrm>
+            <a:off x="1981200" y="76200"/>
+            <a:ext cx="8229600" cy="1143000"/>
+          </a:xfrm>
+        </p:spPr>
+        <p:txBody>
+          <a:bodyPr>
+            <a:normAutofit/>
+          </a:bodyPr>
+          <a:lstStyle/>
+          <a:p>
+            <a:pPr algn="ctr"/>
+            <a:r>
+              <a:rPr lang="en-US" sz="5400" dirty="0">
+                <a:latin typeface="Bauhaus 93" panose="04030905020B02020C02" pitchFamily="82" charset="0"/>
+              </a:rPr>
+              <a:t>Building Procedures</a:t>
+            </a:r>
+          </a:p>
+        </p:txBody>
+      </p:sp>
       <p:sp>
         <p:nvSpPr>
           <p:cNvPr id="9" name="Down Arrow 6">
@@ -7078,7 +7454,7 @@
             </a:pPr>
             <a:r>
               <a:rPr lang="en-US" sz="2600" dirty="0"/>
-              <a:t>Design and build your very own Unmanned Ground   Vehicle (UGV).</a:t>
+              <a:t>Design and build your very own Unmanned Ground Vehicle (UGV).</a:t>
             </a:r>
           </a:p>
           <a:p>
@@ -7808,6 +8184,69 @@
     <p:extLst>
       <p:ext uri="{BB962C8B-B14F-4D97-AF65-F5344CB8AC3E}">
         <p14:creationId xmlns:p14="http://schemas.microsoft.com/office/powerpoint/2010/main" val="2563477017"/>
+      </p:ext>
+    </p:extLst>
+  </p:cSld>
+  <p:clrMapOvr>
+    <a:masterClrMapping/>
+  </p:clrMapOvr>
+</p:sld>
+</file>
+
+<file path=ppt/slides/slide22.xml><?xml version="1.0" encoding="utf-8"?>
+<p:sld xmlns:a="http://schemas.openxmlformats.org/drawingml/2006/main" xmlns:r="http://schemas.openxmlformats.org/officeDocument/2006/relationships" xmlns:p="http://schemas.openxmlformats.org/presentationml/2006/main">
+  <p:cSld>
+    <p:spTree>
+      <p:nvGrpSpPr>
+        <p:cNvPr id="1" name=""/>
+        <p:cNvGrpSpPr/>
+        <p:nvPr/>
+      </p:nvGrpSpPr>
+      <p:grpSpPr>
+        <a:xfrm>
+          <a:off x="0" y="0"/>
+          <a:ext cx="0" cy="0"/>
+          <a:chOff x="0" y="0"/>
+          <a:chExt cx="0" cy="0"/>
+        </a:xfrm>
+      </p:grpSpPr>
+      <p:sp>
+        <p:nvSpPr>
+          <p:cNvPr id="2" name="Title 1">
+            <a:extLst>
+              <a:ext uri="{FF2B5EF4-FFF2-40B4-BE49-F238E27FC236}">
+                <a16:creationId xmlns:a16="http://schemas.microsoft.com/office/drawing/2014/main" id="{07B77256-C5A2-4C31-8FD8-11FCAC2CAA2E}"/>
+              </a:ext>
+            </a:extLst>
+          </p:cNvPr>
+          <p:cNvSpPr>
+            <a:spLocks noGrp="1"/>
+          </p:cNvSpPr>
+          <p:nvPr>
+            <p:ph type="title"/>
+          </p:nvPr>
+        </p:nvSpPr>
+        <p:spPr>
+          <a:xfrm>
+            <a:off x="4876800" y="2590800"/>
+            <a:ext cx="2362200" cy="1325563"/>
+          </a:xfrm>
+        </p:spPr>
+        <p:txBody>
+          <a:bodyPr/>
+          <a:lstStyle/>
+          <a:p>
+            <a:r>
+              <a:rPr lang="en-US" b="1" dirty="0"/>
+              <a:t>THE END</a:t>
+            </a:r>
+          </a:p>
+        </p:txBody>
+      </p:sp>
+    </p:spTree>
+    <p:extLst>
+      <p:ext uri="{BB962C8B-B14F-4D97-AF65-F5344CB8AC3E}">
+        <p14:creationId xmlns:p14="http://schemas.microsoft.com/office/powerpoint/2010/main" val="1362203492"/>
       </p:ext>
     </p:extLst>
   </p:cSld>

--- a/DIP_Phase_1_Lab_Manuals/DIP Lab Manual for Phase 1.pptx
+++ b/DIP_Phase_1_Lab_Manuals/DIP Lab Manual for Phase 1.pptx
@@ -5,8 +5,11 @@
     <p:sldMasterId id="2147483876" r:id="rId1"/>
   </p:sldMasterIdLst>
   <p:notesMasterIdLst>
-    <p:notesMasterId r:id="rId24"/>
+    <p:notesMasterId r:id="rId22"/>
   </p:notesMasterIdLst>
+  <p:handoutMasterIdLst>
+    <p:handoutMasterId r:id="rId23"/>
+  </p:handoutMasterIdLst>
   <p:sldIdLst>
     <p:sldId id="256" r:id="rId2"/>
     <p:sldId id="257" r:id="rId3"/>
@@ -14,22 +17,20 @@
     <p:sldId id="296" r:id="rId5"/>
     <p:sldId id="260" r:id="rId6"/>
     <p:sldId id="263" r:id="rId7"/>
-    <p:sldId id="284" r:id="rId8"/>
-    <p:sldId id="282" r:id="rId9"/>
-    <p:sldId id="283" r:id="rId10"/>
-    <p:sldId id="266" r:id="rId11"/>
-    <p:sldId id="265" r:id="rId12"/>
-    <p:sldId id="279" r:id="rId13"/>
-    <p:sldId id="290" r:id="rId14"/>
-    <p:sldId id="297" r:id="rId15"/>
-    <p:sldId id="298" r:id="rId16"/>
-    <p:sldId id="299" r:id="rId17"/>
-    <p:sldId id="291" r:id="rId18"/>
-    <p:sldId id="292" r:id="rId19"/>
-    <p:sldId id="293" r:id="rId20"/>
-    <p:sldId id="294" r:id="rId21"/>
-    <p:sldId id="295" r:id="rId22"/>
-    <p:sldId id="300" r:id="rId23"/>
+    <p:sldId id="282" r:id="rId8"/>
+    <p:sldId id="283" r:id="rId9"/>
+    <p:sldId id="266" r:id="rId10"/>
+    <p:sldId id="265" r:id="rId11"/>
+    <p:sldId id="279" r:id="rId12"/>
+    <p:sldId id="290" r:id="rId13"/>
+    <p:sldId id="297" r:id="rId14"/>
+    <p:sldId id="298" r:id="rId15"/>
+    <p:sldId id="299" r:id="rId16"/>
+    <p:sldId id="291" r:id="rId17"/>
+    <p:sldId id="292" r:id="rId18"/>
+    <p:sldId id="293" r:id="rId19"/>
+    <p:sldId id="294" r:id="rId20"/>
+    <p:sldId id="295" r:id="rId21"/>
   </p:sldIdLst>
   <p:sldSz cx="12192000" cy="6858000"/>
   <p:notesSz cx="6858000" cy="9144000"/>
@@ -131,10 +132,7 @@
   <p:extLst>
     <p:ext uri="{521415D9-36F7-43E2-AB2F-B90AF26B5E84}">
       <p14:sectionLst xmlns:p14="http://schemas.microsoft.com/office/powerpoint/2010/main">
-        <p14:section name="Default Section" id="{903451DC-1394-4BAE-8531-C08E7D1D4C72}">
-          <p14:sldIdLst/>
-        </p14:section>
-        <p14:section name="Introduction" id="{366B81FA-D754-4649-92C9-29222E20925F}">
+        <p14:section name="Introduction" id="{903451DC-1394-4BAE-8531-C08E7D1D4C72}">
           <p14:sldIdLst>
             <p14:sldId id="256"/>
             <p14:sldId id="257"/>
@@ -142,24 +140,19 @@
             <p14:sldId id="296"/>
           </p14:sldIdLst>
         </p14:section>
-        <p14:section name="Week 1" id="{AF9B1DF4-5ECC-490B-B410-7B0BC296F3FA}">
+        <p14:section name="Week 1" id="{ED8558EB-CF5E-497E-BF15-C3231FB877B2}">
           <p14:sldIdLst>
             <p14:sldId id="260"/>
             <p14:sldId id="263"/>
-            <p14:sldId id="284"/>
             <p14:sldId id="282"/>
             <p14:sldId id="283"/>
           </p14:sldIdLst>
         </p14:section>
-        <p14:section name="Week 2" id="{F9C3801E-A8F5-423A-A5A2-2DF27FF85F60}">
+        <p14:section name="Week 2" id="{D9B0A602-048B-4BBB-B5FA-DE7AA93B4919}">
           <p14:sldIdLst>
             <p14:sldId id="266"/>
             <p14:sldId id="265"/>
             <p14:sldId id="279"/>
-          </p14:sldIdLst>
-        </p14:section>
-        <p14:section name="Week 3" id="{FAB6F609-C86B-4367-B400-CB55F9EF9687}">
-          <p14:sldIdLst>
             <p14:sldId id="290"/>
             <p14:sldId id="297"/>
             <p14:sldId id="298"/>
@@ -167,13 +160,12 @@
             <p14:sldId id="291"/>
           </p14:sldIdLst>
         </p14:section>
-        <p14:section name="Week 4" id="{BA078203-8E97-4A63-9782-26216B636DE1}">
+        <p14:section name="Week 3" id="{98DA39BE-66FD-4BA8-9B3A-A39A503F9323}">
           <p14:sldIdLst>
             <p14:sldId id="292"/>
             <p14:sldId id="293"/>
             <p14:sldId id="294"/>
             <p14:sldId id="295"/>
-            <p14:sldId id="300"/>
           </p14:sldIdLst>
         </p14:section>
       </p14:sectionLst>
@@ -200,6 +192,171 @@
 <p1510:revInfo xmlns:a="http://schemas.openxmlformats.org/drawingml/2006/main" xmlns:r="http://schemas.openxmlformats.org/officeDocument/2006/relationships" xmlns:p1510="http://schemas.microsoft.com/office/powerpoint/2015/10/main"/>
 </file>
 
+<file path=ppt/handoutMasters/handoutMaster1.xml><?xml version="1.0" encoding="utf-8"?>
+<p:handoutMaster xmlns:a="http://schemas.openxmlformats.org/drawingml/2006/main" xmlns:r="http://schemas.openxmlformats.org/officeDocument/2006/relationships" xmlns:p="http://schemas.openxmlformats.org/presentationml/2006/main">
+  <p:cSld>
+    <p:bg>
+      <p:bgRef idx="1001">
+        <a:schemeClr val="bg1"/>
+      </p:bgRef>
+    </p:bg>
+    <p:spTree>
+      <p:nvGrpSpPr>
+        <p:cNvPr id="1" name=""/>
+        <p:cNvGrpSpPr/>
+        <p:nvPr/>
+      </p:nvGrpSpPr>
+      <p:grpSpPr>
+        <a:xfrm>
+          <a:off x="0" y="0"/>
+          <a:ext cx="0" cy="0"/>
+          <a:chOff x="0" y="0"/>
+          <a:chExt cx="0" cy="0"/>
+        </a:xfrm>
+      </p:grpSpPr>
+      <p:sp>
+        <p:nvSpPr>
+          <p:cNvPr id="2" name="Header Placeholder 1"/>
+          <p:cNvSpPr>
+            <a:spLocks noGrp="1"/>
+          </p:cNvSpPr>
+          <p:nvPr>
+            <p:ph type="hdr" sz="quarter"/>
+          </p:nvPr>
+        </p:nvSpPr>
+        <p:spPr>
+          <a:xfrm>
+            <a:off x="0" y="0"/>
+            <a:ext cx="2971800" cy="458788"/>
+          </a:xfrm>
+          <a:prstGeom prst="rect">
+            <a:avLst/>
+          </a:prstGeom>
+        </p:spPr>
+        <p:txBody>
+          <a:bodyPr vert="horz" lIns="91440" tIns="45720" rIns="91440" bIns="45720" rtlCol="0"/>
+          <a:lstStyle>
+            <a:lvl1pPr algn="l">
+              <a:defRPr sz="1200"/>
+            </a:lvl1pPr>
+          </a:lstStyle>
+          <a:p>
+            <a:endParaRPr lang="en-US"/>
+          </a:p>
+        </p:txBody>
+      </p:sp>
+      <p:sp>
+        <p:nvSpPr>
+          <p:cNvPr id="3" name="Date Placeholder 2"/>
+          <p:cNvSpPr>
+            <a:spLocks noGrp="1"/>
+          </p:cNvSpPr>
+          <p:nvPr>
+            <p:ph type="dt" sz="quarter" idx="1"/>
+          </p:nvPr>
+        </p:nvSpPr>
+        <p:spPr>
+          <a:xfrm>
+            <a:off x="3884613" y="0"/>
+            <a:ext cx="2971800" cy="458788"/>
+          </a:xfrm>
+          <a:prstGeom prst="rect">
+            <a:avLst/>
+          </a:prstGeom>
+        </p:spPr>
+        <p:txBody>
+          <a:bodyPr vert="horz" lIns="91440" tIns="45720" rIns="91440" bIns="45720" rtlCol="0"/>
+          <a:lstStyle>
+            <a:lvl1pPr algn="r">
+              <a:defRPr sz="1200"/>
+            </a:lvl1pPr>
+          </a:lstStyle>
+          <a:p>
+            <a:fld id="{3F5B13E4-0C70-0A4F-9943-D548592DF49E}" type="datetimeFigureOut">
+              <a:rPr lang="en-US" smtClean="0"/>
+              <a:t>06-Aug-17</a:t>
+            </a:fld>
+            <a:endParaRPr lang="en-US"/>
+          </a:p>
+        </p:txBody>
+      </p:sp>
+      <p:sp>
+        <p:nvSpPr>
+          <p:cNvPr id="4" name="Footer Placeholder 3"/>
+          <p:cNvSpPr>
+            <a:spLocks noGrp="1"/>
+          </p:cNvSpPr>
+          <p:nvPr>
+            <p:ph type="ftr" sz="quarter" idx="2"/>
+          </p:nvPr>
+        </p:nvSpPr>
+        <p:spPr>
+          <a:xfrm>
+            <a:off x="0" y="8685213"/>
+            <a:ext cx="2971800" cy="458787"/>
+          </a:xfrm>
+          <a:prstGeom prst="rect">
+            <a:avLst/>
+          </a:prstGeom>
+        </p:spPr>
+        <p:txBody>
+          <a:bodyPr vert="horz" lIns="91440" tIns="45720" rIns="91440" bIns="45720" rtlCol="0" anchor="b"/>
+          <a:lstStyle>
+            <a:lvl1pPr algn="l">
+              <a:defRPr sz="1200"/>
+            </a:lvl1pPr>
+          </a:lstStyle>
+          <a:p>
+            <a:endParaRPr lang="en-US"/>
+          </a:p>
+        </p:txBody>
+      </p:sp>
+      <p:sp>
+        <p:nvSpPr>
+          <p:cNvPr id="5" name="Slide Number Placeholder 4"/>
+          <p:cNvSpPr>
+            <a:spLocks noGrp="1"/>
+          </p:cNvSpPr>
+          <p:nvPr>
+            <p:ph type="sldNum" sz="quarter" idx="3"/>
+          </p:nvPr>
+        </p:nvSpPr>
+        <p:spPr>
+          <a:xfrm>
+            <a:off x="3884613" y="8685213"/>
+            <a:ext cx="2971800" cy="458787"/>
+          </a:xfrm>
+          <a:prstGeom prst="rect">
+            <a:avLst/>
+          </a:prstGeom>
+        </p:spPr>
+        <p:txBody>
+          <a:bodyPr vert="horz" lIns="91440" tIns="45720" rIns="91440" bIns="45720" rtlCol="0" anchor="b"/>
+          <a:lstStyle>
+            <a:lvl1pPr algn="r">
+              <a:defRPr sz="1200"/>
+            </a:lvl1pPr>
+          </a:lstStyle>
+          <a:p>
+            <a:fld id="{BB1E3D2A-BB18-B147-9EBA-E44C5CB81308}" type="slidenum">
+              <a:rPr lang="en-US" smtClean="0"/>
+              <a:t>‹#›</a:t>
+            </a:fld>
+            <a:endParaRPr lang="en-US"/>
+          </a:p>
+        </p:txBody>
+      </p:sp>
+    </p:spTree>
+    <p:extLst>
+      <p:ext uri="{BB962C8B-B14F-4D97-AF65-F5344CB8AC3E}">
+        <p14:creationId xmlns:p14="http://schemas.microsoft.com/office/powerpoint/2010/main" val="1710341497"/>
+      </p:ext>
+    </p:extLst>
+  </p:cSld>
+  <p:clrMap bg1="lt1" tx1="dk1" bg2="lt2" tx2="dk2" accent1="accent1" accent2="accent2" accent3="accent3" accent4="accent4" accent5="accent5" accent6="accent6" hlink="hlink" folHlink="folHlink"/>
+</p:handoutMaster>
+</file>
+
 <file path=ppt/notesMasters/notesMaster1.xml><?xml version="1.0" encoding="utf-8"?>
 <p:notesMaster xmlns:a="http://schemas.openxmlformats.org/drawingml/2006/main" xmlns:r="http://schemas.openxmlformats.org/officeDocument/2006/relationships" xmlns:p="http://schemas.openxmlformats.org/presentationml/2006/main">
   <p:cSld>
@@ -282,7 +439,7 @@
           <a:p>
             <a:fld id="{4185243A-FD7B-4629-BD73-22CC1259F9E9}" type="datetimeFigureOut">
               <a:rPr lang="en-US" smtClean="0"/>
-              <a:t>26-Jul-17</a:t>
+              <a:t>06-Aug-17</a:t>
             </a:fld>
             <a:endParaRPr lang="en-US"/>
           </a:p>
@@ -680,7 +837,7 @@
           <a:p>
             <a:fld id="{CC6F718F-701E-4707-8408-57D61FEAC21D}" type="datetimeFigureOut">
               <a:rPr lang="en-US" smtClean="0"/>
-              <a:t>26-Jul-17</a:t>
+              <a:t>06-Aug-17</a:t>
             </a:fld>
             <a:endParaRPr lang="en-US"/>
           </a:p>
@@ -850,7 +1007,7 @@
           <a:p>
             <a:fld id="{CC6F718F-701E-4707-8408-57D61FEAC21D}" type="datetimeFigureOut">
               <a:rPr lang="en-US" smtClean="0"/>
-              <a:t>26-Jul-17</a:t>
+              <a:t>06-Aug-17</a:t>
             </a:fld>
             <a:endParaRPr lang="en-US"/>
           </a:p>
@@ -1030,7 +1187,7 @@
           <a:p>
             <a:fld id="{CC6F718F-701E-4707-8408-57D61FEAC21D}" type="datetimeFigureOut">
               <a:rPr lang="en-US" smtClean="0"/>
-              <a:t>26-Jul-17</a:t>
+              <a:t>06-Aug-17</a:t>
             </a:fld>
             <a:endParaRPr lang="en-US"/>
           </a:p>
@@ -1200,7 +1357,7 @@
           <a:p>
             <a:fld id="{CC6F718F-701E-4707-8408-57D61FEAC21D}" type="datetimeFigureOut">
               <a:rPr lang="en-US" smtClean="0"/>
-              <a:t>26-Jul-17</a:t>
+              <a:t>06-Aug-17</a:t>
             </a:fld>
             <a:endParaRPr lang="en-US"/>
           </a:p>
@@ -1446,7 +1603,7 @@
           <a:p>
             <a:fld id="{CC6F718F-701E-4707-8408-57D61FEAC21D}" type="datetimeFigureOut">
               <a:rPr lang="en-US" smtClean="0"/>
-              <a:t>26-Jul-17</a:t>
+              <a:t>06-Aug-17</a:t>
             </a:fld>
             <a:endParaRPr lang="en-US"/>
           </a:p>
@@ -1678,7 +1835,7 @@
           <a:p>
             <a:fld id="{CC6F718F-701E-4707-8408-57D61FEAC21D}" type="datetimeFigureOut">
               <a:rPr lang="en-US" smtClean="0"/>
-              <a:t>26-Jul-17</a:t>
+              <a:t>06-Aug-17</a:t>
             </a:fld>
             <a:endParaRPr lang="en-US"/>
           </a:p>
@@ -2045,7 +2202,7 @@
           <a:p>
             <a:fld id="{CC6F718F-701E-4707-8408-57D61FEAC21D}" type="datetimeFigureOut">
               <a:rPr lang="en-US" smtClean="0"/>
-              <a:t>26-Jul-17</a:t>
+              <a:t>06-Aug-17</a:t>
             </a:fld>
             <a:endParaRPr lang="en-US"/>
           </a:p>
@@ -2163,7 +2320,7 @@
           <a:p>
             <a:fld id="{CC6F718F-701E-4707-8408-57D61FEAC21D}" type="datetimeFigureOut">
               <a:rPr lang="en-US" smtClean="0"/>
-              <a:t>26-Jul-17</a:t>
+              <a:t>06-Aug-17</a:t>
             </a:fld>
             <a:endParaRPr lang="en-US"/>
           </a:p>
@@ -2258,7 +2415,7 @@
           <a:p>
             <a:fld id="{CC6F718F-701E-4707-8408-57D61FEAC21D}" type="datetimeFigureOut">
               <a:rPr lang="en-US" smtClean="0"/>
-              <a:t>26-Jul-17</a:t>
+              <a:t>06-Aug-17</a:t>
             </a:fld>
             <a:endParaRPr lang="en-US"/>
           </a:p>
@@ -2535,7 +2692,7 @@
           <a:p>
             <a:fld id="{CC6F718F-701E-4707-8408-57D61FEAC21D}" type="datetimeFigureOut">
               <a:rPr lang="en-US" smtClean="0"/>
-              <a:t>26-Jul-17</a:t>
+              <a:t>06-Aug-17</a:t>
             </a:fld>
             <a:endParaRPr lang="en-US"/>
           </a:p>
@@ -2792,7 +2949,7 @@
           <a:p>
             <a:fld id="{CC6F718F-701E-4707-8408-57D61FEAC21D}" type="datetimeFigureOut">
               <a:rPr lang="en-US" smtClean="0"/>
-              <a:t>26-Jul-17</a:t>
+              <a:t>06-Aug-17</a:t>
             </a:fld>
             <a:endParaRPr lang="en-US"/>
           </a:p>
@@ -3005,7 +3162,7 @@
           <a:p>
             <a:fld id="{CC6F718F-701E-4707-8408-57D61FEAC21D}" type="datetimeFigureOut">
               <a:rPr lang="en-US" smtClean="0"/>
-              <a:t>26-Jul-17</a:t>
+              <a:t>06-Aug-17</a:t>
             </a:fld>
             <a:endParaRPr lang="en-US"/>
           </a:p>
@@ -3682,7 +3839,7 @@
             <a:r>
               <a:rPr lang="en-US" dirty="0">
                 <a:solidFill>
-                  <a:srgbClr val="66FF33"/>
+                  <a:schemeClr val="accent1"/>
                 </a:solidFill>
               </a:rPr>
               <a:t>Installation of Arduino Pro Micro</a:t>
@@ -3693,7 +3850,7 @@
             <a:r>
               <a:rPr lang="en-US" dirty="0">
                 <a:solidFill>
-                  <a:srgbClr val="66FF33"/>
+                  <a:schemeClr val="accent1"/>
                 </a:solidFill>
               </a:rPr>
               <a:t>AT Command of HC-06</a:t>
@@ -3811,444 +3968,6 @@
       </p:grpSpPr>
       <p:sp>
         <p:nvSpPr>
-          <p:cNvPr id="5" name="Title 1"/>
-          <p:cNvSpPr>
-            <a:spLocks noGrp="1"/>
-          </p:cNvSpPr>
-          <p:nvPr>
-            <p:ph type="title"/>
-          </p:nvPr>
-        </p:nvSpPr>
-        <p:spPr>
-          <a:xfrm>
-            <a:off x="2057400" y="152400"/>
-            <a:ext cx="8229600" cy="1143000"/>
-          </a:xfrm>
-        </p:spPr>
-        <p:txBody>
-          <a:bodyPr>
-            <a:normAutofit/>
-          </a:bodyPr>
-          <a:lstStyle/>
-          <a:p>
-            <a:pPr algn="ctr"/>
-            <a:r>
-              <a:rPr lang="en-US" sz="5400" dirty="0">
-                <a:latin typeface="Bauhaus 93" panose="04030905020B02020C02" pitchFamily="82" charset="0"/>
-              </a:rPr>
-              <a:t>Building Procedures</a:t>
-            </a:r>
-          </a:p>
-        </p:txBody>
-      </p:sp>
-      <p:sp>
-        <p:nvSpPr>
-          <p:cNvPr id="3" name="Content Placeholder 2"/>
-          <p:cNvSpPr>
-            <a:spLocks noGrp="1"/>
-          </p:cNvSpPr>
-          <p:nvPr>
-            <p:ph idx="1"/>
-          </p:nvPr>
-        </p:nvSpPr>
-        <p:spPr>
-          <a:xfrm>
-            <a:off x="457200" y="1094264"/>
-            <a:ext cx="11506200" cy="2626177"/>
-          </a:xfrm>
-        </p:spPr>
-        <p:txBody>
-          <a:bodyPr>
-            <a:normAutofit/>
-          </a:bodyPr>
-          <a:lstStyle/>
-          <a:p>
-            <a:pPr marL="0" indent="0">
-              <a:buNone/>
-            </a:pPr>
-            <a:r>
-              <a:rPr lang="en-US" sz="4000" dirty="0"/>
-              <a:t>Step 3:</a:t>
-            </a:r>
-          </a:p>
-          <a:p>
-            <a:pPr>
-              <a:buFont typeface="Wingdings" panose="05000000000000000000" pitchFamily="2" charset="2"/>
-              <a:buChar char="ü"/>
-            </a:pPr>
-            <a:r>
-              <a:rPr lang="en-SG" sz="3000" dirty="0">
-                <a:latin typeface="Arial"/>
-              </a:rPr>
-              <a:t>Assemble and make connections </a:t>
-            </a:r>
-          </a:p>
-          <a:p>
-            <a:pPr lvl="0">
-              <a:buClr>
-                <a:srgbClr val="AA2B1E"/>
-              </a:buClr>
-              <a:buFont typeface="Wingdings" panose="05000000000000000000" pitchFamily="2" charset="2"/>
-              <a:buChar char="q"/>
-            </a:pPr>
-            <a:r>
-              <a:rPr lang="en-SG" sz="2600" dirty="0">
-                <a:solidFill>
-                  <a:prstClr val="black"/>
-                </a:solidFill>
-                <a:latin typeface="Arial" panose="020B0604020202020204" pitchFamily="34" charset="0"/>
-                <a:cs typeface="Arial" panose="020B0604020202020204" pitchFamily="34" charset="0"/>
-              </a:rPr>
-              <a:t>Solder the necessary components according to the </a:t>
-            </a:r>
-            <a:r>
-              <a:rPr lang="en-SG" sz="2600" u="sng" dirty="0">
-                <a:solidFill>
-                  <a:prstClr val="black"/>
-                </a:solidFill>
-                <a:latin typeface="Arial" panose="020B0604020202020204" pitchFamily="34" charset="0"/>
-                <a:cs typeface="Arial" panose="020B0604020202020204" pitchFamily="34" charset="0"/>
-              </a:rPr>
-              <a:t>schematic diagram</a:t>
-            </a:r>
-            <a:r>
-              <a:rPr lang="en-SG" sz="2600" dirty="0">
-                <a:solidFill>
-                  <a:prstClr val="black"/>
-                </a:solidFill>
-                <a:latin typeface="Arial" panose="020B0604020202020204" pitchFamily="34" charset="0"/>
-                <a:cs typeface="Arial" panose="020B0604020202020204" pitchFamily="34" charset="0"/>
-              </a:rPr>
-              <a:t> shown on the next slide</a:t>
-            </a:r>
-          </a:p>
-          <a:p>
-            <a:pPr lvl="0">
-              <a:buClr>
-                <a:srgbClr val="AA2B1E"/>
-              </a:buClr>
-              <a:buFont typeface="Wingdings" panose="05000000000000000000" pitchFamily="2" charset="2"/>
-              <a:buChar char="q"/>
-            </a:pPr>
-            <a:r>
-              <a:rPr lang="en-US" sz="2600" dirty="0">
-                <a:solidFill>
-                  <a:prstClr val="black"/>
-                </a:solidFill>
-                <a:latin typeface="Arial" panose="020B0604020202020204" pitchFamily="34" charset="0"/>
-                <a:cs typeface="Arial" panose="020B0604020202020204" pitchFamily="34" charset="0"/>
-              </a:rPr>
-              <a:t>Usage of mini breadboard can be </a:t>
-            </a:r>
-            <a:r>
-              <a:rPr lang="en-US" sz="2600" u="sng" dirty="0">
-                <a:solidFill>
-                  <a:prstClr val="black"/>
-                </a:solidFill>
-                <a:latin typeface="Arial" panose="020B0604020202020204" pitchFamily="34" charset="0"/>
-                <a:cs typeface="Arial" panose="020B0604020202020204" pitchFamily="34" charset="0"/>
-              </a:rPr>
-              <a:t>optional</a:t>
-            </a:r>
-            <a:endParaRPr lang="en-US" sz="2400" dirty="0">
-              <a:solidFill>
-                <a:prstClr val="black"/>
-              </a:solidFill>
-              <a:latin typeface="+mj-lt"/>
-            </a:endParaRPr>
-          </a:p>
-          <a:p>
-            <a:pPr marL="0" indent="0">
-              <a:buNone/>
-            </a:pPr>
-            <a:endParaRPr lang="en-SG" b="0" i="0" u="none" strike="noStrike" dirty="0">
-              <a:latin typeface="+mj-lt"/>
-            </a:endParaRPr>
-          </a:p>
-        </p:txBody>
-      </p:sp>
-      <p:pic>
-        <p:nvPicPr>
-          <p:cNvPr id="8194" name="Picture 2"/>
-          <p:cNvPicPr>
-            <a:picLocks noChangeAspect="1" noChangeArrowheads="1"/>
-          </p:cNvPicPr>
-          <p:nvPr/>
-        </p:nvPicPr>
-        <p:blipFill>
-          <a:blip r:embed="rId2" cstate="print">
-            <a:extLst>
-              <a:ext uri="{28A0092B-C50C-407E-A947-70E740481C1C}">
-                <a14:useLocalDpi xmlns:a14="http://schemas.microsoft.com/office/drawing/2010/main" val="0"/>
-              </a:ext>
-            </a:extLst>
-          </a:blip>
-          <a:srcRect/>
-          <a:stretch>
-            <a:fillRect/>
-          </a:stretch>
-        </p:blipFill>
-        <p:spPr bwMode="auto">
-          <a:xfrm>
-            <a:off x="5546619" y="3849276"/>
-            <a:ext cx="5157982" cy="2932889"/>
-          </a:xfrm>
-          <a:prstGeom prst="rect">
-            <a:avLst/>
-          </a:prstGeom>
-          <a:noFill/>
-          <a:ln>
-            <a:noFill/>
-          </a:ln>
-          <a:effectLst/>
-          <a:extLst>
-            <a:ext uri="{909E8E84-426E-40DD-AFC4-6F175D3DCCD1}">
-              <a14:hiddenFill xmlns:a14="http://schemas.microsoft.com/office/drawing/2010/main">
-                <a:solidFill>
-                  <a:schemeClr val="accent1"/>
-                </a:solidFill>
-              </a14:hiddenFill>
-            </a:ext>
-            <a:ext uri="{91240B29-F687-4F45-9708-019B960494DF}">
-              <a14:hiddenLine xmlns:a14="http://schemas.microsoft.com/office/drawing/2010/main" w="9525">
-                <a:solidFill>
-                  <a:schemeClr val="tx1"/>
-                </a:solidFill>
-                <a:miter lim="800000"/>
-                <a:headEnd/>
-                <a:tailEnd/>
-              </a14:hiddenLine>
-            </a:ext>
-            <a:ext uri="{AF507438-7753-43E0-B8FC-AC1667EBCBE1}">
-              <a14:hiddenEffects xmlns:a14="http://schemas.microsoft.com/office/drawing/2010/main">
-                <a:effectLst>
-                  <a:outerShdw dist="35921" dir="2700000" algn="ctr" rotWithShape="0">
-                    <a:schemeClr val="bg2"/>
-                  </a:outerShdw>
-                </a:effectLst>
-              </a14:hiddenEffects>
-            </a:ext>
-          </a:extLst>
-        </p:spPr>
-      </p:pic>
-      <p:sp>
-        <p:nvSpPr>
-          <p:cNvPr id="2" name="Rectangle 1"/>
-          <p:cNvSpPr/>
-          <p:nvPr/>
-        </p:nvSpPr>
-        <p:spPr>
-          <a:xfrm>
-            <a:off x="6324601" y="6252016"/>
-            <a:ext cx="3770909" cy="536054"/>
-          </a:xfrm>
-          <a:prstGeom prst="rect">
-            <a:avLst/>
-          </a:prstGeom>
-        </p:spPr>
-        <p:txBody>
-          <a:bodyPr wrap="square">
-            <a:spAutoFit/>
-          </a:bodyPr>
-          <a:lstStyle/>
-          <a:p>
-            <a:pPr algn="ctr"/>
-            <a:r>
-              <a:rPr lang="en-US" sz="2800" dirty="0">
-                <a:solidFill>
-                  <a:schemeClr val="bg1"/>
-                </a:solidFill>
-                <a:effectLst>
-                  <a:outerShdw blurRad="38100" dist="38100" dir="2700000" algn="tl">
-                    <a:srgbClr val="000000">
-                      <a:alpha val="43137"/>
-                    </a:srgbClr>
-                  </a:outerShdw>
-                </a:effectLst>
-                <a:latin typeface="Arial" panose="020B0604020202020204" pitchFamily="34" charset="0"/>
-                <a:ea typeface="+mj-ea"/>
-                <a:cs typeface="Arial" panose="020B0604020202020204" pitchFamily="34" charset="0"/>
-              </a:rPr>
-              <a:t>Sample</a:t>
-            </a:r>
-            <a:endParaRPr lang="en-US" sz="2800" dirty="0">
-              <a:solidFill>
-                <a:schemeClr val="bg1"/>
-              </a:solidFill>
-              <a:effectLst>
-                <a:outerShdw blurRad="38100" dist="38100" dir="2700000" algn="tl">
-                  <a:srgbClr val="000000">
-                    <a:alpha val="43137"/>
-                  </a:srgbClr>
-                </a:outerShdw>
-              </a:effectLst>
-              <a:latin typeface="Arial" panose="020B0604020202020204" pitchFamily="34" charset="0"/>
-              <a:cs typeface="Arial" panose="020B0604020202020204" pitchFamily="34" charset="0"/>
-            </a:endParaRPr>
-          </a:p>
-        </p:txBody>
-      </p:sp>
-      <p:pic>
-        <p:nvPicPr>
-          <p:cNvPr id="4" name="Picture 3">
-            <a:extLst>
-              <a:ext uri="{FF2B5EF4-FFF2-40B4-BE49-F238E27FC236}">
-                <a16:creationId xmlns:a16="http://schemas.microsoft.com/office/drawing/2014/main" id="{10E1A6D6-1C08-4043-A3D4-08369D5663AD}"/>
-              </a:ext>
-            </a:extLst>
-          </p:cNvPr>
-          <p:cNvPicPr>
-            <a:picLocks noChangeAspect="1"/>
-          </p:cNvPicPr>
-          <p:nvPr/>
-        </p:nvPicPr>
-        <p:blipFill>
-          <a:blip r:embed="rId3"/>
-          <a:stretch>
-            <a:fillRect/>
-          </a:stretch>
-        </p:blipFill>
-        <p:spPr>
-          <a:xfrm>
-            <a:off x="1099457" y="3844319"/>
-            <a:ext cx="4267200" cy="2953215"/>
-          </a:xfrm>
-          <a:prstGeom prst="rect">
-            <a:avLst/>
-          </a:prstGeom>
-        </p:spPr>
-      </p:pic>
-      <p:sp>
-        <p:nvSpPr>
-          <p:cNvPr id="7" name="Rectangle 6">
-            <a:extLst>
-              <a:ext uri="{FF2B5EF4-FFF2-40B4-BE49-F238E27FC236}">
-                <a16:creationId xmlns:a16="http://schemas.microsoft.com/office/drawing/2014/main" id="{CC34D299-84C7-438D-BACC-4C1E870E23D8}"/>
-              </a:ext>
-            </a:extLst>
-          </p:cNvPr>
-          <p:cNvSpPr/>
-          <p:nvPr/>
-        </p:nvSpPr>
-        <p:spPr>
-          <a:xfrm>
-            <a:off x="1219200" y="6205708"/>
-            <a:ext cx="3770909" cy="536054"/>
-          </a:xfrm>
-          <a:prstGeom prst="rect">
-            <a:avLst/>
-          </a:prstGeom>
-        </p:spPr>
-        <p:txBody>
-          <a:bodyPr wrap="square">
-            <a:spAutoFit/>
-          </a:bodyPr>
-          <a:lstStyle/>
-          <a:p>
-            <a:pPr algn="ctr"/>
-            <a:r>
-              <a:rPr lang="en-US" sz="2800" dirty="0">
-                <a:solidFill>
-                  <a:schemeClr val="bg1"/>
-                </a:solidFill>
-                <a:effectLst>
-                  <a:outerShdw blurRad="38100" dist="38100" dir="2700000" algn="tl">
-                    <a:srgbClr val="000000">
-                      <a:alpha val="43137"/>
-                    </a:srgbClr>
-                  </a:outerShdw>
-                </a:effectLst>
-                <a:latin typeface="Arial" panose="020B0604020202020204" pitchFamily="34" charset="0"/>
-                <a:ea typeface="+mj-ea"/>
-                <a:cs typeface="Arial" panose="020B0604020202020204" pitchFamily="34" charset="0"/>
-              </a:rPr>
-              <a:t>Sample</a:t>
-            </a:r>
-            <a:endParaRPr lang="en-US" sz="2800" dirty="0">
-              <a:solidFill>
-                <a:schemeClr val="bg1"/>
-              </a:solidFill>
-              <a:effectLst>
-                <a:outerShdw blurRad="38100" dist="38100" dir="2700000" algn="tl">
-                  <a:srgbClr val="000000">
-                    <a:alpha val="43137"/>
-                  </a:srgbClr>
-                </a:outerShdw>
-              </a:effectLst>
-              <a:latin typeface="Arial" panose="020B0604020202020204" pitchFamily="34" charset="0"/>
-              <a:cs typeface="Arial" panose="020B0604020202020204" pitchFamily="34" charset="0"/>
-            </a:endParaRPr>
-          </a:p>
-        </p:txBody>
-      </p:sp>
-      <p:sp>
-        <p:nvSpPr>
-          <p:cNvPr id="6" name="TextBox 5">
-            <a:extLst>
-              <a:ext uri="{FF2B5EF4-FFF2-40B4-BE49-F238E27FC236}">
-                <a16:creationId xmlns:a16="http://schemas.microsoft.com/office/drawing/2014/main" id="{355FB895-6700-4816-BD7E-54009D2451B1}"/>
-              </a:ext>
-            </a:extLst>
-          </p:cNvPr>
-          <p:cNvSpPr txBox="1"/>
-          <p:nvPr/>
-        </p:nvSpPr>
-        <p:spPr>
-          <a:xfrm>
-            <a:off x="1066800" y="3573723"/>
-            <a:ext cx="10058400" cy="276999"/>
-          </a:xfrm>
-          <a:prstGeom prst="rect">
-            <a:avLst/>
-          </a:prstGeom>
-          <a:noFill/>
-        </p:spPr>
-        <p:txBody>
-          <a:bodyPr wrap="square" rtlCol="0">
-            <a:spAutoFit/>
-          </a:bodyPr>
-          <a:lstStyle/>
-          <a:p>
-            <a:pPr algn="ctr"/>
-            <a:r>
-              <a:rPr lang="en-US" sz="1200" b="1" u="sng" dirty="0"/>
-              <a:t>These samples are for illustration purposes only, please do not use them as your technical reference</a:t>
-            </a:r>
-          </a:p>
-        </p:txBody>
-      </p:sp>
-    </p:spTree>
-    <p:extLst>
-      <p:ext uri="{BB962C8B-B14F-4D97-AF65-F5344CB8AC3E}">
-        <p14:creationId xmlns:p14="http://schemas.microsoft.com/office/powerpoint/2010/main" val="370158499"/>
-      </p:ext>
-    </p:extLst>
-  </p:cSld>
-  <p:clrMapOvr>
-    <a:masterClrMapping/>
-  </p:clrMapOvr>
-</p:sld>
-</file>
-
-<file path=ppt/slides/slide11.xml><?xml version="1.0" encoding="utf-8"?>
-<p:sld xmlns:a="http://schemas.openxmlformats.org/drawingml/2006/main" xmlns:r="http://schemas.openxmlformats.org/officeDocument/2006/relationships" xmlns:p="http://schemas.openxmlformats.org/presentationml/2006/main">
-  <p:cSld>
-    <p:spTree>
-      <p:nvGrpSpPr>
-        <p:cNvPr id="1" name=""/>
-        <p:cNvGrpSpPr/>
-        <p:nvPr/>
-      </p:nvGrpSpPr>
-      <p:grpSpPr>
-        <a:xfrm>
-          <a:off x="0" y="0"/>
-          <a:ext cx="0" cy="0"/>
-          <a:chOff x="0" y="0"/>
-          <a:chExt cx="0" cy="0"/>
-        </a:xfrm>
-      </p:grpSpPr>
-      <p:sp>
-        <p:nvSpPr>
           <p:cNvPr id="4" name="Title 1">
             <a:extLst>
               <a:ext uri="{FF2B5EF4-FFF2-40B4-BE49-F238E27FC236}">
@@ -4263,7 +3982,7 @@
         </p:nvSpPr>
         <p:spPr>
           <a:xfrm>
-            <a:off x="1701563" y="-75470"/>
+            <a:off x="1943100" y="0"/>
             <a:ext cx="8229600" cy="1143000"/>
           </a:xfrm>
           <a:prstGeom prst="rect">
@@ -4299,17 +4018,17 @@
               <a:rPr lang="en-US" sz="5400" dirty="0">
                 <a:latin typeface="Bauhaus 93" panose="04030905020B02020C02" pitchFamily="82" charset="0"/>
               </a:rPr>
-              <a:t>Schematic Diagram</a:t>
+              <a:t>Wiring Diagram</a:t>
             </a:r>
           </a:p>
         </p:txBody>
       </p:sp>
       <p:grpSp>
         <p:nvGrpSpPr>
-          <p:cNvPr id="31" name="Group 30">
+          <p:cNvPr id="5" name="Group 4">
             <a:extLst>
               <a:ext uri="{FF2B5EF4-FFF2-40B4-BE49-F238E27FC236}">
-                <a16:creationId xmlns:a16="http://schemas.microsoft.com/office/drawing/2014/main" id="{27C51DC5-2E52-44B5-86E0-89FE34380705}"/>
+                <a16:creationId xmlns:a16="http://schemas.microsoft.com/office/drawing/2014/main" id="{89922CD8-C3F8-4919-A160-93C7D80E1A5D}"/>
               </a:ext>
             </a:extLst>
           </p:cNvPr>
@@ -4318,7 +4037,7 @@
         </p:nvGrpSpPr>
         <p:grpSpPr>
           <a:xfrm>
-            <a:off x="952500" y="838200"/>
+            <a:off x="838200" y="914400"/>
             <a:ext cx="10363200" cy="5795913"/>
             <a:chOff x="381000" y="1062087"/>
             <a:chExt cx="10363200" cy="5795913"/>
@@ -4326,10 +4045,10 @@
         </p:grpSpPr>
         <p:pic>
           <p:nvPicPr>
-            <p:cNvPr id="23" name="Picture 22">
+            <p:cNvPr id="6" name="Picture 5">
               <a:extLst>
                 <a:ext uri="{FF2B5EF4-FFF2-40B4-BE49-F238E27FC236}">
-                  <a16:creationId xmlns:a16="http://schemas.microsoft.com/office/drawing/2014/main" id="{84D73CD4-0DA0-46D0-A1F0-DC05E2FAB166}"/>
+                  <a16:creationId xmlns:a16="http://schemas.microsoft.com/office/drawing/2014/main" id="{F35E733F-57CF-4B99-AA2A-6DA1B3D1488B}"/>
                 </a:ext>
               </a:extLst>
             </p:cNvPr>
@@ -4356,10 +4075,10 @@
         </p:pic>
         <p:pic>
           <p:nvPicPr>
-            <p:cNvPr id="26" name="Picture 25">
+            <p:cNvPr id="7" name="Picture 6">
               <a:extLst>
                 <a:ext uri="{FF2B5EF4-FFF2-40B4-BE49-F238E27FC236}">
-                  <a16:creationId xmlns:a16="http://schemas.microsoft.com/office/drawing/2014/main" id="{80B2BB81-7287-4E54-9CC9-8FDA27697858}"/>
+                  <a16:creationId xmlns:a16="http://schemas.microsoft.com/office/drawing/2014/main" id="{E1065FEB-0D53-4405-AF8E-CE05E44AED07}"/>
                 </a:ext>
               </a:extLst>
             </p:cNvPr>
@@ -4386,7 +4105,13 @@
         </p:pic>
         <p:pic>
           <p:nvPicPr>
-            <p:cNvPr id="5123" name="Picture 3" descr="C:\Users\Geng Ting\Downloads\BuildABot_Schematic_Connections.png"/>
+            <p:cNvPr id="8" name="Picture 3" descr="C:\Users\Geng Ting\Downloads\BuildABot_Schematic_Connections.png">
+              <a:extLst>
+                <a:ext uri="{FF2B5EF4-FFF2-40B4-BE49-F238E27FC236}">
+                  <a16:creationId xmlns:a16="http://schemas.microsoft.com/office/drawing/2014/main" id="{AF46AF1E-A5FD-467A-9D98-F50E025652B3}"/>
+                </a:ext>
+              </a:extLst>
+            </p:cNvPr>
             <p:cNvPicPr>
               <a:picLocks noChangeAspect="1" noChangeArrowheads="1"/>
             </p:cNvPicPr>
@@ -4427,10 +4152,10 @@
         </p:pic>
         <p:cxnSp>
           <p:nvCxnSpPr>
-            <p:cNvPr id="6" name="Straight Connector 5">
+            <p:cNvPr id="9" name="Straight Connector 8">
               <a:extLst>
                 <a:ext uri="{FF2B5EF4-FFF2-40B4-BE49-F238E27FC236}">
-                  <a16:creationId xmlns:a16="http://schemas.microsoft.com/office/drawing/2014/main" id="{951511C7-4304-4BD7-A14F-2F25A95F8404}"/>
+                  <a16:creationId xmlns:a16="http://schemas.microsoft.com/office/drawing/2014/main" id="{E3C18098-992D-4E73-A5B6-7D40492304FE}"/>
                 </a:ext>
               </a:extLst>
             </p:cNvPr>
@@ -4470,10 +4195,10 @@
         </p:cxnSp>
         <p:cxnSp>
           <p:nvCxnSpPr>
-            <p:cNvPr id="9" name="Straight Connector 8">
+            <p:cNvPr id="10" name="Straight Connector 9">
               <a:extLst>
                 <a:ext uri="{FF2B5EF4-FFF2-40B4-BE49-F238E27FC236}">
-                  <a16:creationId xmlns:a16="http://schemas.microsoft.com/office/drawing/2014/main" id="{EDBCFE26-084C-43DA-8194-A5BA624D1FB0}"/>
+                  <a16:creationId xmlns:a16="http://schemas.microsoft.com/office/drawing/2014/main" id="{5CF0A362-C538-40CB-B97D-FD1BD4438A12}"/>
                 </a:ext>
               </a:extLst>
             </p:cNvPr>
@@ -4513,10 +4238,10 @@
         </p:cxnSp>
         <p:cxnSp>
           <p:nvCxnSpPr>
-            <p:cNvPr id="18" name="Straight Connector 17">
+            <p:cNvPr id="11" name="Straight Connector 10">
               <a:extLst>
                 <a:ext uri="{FF2B5EF4-FFF2-40B4-BE49-F238E27FC236}">
-                  <a16:creationId xmlns:a16="http://schemas.microsoft.com/office/drawing/2014/main" id="{98C317C3-7C5B-4499-96B9-72BEC31AF8BF}"/>
+                  <a16:creationId xmlns:a16="http://schemas.microsoft.com/office/drawing/2014/main" id="{F7D0CBDC-B85E-4250-A19A-09D69B57F2A9}"/>
                 </a:ext>
               </a:extLst>
             </p:cNvPr>
@@ -4556,10 +4281,10 @@
         </p:cxnSp>
         <p:cxnSp>
           <p:nvCxnSpPr>
-            <p:cNvPr id="19" name="Straight Connector 18">
+            <p:cNvPr id="12" name="Straight Connector 11">
               <a:extLst>
                 <a:ext uri="{FF2B5EF4-FFF2-40B4-BE49-F238E27FC236}">
-                  <a16:creationId xmlns:a16="http://schemas.microsoft.com/office/drawing/2014/main" id="{22264DF4-1375-4E0D-B1A5-1269F44D7784}"/>
+                  <a16:creationId xmlns:a16="http://schemas.microsoft.com/office/drawing/2014/main" id="{C02F2CE1-9188-4A74-9B87-4BBFBFB7920D}"/>
                 </a:ext>
               </a:extLst>
             </p:cNvPr>
@@ -4599,10 +4324,10 @@
         </p:cxnSp>
         <p:cxnSp>
           <p:nvCxnSpPr>
-            <p:cNvPr id="21" name="Straight Connector 20">
+            <p:cNvPr id="13" name="Straight Connector 12">
               <a:extLst>
                 <a:ext uri="{FF2B5EF4-FFF2-40B4-BE49-F238E27FC236}">
-                  <a16:creationId xmlns:a16="http://schemas.microsoft.com/office/drawing/2014/main" id="{B52463AF-73D6-4461-B2A6-054735298DC1}"/>
+                  <a16:creationId xmlns:a16="http://schemas.microsoft.com/office/drawing/2014/main" id="{A23300A2-7AC3-4DE4-A552-D1A0A4DD2B40}"/>
                 </a:ext>
               </a:extLst>
             </p:cNvPr>
@@ -4642,10 +4367,10 @@
         </p:cxnSp>
         <p:cxnSp>
           <p:nvCxnSpPr>
-            <p:cNvPr id="29" name="Straight Connector 28">
+            <p:cNvPr id="14" name="Straight Connector 13">
               <a:extLst>
                 <a:ext uri="{FF2B5EF4-FFF2-40B4-BE49-F238E27FC236}">
-                  <a16:creationId xmlns:a16="http://schemas.microsoft.com/office/drawing/2014/main" id="{120EBEB5-5636-44C6-B430-7D240BA3A417}"/>
+                  <a16:creationId xmlns:a16="http://schemas.microsoft.com/office/drawing/2014/main" id="{17B4BB46-B6FB-40FD-9DA6-187B83F35499}"/>
                 </a:ext>
               </a:extLst>
             </p:cNvPr>
@@ -4686,10 +4411,10 @@
       </p:grpSp>
       <p:sp>
         <p:nvSpPr>
-          <p:cNvPr id="1024" name="TextBox 1023">
+          <p:cNvPr id="15" name="TextBox 14">
             <a:extLst>
               <a:ext uri="{FF2B5EF4-FFF2-40B4-BE49-F238E27FC236}">
-                <a16:creationId xmlns:a16="http://schemas.microsoft.com/office/drawing/2014/main" id="{C855783A-6C6B-4D18-910F-BA56B7F35B7C}"/>
+                <a16:creationId xmlns:a16="http://schemas.microsoft.com/office/drawing/2014/main" id="{64B490F2-BF49-49E5-B107-6C46CB41A20D}"/>
               </a:ext>
             </a:extLst>
           </p:cNvPr>
@@ -4732,7 +4457,7 @@
 </p:sld>
 </file>
 
-<file path=ppt/slides/slide12.xml><?xml version="1.0" encoding="utf-8"?>
+<file path=ppt/slides/slide11.xml><?xml version="1.0" encoding="utf-8"?>
 <p:sld xmlns:a="http://schemas.openxmlformats.org/drawingml/2006/main" xmlns:r="http://schemas.openxmlformats.org/officeDocument/2006/relationships" xmlns:p="http://schemas.openxmlformats.org/presentationml/2006/main">
   <p:cSld>
     <p:spTree>
@@ -4891,7 +4616,7 @@
 </p:sld>
 </file>
 
-<file path=ppt/slides/slide13.xml><?xml version="1.0" encoding="utf-8"?>
+<file path=ppt/slides/slide12.xml><?xml version="1.0" encoding="utf-8"?>
 <p:sld xmlns:a="http://schemas.openxmlformats.org/drawingml/2006/main" xmlns:r="http://schemas.openxmlformats.org/officeDocument/2006/relationships" xmlns:p="http://schemas.openxmlformats.org/presentationml/2006/main">
   <p:cSld>
     <p:spTree>
@@ -5182,26 +4907,44 @@
               <a:rPr lang="en-SG" sz="2400" dirty="0">
                 <a:latin typeface="Arial"/>
               </a:rPr>
+              <a:t>Device with at least a 5” screen is recommended</a:t>
+            </a:r>
+          </a:p>
+          <a:p>
+            <a:pPr lvl="1">
+              <a:buFont typeface="Wingdings" panose="05000000000000000000" pitchFamily="2" charset="2"/>
+              <a:buChar char="Ø"/>
+            </a:pPr>
+            <a:r>
+              <a:rPr lang="en-SG" sz="2400" dirty="0">
+                <a:latin typeface="Arial"/>
+              </a:rPr>
               <a:t>Link to MIT app inventor:</a:t>
             </a:r>
-            <a:endParaRPr lang="en-SG" sz="2400" u="sng" dirty="0">
-              <a:latin typeface="Arial"/>
-            </a:endParaRPr>
-          </a:p>
-          <a:p>
-            <a:pPr marL="365760" lvl="1" indent="0">
-              <a:buNone/>
+          </a:p>
+          <a:p>
+            <a:pPr lvl="2">
+              <a:buFont typeface="Wingdings" panose="05000000000000000000" pitchFamily="2" charset="2"/>
+              <a:buChar char="Ø"/>
             </a:pPr>
             <a:r>
-              <a:rPr lang="en-SG" sz="2000" dirty="0">
+              <a:rPr lang="en-SG" u="sng" dirty="0">
                 <a:latin typeface="Arial"/>
-                <a:hlinkClick r:id="rId2"/>
               </a:rPr>
-              <a:t>https://www.google.com.sg/url?sa=t&amp;rct=j&amp;q=&amp;esrc=s&amp;source=web&amp;cd=1&amp;cad=rja&amp;uact=8&amp;ved=0ahUKEwig4qS1sIjVAhWFsI8KHWHvDjQQFggkMAA&amp;url=http%3A%2F%2Fai2.appinventor.mit.edu%2F&amp;usg=AFQjCNENN1q-Na-ChHx4i5uQR_BacpF1Hw</a:t>
-            </a:r>
-            <a:endParaRPr lang="en-SG" sz="2000" dirty="0">
-              <a:latin typeface="Arial"/>
-            </a:endParaRPr>
+              <a:t>http://</a:t>
+            </a:r>
+            <a:r>
+              <a:rPr lang="en-SG" u="sng" dirty="0" err="1">
+                <a:latin typeface="Arial"/>
+              </a:rPr>
+              <a:t>bit.ly</a:t>
+            </a:r>
+            <a:r>
+              <a:rPr lang="en-SG" u="sng" dirty="0">
+                <a:latin typeface="Arial"/>
+              </a:rPr>
+              <a:t>/2uTEFzI</a:t>
+            </a:r>
           </a:p>
         </p:txBody>
       </p:sp>
@@ -5218,7 +4961,7 @@
 </p:sld>
 </file>
 
-<file path=ppt/slides/slide14.xml><?xml version="1.0" encoding="utf-8"?>
+<file path=ppt/slides/slide13.xml><?xml version="1.0" encoding="utf-8"?>
 <p:sld xmlns:a="http://schemas.openxmlformats.org/drawingml/2006/main" xmlns:r="http://schemas.openxmlformats.org/officeDocument/2006/relationships" xmlns:p="http://schemas.openxmlformats.org/presentationml/2006/main">
   <p:cSld>
     <p:spTree>
@@ -5612,7 +5355,7 @@
 </p:sld>
 </file>
 
-<file path=ppt/slides/slide15.xml><?xml version="1.0" encoding="utf-8"?>
+<file path=ppt/slides/slide14.xml><?xml version="1.0" encoding="utf-8"?>
 <p:sld xmlns:a="http://schemas.openxmlformats.org/drawingml/2006/main" xmlns:r="http://schemas.openxmlformats.org/officeDocument/2006/relationships" xmlns:p="http://schemas.openxmlformats.org/presentationml/2006/main">
   <p:cSld>
     <p:spTree>
@@ -6002,6 +5745,378 @@
 </p:sld>
 </file>
 
+<file path=ppt/slides/slide15.xml><?xml version="1.0" encoding="utf-8"?>
+<p:sld xmlns:a="http://schemas.openxmlformats.org/drawingml/2006/main" xmlns:r="http://schemas.openxmlformats.org/officeDocument/2006/relationships" xmlns:p="http://schemas.openxmlformats.org/presentationml/2006/main">
+  <p:cSld>
+    <p:spTree>
+      <p:nvGrpSpPr>
+        <p:cNvPr id="1" name=""/>
+        <p:cNvGrpSpPr/>
+        <p:nvPr/>
+      </p:nvGrpSpPr>
+      <p:grpSpPr>
+        <a:xfrm>
+          <a:off x="0" y="0"/>
+          <a:ext cx="0" cy="0"/>
+          <a:chOff x="0" y="0"/>
+          <a:chExt cx="0" cy="0"/>
+        </a:xfrm>
+      </p:grpSpPr>
+      <p:sp>
+        <p:nvSpPr>
+          <p:cNvPr id="6" name="Title 1"/>
+          <p:cNvSpPr>
+            <a:spLocks noGrp="1"/>
+          </p:cNvSpPr>
+          <p:nvPr>
+            <p:ph type="title"/>
+          </p:nvPr>
+        </p:nvSpPr>
+        <p:spPr>
+          <a:xfrm>
+            <a:off x="1981200" y="228600"/>
+            <a:ext cx="8229600" cy="1143000"/>
+          </a:xfrm>
+        </p:spPr>
+        <p:txBody>
+          <a:bodyPr>
+            <a:normAutofit/>
+          </a:bodyPr>
+          <a:lstStyle/>
+          <a:p>
+            <a:pPr algn="ctr"/>
+            <a:r>
+              <a:rPr lang="en-US" sz="5400" dirty="0">
+                <a:latin typeface="Bauhaus 93" panose="04030905020B02020C02" pitchFamily="82" charset="0"/>
+              </a:rPr>
+              <a:t>Building Procedures</a:t>
+            </a:r>
+          </a:p>
+        </p:txBody>
+      </p:sp>
+      <p:sp>
+        <p:nvSpPr>
+          <p:cNvPr id="5" name="Content Placeholder 2">
+            <a:extLst>
+              <a:ext uri="{FF2B5EF4-FFF2-40B4-BE49-F238E27FC236}">
+                <a16:creationId xmlns:a16="http://schemas.microsoft.com/office/drawing/2014/main" id="{1D0B0722-C7F3-4B17-9234-6B80F63999C6}"/>
+              </a:ext>
+            </a:extLst>
+          </p:cNvPr>
+          <p:cNvSpPr txBox="1">
+            <a:spLocks/>
+          </p:cNvSpPr>
+          <p:nvPr/>
+        </p:nvSpPr>
+        <p:spPr>
+          <a:xfrm>
+            <a:off x="1066800" y="1828800"/>
+            <a:ext cx="6781800" cy="1371600"/>
+          </a:xfrm>
+          <a:prstGeom prst="rect">
+            <a:avLst/>
+          </a:prstGeom>
+        </p:spPr>
+        <p:txBody>
+          <a:bodyPr vert="horz" lIns="91440" tIns="45720" rIns="91440" bIns="45720" rtlCol="0" anchor="t">
+            <a:normAutofit/>
+          </a:bodyPr>
+          <a:lstStyle>
+            <a:lvl1pPr marL="274320" indent="-274320" algn="l" defTabSz="914400" rtl="0" eaLnBrk="1" latinLnBrk="0" hangingPunct="1">
+              <a:spcBef>
+                <a:spcPct val="20000"/>
+              </a:spcBef>
+              <a:buClr>
+                <a:schemeClr val="accent2"/>
+              </a:buClr>
+              <a:buSzPct val="85000"/>
+              <a:buFont typeface="Brush Script MT" pitchFamily="66" charset="0"/>
+              <a:buChar char="O"/>
+              <a:defRPr sz="2400" kern="1200">
+                <a:solidFill>
+                  <a:schemeClr val="tx1"/>
+                </a:solidFill>
+                <a:latin typeface="+mn-lt"/>
+                <a:ea typeface="+mn-ea"/>
+                <a:cs typeface="+mn-cs"/>
+              </a:defRPr>
+            </a:lvl1pPr>
+            <a:lvl2pPr marL="640080" indent="-274320" algn="l" defTabSz="914400" rtl="0" eaLnBrk="1" latinLnBrk="0" hangingPunct="1">
+              <a:spcBef>
+                <a:spcPct val="20000"/>
+              </a:spcBef>
+              <a:buClr>
+                <a:schemeClr val="accent2"/>
+              </a:buClr>
+              <a:buSzPct val="85000"/>
+              <a:buFont typeface="Brush Script MT" pitchFamily="66" charset="0"/>
+              <a:buChar char="O"/>
+              <a:defRPr sz="2200" kern="1200">
+                <a:solidFill>
+                  <a:schemeClr val="tx1"/>
+                </a:solidFill>
+                <a:latin typeface="+mn-lt"/>
+                <a:ea typeface="+mn-ea"/>
+                <a:cs typeface="+mn-cs"/>
+              </a:defRPr>
+            </a:lvl2pPr>
+            <a:lvl3pPr marL="914400" indent="-228600" algn="l" defTabSz="914400" rtl="0" eaLnBrk="1" latinLnBrk="0" hangingPunct="1">
+              <a:spcBef>
+                <a:spcPct val="20000"/>
+              </a:spcBef>
+              <a:buClr>
+                <a:schemeClr val="accent2"/>
+              </a:buClr>
+              <a:buSzPct val="85000"/>
+              <a:buFont typeface="Brush Script MT" pitchFamily="66" charset="0"/>
+              <a:buChar char="O"/>
+              <a:defRPr sz="2000" kern="1200">
+                <a:solidFill>
+                  <a:schemeClr val="tx1"/>
+                </a:solidFill>
+                <a:latin typeface="+mn-lt"/>
+                <a:ea typeface="+mn-ea"/>
+                <a:cs typeface="+mn-cs"/>
+              </a:defRPr>
+            </a:lvl3pPr>
+            <a:lvl4pPr marL="1280160" indent="-228600" algn="l" defTabSz="914400" rtl="0" eaLnBrk="1" latinLnBrk="0" hangingPunct="1">
+              <a:spcBef>
+                <a:spcPct val="20000"/>
+              </a:spcBef>
+              <a:buClr>
+                <a:schemeClr val="accent2"/>
+              </a:buClr>
+              <a:buSzPct val="85000"/>
+              <a:buFont typeface="Brush Script MT" pitchFamily="66" charset="0"/>
+              <a:buChar char="O"/>
+              <a:defRPr sz="1800" kern="1200">
+                <a:solidFill>
+                  <a:schemeClr val="tx1"/>
+                </a:solidFill>
+                <a:latin typeface="+mn-lt"/>
+                <a:ea typeface="+mn-ea"/>
+                <a:cs typeface="+mn-cs"/>
+              </a:defRPr>
+            </a:lvl4pPr>
+            <a:lvl5pPr marL="1645920" indent="-228600" algn="l" defTabSz="914400" rtl="0" eaLnBrk="1" latinLnBrk="0" hangingPunct="1">
+              <a:spcBef>
+                <a:spcPct val="20000"/>
+              </a:spcBef>
+              <a:buClr>
+                <a:schemeClr val="accent2"/>
+              </a:buClr>
+              <a:buSzPct val="85000"/>
+              <a:buFont typeface="Brush Script MT" pitchFamily="66" charset="0"/>
+              <a:buChar char="O"/>
+              <a:defRPr sz="1600" kern="1200">
+                <a:solidFill>
+                  <a:schemeClr val="tx1"/>
+                </a:solidFill>
+                <a:latin typeface="+mn-lt"/>
+                <a:ea typeface="+mn-ea"/>
+                <a:cs typeface="+mn-cs"/>
+              </a:defRPr>
+            </a:lvl5pPr>
+            <a:lvl6pPr marL="2011680" indent="-228600" algn="l" defTabSz="914400" rtl="0" eaLnBrk="1" latinLnBrk="0" hangingPunct="1">
+              <a:spcBef>
+                <a:spcPct val="20000"/>
+              </a:spcBef>
+              <a:buClr>
+                <a:schemeClr val="accent2"/>
+              </a:buClr>
+              <a:buSzPct val="85000"/>
+              <a:buFont typeface="Brush Script MT" pitchFamily="66" charset="0"/>
+              <a:buChar char="O"/>
+              <a:defRPr sz="1600" kern="1200">
+                <a:solidFill>
+                  <a:schemeClr val="tx1"/>
+                </a:solidFill>
+                <a:latin typeface="+mn-lt"/>
+                <a:ea typeface="+mn-ea"/>
+                <a:cs typeface="+mn-cs"/>
+              </a:defRPr>
+            </a:lvl6pPr>
+            <a:lvl7pPr marL="2377440" indent="-228600" algn="l" defTabSz="914400" rtl="0" eaLnBrk="1" latinLnBrk="0" hangingPunct="1">
+              <a:spcBef>
+                <a:spcPct val="20000"/>
+              </a:spcBef>
+              <a:buClr>
+                <a:schemeClr val="accent2"/>
+              </a:buClr>
+              <a:buSzPct val="85000"/>
+              <a:buFont typeface="Brush Script MT" pitchFamily="66" charset="0"/>
+              <a:buChar char="O"/>
+              <a:defRPr sz="1600" kern="1200">
+                <a:solidFill>
+                  <a:schemeClr val="tx1"/>
+                </a:solidFill>
+                <a:latin typeface="+mn-lt"/>
+                <a:ea typeface="+mn-ea"/>
+                <a:cs typeface="+mn-cs"/>
+              </a:defRPr>
+            </a:lvl7pPr>
+            <a:lvl8pPr marL="2743200" indent="-228600" algn="l" defTabSz="914400" rtl="0" eaLnBrk="1" latinLnBrk="0" hangingPunct="1">
+              <a:spcBef>
+                <a:spcPct val="20000"/>
+              </a:spcBef>
+              <a:buClr>
+                <a:schemeClr val="accent2"/>
+              </a:buClr>
+              <a:buSzPct val="85000"/>
+              <a:buFont typeface="Brush Script MT" pitchFamily="66" charset="0"/>
+              <a:buChar char="O"/>
+              <a:defRPr sz="1600" kern="1200">
+                <a:solidFill>
+                  <a:schemeClr val="tx1"/>
+                </a:solidFill>
+                <a:latin typeface="+mn-lt"/>
+                <a:ea typeface="+mn-ea"/>
+                <a:cs typeface="+mn-cs"/>
+              </a:defRPr>
+            </a:lvl8pPr>
+            <a:lvl9pPr marL="3108960" indent="-228600" algn="l" defTabSz="914400" rtl="0" eaLnBrk="1" latinLnBrk="0" hangingPunct="1">
+              <a:spcBef>
+                <a:spcPct val="20000"/>
+              </a:spcBef>
+              <a:buClr>
+                <a:schemeClr val="accent2"/>
+              </a:buClr>
+              <a:buSzPct val="85000"/>
+              <a:buFont typeface="Brush Script MT" pitchFamily="66" charset="0"/>
+              <a:buChar char="O"/>
+              <a:defRPr sz="1600" kern="1200">
+                <a:solidFill>
+                  <a:schemeClr val="tx1"/>
+                </a:solidFill>
+                <a:latin typeface="+mn-lt"/>
+                <a:ea typeface="+mn-ea"/>
+                <a:cs typeface="+mn-cs"/>
+              </a:defRPr>
+            </a:lvl9pPr>
+          </a:lstStyle>
+          <a:p>
+            <a:pPr marL="0" indent="0">
+              <a:buNone/>
+            </a:pPr>
+            <a:r>
+              <a:rPr lang="en-US" sz="4000" dirty="0"/>
+              <a:t>Step 4:</a:t>
+            </a:r>
+          </a:p>
+          <a:p>
+            <a:pPr>
+              <a:buFont typeface="Wingdings" panose="05000000000000000000" pitchFamily="2" charset="2"/>
+              <a:buChar char="ü"/>
+            </a:pPr>
+            <a:r>
+              <a:rPr lang="en-SG" sz="3000" dirty="0">
+                <a:latin typeface="Arial"/>
+              </a:rPr>
+              <a:t>Download Android Interface</a:t>
+            </a:r>
+          </a:p>
+        </p:txBody>
+      </p:sp>
+      <p:sp>
+        <p:nvSpPr>
+          <p:cNvPr id="7" name="TextBox 6">
+            <a:extLst>
+              <a:ext uri="{FF2B5EF4-FFF2-40B4-BE49-F238E27FC236}">
+                <a16:creationId xmlns:a16="http://schemas.microsoft.com/office/drawing/2014/main" id="{8652A8FD-A2B9-4DC6-B3B0-EC8A2552DD5D}"/>
+              </a:ext>
+            </a:extLst>
+          </p:cNvPr>
+          <p:cNvSpPr txBox="1"/>
+          <p:nvPr/>
+        </p:nvSpPr>
+        <p:spPr>
+          <a:xfrm>
+            <a:off x="1371600" y="3124200"/>
+            <a:ext cx="10363200" cy="2308324"/>
+          </a:xfrm>
+          <a:prstGeom prst="rect">
+            <a:avLst/>
+          </a:prstGeom>
+          <a:noFill/>
+        </p:spPr>
+        <p:txBody>
+          <a:bodyPr wrap="square" rtlCol="0">
+            <a:spAutoFit/>
+          </a:bodyPr>
+          <a:lstStyle/>
+          <a:p>
+            <a:pPr marL="285750" indent="-285750">
+              <a:buFont typeface="Wingdings" panose="05000000000000000000" pitchFamily="2" charset="2"/>
+              <a:buChar char="Ø"/>
+            </a:pPr>
+            <a:r>
+              <a:rPr lang="en-US" sz="2400" dirty="0"/>
+              <a:t>Scan the QR code using you Android phone</a:t>
+            </a:r>
+          </a:p>
+          <a:p>
+            <a:pPr marL="285750" indent="-285750">
+              <a:buFont typeface="Wingdings" panose="05000000000000000000" pitchFamily="2" charset="2"/>
+              <a:buChar char="Ø"/>
+            </a:pPr>
+            <a:r>
+              <a:rPr lang="en-US" sz="2400" dirty="0"/>
+              <a:t>Once done, install the app onto your Android phone</a:t>
+            </a:r>
+          </a:p>
+          <a:p>
+            <a:pPr marL="285750" indent="-285750">
+              <a:buFont typeface="Wingdings" panose="05000000000000000000" pitchFamily="2" charset="2"/>
+              <a:buChar char="Ø"/>
+            </a:pPr>
+            <a:r>
+              <a:rPr lang="en-US" sz="2400" dirty="0"/>
+              <a:t>*Note that you may need to adjust your phone security setting in order to install the app*</a:t>
+            </a:r>
+          </a:p>
+          <a:p>
+            <a:pPr marL="285750" indent="-285750">
+              <a:buFont typeface="Wingdings" panose="05000000000000000000" pitchFamily="2" charset="2"/>
+              <a:buChar char="Ø"/>
+            </a:pPr>
+            <a:r>
+              <a:rPr lang="en-US" sz="2400" dirty="0"/>
+              <a:t>Checkout the link below if you have trouble with the installation:</a:t>
+            </a:r>
+          </a:p>
+          <a:p>
+            <a:pPr marL="742950" lvl="1" indent="-285750">
+              <a:buFont typeface="Wingdings" panose="05000000000000000000" pitchFamily="2" charset="2"/>
+              <a:buChar char="Ø"/>
+            </a:pPr>
+            <a:r>
+              <a:rPr lang="en-US" sz="2400" dirty="0"/>
+              <a:t>http://</a:t>
+            </a:r>
+            <a:r>
+              <a:rPr lang="en-US" sz="2400" dirty="0" err="1"/>
+              <a:t>bit.ly</a:t>
+            </a:r>
+            <a:r>
+              <a:rPr lang="en-US" sz="2400" dirty="0"/>
+              <a:t>/2tGglS3</a:t>
+            </a:r>
+          </a:p>
+        </p:txBody>
+      </p:sp>
+    </p:spTree>
+    <p:extLst>
+      <p:ext uri="{BB962C8B-B14F-4D97-AF65-F5344CB8AC3E}">
+        <p14:creationId xmlns:p14="http://schemas.microsoft.com/office/powerpoint/2010/main" val="265453642"/>
+      </p:ext>
+    </p:extLst>
+  </p:cSld>
+  <p:clrMapOvr>
+    <a:masterClrMapping/>
+  </p:clrMapOvr>
+</p:sld>
+</file>
+
 <file path=ppt/slides/slide16.xml><?xml version="1.0" encoding="utf-8"?>
 <p:sld xmlns:a="http://schemas.openxmlformats.org/drawingml/2006/main" xmlns:r="http://schemas.openxmlformats.org/officeDocument/2006/relationships" xmlns:p="http://schemas.openxmlformats.org/presentationml/2006/main">
   <p:cSld>
@@ -6031,7 +6146,7 @@
         </p:nvSpPr>
         <p:spPr>
           <a:xfrm>
-            <a:off x="1981200" y="228600"/>
+            <a:off x="1981200" y="144170"/>
             <a:ext cx="8229600" cy="1143000"/>
           </a:xfrm>
         </p:spPr>
@@ -6067,8 +6182,8 @@
         </p:nvSpPr>
         <p:spPr>
           <a:xfrm>
-            <a:off x="1066800" y="1828800"/>
-            <a:ext cx="6781800" cy="1371600"/>
+            <a:off x="1066800" y="1143000"/>
+            <a:ext cx="6858000" cy="1066799"/>
           </a:xfrm>
           <a:prstGeom prst="rect">
             <a:avLst/>
@@ -6076,7 +6191,7 @@
         </p:spPr>
         <p:txBody>
           <a:bodyPr vert="horz" lIns="91440" tIns="45720" rIns="91440" bIns="45720" rtlCol="0" anchor="t">
-            <a:normAutofit/>
+            <a:normAutofit fontScale="92500" lnSpcReduction="20000"/>
           </a:bodyPr>
           <a:lstStyle>
             <a:lvl1pPr marL="274320" indent="-274320" algn="l" defTabSz="914400" rtl="0" eaLnBrk="1" latinLnBrk="0" hangingPunct="1">
@@ -6257,7 +6372,7 @@
             </a:pPr>
             <a:r>
               <a:rPr lang="en-US" sz="4000" dirty="0"/>
-              <a:t>Step 4:</a:t>
+              <a:t>Step 5:</a:t>
             </a:r>
           </a:p>
           <a:p>
@@ -6269,17 +6384,50 @@
               <a:rPr lang="en-SG" sz="3000" dirty="0">
                 <a:latin typeface="Arial"/>
               </a:rPr>
-              <a:t>Download Android Interface</a:t>
-            </a:r>
-          </a:p>
-        </p:txBody>
-      </p:sp>
-      <p:sp>
-        <p:nvSpPr>
-          <p:cNvPr id="7" name="TextBox 6">
+              <a:t>Testing of Connectivity</a:t>
+            </a:r>
+            <a:endParaRPr lang="en-SG" sz="1600" dirty="0">
+              <a:latin typeface="Arial"/>
+            </a:endParaRPr>
+          </a:p>
+        </p:txBody>
+      </p:sp>
+      <p:pic>
+        <p:nvPicPr>
+          <p:cNvPr id="2" name="Picture 1">
             <a:extLst>
               <a:ext uri="{FF2B5EF4-FFF2-40B4-BE49-F238E27FC236}">
-                <a16:creationId xmlns:a16="http://schemas.microsoft.com/office/drawing/2014/main" id="{8652A8FD-A2B9-4DC6-B3B0-EC8A2552DD5D}"/>
+                <a16:creationId xmlns:a16="http://schemas.microsoft.com/office/drawing/2014/main" id="{FAE48047-1387-4AC1-BD87-F1B4CBC646AC}"/>
+              </a:ext>
+            </a:extLst>
+          </p:cNvPr>
+          <p:cNvPicPr>
+            <a:picLocks noChangeAspect="1"/>
+          </p:cNvPicPr>
+          <p:nvPr/>
+        </p:nvPicPr>
+        <p:blipFill>
+          <a:blip r:embed="rId2"/>
+          <a:stretch>
+            <a:fillRect/>
+          </a:stretch>
+        </p:blipFill>
+        <p:spPr>
+          <a:xfrm>
+            <a:off x="6781800" y="990600"/>
+            <a:ext cx="4191000" cy="5824006"/>
+          </a:xfrm>
+          <a:prstGeom prst="rect">
+            <a:avLst/>
+          </a:prstGeom>
+        </p:spPr>
+      </p:pic>
+      <p:sp>
+        <p:nvSpPr>
+          <p:cNvPr id="3" name="TextBox 2">
+            <a:extLst>
+              <a:ext uri="{FF2B5EF4-FFF2-40B4-BE49-F238E27FC236}">
+                <a16:creationId xmlns:a16="http://schemas.microsoft.com/office/drawing/2014/main" id="{2F2C2B9F-1C13-4AFF-848B-BAD102332A62}"/>
               </a:ext>
             </a:extLst>
           </p:cNvPr>
@@ -6288,8 +6436,8 @@
         </p:nvSpPr>
         <p:spPr>
           <a:xfrm>
-            <a:off x="1371600" y="3124200"/>
-            <a:ext cx="10363200" cy="2308324"/>
+            <a:off x="1028700" y="2514600"/>
+            <a:ext cx="5791200" cy="3046988"/>
           </a:xfrm>
           <a:prstGeom prst="rect">
             <a:avLst/>
@@ -6308,7 +6456,7 @@
             </a:pPr>
             <a:r>
               <a:rPr lang="en-US" sz="2400" dirty="0"/>
-              <a:t>Scan the QR code using you Android phone</a:t>
+              <a:t>After the installation, run the app and your should see a similar interface as shown on the right.</a:t>
             </a:r>
           </a:p>
           <a:p>
@@ -6318,7 +6466,7 @@
             </a:pPr>
             <a:r>
               <a:rPr lang="en-US" sz="2400" dirty="0"/>
-              <a:t>Once done, install the app onto your Android phone</a:t>
+              <a:t>Power up your Arduino via USB cable and touch on the ‘Connect’ button</a:t>
             </a:r>
           </a:p>
           <a:p>
@@ -6328,34 +6476,15 @@
             </a:pPr>
             <a:r>
               <a:rPr lang="en-US" sz="2400" dirty="0"/>
-              <a:t>*Note that you may need to adjust your phone security setting in order to install the app*</a:t>
-            </a:r>
-          </a:p>
-          <a:p>
-            <a:pPr marL="285750" indent="-285750">
-              <a:buFont typeface="Wingdings" panose="05000000000000000000" pitchFamily="2" charset="2"/>
-              <a:buChar char="Ø"/>
-            </a:pPr>
-            <a:r>
-              <a:rPr lang="en-US" sz="2400" dirty="0"/>
-              <a:t>Checkout the link below if you have trouble with the installation:</a:t>
-            </a:r>
-          </a:p>
-          <a:p>
-            <a:r>
-              <a:rPr lang="en-US" sz="2400" dirty="0">
-                <a:hlinkClick r:id="rId2"/>
-              </a:rPr>
-              <a:t>https://www.applivery.com/docs/troubleshooting/android-unknown-sources</a:t>
-            </a:r>
-            <a:endParaRPr lang="en-US" sz="2400" dirty="0"/>
+              <a:t>Search for your device name and enter the PIN number, your device should be connected after a few seconds</a:t>
+            </a:r>
           </a:p>
         </p:txBody>
       </p:sp>
     </p:spTree>
     <p:extLst>
       <p:ext uri="{BB962C8B-B14F-4D97-AF65-F5344CB8AC3E}">
-        <p14:creationId xmlns:p14="http://schemas.microsoft.com/office/powerpoint/2010/main" val="265453642"/>
+        <p14:creationId xmlns:p14="http://schemas.microsoft.com/office/powerpoint/2010/main" val="3460254417"/>
       </p:ext>
     </p:extLst>
   </p:cSld>
@@ -6394,7 +6523,7 @@
         </p:nvSpPr>
         <p:spPr>
           <a:xfrm>
-            <a:off x="1981200" y="144170"/>
+            <a:off x="2057400" y="140930"/>
             <a:ext cx="8229600" cy="1143000"/>
           </a:xfrm>
         </p:spPr>
@@ -6430,8 +6559,8 @@
         </p:nvSpPr>
         <p:spPr>
           <a:xfrm>
-            <a:off x="1066800" y="1143000"/>
-            <a:ext cx="6858000" cy="1066799"/>
+            <a:off x="1066800" y="903767"/>
+            <a:ext cx="6934200" cy="1371600"/>
           </a:xfrm>
           <a:prstGeom prst="rect">
             <a:avLst/>
@@ -6439,7 +6568,7 @@
         </p:spPr>
         <p:txBody>
           <a:bodyPr vert="horz" lIns="91440" tIns="45720" rIns="91440" bIns="45720" rtlCol="0" anchor="t">
-            <a:normAutofit fontScale="92500" lnSpcReduction="20000"/>
+            <a:normAutofit/>
           </a:bodyPr>
           <a:lstStyle>
             <a:lvl1pPr marL="274320" indent="-274320" algn="l" defTabSz="914400" rtl="0" eaLnBrk="1" latinLnBrk="0" hangingPunct="1">
@@ -6620,7 +6749,7 @@
             </a:pPr>
             <a:r>
               <a:rPr lang="en-US" sz="4000" dirty="0"/>
-              <a:t>Step 5:</a:t>
+              <a:t>Step 6:</a:t>
             </a:r>
           </a:p>
           <a:p>
@@ -6629,23 +6758,112 @@
               <a:buChar char="ü"/>
             </a:pPr>
             <a:r>
-              <a:rPr lang="en-SG" sz="3000" dirty="0">
+              <a:rPr lang="en-SG" dirty="0">
                 <a:latin typeface="Arial"/>
               </a:rPr>
-              <a:t>Testing of Connectivity</a:t>
-            </a:r>
-            <a:endParaRPr lang="en-SG" sz="1600" dirty="0">
-              <a:latin typeface="Arial"/>
+              <a:t>Download Arduino Code</a:t>
+            </a:r>
+          </a:p>
+        </p:txBody>
+      </p:sp>
+      <p:sp>
+        <p:nvSpPr>
+          <p:cNvPr id="4" name="TextBox 3">
+            <a:extLst>
+              <a:ext uri="{FF2B5EF4-FFF2-40B4-BE49-F238E27FC236}">
+                <a16:creationId xmlns:a16="http://schemas.microsoft.com/office/drawing/2014/main" id="{9F37F302-B147-410B-876A-DB9AB6B1A473}"/>
+              </a:ext>
+            </a:extLst>
+          </p:cNvPr>
+          <p:cNvSpPr txBox="1"/>
+          <p:nvPr/>
+        </p:nvSpPr>
+        <p:spPr>
+          <a:xfrm>
+            <a:off x="1066800" y="3038204"/>
+            <a:ext cx="5029200" cy="2862322"/>
+          </a:xfrm>
+          <a:prstGeom prst="rect">
+            <a:avLst/>
+          </a:prstGeom>
+          <a:noFill/>
+        </p:spPr>
+        <p:txBody>
+          <a:bodyPr wrap="square" rtlCol="0">
+            <a:spAutoFit/>
+          </a:bodyPr>
+          <a:lstStyle/>
+          <a:p>
+            <a:pPr marL="285750" indent="-285750">
+              <a:buFont typeface="Wingdings" panose="05000000000000000000" pitchFamily="2" charset="2"/>
+              <a:buChar char="Ø"/>
+            </a:pPr>
+            <a:r>
+              <a:rPr lang="en-US" sz="2000" dirty="0"/>
+              <a:t>Click on ‘DOWNLOAD ALL’ on the top right corner of the window and unzip the zip file.</a:t>
+            </a:r>
+          </a:p>
+          <a:p>
+            <a:pPr marL="285750" indent="-285750">
+              <a:buFont typeface="Wingdings" panose="05000000000000000000" pitchFamily="2" charset="2"/>
+              <a:buChar char="Ø"/>
+            </a:pPr>
+            <a:r>
+              <a:rPr lang="en-US" sz="2000" dirty="0">
+                <a:solidFill>
+                  <a:srgbClr val="FF0000"/>
+                </a:solidFill>
+              </a:rPr>
+              <a:t>Do not change the file name</a:t>
+            </a:r>
+            <a:r>
+              <a:rPr lang="en-US" sz="2000" dirty="0"/>
+              <a:t>, make sure the 2 INO files are kept in a single folder</a:t>
+            </a:r>
+            <a:endParaRPr lang="en-US" sz="2000" dirty="0">
+              <a:solidFill>
+                <a:srgbClr val="FF0000"/>
+              </a:solidFill>
             </a:endParaRPr>
+          </a:p>
+          <a:p>
+            <a:pPr marL="285750" indent="-285750">
+              <a:buFont typeface="Wingdings" panose="05000000000000000000" pitchFamily="2" charset="2"/>
+              <a:buChar char="Ø"/>
+            </a:pPr>
+            <a:r>
+              <a:rPr lang="en-US" sz="2000" dirty="0"/>
+              <a:t>Click on either INO file and open it using Arduino IDE</a:t>
+            </a:r>
+          </a:p>
+          <a:p>
+            <a:pPr marL="285750" indent="-285750">
+              <a:buFont typeface="Wingdings" panose="05000000000000000000" pitchFamily="2" charset="2"/>
+              <a:buChar char="Ø"/>
+            </a:pPr>
+            <a:r>
+              <a:rPr lang="en-US" sz="2000" dirty="0"/>
+              <a:t>Your window should consists of 2 tabs -&gt;&gt;</a:t>
+            </a:r>
+          </a:p>
+          <a:p>
+            <a:pPr marL="285750" indent="-285750">
+              <a:buFont typeface="Wingdings" panose="05000000000000000000" pitchFamily="2" charset="2"/>
+              <a:buChar char="Ø"/>
+            </a:pPr>
+            <a:r>
+              <a:rPr lang="en-US" sz="2000" dirty="0"/>
+              <a:t>As for now, you can ignore the first tab and click on the second tab</a:t>
+            </a:r>
           </a:p>
         </p:txBody>
       </p:sp>
       <p:pic>
         <p:nvPicPr>
-          <p:cNvPr id="2" name="Picture 1">
+          <p:cNvPr id="7" name="Picture 6">
             <a:extLst>
               <a:ext uri="{FF2B5EF4-FFF2-40B4-BE49-F238E27FC236}">
-                <a16:creationId xmlns:a16="http://schemas.microsoft.com/office/drawing/2014/main" id="{FAE48047-1387-4AC1-BD87-F1B4CBC646AC}"/>
+                <a16:creationId xmlns:a16="http://schemas.microsoft.com/office/drawing/2014/main" id="{49E9AB2F-2264-4EE9-A9AF-34142113D419}"/>
               </a:ext>
             </a:extLst>
           </p:cNvPr>
@@ -6662,8 +6880,8 @@
         </p:blipFill>
         <p:spPr>
           <a:xfrm>
-            <a:off x="6781800" y="990600"/>
-            <a:ext cx="4191000" cy="5824006"/>
+            <a:off x="6460671" y="993380"/>
+            <a:ext cx="4495800" cy="5864620"/>
           </a:xfrm>
           <a:prstGeom prst="rect">
             <a:avLst/>
@@ -6675,7 +6893,7 @@
           <p:cNvPr id="3" name="TextBox 2">
             <a:extLst>
               <a:ext uri="{FF2B5EF4-FFF2-40B4-BE49-F238E27FC236}">
-                <a16:creationId xmlns:a16="http://schemas.microsoft.com/office/drawing/2014/main" id="{2F2C2B9F-1C13-4AFF-848B-BAD102332A62}"/>
+                <a16:creationId xmlns:a16="http://schemas.microsoft.com/office/drawing/2014/main" id="{457DFD1F-1484-41B5-BD47-9D99D61EC0B7}"/>
               </a:ext>
             </a:extLst>
           </p:cNvPr>
@@ -6684,8 +6902,8 @@
         </p:nvSpPr>
         <p:spPr>
           <a:xfrm>
-            <a:off x="1028700" y="2514600"/>
-            <a:ext cx="5791200" cy="3046988"/>
+            <a:off x="990600" y="1950019"/>
+            <a:ext cx="4495800" cy="584775"/>
           </a:xfrm>
           <a:prstGeom prst="rect">
             <a:avLst/>
@@ -6698,41 +6916,45 @@
           </a:bodyPr>
           <a:lstStyle/>
           <a:p>
-            <a:pPr marL="285750" indent="-285750">
+            <a:pPr lvl="1">
               <a:buFont typeface="Wingdings" panose="05000000000000000000" pitchFamily="2" charset="2"/>
               <a:buChar char="Ø"/>
             </a:pPr>
             <a:r>
-              <a:rPr lang="en-US" sz="2400" dirty="0"/>
-              <a:t>After the installation, run the app and your should see a similar interface as shown on the right.</a:t>
-            </a:r>
-          </a:p>
-          <a:p>
-            <a:pPr marL="285750" indent="-285750">
-              <a:buFont typeface="Wingdings" panose="05000000000000000000" pitchFamily="2" charset="2"/>
-              <a:buChar char="Ø"/>
-            </a:pPr>
-            <a:r>
-              <a:rPr lang="en-US" sz="2400" dirty="0"/>
-              <a:t>Power up your Arduino via USB cable and touch on the ‘Connect’ button</a:t>
-            </a:r>
-          </a:p>
-          <a:p>
-            <a:pPr marL="285750" indent="-285750">
-              <a:buFont typeface="Wingdings" panose="05000000000000000000" pitchFamily="2" charset="2"/>
-              <a:buChar char="Ø"/>
-            </a:pPr>
-            <a:r>
-              <a:rPr lang="en-US" sz="2400" dirty="0"/>
-              <a:t>Search for your device name and enter the PIN number, your device should be connected after a few seconds</a:t>
-            </a:r>
+              <a:rPr lang="en-SG" sz="1600" dirty="0">
+                <a:latin typeface="Arial"/>
+              </a:rPr>
+              <a:t> Link to Arduino code:</a:t>
+            </a:r>
+          </a:p>
+          <a:p>
+            <a:pPr lvl="1"/>
+            <a:r>
+              <a:rPr lang="en-SG" sz="1600" dirty="0">
+                <a:hlinkClick r:id="rId3"/>
+              </a:rPr>
+              <a:t>http://</a:t>
+            </a:r>
+            <a:r>
+              <a:rPr lang="en-SG" sz="1600" dirty="0" err="1">
+                <a:hlinkClick r:id="rId3"/>
+              </a:rPr>
+              <a:t>bit.ly</a:t>
+            </a:r>
+            <a:r>
+              <a:rPr lang="en-SG" sz="1600" dirty="0">
+                <a:hlinkClick r:id="rId3"/>
+              </a:rPr>
+              <a:t>/2vERs6B</a:t>
+            </a:r>
+            <a:endParaRPr lang="en-US" sz="1600" dirty="0"/>
           </a:p>
         </p:txBody>
       </p:sp>
     </p:spTree>
     <p:extLst>
       <p:ext uri="{BB962C8B-B14F-4D97-AF65-F5344CB8AC3E}">
-        <p14:creationId xmlns:p14="http://schemas.microsoft.com/office/powerpoint/2010/main" val="3460254417"/>
+        <p14:creationId xmlns:p14="http://schemas.microsoft.com/office/powerpoint/2010/main" val="2761843146"/>
       </p:ext>
     </p:extLst>
   </p:cSld>
@@ -6771,7 +6993,7 @@
         </p:nvSpPr>
         <p:spPr>
           <a:xfrm>
-            <a:off x="2057400" y="140930"/>
+            <a:off x="1981200" y="76200"/>
             <a:ext cx="8229600" cy="1143000"/>
           </a:xfrm>
         </p:spPr>
@@ -6791,327 +7013,12 @@
           </a:p>
         </p:txBody>
       </p:sp>
-      <p:sp>
-        <p:nvSpPr>
-          <p:cNvPr id="5" name="Content Placeholder 2">
+      <p:pic>
+        <p:nvPicPr>
+          <p:cNvPr id="8" name="Picture 7">
             <a:extLst>
               <a:ext uri="{FF2B5EF4-FFF2-40B4-BE49-F238E27FC236}">
-                <a16:creationId xmlns:a16="http://schemas.microsoft.com/office/drawing/2014/main" id="{1D0B0722-C7F3-4B17-9234-6B80F63999C6}"/>
-              </a:ext>
-            </a:extLst>
-          </p:cNvPr>
-          <p:cNvSpPr txBox="1">
-            <a:spLocks/>
-          </p:cNvSpPr>
-          <p:nvPr/>
-        </p:nvSpPr>
-        <p:spPr>
-          <a:xfrm>
-            <a:off x="1066800" y="903767"/>
-            <a:ext cx="6934200" cy="1371600"/>
-          </a:xfrm>
-          <a:prstGeom prst="rect">
-            <a:avLst/>
-          </a:prstGeom>
-        </p:spPr>
-        <p:txBody>
-          <a:bodyPr vert="horz" lIns="91440" tIns="45720" rIns="91440" bIns="45720" rtlCol="0" anchor="t">
-            <a:normAutofit/>
-          </a:bodyPr>
-          <a:lstStyle>
-            <a:lvl1pPr marL="274320" indent="-274320" algn="l" defTabSz="914400" rtl="0" eaLnBrk="1" latinLnBrk="0" hangingPunct="1">
-              <a:spcBef>
-                <a:spcPct val="20000"/>
-              </a:spcBef>
-              <a:buClr>
-                <a:schemeClr val="accent2"/>
-              </a:buClr>
-              <a:buSzPct val="85000"/>
-              <a:buFont typeface="Brush Script MT" pitchFamily="66" charset="0"/>
-              <a:buChar char="O"/>
-              <a:defRPr sz="2400" kern="1200">
-                <a:solidFill>
-                  <a:schemeClr val="tx1"/>
-                </a:solidFill>
-                <a:latin typeface="+mn-lt"/>
-                <a:ea typeface="+mn-ea"/>
-                <a:cs typeface="+mn-cs"/>
-              </a:defRPr>
-            </a:lvl1pPr>
-            <a:lvl2pPr marL="640080" indent="-274320" algn="l" defTabSz="914400" rtl="0" eaLnBrk="1" latinLnBrk="0" hangingPunct="1">
-              <a:spcBef>
-                <a:spcPct val="20000"/>
-              </a:spcBef>
-              <a:buClr>
-                <a:schemeClr val="accent2"/>
-              </a:buClr>
-              <a:buSzPct val="85000"/>
-              <a:buFont typeface="Brush Script MT" pitchFamily="66" charset="0"/>
-              <a:buChar char="O"/>
-              <a:defRPr sz="2200" kern="1200">
-                <a:solidFill>
-                  <a:schemeClr val="tx1"/>
-                </a:solidFill>
-                <a:latin typeface="+mn-lt"/>
-                <a:ea typeface="+mn-ea"/>
-                <a:cs typeface="+mn-cs"/>
-              </a:defRPr>
-            </a:lvl2pPr>
-            <a:lvl3pPr marL="914400" indent="-228600" algn="l" defTabSz="914400" rtl="0" eaLnBrk="1" latinLnBrk="0" hangingPunct="1">
-              <a:spcBef>
-                <a:spcPct val="20000"/>
-              </a:spcBef>
-              <a:buClr>
-                <a:schemeClr val="accent2"/>
-              </a:buClr>
-              <a:buSzPct val="85000"/>
-              <a:buFont typeface="Brush Script MT" pitchFamily="66" charset="0"/>
-              <a:buChar char="O"/>
-              <a:defRPr sz="2000" kern="1200">
-                <a:solidFill>
-                  <a:schemeClr val="tx1"/>
-                </a:solidFill>
-                <a:latin typeface="+mn-lt"/>
-                <a:ea typeface="+mn-ea"/>
-                <a:cs typeface="+mn-cs"/>
-              </a:defRPr>
-            </a:lvl3pPr>
-            <a:lvl4pPr marL="1280160" indent="-228600" algn="l" defTabSz="914400" rtl="0" eaLnBrk="1" latinLnBrk="0" hangingPunct="1">
-              <a:spcBef>
-                <a:spcPct val="20000"/>
-              </a:spcBef>
-              <a:buClr>
-                <a:schemeClr val="accent2"/>
-              </a:buClr>
-              <a:buSzPct val="85000"/>
-              <a:buFont typeface="Brush Script MT" pitchFamily="66" charset="0"/>
-              <a:buChar char="O"/>
-              <a:defRPr sz="1800" kern="1200">
-                <a:solidFill>
-                  <a:schemeClr val="tx1"/>
-                </a:solidFill>
-                <a:latin typeface="+mn-lt"/>
-                <a:ea typeface="+mn-ea"/>
-                <a:cs typeface="+mn-cs"/>
-              </a:defRPr>
-            </a:lvl4pPr>
-            <a:lvl5pPr marL="1645920" indent="-228600" algn="l" defTabSz="914400" rtl="0" eaLnBrk="1" latinLnBrk="0" hangingPunct="1">
-              <a:spcBef>
-                <a:spcPct val="20000"/>
-              </a:spcBef>
-              <a:buClr>
-                <a:schemeClr val="accent2"/>
-              </a:buClr>
-              <a:buSzPct val="85000"/>
-              <a:buFont typeface="Brush Script MT" pitchFamily="66" charset="0"/>
-              <a:buChar char="O"/>
-              <a:defRPr sz="1600" kern="1200">
-                <a:solidFill>
-                  <a:schemeClr val="tx1"/>
-                </a:solidFill>
-                <a:latin typeface="+mn-lt"/>
-                <a:ea typeface="+mn-ea"/>
-                <a:cs typeface="+mn-cs"/>
-              </a:defRPr>
-            </a:lvl5pPr>
-            <a:lvl6pPr marL="2011680" indent="-228600" algn="l" defTabSz="914400" rtl="0" eaLnBrk="1" latinLnBrk="0" hangingPunct="1">
-              <a:spcBef>
-                <a:spcPct val="20000"/>
-              </a:spcBef>
-              <a:buClr>
-                <a:schemeClr val="accent2"/>
-              </a:buClr>
-              <a:buSzPct val="85000"/>
-              <a:buFont typeface="Brush Script MT" pitchFamily="66" charset="0"/>
-              <a:buChar char="O"/>
-              <a:defRPr sz="1600" kern="1200">
-                <a:solidFill>
-                  <a:schemeClr val="tx1"/>
-                </a:solidFill>
-                <a:latin typeface="+mn-lt"/>
-                <a:ea typeface="+mn-ea"/>
-                <a:cs typeface="+mn-cs"/>
-              </a:defRPr>
-            </a:lvl6pPr>
-            <a:lvl7pPr marL="2377440" indent="-228600" algn="l" defTabSz="914400" rtl="0" eaLnBrk="1" latinLnBrk="0" hangingPunct="1">
-              <a:spcBef>
-                <a:spcPct val="20000"/>
-              </a:spcBef>
-              <a:buClr>
-                <a:schemeClr val="accent2"/>
-              </a:buClr>
-              <a:buSzPct val="85000"/>
-              <a:buFont typeface="Brush Script MT" pitchFamily="66" charset="0"/>
-              <a:buChar char="O"/>
-              <a:defRPr sz="1600" kern="1200">
-                <a:solidFill>
-                  <a:schemeClr val="tx1"/>
-                </a:solidFill>
-                <a:latin typeface="+mn-lt"/>
-                <a:ea typeface="+mn-ea"/>
-                <a:cs typeface="+mn-cs"/>
-              </a:defRPr>
-            </a:lvl7pPr>
-            <a:lvl8pPr marL="2743200" indent="-228600" algn="l" defTabSz="914400" rtl="0" eaLnBrk="1" latinLnBrk="0" hangingPunct="1">
-              <a:spcBef>
-                <a:spcPct val="20000"/>
-              </a:spcBef>
-              <a:buClr>
-                <a:schemeClr val="accent2"/>
-              </a:buClr>
-              <a:buSzPct val="85000"/>
-              <a:buFont typeface="Brush Script MT" pitchFamily="66" charset="0"/>
-              <a:buChar char="O"/>
-              <a:defRPr sz="1600" kern="1200">
-                <a:solidFill>
-                  <a:schemeClr val="tx1"/>
-                </a:solidFill>
-                <a:latin typeface="+mn-lt"/>
-                <a:ea typeface="+mn-ea"/>
-                <a:cs typeface="+mn-cs"/>
-              </a:defRPr>
-            </a:lvl8pPr>
-            <a:lvl9pPr marL="3108960" indent="-228600" algn="l" defTabSz="914400" rtl="0" eaLnBrk="1" latinLnBrk="0" hangingPunct="1">
-              <a:spcBef>
-                <a:spcPct val="20000"/>
-              </a:spcBef>
-              <a:buClr>
-                <a:schemeClr val="accent2"/>
-              </a:buClr>
-              <a:buSzPct val="85000"/>
-              <a:buFont typeface="Brush Script MT" pitchFamily="66" charset="0"/>
-              <a:buChar char="O"/>
-              <a:defRPr sz="1600" kern="1200">
-                <a:solidFill>
-                  <a:schemeClr val="tx1"/>
-                </a:solidFill>
-                <a:latin typeface="+mn-lt"/>
-                <a:ea typeface="+mn-ea"/>
-                <a:cs typeface="+mn-cs"/>
-              </a:defRPr>
-            </a:lvl9pPr>
-          </a:lstStyle>
-          <a:p>
-            <a:pPr marL="0" indent="0">
-              <a:buNone/>
-            </a:pPr>
-            <a:r>
-              <a:rPr lang="en-US" sz="4000" dirty="0"/>
-              <a:t>Step 6:</a:t>
-            </a:r>
-          </a:p>
-          <a:p>
-            <a:pPr>
-              <a:buFont typeface="Wingdings" panose="05000000000000000000" pitchFamily="2" charset="2"/>
-              <a:buChar char="ü"/>
-            </a:pPr>
-            <a:r>
-              <a:rPr lang="en-SG" dirty="0">
-                <a:latin typeface="Arial"/>
-              </a:rPr>
-              <a:t>Download Arduino Code</a:t>
-            </a:r>
-          </a:p>
-        </p:txBody>
-      </p:sp>
-      <p:sp>
-        <p:nvSpPr>
-          <p:cNvPr id="4" name="TextBox 3">
-            <a:extLst>
-              <a:ext uri="{FF2B5EF4-FFF2-40B4-BE49-F238E27FC236}">
-                <a16:creationId xmlns:a16="http://schemas.microsoft.com/office/drawing/2014/main" id="{9F37F302-B147-410B-876A-DB9AB6B1A473}"/>
-              </a:ext>
-            </a:extLst>
-          </p:cNvPr>
-          <p:cNvSpPr txBox="1"/>
-          <p:nvPr/>
-        </p:nvSpPr>
-        <p:spPr>
-          <a:xfrm>
-            <a:off x="1066800" y="3038204"/>
-            <a:ext cx="5029200" cy="2862322"/>
-          </a:xfrm>
-          <a:prstGeom prst="rect">
-            <a:avLst/>
-          </a:prstGeom>
-          <a:noFill/>
-        </p:spPr>
-        <p:txBody>
-          <a:bodyPr wrap="square" rtlCol="0">
-            <a:spAutoFit/>
-          </a:bodyPr>
-          <a:lstStyle/>
-          <a:p>
-            <a:pPr marL="285750" indent="-285750">
-              <a:buFont typeface="Wingdings" panose="05000000000000000000" pitchFamily="2" charset="2"/>
-              <a:buChar char="Ø"/>
-            </a:pPr>
-            <a:r>
-              <a:rPr lang="en-US" sz="2000" dirty="0"/>
-              <a:t>Click on ‘DOWNLOAD ALL’ on the top right corner of the window and unzip the zip file.</a:t>
-            </a:r>
-          </a:p>
-          <a:p>
-            <a:pPr marL="285750" indent="-285750">
-              <a:buFont typeface="Wingdings" panose="05000000000000000000" pitchFamily="2" charset="2"/>
-              <a:buChar char="Ø"/>
-            </a:pPr>
-            <a:r>
-              <a:rPr lang="en-US" sz="2000" dirty="0">
-                <a:solidFill>
-                  <a:srgbClr val="FF0000"/>
-                </a:solidFill>
-              </a:rPr>
-              <a:t>Do not change the file name</a:t>
-            </a:r>
-            <a:r>
-              <a:rPr lang="en-US" sz="2000" dirty="0"/>
-              <a:t>, make sure the 2 INO files are kept in a single folder</a:t>
-            </a:r>
-            <a:endParaRPr lang="en-US" sz="2000" dirty="0">
-              <a:solidFill>
-                <a:srgbClr val="FF0000"/>
-              </a:solidFill>
-            </a:endParaRPr>
-          </a:p>
-          <a:p>
-            <a:pPr marL="285750" indent="-285750">
-              <a:buFont typeface="Wingdings" panose="05000000000000000000" pitchFamily="2" charset="2"/>
-              <a:buChar char="Ø"/>
-            </a:pPr>
-            <a:r>
-              <a:rPr lang="en-US" sz="2000" dirty="0"/>
-              <a:t>Click on either INO file and open it using Arduino IDE</a:t>
-            </a:r>
-          </a:p>
-          <a:p>
-            <a:pPr marL="285750" indent="-285750">
-              <a:buFont typeface="Wingdings" panose="05000000000000000000" pitchFamily="2" charset="2"/>
-              <a:buChar char="Ø"/>
-            </a:pPr>
-            <a:r>
-              <a:rPr lang="en-US" sz="2000" dirty="0"/>
-              <a:t>Your window should consists of 2 tabs -&gt;&gt;</a:t>
-            </a:r>
-          </a:p>
-          <a:p>
-            <a:pPr marL="285750" indent="-285750">
-              <a:buFont typeface="Wingdings" panose="05000000000000000000" pitchFamily="2" charset="2"/>
-              <a:buChar char="Ø"/>
-            </a:pPr>
-            <a:r>
-              <a:rPr lang="en-US" sz="2000" dirty="0"/>
-              <a:t>As for now, you can ignore the first tab and click on the second tab</a:t>
-            </a:r>
-          </a:p>
-        </p:txBody>
-      </p:sp>
-      <p:pic>
-        <p:nvPicPr>
-          <p:cNvPr id="7" name="Picture 6">
-            <a:extLst>
-              <a:ext uri="{FF2B5EF4-FFF2-40B4-BE49-F238E27FC236}">
-                <a16:creationId xmlns:a16="http://schemas.microsoft.com/office/drawing/2014/main" id="{49E9AB2F-2264-4EE9-A9AF-34142113D419}"/>
+                <a16:creationId xmlns:a16="http://schemas.microsoft.com/office/drawing/2014/main" id="{66664782-FBC3-4684-80A8-B0C17DE79C10}"/>
               </a:ext>
             </a:extLst>
           </p:cNvPr>
@@ -7128,157 +7035,14 @@
         </p:blipFill>
         <p:spPr>
           <a:xfrm>
-            <a:off x="6460671" y="993380"/>
-            <a:ext cx="4495800" cy="5864620"/>
+            <a:off x="914400" y="1066800"/>
+            <a:ext cx="10363200" cy="5707400"/>
           </a:xfrm>
           <a:prstGeom prst="rect">
             <a:avLst/>
           </a:prstGeom>
         </p:spPr>
       </p:pic>
-      <p:sp>
-        <p:nvSpPr>
-          <p:cNvPr id="3" name="TextBox 2">
-            <a:extLst>
-              <a:ext uri="{FF2B5EF4-FFF2-40B4-BE49-F238E27FC236}">
-                <a16:creationId xmlns:a16="http://schemas.microsoft.com/office/drawing/2014/main" id="{457DFD1F-1484-41B5-BD47-9D99D61EC0B7}"/>
-              </a:ext>
-            </a:extLst>
-          </p:cNvPr>
-          <p:cNvSpPr txBox="1"/>
-          <p:nvPr/>
-        </p:nvSpPr>
-        <p:spPr>
-          <a:xfrm>
-            <a:off x="990600" y="1950019"/>
-            <a:ext cx="4495800" cy="830997"/>
-          </a:xfrm>
-          <a:prstGeom prst="rect">
-            <a:avLst/>
-          </a:prstGeom>
-          <a:noFill/>
-        </p:spPr>
-        <p:txBody>
-          <a:bodyPr wrap="square" rtlCol="0">
-            <a:spAutoFit/>
-          </a:bodyPr>
-          <a:lstStyle/>
-          <a:p>
-            <a:pPr lvl="1">
-              <a:buFont typeface="Wingdings" panose="05000000000000000000" pitchFamily="2" charset="2"/>
-              <a:buChar char="Ø"/>
-            </a:pPr>
-            <a:r>
-              <a:rPr lang="en-SG" sz="1600" dirty="0">
-                <a:latin typeface="Arial"/>
-              </a:rPr>
-              <a:t> Link to Arduino code:</a:t>
-            </a:r>
-          </a:p>
-          <a:p>
-            <a:pPr lvl="1"/>
-            <a:r>
-              <a:rPr lang="en-US" sz="1600" dirty="0">
-                <a:hlinkClick r:id="rId3"/>
-              </a:rPr>
-              <a:t>https://drive.google.com/open?id=0B0Yrf1mbmTaxaVpqZE5Id29DMlU</a:t>
-            </a:r>
-            <a:endParaRPr lang="en-US" sz="1600" dirty="0"/>
-          </a:p>
-        </p:txBody>
-      </p:sp>
-    </p:spTree>
-    <p:extLst>
-      <p:ext uri="{BB962C8B-B14F-4D97-AF65-F5344CB8AC3E}">
-        <p14:creationId xmlns:p14="http://schemas.microsoft.com/office/powerpoint/2010/main" val="2761843146"/>
-      </p:ext>
-    </p:extLst>
-  </p:cSld>
-  <p:clrMapOvr>
-    <a:masterClrMapping/>
-  </p:clrMapOvr>
-</p:sld>
-</file>
-
-<file path=ppt/slides/slide19.xml><?xml version="1.0" encoding="utf-8"?>
-<p:sld xmlns:a="http://schemas.openxmlformats.org/drawingml/2006/main" xmlns:r="http://schemas.openxmlformats.org/officeDocument/2006/relationships" xmlns:p="http://schemas.openxmlformats.org/presentationml/2006/main">
-  <p:cSld>
-    <p:spTree>
-      <p:nvGrpSpPr>
-        <p:cNvPr id="1" name=""/>
-        <p:cNvGrpSpPr/>
-        <p:nvPr/>
-      </p:nvGrpSpPr>
-      <p:grpSpPr>
-        <a:xfrm>
-          <a:off x="0" y="0"/>
-          <a:ext cx="0" cy="0"/>
-          <a:chOff x="0" y="0"/>
-          <a:chExt cx="0" cy="0"/>
-        </a:xfrm>
-      </p:grpSpPr>
-      <p:pic>
-        <p:nvPicPr>
-          <p:cNvPr id="2" name="Picture 1">
-            <a:extLst>
-              <a:ext uri="{FF2B5EF4-FFF2-40B4-BE49-F238E27FC236}">
-                <a16:creationId xmlns:a16="http://schemas.microsoft.com/office/drawing/2014/main" id="{0758349C-82B0-413F-BB4D-E547A2864B56}"/>
-              </a:ext>
-            </a:extLst>
-          </p:cNvPr>
-          <p:cNvPicPr>
-            <a:picLocks noChangeAspect="1"/>
-          </p:cNvPicPr>
-          <p:nvPr/>
-        </p:nvPicPr>
-        <p:blipFill>
-          <a:blip r:embed="rId2"/>
-          <a:stretch>
-            <a:fillRect/>
-          </a:stretch>
-        </p:blipFill>
-        <p:spPr>
-          <a:xfrm>
-            <a:off x="533400" y="914400"/>
-            <a:ext cx="11180821" cy="5897916"/>
-          </a:xfrm>
-          <a:prstGeom prst="rect">
-            <a:avLst/>
-          </a:prstGeom>
-        </p:spPr>
-      </p:pic>
-      <p:sp>
-        <p:nvSpPr>
-          <p:cNvPr id="6" name="Title 1"/>
-          <p:cNvSpPr>
-            <a:spLocks noGrp="1"/>
-          </p:cNvSpPr>
-          <p:nvPr>
-            <p:ph type="title"/>
-          </p:nvPr>
-        </p:nvSpPr>
-        <p:spPr>
-          <a:xfrm>
-            <a:off x="1981200" y="76200"/>
-            <a:ext cx="8229600" cy="1143000"/>
-          </a:xfrm>
-        </p:spPr>
-        <p:txBody>
-          <a:bodyPr>
-            <a:normAutofit/>
-          </a:bodyPr>
-          <a:lstStyle/>
-          <a:p>
-            <a:pPr algn="ctr"/>
-            <a:r>
-              <a:rPr lang="en-US" sz="5400" dirty="0">
-                <a:latin typeface="Bauhaus 93" panose="04030905020B02020C02" pitchFamily="82" charset="0"/>
-              </a:rPr>
-              <a:t>Building Procedures</a:t>
-            </a:r>
-          </a:p>
-        </p:txBody>
-      </p:sp>
       <p:sp>
         <p:nvSpPr>
           <p:cNvPr id="9" name="Down Arrow 6">
@@ -7390,112 +7154,7 @@
 </p:sld>
 </file>
 
-<file path=ppt/slides/slide2.xml><?xml version="1.0" encoding="utf-8"?>
-<p:sld xmlns:a="http://schemas.openxmlformats.org/drawingml/2006/main" xmlns:r="http://schemas.openxmlformats.org/officeDocument/2006/relationships" xmlns:p="http://schemas.openxmlformats.org/presentationml/2006/main">
-  <p:cSld>
-    <p:spTree>
-      <p:nvGrpSpPr>
-        <p:cNvPr id="1" name=""/>
-        <p:cNvGrpSpPr/>
-        <p:nvPr/>
-      </p:nvGrpSpPr>
-      <p:grpSpPr>
-        <a:xfrm>
-          <a:off x="0" y="0"/>
-          <a:ext cx="0" cy="0"/>
-          <a:chOff x="0" y="0"/>
-          <a:chExt cx="0" cy="0"/>
-        </a:xfrm>
-      </p:grpSpPr>
-      <p:sp>
-        <p:nvSpPr>
-          <p:cNvPr id="2" name="Title 1"/>
-          <p:cNvSpPr>
-            <a:spLocks noGrp="1"/>
-          </p:cNvSpPr>
-          <p:nvPr>
-            <p:ph type="title"/>
-          </p:nvPr>
-        </p:nvSpPr>
-        <p:spPr/>
-        <p:txBody>
-          <a:bodyPr>
-            <a:normAutofit/>
-          </a:bodyPr>
-          <a:lstStyle/>
-          <a:p>
-            <a:r>
-              <a:rPr lang="en-US" sz="3200" dirty="0"/>
-              <a:t>In this 4 weeks, you will be able to…</a:t>
-            </a:r>
-          </a:p>
-        </p:txBody>
-      </p:sp>
-      <p:sp>
-        <p:nvSpPr>
-          <p:cNvPr id="3" name="Content Placeholder 2"/>
-          <p:cNvSpPr>
-            <a:spLocks noGrp="1"/>
-          </p:cNvSpPr>
-          <p:nvPr>
-            <p:ph idx="1"/>
-          </p:nvPr>
-        </p:nvSpPr>
-        <p:spPr/>
-        <p:txBody>
-          <a:bodyPr>
-            <a:normAutofit/>
-          </a:bodyPr>
-          <a:lstStyle/>
-          <a:p>
-            <a:pPr>
-              <a:buFont typeface="Wingdings" panose="05000000000000000000" pitchFamily="2" charset="2"/>
-              <a:buChar char="ü"/>
-            </a:pPr>
-            <a:r>
-              <a:rPr lang="en-US" sz="2600" dirty="0"/>
-              <a:t>Design and build your very own Unmanned Ground Vehicle (UGV).</a:t>
-            </a:r>
-          </a:p>
-          <a:p>
-            <a:pPr>
-              <a:buFont typeface="Wingdings" panose="05000000000000000000" pitchFamily="2" charset="2"/>
-              <a:buChar char="ü"/>
-            </a:pPr>
-            <a:r>
-              <a:rPr lang="en-US" sz="2600" dirty="0"/>
-              <a:t>Establish a wireless communication between a micro controller and your android phone.</a:t>
-            </a:r>
-          </a:p>
-          <a:p>
-            <a:pPr>
-              <a:buFont typeface="Wingdings" panose="05000000000000000000" pitchFamily="2" charset="2"/>
-              <a:buChar char="ü"/>
-            </a:pPr>
-            <a:r>
-              <a:rPr lang="en-US" sz="2600" dirty="0"/>
-              <a:t>Write a program to maneuver your UGV and collect data for you!</a:t>
-            </a:r>
-          </a:p>
-          <a:p>
-            <a:endParaRPr lang="en-US" dirty="0"/>
-          </a:p>
-        </p:txBody>
-      </p:sp>
-    </p:spTree>
-    <p:extLst>
-      <p:ext uri="{BB962C8B-B14F-4D97-AF65-F5344CB8AC3E}">
-        <p14:creationId xmlns:p14="http://schemas.microsoft.com/office/powerpoint/2010/main" val="3273887163"/>
-      </p:ext>
-    </p:extLst>
-  </p:cSld>
-  <p:clrMapOvr>
-    <a:masterClrMapping/>
-  </p:clrMapOvr>
-</p:sld>
-</file>
-
-<file path=ppt/slides/slide20.xml><?xml version="1.0" encoding="utf-8"?>
+<file path=ppt/slides/slide19.xml><?xml version="1.0" encoding="utf-8"?>
 <p:sld xmlns:a="http://schemas.openxmlformats.org/drawingml/2006/main" xmlns:r="http://schemas.openxmlformats.org/officeDocument/2006/relationships" xmlns:p="http://schemas.openxmlformats.org/presentationml/2006/main">
   <p:cSld>
     <p:spTree>
@@ -7667,7 +7326,7 @@
             </a:r>
             <a:r>
               <a:rPr lang="en-US" dirty="0"/>
-              <a:t>. Writing a if loop with a condition of (</a:t>
+              <a:t>. Writing a ‘if loop’ with a condition of (</a:t>
             </a:r>
             <a:r>
               <a:rPr lang="en-US" dirty="0" err="1"/>
@@ -7693,7 +7352,112 @@
 </p:sld>
 </file>
 
-<file path=ppt/slides/slide21.xml><?xml version="1.0" encoding="utf-8"?>
+<file path=ppt/slides/slide2.xml><?xml version="1.0" encoding="utf-8"?>
+<p:sld xmlns:a="http://schemas.openxmlformats.org/drawingml/2006/main" xmlns:r="http://schemas.openxmlformats.org/officeDocument/2006/relationships" xmlns:p="http://schemas.openxmlformats.org/presentationml/2006/main">
+  <p:cSld>
+    <p:spTree>
+      <p:nvGrpSpPr>
+        <p:cNvPr id="1" name=""/>
+        <p:cNvGrpSpPr/>
+        <p:nvPr/>
+      </p:nvGrpSpPr>
+      <p:grpSpPr>
+        <a:xfrm>
+          <a:off x="0" y="0"/>
+          <a:ext cx="0" cy="0"/>
+          <a:chOff x="0" y="0"/>
+          <a:chExt cx="0" cy="0"/>
+        </a:xfrm>
+      </p:grpSpPr>
+      <p:sp>
+        <p:nvSpPr>
+          <p:cNvPr id="2" name="Title 1"/>
+          <p:cNvSpPr>
+            <a:spLocks noGrp="1"/>
+          </p:cNvSpPr>
+          <p:nvPr>
+            <p:ph type="title"/>
+          </p:nvPr>
+        </p:nvSpPr>
+        <p:spPr/>
+        <p:txBody>
+          <a:bodyPr>
+            <a:normAutofit/>
+          </a:bodyPr>
+          <a:lstStyle/>
+          <a:p>
+            <a:r>
+              <a:rPr lang="en-US" sz="3200" dirty="0"/>
+              <a:t>In this 4 weeks, you will be able to…</a:t>
+            </a:r>
+          </a:p>
+        </p:txBody>
+      </p:sp>
+      <p:sp>
+        <p:nvSpPr>
+          <p:cNvPr id="3" name="Content Placeholder 2"/>
+          <p:cNvSpPr>
+            <a:spLocks noGrp="1"/>
+          </p:cNvSpPr>
+          <p:nvPr>
+            <p:ph idx="1"/>
+          </p:nvPr>
+        </p:nvSpPr>
+        <p:spPr/>
+        <p:txBody>
+          <a:bodyPr>
+            <a:normAutofit/>
+          </a:bodyPr>
+          <a:lstStyle/>
+          <a:p>
+            <a:pPr>
+              <a:buFont typeface="Wingdings" panose="05000000000000000000" pitchFamily="2" charset="2"/>
+              <a:buChar char="ü"/>
+            </a:pPr>
+            <a:r>
+              <a:rPr lang="en-US" sz="2600" dirty="0"/>
+              <a:t>Design and build your very own Unmanned Ground Vehicle (UGV).</a:t>
+            </a:r>
+          </a:p>
+          <a:p>
+            <a:pPr>
+              <a:buFont typeface="Wingdings" panose="05000000000000000000" pitchFamily="2" charset="2"/>
+              <a:buChar char="ü"/>
+            </a:pPr>
+            <a:r>
+              <a:rPr lang="en-US" sz="2600" dirty="0"/>
+              <a:t>Establish a wireless communication between a microcontroller and your Android phone.</a:t>
+            </a:r>
+          </a:p>
+          <a:p>
+            <a:pPr>
+              <a:buFont typeface="Wingdings" panose="05000000000000000000" pitchFamily="2" charset="2"/>
+              <a:buChar char="ü"/>
+            </a:pPr>
+            <a:r>
+              <a:rPr lang="en-US" sz="2600" dirty="0"/>
+              <a:t>Write a program to maneuver your UGV and collect data for you!</a:t>
+            </a:r>
+          </a:p>
+          <a:p>
+            <a:endParaRPr lang="en-US" dirty="0"/>
+          </a:p>
+        </p:txBody>
+      </p:sp>
+    </p:spTree>
+    <p:extLst>
+      <p:ext uri="{BB962C8B-B14F-4D97-AF65-F5344CB8AC3E}">
+        <p14:creationId xmlns:p14="http://schemas.microsoft.com/office/powerpoint/2010/main" val="3273887163"/>
+      </p:ext>
+    </p:extLst>
+  </p:cSld>
+  <p:clrMapOvr>
+    <a:masterClrMapping/>
+  </p:clrMapOvr>
+</p:sld>
+</file>
+
+<file path=ppt/slides/slide20.xml><?xml version="1.0" encoding="utf-8"?>
 <p:sld xmlns:a="http://schemas.openxmlformats.org/drawingml/2006/main" xmlns:r="http://schemas.openxmlformats.org/officeDocument/2006/relationships" xmlns:p="http://schemas.openxmlformats.org/presentationml/2006/main">
   <p:cSld>
     <p:spTree>
@@ -8193,69 +7957,6 @@
 </p:sld>
 </file>
 
-<file path=ppt/slides/slide22.xml><?xml version="1.0" encoding="utf-8"?>
-<p:sld xmlns:a="http://schemas.openxmlformats.org/drawingml/2006/main" xmlns:r="http://schemas.openxmlformats.org/officeDocument/2006/relationships" xmlns:p="http://schemas.openxmlformats.org/presentationml/2006/main">
-  <p:cSld>
-    <p:spTree>
-      <p:nvGrpSpPr>
-        <p:cNvPr id="1" name=""/>
-        <p:cNvGrpSpPr/>
-        <p:nvPr/>
-      </p:nvGrpSpPr>
-      <p:grpSpPr>
-        <a:xfrm>
-          <a:off x="0" y="0"/>
-          <a:ext cx="0" cy="0"/>
-          <a:chOff x="0" y="0"/>
-          <a:chExt cx="0" cy="0"/>
-        </a:xfrm>
-      </p:grpSpPr>
-      <p:sp>
-        <p:nvSpPr>
-          <p:cNvPr id="2" name="Title 1">
-            <a:extLst>
-              <a:ext uri="{FF2B5EF4-FFF2-40B4-BE49-F238E27FC236}">
-                <a16:creationId xmlns:a16="http://schemas.microsoft.com/office/drawing/2014/main" id="{07B77256-C5A2-4C31-8FD8-11FCAC2CAA2E}"/>
-              </a:ext>
-            </a:extLst>
-          </p:cNvPr>
-          <p:cNvSpPr>
-            <a:spLocks noGrp="1"/>
-          </p:cNvSpPr>
-          <p:nvPr>
-            <p:ph type="title"/>
-          </p:nvPr>
-        </p:nvSpPr>
-        <p:spPr>
-          <a:xfrm>
-            <a:off x="4876800" y="2590800"/>
-            <a:ext cx="2362200" cy="1325563"/>
-          </a:xfrm>
-        </p:spPr>
-        <p:txBody>
-          <a:bodyPr/>
-          <a:lstStyle/>
-          <a:p>
-            <a:r>
-              <a:rPr lang="en-US" b="1" dirty="0"/>
-              <a:t>THE END</a:t>
-            </a:r>
-          </a:p>
-        </p:txBody>
-      </p:sp>
-    </p:spTree>
-    <p:extLst>
-      <p:ext uri="{BB962C8B-B14F-4D97-AF65-F5344CB8AC3E}">
-        <p14:creationId xmlns:p14="http://schemas.microsoft.com/office/powerpoint/2010/main" val="1362203492"/>
-      </p:ext>
-    </p:extLst>
-  </p:cSld>
-  <p:clrMapOvr>
-    <a:masterClrMapping/>
-  </p:clrMapOvr>
-</p:sld>
-</file>
-
 <file path=ppt/slides/slide3.xml><?xml version="1.0" encoding="utf-8"?>
 <p:sld xmlns:a="http://schemas.openxmlformats.org/drawingml/2006/main" xmlns:r="http://schemas.openxmlformats.org/officeDocument/2006/relationships" xmlns:p="http://schemas.openxmlformats.org/presentationml/2006/main">
   <p:cSld>
@@ -8813,7 +8514,7 @@
             </a:r>
             <a:r>
               <a:rPr lang="en-SG" sz="1700" dirty="0"/>
-              <a:t>. Scissor, pen, pencil, markers, etc</a:t>
+              <a:t>. Scissors, pen, pencil, markers, etc</a:t>
             </a:r>
             <a:endParaRPr lang="en-US" sz="1700" dirty="0"/>
           </a:p>
@@ -10210,32 +9911,16 @@
             </a:endParaRPr>
           </a:p>
           <a:p>
-            <a:r>
-              <a:rPr lang="en-SG" dirty="0">
-                <a:latin typeface="Arial" panose="020B0604020202020204" pitchFamily="34" charset="0"/>
-                <a:cs typeface="Arial" panose="020B0604020202020204" pitchFamily="34" charset="0"/>
-              </a:rPr>
-              <a:t>Given a l</a:t>
-            </a:r>
+            <a:pPr>
+              <a:buFont typeface="Wingdings" panose="05000000000000000000" pitchFamily="2" charset="2"/>
+              <a:buChar char="Ø"/>
+            </a:pPr>
             <a:r>
               <a:rPr lang="en-SG" b="0" i="0" u="none" strike="noStrike" dirty="0">
                 <a:latin typeface="Arial" panose="020B0604020202020204" pitchFamily="34" charset="0"/>
                 <a:cs typeface="Arial" panose="020B0604020202020204" pitchFamily="34" charset="0"/>
               </a:rPr>
-              <a:t>arge piece of corrugated plastic board </a:t>
-            </a:r>
-          </a:p>
-          <a:p>
-            <a:pPr>
-              <a:buFont typeface="Wingdings" panose="05000000000000000000" pitchFamily="2" charset="2"/>
-              <a:buChar char="Ø"/>
-            </a:pPr>
-            <a:r>
-              <a:rPr lang="en-SG" b="0" i="0" u="none" strike="noStrike" dirty="0">
-                <a:latin typeface="Arial" panose="020B0604020202020204" pitchFamily="34" charset="0"/>
-                <a:cs typeface="Arial" panose="020B0604020202020204" pitchFamily="34" charset="0"/>
-              </a:rPr>
-              <a:t>Cut it into </a:t>
+              <a:t>Cut the corrugated sheet into </a:t>
             </a:r>
             <a:r>
               <a:rPr lang="en-SG" u="sng" dirty="0">
@@ -10255,7 +9940,20 @@
                 <a:latin typeface="Arial" panose="020B0604020202020204" pitchFamily="34" charset="0"/>
                 <a:cs typeface="Arial" panose="020B0604020202020204" pitchFamily="34" charset="0"/>
               </a:rPr>
-              <a:t>Shaped them into your desired shapes and sizes</a:t>
+              <a:t>Feel free to change the shapes and sizes</a:t>
+            </a:r>
+          </a:p>
+          <a:p>
+            <a:pPr>
+              <a:buFont typeface="Wingdings" panose="05000000000000000000" pitchFamily="2" charset="2"/>
+              <a:buChar char="Ø"/>
+            </a:pPr>
+            <a:r>
+              <a:rPr lang="en-SG" dirty="0">
+                <a:latin typeface="Arial" panose="020B0604020202020204" pitchFamily="34" charset="0"/>
+                <a:cs typeface="Arial" panose="020B0604020202020204" pitchFamily="34" charset="0"/>
+              </a:rPr>
+              <a:t>After cutting, stack and attach the layers together</a:t>
             </a:r>
           </a:p>
         </p:txBody>
@@ -10283,8 +9981,8 @@
         </p:blipFill>
         <p:spPr bwMode="auto">
           <a:xfrm>
-            <a:off x="2362200" y="3810000"/>
-            <a:ext cx="6781800" cy="2939750"/>
+            <a:off x="762000" y="4321325"/>
+            <a:ext cx="5727071" cy="2482550"/>
           </a:xfrm>
           <a:prstGeom prst="rect">
             <a:avLst/>
@@ -10322,7 +10020,7 @@
         </p:nvSpPr>
         <p:spPr>
           <a:xfrm rot="18768791">
-            <a:off x="2207861" y="4742102"/>
+            <a:off x="784832" y="4729403"/>
             <a:ext cx="762000" cy="1158519"/>
           </a:xfrm>
           <a:prstGeom prst="downArrow">
@@ -10360,7 +10058,7 @@
         </p:nvSpPr>
         <p:spPr>
           <a:xfrm>
-            <a:off x="6781800" y="4800600"/>
+            <a:off x="1127732" y="4928900"/>
             <a:ext cx="2432957" cy="1524000"/>
           </a:xfrm>
           <a:prstGeom prst="ellipse">
@@ -10384,6 +10082,98 @@
           </a:fillRef>
           <a:effectRef idx="0">
             <a:schemeClr val="accent1"/>
+          </a:effectRef>
+          <a:fontRef idx="minor">
+            <a:schemeClr val="lt1"/>
+          </a:fontRef>
+        </p:style>
+        <p:txBody>
+          <a:bodyPr rtlCol="0" anchor="ctr"/>
+          <a:lstStyle/>
+          <a:p>
+            <a:pPr algn="ctr"/>
+            <a:endParaRPr lang="en-US"/>
+          </a:p>
+        </p:txBody>
+      </p:sp>
+      <p:pic>
+        <p:nvPicPr>
+          <p:cNvPr id="7" name="Picture 2"/>
+          <p:cNvPicPr>
+            <a:picLocks noChangeAspect="1" noChangeArrowheads="1"/>
+          </p:cNvPicPr>
+          <p:nvPr/>
+        </p:nvPicPr>
+        <p:blipFill>
+          <a:blip r:embed="rId3">
+            <a:extLst>
+              <a:ext uri="{28A0092B-C50C-407E-A947-70E740481C1C}">
+                <a14:useLocalDpi xmlns:a14="http://schemas.microsoft.com/office/drawing/2010/main" val="0"/>
+              </a:ext>
+            </a:extLst>
+          </a:blip>
+          <a:srcRect/>
+          <a:stretch>
+            <a:fillRect/>
+          </a:stretch>
+        </p:blipFill>
+        <p:spPr bwMode="auto">
+          <a:xfrm>
+            <a:off x="8969666" y="4648199"/>
+            <a:ext cx="3243856" cy="2235262"/>
+          </a:xfrm>
+          <a:prstGeom prst="rect">
+            <a:avLst/>
+          </a:prstGeom>
+          <a:noFill/>
+          <a:ln>
+            <a:noFill/>
+          </a:ln>
+          <a:extLst>
+            <a:ext uri="{909E8E84-426E-40DD-AFC4-6F175D3DCCD1}">
+              <a14:hiddenFill xmlns:a14="http://schemas.microsoft.com/office/drawing/2010/main">
+                <a:solidFill>
+                  <a:schemeClr val="accent1"/>
+                </a:solidFill>
+              </a14:hiddenFill>
+            </a:ext>
+            <a:ext uri="{91240B29-F687-4F45-9708-019B960494DF}">
+              <a14:hiddenLine xmlns:a14="http://schemas.microsoft.com/office/drawing/2010/main" w="9525">
+                <a:solidFill>
+                  <a:schemeClr val="tx1"/>
+                </a:solidFill>
+                <a:miter lim="800000"/>
+                <a:headEnd/>
+                <a:tailEnd/>
+              </a14:hiddenLine>
+            </a:ext>
+          </a:extLst>
+        </p:spPr>
+      </p:pic>
+      <p:sp>
+        <p:nvSpPr>
+          <p:cNvPr id="10" name="Down Arrow 9"/>
+          <p:cNvSpPr/>
+          <p:nvPr/>
+        </p:nvSpPr>
+        <p:spPr>
+          <a:xfrm rot="18768791">
+            <a:off x="8442625" y="4402527"/>
+            <a:ext cx="762000" cy="1158519"/>
+          </a:xfrm>
+          <a:prstGeom prst="downArrow">
+            <a:avLst/>
+          </a:prstGeom>
+        </p:spPr>
+        <p:style>
+          <a:lnRef idx="0">
+            <a:schemeClr val="accent2"/>
+          </a:lnRef>
+          <a:fillRef idx="3">
+            <a:schemeClr val="accent2"/>
+          </a:fillRef>
+          <a:effectRef idx="3">
+            <a:schemeClr val="accent2"/>
           </a:effectRef>
           <a:fontRef idx="minor">
             <a:schemeClr val="lt1"/>
@@ -10440,7 +10230,7 @@
         </p:nvSpPr>
         <p:spPr>
           <a:xfrm>
-            <a:off x="1981200" y="457200"/>
+            <a:off x="1776111" y="76902"/>
             <a:ext cx="8229600" cy="1143000"/>
           </a:xfrm>
         </p:spPr>
@@ -10472,8 +10262,8 @@
         </p:nvSpPr>
         <p:spPr>
           <a:xfrm>
-            <a:off x="2438400" y="1332047"/>
-            <a:ext cx="5486400" cy="4906963"/>
+            <a:off x="1916756" y="1045978"/>
+            <a:ext cx="1780380" cy="726390"/>
           </a:xfrm>
         </p:spPr>
         <p:txBody>
@@ -10490,27 +10280,11 @@
               <a:t>Step 2:</a:t>
             </a:r>
           </a:p>
-          <a:p>
-            <a:pPr>
-              <a:buFont typeface="Wingdings" panose="05000000000000000000" pitchFamily="2" charset="2"/>
-              <a:buChar char="ü"/>
-            </a:pPr>
-            <a:r>
-              <a:rPr lang="en-US" sz="3000" b="1" dirty="0">
-                <a:latin typeface="Arial" panose="020B0604020202020204" pitchFamily="34" charset="0"/>
-                <a:cs typeface="Arial" panose="020B0604020202020204" pitchFamily="34" charset="0"/>
-              </a:rPr>
-              <a:t>Creating the body of the bot and the wheels</a:t>
-            </a:r>
-            <a:endParaRPr lang="en-SG" sz="3000" dirty="0">
-              <a:latin typeface="Arial"/>
-            </a:endParaRPr>
-          </a:p>
         </p:txBody>
       </p:sp>
       <p:pic>
         <p:nvPicPr>
-          <p:cNvPr id="4098" name="Picture 2"/>
+          <p:cNvPr id="3074" name="Picture 2"/>
           <p:cNvPicPr>
             <a:picLocks noChangeAspect="1" noChangeArrowheads="1"/>
           </p:cNvPicPr>
@@ -10531,8 +10305,8 @@
         </p:blipFill>
         <p:spPr bwMode="auto">
           <a:xfrm>
-            <a:off x="2247900" y="3200400"/>
-            <a:ext cx="4533900" cy="3124200"/>
+            <a:off x="3732302" y="1040535"/>
+            <a:ext cx="4608665" cy="5721101"/>
           </a:xfrm>
           <a:prstGeom prst="rect">
             <a:avLst/>
@@ -10564,14 +10338,52 @@
       </p:pic>
       <p:sp>
         <p:nvSpPr>
-          <p:cNvPr id="4" name="Rectangle 3"/>
+          <p:cNvPr id="7" name="Down Arrow 6"/>
           <p:cNvSpPr/>
           <p:nvPr/>
         </p:nvSpPr>
         <p:spPr>
-          <a:xfrm>
-            <a:off x="6858000" y="3245990"/>
-            <a:ext cx="3048000" cy="2246769"/>
+          <a:xfrm rot="15297360">
+            <a:off x="4448714" y="836985"/>
+            <a:ext cx="457200" cy="2277716"/>
+          </a:xfrm>
+          <a:prstGeom prst="downArrow">
+            <a:avLst/>
+          </a:prstGeom>
+        </p:spPr>
+        <p:style>
+          <a:lnRef idx="3">
+            <a:schemeClr val="lt1"/>
+          </a:lnRef>
+          <a:fillRef idx="1">
+            <a:schemeClr val="accent2"/>
+          </a:fillRef>
+          <a:effectRef idx="1">
+            <a:schemeClr val="accent2"/>
+          </a:effectRef>
+          <a:fontRef idx="minor">
+            <a:schemeClr val="lt1"/>
+          </a:fontRef>
+        </p:style>
+        <p:txBody>
+          <a:bodyPr rtlCol="0" anchor="ctr"/>
+          <a:lstStyle/>
+          <a:p>
+            <a:pPr algn="ctr"/>
+            <a:endParaRPr lang="en-US"/>
+          </a:p>
+        </p:txBody>
+      </p:sp>
+      <p:sp>
+        <p:nvSpPr>
+          <p:cNvPr id="6" name="Rectangle 5"/>
+          <p:cNvSpPr/>
+          <p:nvPr/>
+        </p:nvSpPr>
+        <p:spPr>
+          <a:xfrm>
+            <a:off x="1813656" y="4057380"/>
+            <a:ext cx="1791821" cy="1212640"/>
           </a:xfrm>
           <a:prstGeom prst="rect">
             <a:avLst/>
@@ -10593,22 +10405,307 @@
               <a:buSzPct val="85000"/>
             </a:pPr>
             <a:r>
-              <a:rPr lang="en-US" sz="2800" dirty="0">
+              <a:rPr lang="en-SG" sz="1400" dirty="0">
                 <a:solidFill>
                   <a:prstClr val="black"/>
                 </a:solidFill>
                 <a:latin typeface="Arial" panose="020B0604020202020204" pitchFamily="34" charset="0"/>
                 <a:cs typeface="Arial" panose="020B0604020202020204" pitchFamily="34" charset="0"/>
               </a:rPr>
-              <a:t>After cutting, stack the boards up using glue or double-sided tapes</a:t>
-            </a:r>
+              <a:t>*Hints*</a:t>
+            </a:r>
+          </a:p>
+          <a:p>
+            <a:pPr lvl="0">
+              <a:spcBef>
+                <a:spcPct val="20000"/>
+              </a:spcBef>
+              <a:buClr>
+                <a:srgbClr val="AA2B1E"/>
+              </a:buClr>
+              <a:buSzPct val="85000"/>
+            </a:pPr>
+            <a:r>
+              <a:rPr lang="en-SG" sz="1400" dirty="0">
+                <a:solidFill>
+                  <a:prstClr val="black"/>
+                </a:solidFill>
+                <a:latin typeface="Arial" panose="020B0604020202020204" pitchFamily="34" charset="0"/>
+                <a:cs typeface="Arial" panose="020B0604020202020204" pitchFamily="34" charset="0"/>
+              </a:rPr>
+              <a:t>Holes like this can be drilled across the boards for neater connections</a:t>
+            </a:r>
+          </a:p>
+        </p:txBody>
+      </p:sp>
+      <p:sp>
+        <p:nvSpPr>
+          <p:cNvPr id="10" name="Down Arrow 9"/>
+          <p:cNvSpPr/>
+          <p:nvPr/>
+        </p:nvSpPr>
+        <p:spPr>
+          <a:xfrm rot="15405613">
+            <a:off x="3766915" y="3972624"/>
+            <a:ext cx="457200" cy="856104"/>
+          </a:xfrm>
+          <a:prstGeom prst="downArrow">
+            <a:avLst/>
+          </a:prstGeom>
+        </p:spPr>
+        <p:style>
+          <a:lnRef idx="3">
+            <a:schemeClr val="lt1"/>
+          </a:lnRef>
+          <a:fillRef idx="1">
+            <a:schemeClr val="accent6"/>
+          </a:fillRef>
+          <a:effectRef idx="1">
+            <a:schemeClr val="accent6"/>
+          </a:effectRef>
+          <a:fontRef idx="minor">
+            <a:schemeClr val="lt1"/>
+          </a:fontRef>
+        </p:style>
+        <p:txBody>
+          <a:bodyPr rtlCol="0" anchor="ctr"/>
+          <a:lstStyle/>
+          <a:p>
+            <a:pPr algn="ctr"/>
+            <a:endParaRPr lang="en-US"/>
+          </a:p>
+        </p:txBody>
+      </p:sp>
+      <p:sp>
+        <p:nvSpPr>
+          <p:cNvPr id="4" name="TextBox 3">
+            <a:extLst>
+              <a:ext uri="{FF2B5EF4-FFF2-40B4-BE49-F238E27FC236}">
+                <a16:creationId xmlns:a16="http://schemas.microsoft.com/office/drawing/2014/main" id="{E2EB9F98-76BA-41C7-836D-B346BAE4858E}"/>
+              </a:ext>
+            </a:extLst>
+          </p:cNvPr>
+          <p:cNvSpPr txBox="1"/>
+          <p:nvPr/>
+        </p:nvSpPr>
+        <p:spPr>
+          <a:xfrm>
+            <a:off x="1663946" y="1968841"/>
+            <a:ext cx="2286000" cy="923330"/>
+          </a:xfrm>
+          <a:prstGeom prst="rect">
+            <a:avLst/>
+          </a:prstGeom>
+          <a:noFill/>
+        </p:spPr>
+        <p:txBody>
+          <a:bodyPr wrap="square" rtlCol="0">
+            <a:spAutoFit/>
+          </a:bodyPr>
+          <a:lstStyle/>
+          <a:p>
+            <a:pPr>
+              <a:buFont typeface="Wingdings" panose="05000000000000000000" pitchFamily="2" charset="2"/>
+              <a:buChar char="Ø"/>
+            </a:pPr>
+            <a:r>
+              <a:rPr lang="en-SG" dirty="0">
+                <a:latin typeface="Arial" panose="020B0604020202020204" pitchFamily="34" charset="0"/>
+                <a:cs typeface="Arial" panose="020B0604020202020204" pitchFamily="34" charset="0"/>
+              </a:rPr>
+              <a:t>Position the </a:t>
+            </a:r>
+            <a:r>
+              <a:rPr lang="en-SG" b="1" dirty="0">
+                <a:latin typeface="Arial" panose="020B0604020202020204" pitchFamily="34" charset="0"/>
+                <a:cs typeface="Arial" panose="020B0604020202020204" pitchFamily="34" charset="0"/>
+              </a:rPr>
+              <a:t>castor ball</a:t>
+            </a:r>
+            <a:r>
+              <a:rPr lang="en-SG" dirty="0">
+                <a:latin typeface="Arial" panose="020B0604020202020204" pitchFamily="34" charset="0"/>
+                <a:cs typeface="Arial" panose="020B0604020202020204" pitchFamily="34" charset="0"/>
+              </a:rPr>
+              <a:t> at the </a:t>
+            </a:r>
+            <a:r>
+              <a:rPr lang="en-SG" u="sng" dirty="0">
+                <a:latin typeface="Arial" panose="020B0604020202020204" pitchFamily="34" charset="0"/>
+                <a:cs typeface="Arial" panose="020B0604020202020204" pitchFamily="34" charset="0"/>
+              </a:rPr>
+              <a:t>front </a:t>
+            </a:r>
+            <a:r>
+              <a:rPr lang="en-SG" dirty="0">
+                <a:latin typeface="Arial" panose="020B0604020202020204" pitchFamily="34" charset="0"/>
+                <a:cs typeface="Arial" panose="020B0604020202020204" pitchFamily="34" charset="0"/>
+              </a:rPr>
+              <a:t>of the car</a:t>
+            </a:r>
+          </a:p>
+        </p:txBody>
+      </p:sp>
+      <p:sp>
+        <p:nvSpPr>
+          <p:cNvPr id="11" name="Down Arrow 11">
+            <a:extLst>
+              <a:ext uri="{FF2B5EF4-FFF2-40B4-BE49-F238E27FC236}">
+                <a16:creationId xmlns:a16="http://schemas.microsoft.com/office/drawing/2014/main" id="{71E15E59-0EC8-49AD-B88D-32819831B959}"/>
+              </a:ext>
+            </a:extLst>
+          </p:cNvPr>
+          <p:cNvSpPr/>
+          <p:nvPr/>
+        </p:nvSpPr>
+        <p:spPr>
+          <a:xfrm rot="3283674">
+            <a:off x="7831411" y="4305692"/>
+            <a:ext cx="355058" cy="1216474"/>
+          </a:xfrm>
+          <a:prstGeom prst="downArrow">
+            <a:avLst/>
+          </a:prstGeom>
+          <a:solidFill>
+            <a:srgbClr val="0070C0"/>
+          </a:solidFill>
+        </p:spPr>
+        <p:style>
+          <a:lnRef idx="3">
+            <a:schemeClr val="lt1"/>
+          </a:lnRef>
+          <a:fillRef idx="1003">
+            <a:schemeClr val="lt2"/>
+          </a:fillRef>
+          <a:effectRef idx="1">
+            <a:schemeClr val="accent2"/>
+          </a:effectRef>
+          <a:fontRef idx="minor">
+            <a:schemeClr val="lt1"/>
+          </a:fontRef>
+        </p:style>
+        <p:txBody>
+          <a:bodyPr rtlCol="0" anchor="ctr"/>
+          <a:lstStyle/>
+          <a:p>
+            <a:pPr algn="ctr"/>
+            <a:endParaRPr lang="en-US"/>
+          </a:p>
+        </p:txBody>
+      </p:sp>
+      <p:sp>
+        <p:nvSpPr>
+          <p:cNvPr id="12" name="Down Arrow 11">
+            <a:extLst>
+              <a:ext uri="{FF2B5EF4-FFF2-40B4-BE49-F238E27FC236}">
+                <a16:creationId xmlns:a16="http://schemas.microsoft.com/office/drawing/2014/main" id="{7EC79802-FE6E-45D4-A088-0D5DF5511E88}"/>
+              </a:ext>
+            </a:extLst>
+          </p:cNvPr>
+          <p:cNvSpPr/>
+          <p:nvPr/>
+        </p:nvSpPr>
+        <p:spPr>
+          <a:xfrm rot="4392898">
+            <a:off x="6571246" y="3069313"/>
+            <a:ext cx="439137" cy="3373004"/>
+          </a:xfrm>
+          <a:prstGeom prst="downArrow">
+            <a:avLst/>
+          </a:prstGeom>
+          <a:solidFill>
+            <a:srgbClr val="0070C0"/>
+          </a:solidFill>
+        </p:spPr>
+        <p:style>
+          <a:lnRef idx="3">
+            <a:schemeClr val="lt1"/>
+          </a:lnRef>
+          <a:fillRef idx="1003">
+            <a:schemeClr val="lt2"/>
+          </a:fillRef>
+          <a:effectRef idx="1">
+            <a:schemeClr val="accent2"/>
+          </a:effectRef>
+          <a:fontRef idx="minor">
+            <a:schemeClr val="lt1"/>
+          </a:fontRef>
+        </p:style>
+        <p:txBody>
+          <a:bodyPr rtlCol="0" anchor="ctr"/>
+          <a:lstStyle/>
+          <a:p>
+            <a:pPr algn="ctr"/>
+            <a:endParaRPr lang="en-US"/>
+          </a:p>
+        </p:txBody>
+      </p:sp>
+      <p:sp>
+        <p:nvSpPr>
+          <p:cNvPr id="13" name="Rectangle 12">
+            <a:extLst>
+              <a:ext uri="{FF2B5EF4-FFF2-40B4-BE49-F238E27FC236}">
+                <a16:creationId xmlns:a16="http://schemas.microsoft.com/office/drawing/2014/main" id="{68B51806-9D1D-459F-B840-E38F6BC469B2}"/>
+              </a:ext>
+            </a:extLst>
+          </p:cNvPr>
+          <p:cNvSpPr/>
+          <p:nvPr/>
+        </p:nvSpPr>
+        <p:spPr>
+          <a:xfrm>
+            <a:off x="8446445" y="3853216"/>
+            <a:ext cx="2084393" cy="1200329"/>
+          </a:xfrm>
+          <a:prstGeom prst="rect">
+            <a:avLst/>
+          </a:prstGeom>
+        </p:spPr>
+        <p:txBody>
+          <a:bodyPr wrap="square">
+            <a:spAutoFit/>
+          </a:bodyPr>
+          <a:lstStyle/>
+          <a:p>
+            <a:pPr marL="285750" indent="-285750">
+              <a:buFont typeface="Wingdings" panose="05000000000000000000" pitchFamily="2" charset="2"/>
+              <a:buChar char="Ø"/>
+            </a:pPr>
+            <a:r>
+              <a:rPr lang="en-SG" dirty="0">
+                <a:solidFill>
+                  <a:srgbClr val="000000"/>
+                </a:solidFill>
+                <a:latin typeface="avenir-lt-w01_85-heavy1475544"/>
+              </a:rPr>
+              <a:t>Secure the brackets onto </a:t>
+            </a:r>
+            <a:r>
+              <a:rPr lang="en-SG" b="1" dirty="0">
+                <a:solidFill>
+                  <a:srgbClr val="000000"/>
+                </a:solidFill>
+                <a:latin typeface="avenir-lt-w01_85-heavy1475544"/>
+              </a:rPr>
+              <a:t>each side </a:t>
+            </a:r>
+            <a:r>
+              <a:rPr lang="en-SG" dirty="0">
+                <a:solidFill>
+                  <a:srgbClr val="000000"/>
+                </a:solidFill>
+                <a:latin typeface="avenir-lt-w01_85-heavy1475544"/>
+              </a:rPr>
+              <a:t>of the UGV</a:t>
+            </a:r>
+            <a:endParaRPr lang="en-US" b="1" dirty="0"/>
           </a:p>
         </p:txBody>
       </p:sp>
     </p:spTree>
     <p:extLst>
       <p:ext uri="{BB962C8B-B14F-4D97-AF65-F5344CB8AC3E}">
-        <p14:creationId xmlns:p14="http://schemas.microsoft.com/office/powerpoint/2010/main" val="626913388"/>
+        <p14:creationId xmlns:p14="http://schemas.microsoft.com/office/powerpoint/2010/main" val="3749623174"/>
       </p:ext>
     </p:extLst>
   </p:cSld>
@@ -10647,7 +10744,7 @@
         </p:nvSpPr>
         <p:spPr>
           <a:xfrm>
-            <a:off x="1776111" y="76902"/>
+            <a:off x="1828800" y="144572"/>
             <a:ext cx="8229600" cy="1143000"/>
           </a:xfrm>
         </p:spPr>
@@ -10667,41 +10764,9 @@
           </a:p>
         </p:txBody>
       </p:sp>
-      <p:sp>
-        <p:nvSpPr>
-          <p:cNvPr id="3" name="Content Placeholder 2"/>
-          <p:cNvSpPr>
-            <a:spLocks noGrp="1"/>
-          </p:cNvSpPr>
-          <p:nvPr>
-            <p:ph idx="1"/>
-          </p:nvPr>
-        </p:nvSpPr>
-        <p:spPr>
-          <a:xfrm>
-            <a:off x="1916756" y="1045978"/>
-            <a:ext cx="1780380" cy="726390"/>
-          </a:xfrm>
-        </p:spPr>
-        <p:txBody>
-          <a:bodyPr>
-            <a:normAutofit/>
-          </a:bodyPr>
-          <a:lstStyle/>
-          <a:p>
-            <a:pPr marL="0" indent="0">
-              <a:buNone/>
-            </a:pPr>
-            <a:r>
-              <a:rPr lang="en-US" sz="4000" dirty="0"/>
-              <a:t>Step 2:</a:t>
-            </a:r>
-          </a:p>
-        </p:txBody>
-      </p:sp>
       <p:pic>
         <p:nvPicPr>
-          <p:cNvPr id="3074" name="Picture 2"/>
+          <p:cNvPr id="6147" name="Picture 3"/>
           <p:cNvPicPr>
             <a:picLocks noChangeAspect="1" noChangeArrowheads="1"/>
           </p:cNvPicPr>
@@ -10722,8 +10787,8 @@
         </p:blipFill>
         <p:spPr bwMode="auto">
           <a:xfrm>
-            <a:off x="3732302" y="1040535"/>
-            <a:ext cx="4608665" cy="5721101"/>
+            <a:off x="3024661" y="1066800"/>
+            <a:ext cx="5837878" cy="5685973"/>
           </a:xfrm>
           <a:prstGeom prst="rect">
             <a:avLst/>
@@ -10755,52 +10820,14 @@
       </p:pic>
       <p:sp>
         <p:nvSpPr>
-          <p:cNvPr id="7" name="Down Arrow 6"/>
+          <p:cNvPr id="5" name="Rectangle 4"/>
           <p:cNvSpPr/>
           <p:nvPr/>
         </p:nvSpPr>
         <p:spPr>
-          <a:xfrm rot="15297360">
-            <a:off x="4448714" y="836985"/>
-            <a:ext cx="457200" cy="2277716"/>
-          </a:xfrm>
-          <a:prstGeom prst="downArrow">
-            <a:avLst/>
-          </a:prstGeom>
-        </p:spPr>
-        <p:style>
-          <a:lnRef idx="3">
-            <a:schemeClr val="lt1"/>
-          </a:lnRef>
-          <a:fillRef idx="1">
-            <a:schemeClr val="accent2"/>
-          </a:fillRef>
-          <a:effectRef idx="1">
-            <a:schemeClr val="accent2"/>
-          </a:effectRef>
-          <a:fontRef idx="minor">
-            <a:schemeClr val="lt1"/>
-          </a:fontRef>
-        </p:style>
-        <p:txBody>
-          <a:bodyPr rtlCol="0" anchor="ctr"/>
-          <a:lstStyle/>
-          <a:p>
-            <a:pPr algn="ctr"/>
-            <a:endParaRPr lang="en-US"/>
-          </a:p>
-        </p:txBody>
-      </p:sp>
-      <p:sp>
-        <p:nvSpPr>
-          <p:cNvPr id="6" name="Rectangle 5"/>
-          <p:cNvSpPr/>
-          <p:nvPr/>
-        </p:nvSpPr>
-        <p:spPr>
-          <a:xfrm>
-            <a:off x="1813656" y="4057380"/>
-            <a:ext cx="1791821" cy="1212640"/>
+          <a:xfrm>
+            <a:off x="966740" y="933629"/>
+            <a:ext cx="1714501" cy="707886"/>
           </a:xfrm>
           <a:prstGeom prst="rect">
             <a:avLst/>
@@ -10822,49 +10849,84 @@
               <a:buSzPct val="85000"/>
             </a:pPr>
             <a:r>
-              <a:rPr lang="en-SG" sz="1400" dirty="0">
+              <a:rPr lang="en-US" sz="4000" dirty="0">
                 <a:solidFill>
                   <a:prstClr val="black"/>
                 </a:solidFill>
-                <a:latin typeface="Arial" panose="020B0604020202020204" pitchFamily="34" charset="0"/>
-                <a:cs typeface="Arial" panose="020B0604020202020204" pitchFamily="34" charset="0"/>
               </a:rPr>
-              <a:t>*Hints*</a:t>
-            </a:r>
-          </a:p>
-          <a:p>
-            <a:pPr lvl="0">
-              <a:spcBef>
-                <a:spcPct val="20000"/>
-              </a:spcBef>
-              <a:buClr>
-                <a:srgbClr val="AA2B1E"/>
-              </a:buClr>
-              <a:buSzPct val="85000"/>
-            </a:pPr>
-            <a:r>
-              <a:rPr lang="en-SG" sz="1400" dirty="0">
-                <a:solidFill>
-                  <a:prstClr val="black"/>
-                </a:solidFill>
-                <a:latin typeface="Arial" panose="020B0604020202020204" pitchFamily="34" charset="0"/>
-                <a:cs typeface="Arial" panose="020B0604020202020204" pitchFamily="34" charset="0"/>
-              </a:rPr>
-              <a:t>Holes like this can be drilled across the boards for neater connections</a:t>
-            </a:r>
-          </a:p>
-        </p:txBody>
-      </p:sp>
-      <p:sp>
-        <p:nvSpPr>
-          <p:cNvPr id="10" name="Down Arrow 9"/>
+              <a:t>Step 2:</a:t>
+            </a:r>
+          </a:p>
+        </p:txBody>
+      </p:sp>
+      <p:sp>
+        <p:nvSpPr>
+          <p:cNvPr id="6" name="Rectangle 5"/>
           <p:cNvSpPr/>
           <p:nvPr/>
         </p:nvSpPr>
         <p:spPr>
-          <a:xfrm rot="15405613">
-            <a:off x="3766915" y="3972624"/>
-            <a:ext cx="457200" cy="856104"/>
+          <a:xfrm>
+            <a:off x="533400" y="2514600"/>
+            <a:ext cx="2347169" cy="1938992"/>
+          </a:xfrm>
+          <a:prstGeom prst="rect">
+            <a:avLst/>
+          </a:prstGeom>
+        </p:spPr>
+        <p:txBody>
+          <a:bodyPr wrap="square">
+            <a:spAutoFit/>
+          </a:bodyPr>
+          <a:lstStyle/>
+          <a:p>
+            <a:pPr marL="342900" indent="-342900">
+              <a:buFont typeface="Wingdings" panose="05000000000000000000" pitchFamily="2" charset="2"/>
+              <a:buChar char="Ø"/>
+            </a:pPr>
+            <a:r>
+              <a:rPr lang="en-US" sz="2000" dirty="0">
+                <a:effectLst>
+                  <a:outerShdw blurRad="38100" dist="38100" dir="2700000" algn="tl">
+                    <a:srgbClr val="000000">
+                      <a:alpha val="43137"/>
+                    </a:srgbClr>
+                  </a:outerShdw>
+                </a:effectLst>
+              </a:rPr>
+              <a:t>Insert the motors through the bracket</a:t>
+            </a:r>
+          </a:p>
+          <a:p>
+            <a:pPr marL="342900" indent="-342900">
+              <a:buFont typeface="Wingdings" panose="05000000000000000000" pitchFamily="2" charset="2"/>
+              <a:buChar char="Ø"/>
+            </a:pPr>
+            <a:r>
+              <a:rPr lang="en-US" sz="2000" dirty="0">
+                <a:effectLst>
+                  <a:outerShdw blurRad="38100" dist="38100" dir="2700000" algn="tl">
+                    <a:srgbClr val="000000">
+                      <a:alpha val="43137"/>
+                    </a:srgbClr>
+                  </a:outerShdw>
+                </a:effectLst>
+              </a:rPr>
+              <a:t>Attached the wheels to the motors</a:t>
+            </a:r>
+          </a:p>
+        </p:txBody>
+      </p:sp>
+      <p:sp>
+        <p:nvSpPr>
+          <p:cNvPr id="12" name="Down Arrow 11"/>
+          <p:cNvSpPr/>
+          <p:nvPr/>
+        </p:nvSpPr>
+        <p:spPr>
+          <a:xfrm rot="18973395">
+            <a:off x="3083886" y="3843899"/>
+            <a:ext cx="457200" cy="1829375"/>
           </a:xfrm>
           <a:prstGeom prst="downArrow">
             <a:avLst/>
@@ -10895,87 +10957,48 @@
       </p:sp>
       <p:sp>
         <p:nvSpPr>
-          <p:cNvPr id="4" name="TextBox 3">
+          <p:cNvPr id="13" name="Down Arrow 12"/>
+          <p:cNvSpPr/>
+          <p:nvPr/>
+        </p:nvSpPr>
+        <p:spPr>
+          <a:xfrm rot="17605759">
+            <a:off x="5042154" y="1565488"/>
+            <a:ext cx="457200" cy="5616912"/>
+          </a:xfrm>
+          <a:prstGeom prst="downArrow">
+            <a:avLst/>
+          </a:prstGeom>
+        </p:spPr>
+        <p:style>
+          <a:lnRef idx="3">
+            <a:schemeClr val="lt1"/>
+          </a:lnRef>
+          <a:fillRef idx="1">
+            <a:schemeClr val="accent6"/>
+          </a:fillRef>
+          <a:effectRef idx="1">
+            <a:schemeClr val="accent6"/>
+          </a:effectRef>
+          <a:fontRef idx="minor">
+            <a:schemeClr val="lt1"/>
+          </a:fontRef>
+        </p:style>
+        <p:txBody>
+          <a:bodyPr rtlCol="0" anchor="ctr"/>
+          <a:lstStyle/>
+          <a:p>
+            <a:pPr algn="ctr"/>
+            <a:endParaRPr lang="en-US"/>
+          </a:p>
+        </p:txBody>
+      </p:sp>
+      <p:sp>
+        <p:nvSpPr>
+          <p:cNvPr id="3" name="Rectangle 2">
             <a:extLst>
               <a:ext uri="{FF2B5EF4-FFF2-40B4-BE49-F238E27FC236}">
-                <a16:creationId xmlns:a16="http://schemas.microsoft.com/office/drawing/2014/main" id="{E2EB9F98-76BA-41C7-836D-B346BAE4858E}"/>
-              </a:ext>
-            </a:extLst>
-          </p:cNvPr>
-          <p:cNvSpPr txBox="1"/>
-          <p:nvPr/>
-        </p:nvSpPr>
-        <p:spPr>
-          <a:xfrm>
-            <a:off x="1663946" y="1968841"/>
-            <a:ext cx="2286000" cy="923330"/>
-          </a:xfrm>
-          <a:prstGeom prst="rect">
-            <a:avLst/>
-          </a:prstGeom>
-          <a:noFill/>
-        </p:spPr>
-        <p:txBody>
-          <a:bodyPr wrap="square" rtlCol="0">
-            <a:spAutoFit/>
-          </a:bodyPr>
-          <a:lstStyle/>
-          <a:p>
-            <a:pPr>
-              <a:buFont typeface="Wingdings" panose="05000000000000000000" pitchFamily="2" charset="2"/>
-              <a:buChar char="Ø"/>
-            </a:pPr>
-            <a:r>
-              <a:rPr lang="en-SG" dirty="0">
-                <a:latin typeface="Arial" panose="020B0604020202020204" pitchFamily="34" charset="0"/>
-                <a:cs typeface="Arial" panose="020B0604020202020204" pitchFamily="34" charset="0"/>
-              </a:rPr>
-              <a:t>Position the </a:t>
-            </a:r>
-            <a:r>
-              <a:rPr lang="en-SG" b="1" dirty="0">
-                <a:latin typeface="Arial" panose="020B0604020202020204" pitchFamily="34" charset="0"/>
-                <a:cs typeface="Arial" panose="020B0604020202020204" pitchFamily="34" charset="0"/>
-              </a:rPr>
-              <a:t>castor ball</a:t>
-            </a:r>
-            <a:r>
-              <a:rPr lang="en-SG" dirty="0">
-                <a:latin typeface="Arial" panose="020B0604020202020204" pitchFamily="34" charset="0"/>
-                <a:cs typeface="Arial" panose="020B0604020202020204" pitchFamily="34" charset="0"/>
-              </a:rPr>
-              <a:t> at the </a:t>
-            </a:r>
-            <a:r>
-              <a:rPr lang="en-SG" u="sng" dirty="0">
-                <a:latin typeface="Arial" panose="020B0604020202020204" pitchFamily="34" charset="0"/>
-                <a:cs typeface="Arial" panose="020B0604020202020204" pitchFamily="34" charset="0"/>
-              </a:rPr>
-              <a:t>head</a:t>
-            </a:r>
-            <a:r>
-              <a:rPr lang="en-SG" b="1" dirty="0">
-                <a:latin typeface="Arial" panose="020B0604020202020204" pitchFamily="34" charset="0"/>
-                <a:cs typeface="Arial" panose="020B0604020202020204" pitchFamily="34" charset="0"/>
-              </a:rPr>
-              <a:t> </a:t>
-            </a:r>
-            <a:r>
-              <a:rPr lang="en-SG" dirty="0">
-                <a:latin typeface="Arial" panose="020B0604020202020204" pitchFamily="34" charset="0"/>
-                <a:cs typeface="Arial" panose="020B0604020202020204" pitchFamily="34" charset="0"/>
-              </a:rPr>
-              <a:t>of the car</a:t>
-            </a:r>
-          </a:p>
-        </p:txBody>
-      </p:sp>
-      <p:sp>
-        <p:nvSpPr>
-          <p:cNvPr id="11" name="Down Arrow 11">
-            <a:extLst>
-              <a:ext uri="{FF2B5EF4-FFF2-40B4-BE49-F238E27FC236}">
-                <a16:creationId xmlns:a16="http://schemas.microsoft.com/office/drawing/2014/main" id="{71E15E59-0EC8-49AD-B88D-32819831B959}"/>
+                <a16:creationId xmlns:a16="http://schemas.microsoft.com/office/drawing/2014/main" id="{19431865-4DC5-4EA5-BCC1-315FB129300E}"/>
               </a:ext>
             </a:extLst>
           </p:cNvPr>
@@ -10983,26 +11006,33 @@
           <p:nvPr/>
         </p:nvSpPr>
         <p:spPr>
-          <a:xfrm rot="3283674">
-            <a:off x="7831411" y="4305692"/>
-            <a:ext cx="355058" cy="1216474"/>
-          </a:xfrm>
-          <a:prstGeom prst="downArrow">
+          <a:xfrm>
+            <a:off x="4953000" y="5784668"/>
+            <a:ext cx="1676400" cy="968105"/>
+          </a:xfrm>
+          <a:prstGeom prst="rect">
             <a:avLst/>
           </a:prstGeom>
           <a:solidFill>
-            <a:srgbClr val="0070C0"/>
+            <a:srgbClr val="E18B19"/>
           </a:solidFill>
+          <a:ln>
+            <a:solidFill>
+              <a:srgbClr val="EBA547"/>
+            </a:solidFill>
+          </a:ln>
         </p:spPr>
         <p:style>
-          <a:lnRef idx="3">
-            <a:schemeClr val="lt1"/>
+          <a:lnRef idx="2">
+            <a:schemeClr val="accent1">
+              <a:shade val="50000"/>
+            </a:schemeClr>
           </a:lnRef>
-          <a:fillRef idx="1003">
-            <a:schemeClr val="lt2"/>
+          <a:fillRef idx="1">
+            <a:schemeClr val="accent1"/>
           </a:fillRef>
-          <a:effectRef idx="1">
-            <a:schemeClr val="accent2"/>
+          <a:effectRef idx="0">
+            <a:schemeClr val="accent1"/>
           </a:effectRef>
           <a:fontRef idx="minor">
             <a:schemeClr val="lt1"/>
@@ -11017,119 +11047,10 @@
           </a:p>
         </p:txBody>
       </p:sp>
-      <p:sp>
-        <p:nvSpPr>
-          <p:cNvPr id="12" name="Down Arrow 11">
-            <a:extLst>
-              <a:ext uri="{FF2B5EF4-FFF2-40B4-BE49-F238E27FC236}">
-                <a16:creationId xmlns:a16="http://schemas.microsoft.com/office/drawing/2014/main" id="{7EC79802-FE6E-45D4-A088-0D5DF5511E88}"/>
-              </a:ext>
-            </a:extLst>
-          </p:cNvPr>
-          <p:cNvSpPr/>
-          <p:nvPr/>
-        </p:nvSpPr>
-        <p:spPr>
-          <a:xfrm rot="4392898">
-            <a:off x="6571246" y="3069313"/>
-            <a:ext cx="439137" cy="3373004"/>
-          </a:xfrm>
-          <a:prstGeom prst="downArrow">
-            <a:avLst/>
-          </a:prstGeom>
-          <a:solidFill>
-            <a:srgbClr val="0070C0"/>
-          </a:solidFill>
-        </p:spPr>
-        <p:style>
-          <a:lnRef idx="3">
-            <a:schemeClr val="lt1"/>
-          </a:lnRef>
-          <a:fillRef idx="1003">
-            <a:schemeClr val="lt2"/>
-          </a:fillRef>
-          <a:effectRef idx="1">
-            <a:schemeClr val="accent2"/>
-          </a:effectRef>
-          <a:fontRef idx="minor">
-            <a:schemeClr val="lt1"/>
-          </a:fontRef>
-        </p:style>
-        <p:txBody>
-          <a:bodyPr rtlCol="0" anchor="ctr"/>
-          <a:lstStyle/>
-          <a:p>
-            <a:pPr algn="ctr"/>
-            <a:endParaRPr lang="en-US"/>
-          </a:p>
-        </p:txBody>
-      </p:sp>
-      <p:sp>
-        <p:nvSpPr>
-          <p:cNvPr id="13" name="Rectangle 12">
-            <a:extLst>
-              <a:ext uri="{FF2B5EF4-FFF2-40B4-BE49-F238E27FC236}">
-                <a16:creationId xmlns:a16="http://schemas.microsoft.com/office/drawing/2014/main" id="{68B51806-9D1D-459F-B840-E38F6BC469B2}"/>
-              </a:ext>
-            </a:extLst>
-          </p:cNvPr>
-          <p:cNvSpPr/>
-          <p:nvPr/>
-        </p:nvSpPr>
-        <p:spPr>
-          <a:xfrm>
-            <a:off x="8446445" y="3853216"/>
-            <a:ext cx="2084393" cy="1200329"/>
-          </a:xfrm>
-          <a:prstGeom prst="rect">
-            <a:avLst/>
-          </a:prstGeom>
-        </p:spPr>
-        <p:txBody>
-          <a:bodyPr wrap="square">
-            <a:spAutoFit/>
-          </a:bodyPr>
-          <a:lstStyle/>
-          <a:p>
-            <a:pPr marL="285750" indent="-285750">
-              <a:buFont typeface="Wingdings" panose="05000000000000000000" pitchFamily="2" charset="2"/>
-              <a:buChar char="Ø"/>
-            </a:pPr>
-            <a:r>
-              <a:rPr lang="en-SG" dirty="0">
-                <a:solidFill>
-                  <a:srgbClr val="000000"/>
-                </a:solidFill>
-                <a:latin typeface="avenir-lt-w01_85-heavy1475544"/>
-              </a:rPr>
-              <a:t>Secure the brackets onto </a:t>
-            </a:r>
-            <a:r>
-              <a:rPr lang="en-SG" b="1" dirty="0">
-                <a:solidFill>
-                  <a:srgbClr val="000000"/>
-                </a:solidFill>
-                <a:latin typeface="avenir-lt-w01_85-heavy1475544"/>
-              </a:rPr>
-              <a:t>each side </a:t>
-            </a:r>
-            <a:r>
-              <a:rPr lang="en-SG" dirty="0">
-                <a:solidFill>
-                  <a:srgbClr val="000000"/>
-                </a:solidFill>
-                <a:latin typeface="avenir-lt-w01_85-heavy1475544"/>
-              </a:rPr>
-              <a:t>of the UGV</a:t>
-            </a:r>
-            <a:endParaRPr lang="en-US" b="1" dirty="0"/>
-          </a:p>
-        </p:txBody>
-      </p:sp>
     </p:spTree>
     <p:extLst>
       <p:ext uri="{BB962C8B-B14F-4D97-AF65-F5344CB8AC3E}">
-        <p14:creationId xmlns:p14="http://schemas.microsoft.com/office/powerpoint/2010/main" val="3749623174"/>
+        <p14:creationId xmlns:p14="http://schemas.microsoft.com/office/powerpoint/2010/main" val="120450478"/>
       </p:ext>
     </p:extLst>
   </p:cSld>
@@ -11158,7 +11079,7 @@
       </p:grpSpPr>
       <p:sp>
         <p:nvSpPr>
-          <p:cNvPr id="2" name="Title 1"/>
+          <p:cNvPr id="5" name="Title 1"/>
           <p:cNvSpPr>
             <a:spLocks noGrp="1"/>
           </p:cNvSpPr>
@@ -11168,7 +11089,7 @@
         </p:nvSpPr>
         <p:spPr>
           <a:xfrm>
-            <a:off x="1828800" y="144572"/>
+            <a:off x="2057400" y="152400"/>
             <a:ext cx="8229600" cy="1143000"/>
           </a:xfrm>
         </p:spPr>
@@ -11188,16 +11109,142 @@
           </a:p>
         </p:txBody>
       </p:sp>
+      <p:sp>
+        <p:nvSpPr>
+          <p:cNvPr id="3" name="Content Placeholder 2"/>
+          <p:cNvSpPr>
+            <a:spLocks noGrp="1"/>
+          </p:cNvSpPr>
+          <p:nvPr>
+            <p:ph idx="1"/>
+          </p:nvPr>
+        </p:nvSpPr>
+        <p:spPr>
+          <a:xfrm>
+            <a:off x="457200" y="1094264"/>
+            <a:ext cx="11506200" cy="2626177"/>
+          </a:xfrm>
+        </p:spPr>
+        <p:txBody>
+          <a:bodyPr>
+            <a:normAutofit/>
+          </a:bodyPr>
+          <a:lstStyle/>
+          <a:p>
+            <a:pPr marL="0" indent="0">
+              <a:buNone/>
+            </a:pPr>
+            <a:r>
+              <a:rPr lang="en-US" sz="4000" dirty="0"/>
+              <a:t>Step 3:</a:t>
+            </a:r>
+          </a:p>
+          <a:p>
+            <a:pPr>
+              <a:buFont typeface="Wingdings" panose="05000000000000000000" pitchFamily="2" charset="2"/>
+              <a:buChar char="ü"/>
+            </a:pPr>
+            <a:r>
+              <a:rPr lang="en-SG" sz="3000" dirty="0">
+                <a:latin typeface="Arial"/>
+              </a:rPr>
+              <a:t>Assemble the electronics</a:t>
+            </a:r>
+          </a:p>
+          <a:p>
+            <a:pPr lvl="0">
+              <a:buClr>
+                <a:srgbClr val="AA2B1E"/>
+              </a:buClr>
+              <a:buFont typeface="Wingdings" panose="05000000000000000000" pitchFamily="2" charset="2"/>
+              <a:buChar char="q"/>
+            </a:pPr>
+            <a:r>
+              <a:rPr lang="en-SG" sz="2600" dirty="0">
+                <a:solidFill>
+                  <a:prstClr val="black"/>
+                </a:solidFill>
+                <a:latin typeface="Arial" panose="020B0604020202020204" pitchFamily="34" charset="0"/>
+                <a:cs typeface="Arial" panose="020B0604020202020204" pitchFamily="34" charset="0"/>
+              </a:rPr>
+              <a:t>Solder the necessary components according to the </a:t>
+            </a:r>
+            <a:r>
+              <a:rPr lang="en-SG" sz="2600" u="sng" dirty="0">
+                <a:solidFill>
+                  <a:prstClr val="black"/>
+                </a:solidFill>
+                <a:latin typeface="Arial" panose="020B0604020202020204" pitchFamily="34" charset="0"/>
+                <a:cs typeface="Arial" panose="020B0604020202020204" pitchFamily="34" charset="0"/>
+              </a:rPr>
+              <a:t>schematic diagram</a:t>
+            </a:r>
+            <a:r>
+              <a:rPr lang="en-SG" sz="2600" dirty="0">
+                <a:solidFill>
+                  <a:prstClr val="black"/>
+                </a:solidFill>
+                <a:latin typeface="Arial" panose="020B0604020202020204" pitchFamily="34" charset="0"/>
+                <a:cs typeface="Arial" panose="020B0604020202020204" pitchFamily="34" charset="0"/>
+              </a:rPr>
+              <a:t> shown on the next slide</a:t>
+            </a:r>
+          </a:p>
+          <a:p>
+            <a:pPr lvl="0">
+              <a:buClr>
+                <a:srgbClr val="AA2B1E"/>
+              </a:buClr>
+              <a:buFont typeface="Wingdings" panose="05000000000000000000" pitchFamily="2" charset="2"/>
+              <a:buChar char="q"/>
+            </a:pPr>
+            <a:r>
+              <a:rPr lang="en-US" sz="2600" dirty="0">
+                <a:solidFill>
+                  <a:prstClr val="black"/>
+                </a:solidFill>
+                <a:latin typeface="Arial" panose="020B0604020202020204" pitchFamily="34" charset="0"/>
+                <a:cs typeface="Arial" panose="020B0604020202020204" pitchFamily="34" charset="0"/>
+              </a:rPr>
+              <a:t>Usage of mini breadboard is </a:t>
+            </a:r>
+            <a:r>
+              <a:rPr lang="en-US" sz="2600" u="sng" dirty="0">
+                <a:solidFill>
+                  <a:prstClr val="black"/>
+                </a:solidFill>
+                <a:latin typeface="Arial" panose="020B0604020202020204" pitchFamily="34" charset="0"/>
+                <a:cs typeface="Arial" panose="020B0604020202020204" pitchFamily="34" charset="0"/>
+              </a:rPr>
+              <a:t>optional</a:t>
+            </a:r>
+            <a:endParaRPr lang="en-US" sz="2400" dirty="0">
+              <a:solidFill>
+                <a:prstClr val="black"/>
+              </a:solidFill>
+              <a:latin typeface="+mj-lt"/>
+            </a:endParaRPr>
+          </a:p>
+          <a:p>
+            <a:pPr marL="0" indent="0">
+              <a:buNone/>
+            </a:pPr>
+            <a:endParaRPr lang="en-SG" b="0" i="0" u="none" strike="noStrike" dirty="0">
+              <a:latin typeface="+mj-lt"/>
+            </a:endParaRPr>
+          </a:p>
+        </p:txBody>
+      </p:sp>
       <p:pic>
         <p:nvPicPr>
-          <p:cNvPr id="6147" name="Picture 3"/>
+          <p:cNvPr id="8194" name="Picture 2"/>
           <p:cNvPicPr>
             <a:picLocks noChangeAspect="1" noChangeArrowheads="1"/>
           </p:cNvPicPr>
           <p:nvPr/>
         </p:nvPicPr>
         <p:blipFill>
-          <a:blip r:embed="rId2">
+          <a:blip r:embed="rId2" cstate="print">
             <a:extLst>
               <a:ext uri="{28A0092B-C50C-407E-A947-70E740481C1C}">
                 <a14:useLocalDpi xmlns:a14="http://schemas.microsoft.com/office/drawing/2010/main" val="0"/>
@@ -11211,8 +11258,8 @@
         </p:blipFill>
         <p:spPr bwMode="auto">
           <a:xfrm>
-            <a:off x="3024661" y="1066800"/>
-            <a:ext cx="5837878" cy="5685973"/>
+            <a:off x="5546619" y="3849276"/>
+            <a:ext cx="5157982" cy="2932889"/>
           </a:xfrm>
           <a:prstGeom prst="rect">
             <a:avLst/>
@@ -11221,6 +11268,7 @@
           <a:ln>
             <a:noFill/>
           </a:ln>
+          <a:effectLst/>
           <a:extLst>
             <a:ext uri="{909E8E84-426E-40DD-AFC4-6F175D3DCCD1}">
               <a14:hiddenFill xmlns:a14="http://schemas.microsoft.com/office/drawing/2010/main">
@@ -11239,19 +11287,28 @@
                 <a:tailEnd/>
               </a14:hiddenLine>
             </a:ext>
+            <a:ext uri="{AF507438-7753-43E0-B8FC-AC1667EBCBE1}">
+              <a14:hiddenEffects xmlns:a14="http://schemas.microsoft.com/office/drawing/2010/main">
+                <a:effectLst>
+                  <a:outerShdw dist="35921" dir="2700000" algn="ctr" rotWithShape="0">
+                    <a:schemeClr val="bg2"/>
+                  </a:outerShdw>
+                </a:effectLst>
+              </a14:hiddenEffects>
+            </a:ext>
           </a:extLst>
         </p:spPr>
       </p:pic>
       <p:sp>
         <p:nvSpPr>
-          <p:cNvPr id="5" name="Rectangle 4"/>
+          <p:cNvPr id="2" name="Rectangle 1"/>
           <p:cNvSpPr/>
           <p:nvPr/>
         </p:nvSpPr>
         <p:spPr>
           <a:xfrm>
-            <a:off x="966740" y="933629"/>
-            <a:ext cx="1714501" cy="707886"/>
+            <a:off x="6324601" y="6252016"/>
+            <a:ext cx="3770909" cy="536054"/>
           </a:xfrm>
           <a:prstGeom prst="rect">
             <a:avLst/>
@@ -11263,53 +11320,12 @@
           </a:bodyPr>
           <a:lstStyle/>
           <a:p>
-            <a:pPr lvl="0">
-              <a:spcBef>
-                <a:spcPct val="20000"/>
-              </a:spcBef>
-              <a:buClr>
-                <a:srgbClr val="AA2B1E"/>
-              </a:buClr>
-              <a:buSzPct val="85000"/>
-            </a:pPr>
-            <a:r>
-              <a:rPr lang="en-US" sz="4000" dirty="0">
-                <a:solidFill>
-                  <a:prstClr val="black"/>
-                </a:solidFill>
-              </a:rPr>
-              <a:t>Step 2:</a:t>
-            </a:r>
-          </a:p>
-        </p:txBody>
-      </p:sp>
-      <p:sp>
-        <p:nvSpPr>
-          <p:cNvPr id="6" name="Rectangle 5"/>
-          <p:cNvSpPr/>
-          <p:nvPr/>
-        </p:nvSpPr>
-        <p:spPr>
-          <a:xfrm>
-            <a:off x="533400" y="2514600"/>
-            <a:ext cx="2347169" cy="1938992"/>
-          </a:xfrm>
-          <a:prstGeom prst="rect">
-            <a:avLst/>
-          </a:prstGeom>
-        </p:spPr>
-        <p:txBody>
-          <a:bodyPr wrap="square">
-            <a:spAutoFit/>
-          </a:bodyPr>
-          <a:lstStyle/>
-          <a:p>
-            <a:pPr marL="342900" indent="-342900">
-              <a:buFont typeface="Wingdings" panose="05000000000000000000" pitchFamily="2" charset="2"/>
-              <a:buChar char="Ø"/>
-            </a:pPr>
-            <a:r>
-              <a:rPr lang="en-US" sz="2000" dirty="0">
+            <a:pPr algn="ctr"/>
+            <a:r>
+              <a:rPr lang="en-US" sz="2800" dirty="0">
+                <a:solidFill>
+                  <a:schemeClr val="bg1"/>
+                </a:solidFill>
                 <a:effectLst>
                   <a:outerShdw blurRad="38100" dist="38100" dir="2700000" algn="tl">
                     <a:srgbClr val="000000">
@@ -11317,17 +11333,92 @@
                     </a:srgbClr>
                   </a:outerShdw>
                 </a:effectLst>
+                <a:latin typeface="Arial" panose="020B0604020202020204" pitchFamily="34" charset="0"/>
+                <a:ea typeface="+mj-ea"/>
+                <a:cs typeface="Arial" panose="020B0604020202020204" pitchFamily="34" charset="0"/>
               </a:rPr>
-              <a:t>Insert the motors through the bracket</a:t>
-            </a:r>
-          </a:p>
-          <a:p>
-            <a:pPr marL="342900" indent="-342900">
-              <a:buFont typeface="Wingdings" panose="05000000000000000000" pitchFamily="2" charset="2"/>
-              <a:buChar char="Ø"/>
-            </a:pPr>
-            <a:r>
-              <a:rPr lang="en-US" sz="2000" dirty="0">
+              <a:t>Sample</a:t>
+            </a:r>
+            <a:endParaRPr lang="en-US" sz="2800" dirty="0">
+              <a:solidFill>
+                <a:schemeClr val="bg1"/>
+              </a:solidFill>
+              <a:effectLst>
+                <a:outerShdw blurRad="38100" dist="38100" dir="2700000" algn="tl">
+                  <a:srgbClr val="000000">
+                    <a:alpha val="43137"/>
+                  </a:srgbClr>
+                </a:outerShdw>
+              </a:effectLst>
+              <a:latin typeface="Arial" panose="020B0604020202020204" pitchFamily="34" charset="0"/>
+              <a:cs typeface="Arial" panose="020B0604020202020204" pitchFamily="34" charset="0"/>
+            </a:endParaRPr>
+          </a:p>
+        </p:txBody>
+      </p:sp>
+      <p:pic>
+        <p:nvPicPr>
+          <p:cNvPr id="4" name="Picture 3">
+            <a:extLst>
+              <a:ext uri="{FF2B5EF4-FFF2-40B4-BE49-F238E27FC236}">
+                <a16:creationId xmlns:a16="http://schemas.microsoft.com/office/drawing/2014/main" id="{10E1A6D6-1C08-4043-A3D4-08369D5663AD}"/>
+              </a:ext>
+            </a:extLst>
+          </p:cNvPr>
+          <p:cNvPicPr>
+            <a:picLocks noChangeAspect="1"/>
+          </p:cNvPicPr>
+          <p:nvPr/>
+        </p:nvPicPr>
+        <p:blipFill>
+          <a:blip r:embed="rId3"/>
+          <a:stretch>
+            <a:fillRect/>
+          </a:stretch>
+        </p:blipFill>
+        <p:spPr>
+          <a:xfrm>
+            <a:off x="1099457" y="3844319"/>
+            <a:ext cx="4267200" cy="2953215"/>
+          </a:xfrm>
+          <a:prstGeom prst="rect">
+            <a:avLst/>
+          </a:prstGeom>
+        </p:spPr>
+      </p:pic>
+      <p:sp>
+        <p:nvSpPr>
+          <p:cNvPr id="7" name="Rectangle 6">
+            <a:extLst>
+              <a:ext uri="{FF2B5EF4-FFF2-40B4-BE49-F238E27FC236}">
+                <a16:creationId xmlns:a16="http://schemas.microsoft.com/office/drawing/2014/main" id="{CC34D299-84C7-438D-BACC-4C1E870E23D8}"/>
+              </a:ext>
+            </a:extLst>
+          </p:cNvPr>
+          <p:cNvSpPr/>
+          <p:nvPr/>
+        </p:nvSpPr>
+        <p:spPr>
+          <a:xfrm>
+            <a:off x="1219200" y="6205708"/>
+            <a:ext cx="3770909" cy="536054"/>
+          </a:xfrm>
+          <a:prstGeom prst="rect">
+            <a:avLst/>
+          </a:prstGeom>
+        </p:spPr>
+        <p:txBody>
+          <a:bodyPr wrap="square">
+            <a:spAutoFit/>
+          </a:bodyPr>
+          <a:lstStyle/>
+          <a:p>
+            <a:pPr algn="ctr"/>
+            <a:r>
+              <a:rPr lang="en-US" sz="2800" dirty="0">
+                <a:solidFill>
+                  <a:schemeClr val="bg1"/>
+                </a:solidFill>
                 <a:effectLst>
                   <a:outerShdw blurRad="38100" dist="38100" dir="2700000" algn="tl">
                     <a:srgbClr val="000000">
@@ -11335,146 +11426,69 @@
                     </a:srgbClr>
                   </a:outerShdw>
                 </a:effectLst>
+                <a:latin typeface="Arial" panose="020B0604020202020204" pitchFamily="34" charset="0"/>
+                <a:ea typeface="+mj-ea"/>
+                <a:cs typeface="Arial" panose="020B0604020202020204" pitchFamily="34" charset="0"/>
               </a:rPr>
-              <a:t>Attached the wheels to the motors</a:t>
-            </a:r>
-          </a:p>
-        </p:txBody>
-      </p:sp>
-      <p:sp>
-        <p:nvSpPr>
-          <p:cNvPr id="12" name="Down Arrow 11"/>
-          <p:cNvSpPr/>
-          <p:nvPr/>
-        </p:nvSpPr>
-        <p:spPr>
-          <a:xfrm rot="18973395">
-            <a:off x="3083886" y="3843899"/>
-            <a:ext cx="457200" cy="1829375"/>
-          </a:xfrm>
-          <a:prstGeom prst="downArrow">
-            <a:avLst/>
-          </a:prstGeom>
-        </p:spPr>
-        <p:style>
-          <a:lnRef idx="3">
-            <a:schemeClr val="lt1"/>
-          </a:lnRef>
-          <a:fillRef idx="1">
-            <a:schemeClr val="accent6"/>
-          </a:fillRef>
-          <a:effectRef idx="1">
-            <a:schemeClr val="accent6"/>
-          </a:effectRef>
-          <a:fontRef idx="minor">
-            <a:schemeClr val="lt1"/>
-          </a:fontRef>
-        </p:style>
-        <p:txBody>
-          <a:bodyPr rtlCol="0" anchor="ctr"/>
-          <a:lstStyle/>
-          <a:p>
-            <a:pPr algn="ctr"/>
-            <a:endParaRPr lang="en-US"/>
-          </a:p>
-        </p:txBody>
-      </p:sp>
-      <p:sp>
-        <p:nvSpPr>
-          <p:cNvPr id="13" name="Down Arrow 12"/>
-          <p:cNvSpPr/>
-          <p:nvPr/>
-        </p:nvSpPr>
-        <p:spPr>
-          <a:xfrm rot="17605759">
-            <a:off x="5042154" y="1565488"/>
-            <a:ext cx="457200" cy="5616912"/>
-          </a:xfrm>
-          <a:prstGeom prst="downArrow">
-            <a:avLst/>
-          </a:prstGeom>
-        </p:spPr>
-        <p:style>
-          <a:lnRef idx="3">
-            <a:schemeClr val="lt1"/>
-          </a:lnRef>
-          <a:fillRef idx="1">
-            <a:schemeClr val="accent6"/>
-          </a:fillRef>
-          <a:effectRef idx="1">
-            <a:schemeClr val="accent6"/>
-          </a:effectRef>
-          <a:fontRef idx="minor">
-            <a:schemeClr val="lt1"/>
-          </a:fontRef>
-        </p:style>
-        <p:txBody>
-          <a:bodyPr rtlCol="0" anchor="ctr"/>
-          <a:lstStyle/>
-          <a:p>
-            <a:pPr algn="ctr"/>
-            <a:endParaRPr lang="en-US"/>
-          </a:p>
-        </p:txBody>
-      </p:sp>
-      <p:sp>
-        <p:nvSpPr>
-          <p:cNvPr id="3" name="Rectangle 2">
+              <a:t>Sample</a:t>
+            </a:r>
+            <a:endParaRPr lang="en-US" sz="2800" dirty="0">
+              <a:solidFill>
+                <a:schemeClr val="bg1"/>
+              </a:solidFill>
+              <a:effectLst>
+                <a:outerShdw blurRad="38100" dist="38100" dir="2700000" algn="tl">
+                  <a:srgbClr val="000000">
+                    <a:alpha val="43137"/>
+                  </a:srgbClr>
+                </a:outerShdw>
+              </a:effectLst>
+              <a:latin typeface="Arial" panose="020B0604020202020204" pitchFamily="34" charset="0"/>
+              <a:cs typeface="Arial" panose="020B0604020202020204" pitchFamily="34" charset="0"/>
+            </a:endParaRPr>
+          </a:p>
+        </p:txBody>
+      </p:sp>
+      <p:sp>
+        <p:nvSpPr>
+          <p:cNvPr id="6" name="TextBox 5">
             <a:extLst>
               <a:ext uri="{FF2B5EF4-FFF2-40B4-BE49-F238E27FC236}">
-                <a16:creationId xmlns:a16="http://schemas.microsoft.com/office/drawing/2014/main" id="{19431865-4DC5-4EA5-BCC1-315FB129300E}"/>
+                <a16:creationId xmlns:a16="http://schemas.microsoft.com/office/drawing/2014/main" id="{355FB895-6700-4816-BD7E-54009D2451B1}"/>
               </a:ext>
             </a:extLst>
           </p:cNvPr>
-          <p:cNvSpPr/>
+          <p:cNvSpPr txBox="1"/>
           <p:nvPr/>
         </p:nvSpPr>
         <p:spPr>
           <a:xfrm>
-            <a:off x="4953000" y="5784668"/>
-            <a:ext cx="1676400" cy="968105"/>
+            <a:off x="1066800" y="3573723"/>
+            <a:ext cx="10058400" cy="276999"/>
           </a:xfrm>
           <a:prstGeom prst="rect">
             <a:avLst/>
           </a:prstGeom>
-          <a:solidFill>
-            <a:srgbClr val="E18B19"/>
-          </a:solidFill>
-          <a:ln>
-            <a:solidFill>
-              <a:srgbClr val="EBA547"/>
-            </a:solidFill>
-          </a:ln>
-        </p:spPr>
-        <p:style>
-          <a:lnRef idx="2">
-            <a:schemeClr val="accent1">
-              <a:shade val="50000"/>
-            </a:schemeClr>
-          </a:lnRef>
-          <a:fillRef idx="1">
-            <a:schemeClr val="accent1"/>
-          </a:fillRef>
-          <a:effectRef idx="0">
-            <a:schemeClr val="accent1"/>
-          </a:effectRef>
-          <a:fontRef idx="minor">
-            <a:schemeClr val="lt1"/>
-          </a:fontRef>
-        </p:style>
-        <p:txBody>
-          <a:bodyPr rtlCol="0" anchor="ctr"/>
+          <a:noFill/>
+        </p:spPr>
+        <p:txBody>
+          <a:bodyPr wrap="square" rtlCol="0">
+            <a:spAutoFit/>
+          </a:bodyPr>
           <a:lstStyle/>
           <a:p>
             <a:pPr algn="ctr"/>
-            <a:endParaRPr lang="en-US"/>
+            <a:r>
+              <a:rPr lang="en-US" sz="1200" b="1" u="sng" dirty="0"/>
+              <a:t>These samples are for illustration purposes only, please do not use them as your wiring reference</a:t>
+            </a:r>
           </a:p>
         </p:txBody>
       </p:sp>
     </p:spTree>
     <p:extLst>
       <p:ext uri="{BB962C8B-B14F-4D97-AF65-F5344CB8AC3E}">
-        <p14:creationId xmlns:p14="http://schemas.microsoft.com/office/powerpoint/2010/main" val="120450478"/>
+        <p14:creationId xmlns:p14="http://schemas.microsoft.com/office/powerpoint/2010/main" val="370158499"/>
       </p:ext>
     </p:extLst>
   </p:cSld>
@@ -12028,4 +12042,265 @@
   <a:objectDefaults/>
   <a:extraClrSchemeLst/>
 </a:theme>
+</file>
+
+<file path=ppt/theme/theme3.xml><?xml version="1.0" encoding="utf-8"?>
+<a:theme xmlns:a="http://schemas.openxmlformats.org/drawingml/2006/main" name="Office Theme">
+  <a:themeElements>
+    <a:clrScheme name="Office">
+      <a:dk1>
+        <a:sysClr val="windowText" lastClr="000000"/>
+      </a:dk1>
+      <a:lt1>
+        <a:sysClr val="window" lastClr="FFFFFF"/>
+      </a:lt1>
+      <a:dk2>
+        <a:srgbClr val="44546A"/>
+      </a:dk2>
+      <a:lt2>
+        <a:srgbClr val="E7E6E6"/>
+      </a:lt2>
+      <a:accent1>
+        <a:srgbClr val="5B9BD5"/>
+      </a:accent1>
+      <a:accent2>
+        <a:srgbClr val="ED7D31"/>
+      </a:accent2>
+      <a:accent3>
+        <a:srgbClr val="A5A5A5"/>
+      </a:accent3>
+      <a:accent4>
+        <a:srgbClr val="FFC000"/>
+      </a:accent4>
+      <a:accent5>
+        <a:srgbClr val="4472C4"/>
+      </a:accent5>
+      <a:accent6>
+        <a:srgbClr val="70AD47"/>
+      </a:accent6>
+      <a:hlink>
+        <a:srgbClr val="0563C1"/>
+      </a:hlink>
+      <a:folHlink>
+        <a:srgbClr val="954F72"/>
+      </a:folHlink>
+    </a:clrScheme>
+    <a:fontScheme name="Office">
+      <a:majorFont>
+        <a:latin typeface="Calibri Light" panose="020F0302020204030204"/>
+        <a:ea typeface=""/>
+        <a:cs typeface=""/>
+        <a:font script="Jpan" typeface="Yu Gothic Light"/>
+        <a:font script="Hang" typeface="맑은 고딕"/>
+        <a:font script="Hans" typeface="DengXian Light"/>
+        <a:font script="Hant" typeface="新細明體"/>
+        <a:font script="Arab" typeface="Times New Roman"/>
+        <a:font script="Hebr" typeface="Times New Roman"/>
+        <a:font script="Thai" typeface="Angsana New"/>
+        <a:font script="Ethi" typeface="Nyala"/>
+        <a:font script="Beng" typeface="Vrinda"/>
+        <a:font script="Gujr" typeface="Shruti"/>
+        <a:font script="Khmr" typeface="MoolBoran"/>
+        <a:font script="Knda" typeface="Tunga"/>
+        <a:font script="Guru" typeface="Raavi"/>
+        <a:font script="Cans" typeface="Euphemia"/>
+        <a:font script="Cher" typeface="Plantagenet Cherokee"/>
+        <a:font script="Yiii" typeface="Microsoft Yi Baiti"/>
+        <a:font script="Tibt" typeface="Microsoft Himalaya"/>
+        <a:font script="Thaa" typeface="MV Boli"/>
+        <a:font script="Deva" typeface="Mangal"/>
+        <a:font script="Telu" typeface="Gautami"/>
+        <a:font script="Taml" typeface="Latha"/>
+        <a:font script="Syrc" typeface="Estrangelo Edessa"/>
+        <a:font script="Orya" typeface="Kalinga"/>
+        <a:font script="Mlym" typeface="Kartika"/>
+        <a:font script="Laoo" typeface="DokChampa"/>
+        <a:font script="Sinh" typeface="Iskoola Pota"/>
+        <a:font script="Mong" typeface="Mongolian Baiti"/>
+        <a:font script="Viet" typeface="Times New Roman"/>
+        <a:font script="Uigh" typeface="Microsoft Uighur"/>
+        <a:font script="Geor" typeface="Sylfaen"/>
+      </a:majorFont>
+      <a:minorFont>
+        <a:latin typeface="Calibri" panose="020F0502020204030204"/>
+        <a:ea typeface=""/>
+        <a:cs typeface=""/>
+        <a:font script="Jpan" typeface="Yu Gothic"/>
+        <a:font script="Hang" typeface="맑은 고딕"/>
+        <a:font script="Hans" typeface="DengXian"/>
+        <a:font script="Hant" typeface="新細明體"/>
+        <a:font script="Arab" typeface="Arial"/>
+        <a:font script="Hebr" typeface="Arial"/>
+        <a:font script="Thai" typeface="Cordia New"/>
+        <a:font script="Ethi" typeface="Nyala"/>
+        <a:font script="Beng" typeface="Vrinda"/>
+        <a:font script="Gujr" typeface="Shruti"/>
+        <a:font script="Khmr" typeface="DaunPenh"/>
+        <a:font script="Knda" typeface="Tunga"/>
+        <a:font script="Guru" typeface="Raavi"/>
+        <a:font script="Cans" typeface="Euphemia"/>
+        <a:font script="Cher" typeface="Plantagenet Cherokee"/>
+        <a:font script="Yiii" typeface="Microsoft Yi Baiti"/>
+        <a:font script="Tibt" typeface="Microsoft Himalaya"/>
+        <a:font script="Thaa" typeface="MV Boli"/>
+        <a:font script="Deva" typeface="Mangal"/>
+        <a:font script="Telu" typeface="Gautami"/>
+        <a:font script="Taml" typeface="Latha"/>
+        <a:font script="Syrc" typeface="Estrangelo Edessa"/>
+        <a:font script="Orya" typeface="Kalinga"/>
+        <a:font script="Mlym" typeface="Kartika"/>
+        <a:font script="Laoo" typeface="DokChampa"/>
+        <a:font script="Sinh" typeface="Iskoola Pota"/>
+        <a:font script="Mong" typeface="Mongolian Baiti"/>
+        <a:font script="Viet" typeface="Arial"/>
+        <a:font script="Uigh" typeface="Microsoft Uighur"/>
+        <a:font script="Geor" typeface="Sylfaen"/>
+      </a:minorFont>
+    </a:fontScheme>
+    <a:fmtScheme name="Office">
+      <a:fillStyleLst>
+        <a:solidFill>
+          <a:schemeClr val="phClr"/>
+        </a:solidFill>
+        <a:gradFill rotWithShape="1">
+          <a:gsLst>
+            <a:gs pos="0">
+              <a:schemeClr val="phClr">
+                <a:lumMod val="110000"/>
+                <a:satMod val="105000"/>
+                <a:tint val="67000"/>
+              </a:schemeClr>
+            </a:gs>
+            <a:gs pos="50000">
+              <a:schemeClr val="phClr">
+                <a:lumMod val="105000"/>
+                <a:satMod val="103000"/>
+                <a:tint val="73000"/>
+              </a:schemeClr>
+            </a:gs>
+            <a:gs pos="100000">
+              <a:schemeClr val="phClr">
+                <a:lumMod val="105000"/>
+                <a:satMod val="109000"/>
+                <a:tint val="81000"/>
+              </a:schemeClr>
+            </a:gs>
+          </a:gsLst>
+          <a:lin ang="5400000" scaled="0"/>
+        </a:gradFill>
+        <a:gradFill rotWithShape="1">
+          <a:gsLst>
+            <a:gs pos="0">
+              <a:schemeClr val="phClr">
+                <a:satMod val="103000"/>
+                <a:lumMod val="102000"/>
+                <a:tint val="94000"/>
+              </a:schemeClr>
+            </a:gs>
+            <a:gs pos="50000">
+              <a:schemeClr val="phClr">
+                <a:satMod val="110000"/>
+                <a:lumMod val="100000"/>
+                <a:shade val="100000"/>
+              </a:schemeClr>
+            </a:gs>
+            <a:gs pos="100000">
+              <a:schemeClr val="phClr">
+                <a:lumMod val="99000"/>
+                <a:satMod val="120000"/>
+                <a:shade val="78000"/>
+              </a:schemeClr>
+            </a:gs>
+          </a:gsLst>
+          <a:lin ang="5400000" scaled="0"/>
+        </a:gradFill>
+      </a:fillStyleLst>
+      <a:lnStyleLst>
+        <a:ln w="6350" cap="flat" cmpd="sng" algn="ctr">
+          <a:solidFill>
+            <a:schemeClr val="phClr"/>
+          </a:solidFill>
+          <a:prstDash val="solid"/>
+          <a:miter lim="800000"/>
+        </a:ln>
+        <a:ln w="12700" cap="flat" cmpd="sng" algn="ctr">
+          <a:solidFill>
+            <a:schemeClr val="phClr"/>
+          </a:solidFill>
+          <a:prstDash val="solid"/>
+          <a:miter lim="800000"/>
+        </a:ln>
+        <a:ln w="19050" cap="flat" cmpd="sng" algn="ctr">
+          <a:solidFill>
+            <a:schemeClr val="phClr"/>
+          </a:solidFill>
+          <a:prstDash val="solid"/>
+          <a:miter lim="800000"/>
+        </a:ln>
+      </a:lnStyleLst>
+      <a:effectStyleLst>
+        <a:effectStyle>
+          <a:effectLst/>
+        </a:effectStyle>
+        <a:effectStyle>
+          <a:effectLst/>
+        </a:effectStyle>
+        <a:effectStyle>
+          <a:effectLst>
+            <a:outerShdw blurRad="57150" dist="19050" dir="5400000" algn="ctr" rotWithShape="0">
+              <a:srgbClr val="000000">
+                <a:alpha val="63000"/>
+              </a:srgbClr>
+            </a:outerShdw>
+          </a:effectLst>
+        </a:effectStyle>
+      </a:effectStyleLst>
+      <a:bgFillStyleLst>
+        <a:solidFill>
+          <a:schemeClr val="phClr"/>
+        </a:solidFill>
+        <a:solidFill>
+          <a:schemeClr val="phClr">
+            <a:tint val="95000"/>
+            <a:satMod val="170000"/>
+          </a:schemeClr>
+        </a:solidFill>
+        <a:gradFill rotWithShape="1">
+          <a:gsLst>
+            <a:gs pos="0">
+              <a:schemeClr val="phClr">
+                <a:tint val="93000"/>
+                <a:satMod val="150000"/>
+                <a:shade val="98000"/>
+                <a:lumMod val="102000"/>
+              </a:schemeClr>
+            </a:gs>
+            <a:gs pos="50000">
+              <a:schemeClr val="phClr">
+                <a:tint val="98000"/>
+                <a:satMod val="130000"/>
+                <a:shade val="90000"/>
+                <a:lumMod val="103000"/>
+              </a:schemeClr>
+            </a:gs>
+            <a:gs pos="100000">
+              <a:schemeClr val="phClr">
+                <a:shade val="63000"/>
+                <a:satMod val="120000"/>
+              </a:schemeClr>
+            </a:gs>
+          </a:gsLst>
+          <a:lin ang="5400000" scaled="0"/>
+        </a:gradFill>
+      </a:bgFillStyleLst>
+    </a:fmtScheme>
+  </a:themeElements>
+  <a:objectDefaults/>
+  <a:extraClrSchemeLst/>
+  <a:extLst>
+    <a:ext uri="{05A4C25C-085E-4340-85A3-A5531E510DB2}">
+      <thm15:themeFamily xmlns:thm15="http://schemas.microsoft.com/office/thememl/2012/main" name="Office Theme" id="{62F939B6-93AF-4DB8-9C6B-D6C7DFDC589F}" vid="{4A3C46E8-61CC-4603-A589-7422A47A8E4A}"/>
+    </a:ext>
+  </a:extLst>
+</a:theme>
 </file>
--- a/DIP_Phase_1_Lab_Manuals/DIP Lab Manual for Phase 1.pptx
+++ b/DIP_Phase_1_Lab_Manuals/DIP Lab Manual for Phase 1.pptx
@@ -5,32 +5,33 @@
     <p:sldMasterId id="2147483876" r:id="rId1"/>
   </p:sldMasterIdLst>
   <p:notesMasterIdLst>
-    <p:notesMasterId r:id="rId22"/>
+    <p:notesMasterId r:id="rId23"/>
   </p:notesMasterIdLst>
   <p:handoutMasterIdLst>
-    <p:handoutMasterId r:id="rId23"/>
+    <p:handoutMasterId r:id="rId24"/>
   </p:handoutMasterIdLst>
   <p:sldIdLst>
     <p:sldId id="256" r:id="rId2"/>
     <p:sldId id="257" r:id="rId3"/>
     <p:sldId id="258" r:id="rId4"/>
     <p:sldId id="296" r:id="rId5"/>
-    <p:sldId id="260" r:id="rId6"/>
-    <p:sldId id="263" r:id="rId7"/>
-    <p:sldId id="282" r:id="rId8"/>
-    <p:sldId id="283" r:id="rId9"/>
-    <p:sldId id="266" r:id="rId10"/>
-    <p:sldId id="265" r:id="rId11"/>
-    <p:sldId id="279" r:id="rId12"/>
-    <p:sldId id="290" r:id="rId13"/>
-    <p:sldId id="297" r:id="rId14"/>
-    <p:sldId id="298" r:id="rId15"/>
-    <p:sldId id="299" r:id="rId16"/>
-    <p:sldId id="291" r:id="rId17"/>
-    <p:sldId id="292" r:id="rId18"/>
-    <p:sldId id="293" r:id="rId19"/>
-    <p:sldId id="294" r:id="rId20"/>
-    <p:sldId id="295" r:id="rId21"/>
+    <p:sldId id="300" r:id="rId6"/>
+    <p:sldId id="260" r:id="rId7"/>
+    <p:sldId id="263" r:id="rId8"/>
+    <p:sldId id="282" r:id="rId9"/>
+    <p:sldId id="283" r:id="rId10"/>
+    <p:sldId id="266" r:id="rId11"/>
+    <p:sldId id="265" r:id="rId12"/>
+    <p:sldId id="279" r:id="rId13"/>
+    <p:sldId id="290" r:id="rId14"/>
+    <p:sldId id="297" r:id="rId15"/>
+    <p:sldId id="298" r:id="rId16"/>
+    <p:sldId id="299" r:id="rId17"/>
+    <p:sldId id="291" r:id="rId18"/>
+    <p:sldId id="292" r:id="rId19"/>
+    <p:sldId id="293" r:id="rId20"/>
+    <p:sldId id="294" r:id="rId21"/>
+    <p:sldId id="295" r:id="rId22"/>
   </p:sldIdLst>
   <p:sldSz cx="12192000" cy="6858000"/>
   <p:notesSz cx="6858000" cy="9144000"/>
@@ -138,6 +139,7 @@
             <p14:sldId id="257"/>
             <p14:sldId id="258"/>
             <p14:sldId id="296"/>
+            <p14:sldId id="300"/>
           </p14:sldIdLst>
         </p14:section>
         <p14:section name="Week 1" id="{ED8558EB-CF5E-497E-BF15-C3231FB877B2}">
@@ -274,7 +276,7 @@
           <a:p>
             <a:fld id="{3F5B13E4-0C70-0A4F-9943-D548592DF49E}" type="datetimeFigureOut">
               <a:rPr lang="en-US" smtClean="0"/>
-              <a:t>06-Aug-17</a:t>
+              <a:t>07-Aug-17</a:t>
             </a:fld>
             <a:endParaRPr lang="en-US"/>
           </a:p>
@@ -439,7 +441,7 @@
           <a:p>
             <a:fld id="{4185243A-FD7B-4629-BD73-22CC1259F9E9}" type="datetimeFigureOut">
               <a:rPr lang="en-US" smtClean="0"/>
-              <a:t>06-Aug-17</a:t>
+              <a:t>07-Aug-17</a:t>
             </a:fld>
             <a:endParaRPr lang="en-US"/>
           </a:p>
@@ -837,7 +839,7 @@
           <a:p>
             <a:fld id="{CC6F718F-701E-4707-8408-57D61FEAC21D}" type="datetimeFigureOut">
               <a:rPr lang="en-US" smtClean="0"/>
-              <a:t>06-Aug-17</a:t>
+              <a:t>07-Aug-17</a:t>
             </a:fld>
             <a:endParaRPr lang="en-US"/>
           </a:p>
@@ -1007,7 +1009,7 @@
           <a:p>
             <a:fld id="{CC6F718F-701E-4707-8408-57D61FEAC21D}" type="datetimeFigureOut">
               <a:rPr lang="en-US" smtClean="0"/>
-              <a:t>06-Aug-17</a:t>
+              <a:t>07-Aug-17</a:t>
             </a:fld>
             <a:endParaRPr lang="en-US"/>
           </a:p>
@@ -1187,7 +1189,7 @@
           <a:p>
             <a:fld id="{CC6F718F-701E-4707-8408-57D61FEAC21D}" type="datetimeFigureOut">
               <a:rPr lang="en-US" smtClean="0"/>
-              <a:t>06-Aug-17</a:t>
+              <a:t>07-Aug-17</a:t>
             </a:fld>
             <a:endParaRPr lang="en-US"/>
           </a:p>
@@ -1357,7 +1359,7 @@
           <a:p>
             <a:fld id="{CC6F718F-701E-4707-8408-57D61FEAC21D}" type="datetimeFigureOut">
               <a:rPr lang="en-US" smtClean="0"/>
-              <a:t>06-Aug-17</a:t>
+              <a:t>07-Aug-17</a:t>
             </a:fld>
             <a:endParaRPr lang="en-US"/>
           </a:p>
@@ -1603,7 +1605,7 @@
           <a:p>
             <a:fld id="{CC6F718F-701E-4707-8408-57D61FEAC21D}" type="datetimeFigureOut">
               <a:rPr lang="en-US" smtClean="0"/>
-              <a:t>06-Aug-17</a:t>
+              <a:t>07-Aug-17</a:t>
             </a:fld>
             <a:endParaRPr lang="en-US"/>
           </a:p>
@@ -1835,7 +1837,7 @@
           <a:p>
             <a:fld id="{CC6F718F-701E-4707-8408-57D61FEAC21D}" type="datetimeFigureOut">
               <a:rPr lang="en-US" smtClean="0"/>
-              <a:t>06-Aug-17</a:t>
+              <a:t>07-Aug-17</a:t>
             </a:fld>
             <a:endParaRPr lang="en-US"/>
           </a:p>
@@ -2202,7 +2204,7 @@
           <a:p>
             <a:fld id="{CC6F718F-701E-4707-8408-57D61FEAC21D}" type="datetimeFigureOut">
               <a:rPr lang="en-US" smtClean="0"/>
-              <a:t>06-Aug-17</a:t>
+              <a:t>07-Aug-17</a:t>
             </a:fld>
             <a:endParaRPr lang="en-US"/>
           </a:p>
@@ -2320,7 +2322,7 @@
           <a:p>
             <a:fld id="{CC6F718F-701E-4707-8408-57D61FEAC21D}" type="datetimeFigureOut">
               <a:rPr lang="en-US" smtClean="0"/>
-              <a:t>06-Aug-17</a:t>
+              <a:t>07-Aug-17</a:t>
             </a:fld>
             <a:endParaRPr lang="en-US"/>
           </a:p>
@@ -2415,7 +2417,7 @@
           <a:p>
             <a:fld id="{CC6F718F-701E-4707-8408-57D61FEAC21D}" type="datetimeFigureOut">
               <a:rPr lang="en-US" smtClean="0"/>
-              <a:t>06-Aug-17</a:t>
+              <a:t>07-Aug-17</a:t>
             </a:fld>
             <a:endParaRPr lang="en-US"/>
           </a:p>
@@ -2692,7 +2694,7 @@
           <a:p>
             <a:fld id="{CC6F718F-701E-4707-8408-57D61FEAC21D}" type="datetimeFigureOut">
               <a:rPr lang="en-US" smtClean="0"/>
-              <a:t>06-Aug-17</a:t>
+              <a:t>07-Aug-17</a:t>
             </a:fld>
             <a:endParaRPr lang="en-US"/>
           </a:p>
@@ -2949,7 +2951,7 @@
           <a:p>
             <a:fld id="{CC6F718F-701E-4707-8408-57D61FEAC21D}" type="datetimeFigureOut">
               <a:rPr lang="en-US" smtClean="0"/>
-              <a:t>06-Aug-17</a:t>
+              <a:t>07-Aug-17</a:t>
             </a:fld>
             <a:endParaRPr lang="en-US"/>
           </a:p>
@@ -3162,7 +3164,7 @@
           <a:p>
             <a:fld id="{CC6F718F-701E-4707-8408-57D61FEAC21D}" type="datetimeFigureOut">
               <a:rPr lang="en-US" smtClean="0"/>
-              <a:t>06-Aug-17</a:t>
+              <a:t>07-Aug-17</a:t>
             </a:fld>
             <a:endParaRPr lang="en-US"/>
           </a:p>
@@ -3950,6 +3952,444 @@
 </file>
 
 <file path=ppt/slides/slide10.xml><?xml version="1.0" encoding="utf-8"?>
+<p:sld xmlns:a="http://schemas.openxmlformats.org/drawingml/2006/main" xmlns:r="http://schemas.openxmlformats.org/officeDocument/2006/relationships" xmlns:p="http://schemas.openxmlformats.org/presentationml/2006/main">
+  <p:cSld>
+    <p:spTree>
+      <p:nvGrpSpPr>
+        <p:cNvPr id="1" name=""/>
+        <p:cNvGrpSpPr/>
+        <p:nvPr/>
+      </p:nvGrpSpPr>
+      <p:grpSpPr>
+        <a:xfrm>
+          <a:off x="0" y="0"/>
+          <a:ext cx="0" cy="0"/>
+          <a:chOff x="0" y="0"/>
+          <a:chExt cx="0" cy="0"/>
+        </a:xfrm>
+      </p:grpSpPr>
+      <p:sp>
+        <p:nvSpPr>
+          <p:cNvPr id="5" name="Title 1"/>
+          <p:cNvSpPr>
+            <a:spLocks noGrp="1"/>
+          </p:cNvSpPr>
+          <p:nvPr>
+            <p:ph type="title"/>
+          </p:nvPr>
+        </p:nvSpPr>
+        <p:spPr>
+          <a:xfrm>
+            <a:off x="2057400" y="152400"/>
+            <a:ext cx="8229600" cy="1143000"/>
+          </a:xfrm>
+        </p:spPr>
+        <p:txBody>
+          <a:bodyPr>
+            <a:normAutofit/>
+          </a:bodyPr>
+          <a:lstStyle/>
+          <a:p>
+            <a:pPr algn="ctr"/>
+            <a:r>
+              <a:rPr lang="en-US" sz="5400" dirty="0">
+                <a:latin typeface="Bauhaus 93" panose="04030905020B02020C02" pitchFamily="82" charset="0"/>
+              </a:rPr>
+              <a:t>Building Procedures</a:t>
+            </a:r>
+          </a:p>
+        </p:txBody>
+      </p:sp>
+      <p:sp>
+        <p:nvSpPr>
+          <p:cNvPr id="3" name="Content Placeholder 2"/>
+          <p:cNvSpPr>
+            <a:spLocks noGrp="1"/>
+          </p:cNvSpPr>
+          <p:nvPr>
+            <p:ph idx="1"/>
+          </p:nvPr>
+        </p:nvSpPr>
+        <p:spPr>
+          <a:xfrm>
+            <a:off x="457200" y="1094264"/>
+            <a:ext cx="11506200" cy="2626177"/>
+          </a:xfrm>
+        </p:spPr>
+        <p:txBody>
+          <a:bodyPr>
+            <a:normAutofit/>
+          </a:bodyPr>
+          <a:lstStyle/>
+          <a:p>
+            <a:pPr marL="0" indent="0">
+              <a:buNone/>
+            </a:pPr>
+            <a:r>
+              <a:rPr lang="en-US" sz="4000" dirty="0"/>
+              <a:t>Step 3:</a:t>
+            </a:r>
+          </a:p>
+          <a:p>
+            <a:pPr>
+              <a:buFont typeface="Wingdings" panose="05000000000000000000" pitchFamily="2" charset="2"/>
+              <a:buChar char="ü"/>
+            </a:pPr>
+            <a:r>
+              <a:rPr lang="en-SG" sz="3000" dirty="0">
+                <a:latin typeface="Arial"/>
+              </a:rPr>
+              <a:t>Assemble the electronics</a:t>
+            </a:r>
+          </a:p>
+          <a:p>
+            <a:pPr lvl="0">
+              <a:buClr>
+                <a:srgbClr val="AA2B1E"/>
+              </a:buClr>
+              <a:buFont typeface="Wingdings" panose="05000000000000000000" pitchFamily="2" charset="2"/>
+              <a:buChar char="q"/>
+            </a:pPr>
+            <a:r>
+              <a:rPr lang="en-SG" sz="2600" dirty="0">
+                <a:solidFill>
+                  <a:prstClr val="black"/>
+                </a:solidFill>
+                <a:latin typeface="Arial" panose="020B0604020202020204" pitchFamily="34" charset="0"/>
+                <a:cs typeface="Arial" panose="020B0604020202020204" pitchFamily="34" charset="0"/>
+              </a:rPr>
+              <a:t>Solder the necessary components according to the </a:t>
+            </a:r>
+            <a:r>
+              <a:rPr lang="en-SG" sz="2600" u="sng" dirty="0">
+                <a:solidFill>
+                  <a:prstClr val="black"/>
+                </a:solidFill>
+                <a:latin typeface="Arial" panose="020B0604020202020204" pitchFamily="34" charset="0"/>
+                <a:cs typeface="Arial" panose="020B0604020202020204" pitchFamily="34" charset="0"/>
+              </a:rPr>
+              <a:t>schematic diagram</a:t>
+            </a:r>
+            <a:r>
+              <a:rPr lang="en-SG" sz="2600" dirty="0">
+                <a:solidFill>
+                  <a:prstClr val="black"/>
+                </a:solidFill>
+                <a:latin typeface="Arial" panose="020B0604020202020204" pitchFamily="34" charset="0"/>
+                <a:cs typeface="Arial" panose="020B0604020202020204" pitchFamily="34" charset="0"/>
+              </a:rPr>
+              <a:t> shown on the next slide</a:t>
+            </a:r>
+          </a:p>
+          <a:p>
+            <a:pPr lvl="0">
+              <a:buClr>
+                <a:srgbClr val="AA2B1E"/>
+              </a:buClr>
+              <a:buFont typeface="Wingdings" panose="05000000000000000000" pitchFamily="2" charset="2"/>
+              <a:buChar char="q"/>
+            </a:pPr>
+            <a:r>
+              <a:rPr lang="en-US" sz="2600" dirty="0">
+                <a:solidFill>
+                  <a:prstClr val="black"/>
+                </a:solidFill>
+                <a:latin typeface="Arial" panose="020B0604020202020204" pitchFamily="34" charset="0"/>
+                <a:cs typeface="Arial" panose="020B0604020202020204" pitchFamily="34" charset="0"/>
+              </a:rPr>
+              <a:t>Usage of mini breadboard is </a:t>
+            </a:r>
+            <a:r>
+              <a:rPr lang="en-US" sz="2600" u="sng" dirty="0">
+                <a:solidFill>
+                  <a:prstClr val="black"/>
+                </a:solidFill>
+                <a:latin typeface="Arial" panose="020B0604020202020204" pitchFamily="34" charset="0"/>
+                <a:cs typeface="Arial" panose="020B0604020202020204" pitchFamily="34" charset="0"/>
+              </a:rPr>
+              <a:t>optional</a:t>
+            </a:r>
+            <a:endParaRPr lang="en-US" sz="2400" dirty="0">
+              <a:solidFill>
+                <a:prstClr val="black"/>
+              </a:solidFill>
+              <a:latin typeface="+mj-lt"/>
+            </a:endParaRPr>
+          </a:p>
+          <a:p>
+            <a:pPr marL="0" indent="0">
+              <a:buNone/>
+            </a:pPr>
+            <a:endParaRPr lang="en-SG" b="0" i="0" u="none" strike="noStrike" dirty="0">
+              <a:latin typeface="+mj-lt"/>
+            </a:endParaRPr>
+          </a:p>
+        </p:txBody>
+      </p:sp>
+      <p:pic>
+        <p:nvPicPr>
+          <p:cNvPr id="8194" name="Picture 2"/>
+          <p:cNvPicPr>
+            <a:picLocks noChangeAspect="1" noChangeArrowheads="1"/>
+          </p:cNvPicPr>
+          <p:nvPr/>
+        </p:nvPicPr>
+        <p:blipFill>
+          <a:blip r:embed="rId2" cstate="print">
+            <a:extLst>
+              <a:ext uri="{28A0092B-C50C-407E-A947-70E740481C1C}">
+                <a14:useLocalDpi xmlns:a14="http://schemas.microsoft.com/office/drawing/2010/main" val="0"/>
+              </a:ext>
+            </a:extLst>
+          </a:blip>
+          <a:srcRect/>
+          <a:stretch>
+            <a:fillRect/>
+          </a:stretch>
+        </p:blipFill>
+        <p:spPr bwMode="auto">
+          <a:xfrm>
+            <a:off x="5546619" y="3849276"/>
+            <a:ext cx="5157982" cy="2932889"/>
+          </a:xfrm>
+          <a:prstGeom prst="rect">
+            <a:avLst/>
+          </a:prstGeom>
+          <a:noFill/>
+          <a:ln>
+            <a:noFill/>
+          </a:ln>
+          <a:effectLst/>
+          <a:extLst>
+            <a:ext uri="{909E8E84-426E-40DD-AFC4-6F175D3DCCD1}">
+              <a14:hiddenFill xmlns:a14="http://schemas.microsoft.com/office/drawing/2010/main">
+                <a:solidFill>
+                  <a:schemeClr val="accent1"/>
+                </a:solidFill>
+              </a14:hiddenFill>
+            </a:ext>
+            <a:ext uri="{91240B29-F687-4F45-9708-019B960494DF}">
+              <a14:hiddenLine xmlns:a14="http://schemas.microsoft.com/office/drawing/2010/main" w="9525">
+                <a:solidFill>
+                  <a:schemeClr val="tx1"/>
+                </a:solidFill>
+                <a:miter lim="800000"/>
+                <a:headEnd/>
+                <a:tailEnd/>
+              </a14:hiddenLine>
+            </a:ext>
+            <a:ext uri="{AF507438-7753-43E0-B8FC-AC1667EBCBE1}">
+              <a14:hiddenEffects xmlns:a14="http://schemas.microsoft.com/office/drawing/2010/main">
+                <a:effectLst>
+                  <a:outerShdw dist="35921" dir="2700000" algn="ctr" rotWithShape="0">
+                    <a:schemeClr val="bg2"/>
+                  </a:outerShdw>
+                </a:effectLst>
+              </a14:hiddenEffects>
+            </a:ext>
+          </a:extLst>
+        </p:spPr>
+      </p:pic>
+      <p:sp>
+        <p:nvSpPr>
+          <p:cNvPr id="2" name="Rectangle 1"/>
+          <p:cNvSpPr/>
+          <p:nvPr/>
+        </p:nvSpPr>
+        <p:spPr>
+          <a:xfrm>
+            <a:off x="6324601" y="6252016"/>
+            <a:ext cx="3770909" cy="536054"/>
+          </a:xfrm>
+          <a:prstGeom prst="rect">
+            <a:avLst/>
+          </a:prstGeom>
+        </p:spPr>
+        <p:txBody>
+          <a:bodyPr wrap="square">
+            <a:spAutoFit/>
+          </a:bodyPr>
+          <a:lstStyle/>
+          <a:p>
+            <a:pPr algn="ctr"/>
+            <a:r>
+              <a:rPr lang="en-US" sz="2800" dirty="0">
+                <a:solidFill>
+                  <a:schemeClr val="bg1"/>
+                </a:solidFill>
+                <a:effectLst>
+                  <a:outerShdw blurRad="38100" dist="38100" dir="2700000" algn="tl">
+                    <a:srgbClr val="000000">
+                      <a:alpha val="43137"/>
+                    </a:srgbClr>
+                  </a:outerShdw>
+                </a:effectLst>
+                <a:latin typeface="Arial" panose="020B0604020202020204" pitchFamily="34" charset="0"/>
+                <a:ea typeface="+mj-ea"/>
+                <a:cs typeface="Arial" panose="020B0604020202020204" pitchFamily="34" charset="0"/>
+              </a:rPr>
+              <a:t>Sample</a:t>
+            </a:r>
+            <a:endParaRPr lang="en-US" sz="2800" dirty="0">
+              <a:solidFill>
+                <a:schemeClr val="bg1"/>
+              </a:solidFill>
+              <a:effectLst>
+                <a:outerShdw blurRad="38100" dist="38100" dir="2700000" algn="tl">
+                  <a:srgbClr val="000000">
+                    <a:alpha val="43137"/>
+                  </a:srgbClr>
+                </a:outerShdw>
+              </a:effectLst>
+              <a:latin typeface="Arial" panose="020B0604020202020204" pitchFamily="34" charset="0"/>
+              <a:cs typeface="Arial" panose="020B0604020202020204" pitchFamily="34" charset="0"/>
+            </a:endParaRPr>
+          </a:p>
+        </p:txBody>
+      </p:sp>
+      <p:pic>
+        <p:nvPicPr>
+          <p:cNvPr id="4" name="Picture 3">
+            <a:extLst>
+              <a:ext uri="{FF2B5EF4-FFF2-40B4-BE49-F238E27FC236}">
+                <a16:creationId xmlns:a16="http://schemas.microsoft.com/office/drawing/2014/main" id="{10E1A6D6-1C08-4043-A3D4-08369D5663AD}"/>
+              </a:ext>
+            </a:extLst>
+          </p:cNvPr>
+          <p:cNvPicPr>
+            <a:picLocks noChangeAspect="1"/>
+          </p:cNvPicPr>
+          <p:nvPr/>
+        </p:nvPicPr>
+        <p:blipFill>
+          <a:blip r:embed="rId3"/>
+          <a:stretch>
+            <a:fillRect/>
+          </a:stretch>
+        </p:blipFill>
+        <p:spPr>
+          <a:xfrm>
+            <a:off x="1099457" y="3844319"/>
+            <a:ext cx="4267200" cy="2953215"/>
+          </a:xfrm>
+          <a:prstGeom prst="rect">
+            <a:avLst/>
+          </a:prstGeom>
+        </p:spPr>
+      </p:pic>
+      <p:sp>
+        <p:nvSpPr>
+          <p:cNvPr id="7" name="Rectangle 6">
+            <a:extLst>
+              <a:ext uri="{FF2B5EF4-FFF2-40B4-BE49-F238E27FC236}">
+                <a16:creationId xmlns:a16="http://schemas.microsoft.com/office/drawing/2014/main" id="{CC34D299-84C7-438D-BACC-4C1E870E23D8}"/>
+              </a:ext>
+            </a:extLst>
+          </p:cNvPr>
+          <p:cNvSpPr/>
+          <p:nvPr/>
+        </p:nvSpPr>
+        <p:spPr>
+          <a:xfrm>
+            <a:off x="1219200" y="6205708"/>
+            <a:ext cx="3770909" cy="536054"/>
+          </a:xfrm>
+          <a:prstGeom prst="rect">
+            <a:avLst/>
+          </a:prstGeom>
+        </p:spPr>
+        <p:txBody>
+          <a:bodyPr wrap="square">
+            <a:spAutoFit/>
+          </a:bodyPr>
+          <a:lstStyle/>
+          <a:p>
+            <a:pPr algn="ctr"/>
+            <a:r>
+              <a:rPr lang="en-US" sz="2800" dirty="0">
+                <a:solidFill>
+                  <a:schemeClr val="bg1"/>
+                </a:solidFill>
+                <a:effectLst>
+                  <a:outerShdw blurRad="38100" dist="38100" dir="2700000" algn="tl">
+                    <a:srgbClr val="000000">
+                      <a:alpha val="43137"/>
+                    </a:srgbClr>
+                  </a:outerShdw>
+                </a:effectLst>
+                <a:latin typeface="Arial" panose="020B0604020202020204" pitchFamily="34" charset="0"/>
+                <a:ea typeface="+mj-ea"/>
+                <a:cs typeface="Arial" panose="020B0604020202020204" pitchFamily="34" charset="0"/>
+              </a:rPr>
+              <a:t>Sample</a:t>
+            </a:r>
+            <a:endParaRPr lang="en-US" sz="2800" dirty="0">
+              <a:solidFill>
+                <a:schemeClr val="bg1"/>
+              </a:solidFill>
+              <a:effectLst>
+                <a:outerShdw blurRad="38100" dist="38100" dir="2700000" algn="tl">
+                  <a:srgbClr val="000000">
+                    <a:alpha val="43137"/>
+                  </a:srgbClr>
+                </a:outerShdw>
+              </a:effectLst>
+              <a:latin typeface="Arial" panose="020B0604020202020204" pitchFamily="34" charset="0"/>
+              <a:cs typeface="Arial" panose="020B0604020202020204" pitchFamily="34" charset="0"/>
+            </a:endParaRPr>
+          </a:p>
+        </p:txBody>
+      </p:sp>
+      <p:sp>
+        <p:nvSpPr>
+          <p:cNvPr id="6" name="TextBox 5">
+            <a:extLst>
+              <a:ext uri="{FF2B5EF4-FFF2-40B4-BE49-F238E27FC236}">
+                <a16:creationId xmlns:a16="http://schemas.microsoft.com/office/drawing/2014/main" id="{355FB895-6700-4816-BD7E-54009D2451B1}"/>
+              </a:ext>
+            </a:extLst>
+          </p:cNvPr>
+          <p:cNvSpPr txBox="1"/>
+          <p:nvPr/>
+        </p:nvSpPr>
+        <p:spPr>
+          <a:xfrm>
+            <a:off x="1066800" y="3573723"/>
+            <a:ext cx="10058400" cy="276999"/>
+          </a:xfrm>
+          <a:prstGeom prst="rect">
+            <a:avLst/>
+          </a:prstGeom>
+          <a:noFill/>
+        </p:spPr>
+        <p:txBody>
+          <a:bodyPr wrap="square" rtlCol="0">
+            <a:spAutoFit/>
+          </a:bodyPr>
+          <a:lstStyle/>
+          <a:p>
+            <a:pPr algn="ctr"/>
+            <a:r>
+              <a:rPr lang="en-US" sz="1200" b="1" u="sng" dirty="0"/>
+              <a:t>These samples are for illustration purposes only, please do not use them as your wiring reference</a:t>
+            </a:r>
+          </a:p>
+        </p:txBody>
+      </p:sp>
+    </p:spTree>
+    <p:extLst>
+      <p:ext uri="{BB962C8B-B14F-4D97-AF65-F5344CB8AC3E}">
+        <p14:creationId xmlns:p14="http://schemas.microsoft.com/office/powerpoint/2010/main" val="370158499"/>
+      </p:ext>
+    </p:extLst>
+  </p:cSld>
+  <p:clrMapOvr>
+    <a:masterClrMapping/>
+  </p:clrMapOvr>
+</p:sld>
+</file>
+
+<file path=ppt/slides/slide11.xml><?xml version="1.0" encoding="utf-8"?>
 <p:sld xmlns:a="http://schemas.openxmlformats.org/drawingml/2006/main" xmlns:r="http://schemas.openxmlformats.org/officeDocument/2006/relationships" xmlns:p="http://schemas.openxmlformats.org/presentationml/2006/main">
   <p:cSld>
     <p:spTree>
@@ -4457,7 +4897,7 @@
 </p:sld>
 </file>
 
-<file path=ppt/slides/slide11.xml><?xml version="1.0" encoding="utf-8"?>
+<file path=ppt/slides/slide12.xml><?xml version="1.0" encoding="utf-8"?>
 <p:sld xmlns:a="http://schemas.openxmlformats.org/drawingml/2006/main" xmlns:r="http://schemas.openxmlformats.org/officeDocument/2006/relationships" xmlns:p="http://schemas.openxmlformats.org/presentationml/2006/main">
   <p:cSld>
     <p:spTree>
@@ -4616,7 +5056,7 @@
 </p:sld>
 </file>
 
-<file path=ppt/slides/slide12.xml><?xml version="1.0" encoding="utf-8"?>
+<file path=ppt/slides/slide13.xml><?xml version="1.0" encoding="utf-8"?>
 <p:sld xmlns:a="http://schemas.openxmlformats.org/drawingml/2006/main" xmlns:r="http://schemas.openxmlformats.org/officeDocument/2006/relationships" xmlns:p="http://schemas.openxmlformats.org/presentationml/2006/main">
   <p:cSld>
     <p:spTree>
@@ -4961,7 +5401,7 @@
 </p:sld>
 </file>
 
-<file path=ppt/slides/slide13.xml><?xml version="1.0" encoding="utf-8"?>
+<file path=ppt/slides/slide14.xml><?xml version="1.0" encoding="utf-8"?>
 <p:sld xmlns:a="http://schemas.openxmlformats.org/drawingml/2006/main" xmlns:r="http://schemas.openxmlformats.org/officeDocument/2006/relationships" xmlns:p="http://schemas.openxmlformats.org/presentationml/2006/main">
   <p:cSld>
     <p:spTree>
@@ -5355,7 +5795,7 @@
 </p:sld>
 </file>
 
-<file path=ppt/slides/slide14.xml><?xml version="1.0" encoding="utf-8"?>
+<file path=ppt/slides/slide15.xml><?xml version="1.0" encoding="utf-8"?>
 <p:sld xmlns:a="http://schemas.openxmlformats.org/drawingml/2006/main" xmlns:r="http://schemas.openxmlformats.org/officeDocument/2006/relationships" xmlns:p="http://schemas.openxmlformats.org/presentationml/2006/main">
   <p:cSld>
     <p:spTree>
@@ -5745,378 +6185,6 @@
 </p:sld>
 </file>
 
-<file path=ppt/slides/slide15.xml><?xml version="1.0" encoding="utf-8"?>
-<p:sld xmlns:a="http://schemas.openxmlformats.org/drawingml/2006/main" xmlns:r="http://schemas.openxmlformats.org/officeDocument/2006/relationships" xmlns:p="http://schemas.openxmlformats.org/presentationml/2006/main">
-  <p:cSld>
-    <p:spTree>
-      <p:nvGrpSpPr>
-        <p:cNvPr id="1" name=""/>
-        <p:cNvGrpSpPr/>
-        <p:nvPr/>
-      </p:nvGrpSpPr>
-      <p:grpSpPr>
-        <a:xfrm>
-          <a:off x="0" y="0"/>
-          <a:ext cx="0" cy="0"/>
-          <a:chOff x="0" y="0"/>
-          <a:chExt cx="0" cy="0"/>
-        </a:xfrm>
-      </p:grpSpPr>
-      <p:sp>
-        <p:nvSpPr>
-          <p:cNvPr id="6" name="Title 1"/>
-          <p:cNvSpPr>
-            <a:spLocks noGrp="1"/>
-          </p:cNvSpPr>
-          <p:nvPr>
-            <p:ph type="title"/>
-          </p:nvPr>
-        </p:nvSpPr>
-        <p:spPr>
-          <a:xfrm>
-            <a:off x="1981200" y="228600"/>
-            <a:ext cx="8229600" cy="1143000"/>
-          </a:xfrm>
-        </p:spPr>
-        <p:txBody>
-          <a:bodyPr>
-            <a:normAutofit/>
-          </a:bodyPr>
-          <a:lstStyle/>
-          <a:p>
-            <a:pPr algn="ctr"/>
-            <a:r>
-              <a:rPr lang="en-US" sz="5400" dirty="0">
-                <a:latin typeface="Bauhaus 93" panose="04030905020B02020C02" pitchFamily="82" charset="0"/>
-              </a:rPr>
-              <a:t>Building Procedures</a:t>
-            </a:r>
-          </a:p>
-        </p:txBody>
-      </p:sp>
-      <p:sp>
-        <p:nvSpPr>
-          <p:cNvPr id="5" name="Content Placeholder 2">
-            <a:extLst>
-              <a:ext uri="{FF2B5EF4-FFF2-40B4-BE49-F238E27FC236}">
-                <a16:creationId xmlns:a16="http://schemas.microsoft.com/office/drawing/2014/main" id="{1D0B0722-C7F3-4B17-9234-6B80F63999C6}"/>
-              </a:ext>
-            </a:extLst>
-          </p:cNvPr>
-          <p:cNvSpPr txBox="1">
-            <a:spLocks/>
-          </p:cNvSpPr>
-          <p:nvPr/>
-        </p:nvSpPr>
-        <p:spPr>
-          <a:xfrm>
-            <a:off x="1066800" y="1828800"/>
-            <a:ext cx="6781800" cy="1371600"/>
-          </a:xfrm>
-          <a:prstGeom prst="rect">
-            <a:avLst/>
-          </a:prstGeom>
-        </p:spPr>
-        <p:txBody>
-          <a:bodyPr vert="horz" lIns="91440" tIns="45720" rIns="91440" bIns="45720" rtlCol="0" anchor="t">
-            <a:normAutofit/>
-          </a:bodyPr>
-          <a:lstStyle>
-            <a:lvl1pPr marL="274320" indent="-274320" algn="l" defTabSz="914400" rtl="0" eaLnBrk="1" latinLnBrk="0" hangingPunct="1">
-              <a:spcBef>
-                <a:spcPct val="20000"/>
-              </a:spcBef>
-              <a:buClr>
-                <a:schemeClr val="accent2"/>
-              </a:buClr>
-              <a:buSzPct val="85000"/>
-              <a:buFont typeface="Brush Script MT" pitchFamily="66" charset="0"/>
-              <a:buChar char="O"/>
-              <a:defRPr sz="2400" kern="1200">
-                <a:solidFill>
-                  <a:schemeClr val="tx1"/>
-                </a:solidFill>
-                <a:latin typeface="+mn-lt"/>
-                <a:ea typeface="+mn-ea"/>
-                <a:cs typeface="+mn-cs"/>
-              </a:defRPr>
-            </a:lvl1pPr>
-            <a:lvl2pPr marL="640080" indent="-274320" algn="l" defTabSz="914400" rtl="0" eaLnBrk="1" latinLnBrk="0" hangingPunct="1">
-              <a:spcBef>
-                <a:spcPct val="20000"/>
-              </a:spcBef>
-              <a:buClr>
-                <a:schemeClr val="accent2"/>
-              </a:buClr>
-              <a:buSzPct val="85000"/>
-              <a:buFont typeface="Brush Script MT" pitchFamily="66" charset="0"/>
-              <a:buChar char="O"/>
-              <a:defRPr sz="2200" kern="1200">
-                <a:solidFill>
-                  <a:schemeClr val="tx1"/>
-                </a:solidFill>
-                <a:latin typeface="+mn-lt"/>
-                <a:ea typeface="+mn-ea"/>
-                <a:cs typeface="+mn-cs"/>
-              </a:defRPr>
-            </a:lvl2pPr>
-            <a:lvl3pPr marL="914400" indent="-228600" algn="l" defTabSz="914400" rtl="0" eaLnBrk="1" latinLnBrk="0" hangingPunct="1">
-              <a:spcBef>
-                <a:spcPct val="20000"/>
-              </a:spcBef>
-              <a:buClr>
-                <a:schemeClr val="accent2"/>
-              </a:buClr>
-              <a:buSzPct val="85000"/>
-              <a:buFont typeface="Brush Script MT" pitchFamily="66" charset="0"/>
-              <a:buChar char="O"/>
-              <a:defRPr sz="2000" kern="1200">
-                <a:solidFill>
-                  <a:schemeClr val="tx1"/>
-                </a:solidFill>
-                <a:latin typeface="+mn-lt"/>
-                <a:ea typeface="+mn-ea"/>
-                <a:cs typeface="+mn-cs"/>
-              </a:defRPr>
-            </a:lvl3pPr>
-            <a:lvl4pPr marL="1280160" indent="-228600" algn="l" defTabSz="914400" rtl="0" eaLnBrk="1" latinLnBrk="0" hangingPunct="1">
-              <a:spcBef>
-                <a:spcPct val="20000"/>
-              </a:spcBef>
-              <a:buClr>
-                <a:schemeClr val="accent2"/>
-              </a:buClr>
-              <a:buSzPct val="85000"/>
-              <a:buFont typeface="Brush Script MT" pitchFamily="66" charset="0"/>
-              <a:buChar char="O"/>
-              <a:defRPr sz="1800" kern="1200">
-                <a:solidFill>
-                  <a:schemeClr val="tx1"/>
-                </a:solidFill>
-                <a:latin typeface="+mn-lt"/>
-                <a:ea typeface="+mn-ea"/>
-                <a:cs typeface="+mn-cs"/>
-              </a:defRPr>
-            </a:lvl4pPr>
-            <a:lvl5pPr marL="1645920" indent="-228600" algn="l" defTabSz="914400" rtl="0" eaLnBrk="1" latinLnBrk="0" hangingPunct="1">
-              <a:spcBef>
-                <a:spcPct val="20000"/>
-              </a:spcBef>
-              <a:buClr>
-                <a:schemeClr val="accent2"/>
-              </a:buClr>
-              <a:buSzPct val="85000"/>
-              <a:buFont typeface="Brush Script MT" pitchFamily="66" charset="0"/>
-              <a:buChar char="O"/>
-              <a:defRPr sz="1600" kern="1200">
-                <a:solidFill>
-                  <a:schemeClr val="tx1"/>
-                </a:solidFill>
-                <a:latin typeface="+mn-lt"/>
-                <a:ea typeface="+mn-ea"/>
-                <a:cs typeface="+mn-cs"/>
-              </a:defRPr>
-            </a:lvl5pPr>
-            <a:lvl6pPr marL="2011680" indent="-228600" algn="l" defTabSz="914400" rtl="0" eaLnBrk="1" latinLnBrk="0" hangingPunct="1">
-              <a:spcBef>
-                <a:spcPct val="20000"/>
-              </a:spcBef>
-              <a:buClr>
-                <a:schemeClr val="accent2"/>
-              </a:buClr>
-              <a:buSzPct val="85000"/>
-              <a:buFont typeface="Brush Script MT" pitchFamily="66" charset="0"/>
-              <a:buChar char="O"/>
-              <a:defRPr sz="1600" kern="1200">
-                <a:solidFill>
-                  <a:schemeClr val="tx1"/>
-                </a:solidFill>
-                <a:latin typeface="+mn-lt"/>
-                <a:ea typeface="+mn-ea"/>
-                <a:cs typeface="+mn-cs"/>
-              </a:defRPr>
-            </a:lvl6pPr>
-            <a:lvl7pPr marL="2377440" indent="-228600" algn="l" defTabSz="914400" rtl="0" eaLnBrk="1" latinLnBrk="0" hangingPunct="1">
-              <a:spcBef>
-                <a:spcPct val="20000"/>
-              </a:spcBef>
-              <a:buClr>
-                <a:schemeClr val="accent2"/>
-              </a:buClr>
-              <a:buSzPct val="85000"/>
-              <a:buFont typeface="Brush Script MT" pitchFamily="66" charset="0"/>
-              <a:buChar char="O"/>
-              <a:defRPr sz="1600" kern="1200">
-                <a:solidFill>
-                  <a:schemeClr val="tx1"/>
-                </a:solidFill>
-                <a:latin typeface="+mn-lt"/>
-                <a:ea typeface="+mn-ea"/>
-                <a:cs typeface="+mn-cs"/>
-              </a:defRPr>
-            </a:lvl7pPr>
-            <a:lvl8pPr marL="2743200" indent="-228600" algn="l" defTabSz="914400" rtl="0" eaLnBrk="1" latinLnBrk="0" hangingPunct="1">
-              <a:spcBef>
-                <a:spcPct val="20000"/>
-              </a:spcBef>
-              <a:buClr>
-                <a:schemeClr val="accent2"/>
-              </a:buClr>
-              <a:buSzPct val="85000"/>
-              <a:buFont typeface="Brush Script MT" pitchFamily="66" charset="0"/>
-              <a:buChar char="O"/>
-              <a:defRPr sz="1600" kern="1200">
-                <a:solidFill>
-                  <a:schemeClr val="tx1"/>
-                </a:solidFill>
-                <a:latin typeface="+mn-lt"/>
-                <a:ea typeface="+mn-ea"/>
-                <a:cs typeface="+mn-cs"/>
-              </a:defRPr>
-            </a:lvl8pPr>
-            <a:lvl9pPr marL="3108960" indent="-228600" algn="l" defTabSz="914400" rtl="0" eaLnBrk="1" latinLnBrk="0" hangingPunct="1">
-              <a:spcBef>
-                <a:spcPct val="20000"/>
-              </a:spcBef>
-              <a:buClr>
-                <a:schemeClr val="accent2"/>
-              </a:buClr>
-              <a:buSzPct val="85000"/>
-              <a:buFont typeface="Brush Script MT" pitchFamily="66" charset="0"/>
-              <a:buChar char="O"/>
-              <a:defRPr sz="1600" kern="1200">
-                <a:solidFill>
-                  <a:schemeClr val="tx1"/>
-                </a:solidFill>
-                <a:latin typeface="+mn-lt"/>
-                <a:ea typeface="+mn-ea"/>
-                <a:cs typeface="+mn-cs"/>
-              </a:defRPr>
-            </a:lvl9pPr>
-          </a:lstStyle>
-          <a:p>
-            <a:pPr marL="0" indent="0">
-              <a:buNone/>
-            </a:pPr>
-            <a:r>
-              <a:rPr lang="en-US" sz="4000" dirty="0"/>
-              <a:t>Step 4:</a:t>
-            </a:r>
-          </a:p>
-          <a:p>
-            <a:pPr>
-              <a:buFont typeface="Wingdings" panose="05000000000000000000" pitchFamily="2" charset="2"/>
-              <a:buChar char="ü"/>
-            </a:pPr>
-            <a:r>
-              <a:rPr lang="en-SG" sz="3000" dirty="0">
-                <a:latin typeface="Arial"/>
-              </a:rPr>
-              <a:t>Download Android Interface</a:t>
-            </a:r>
-          </a:p>
-        </p:txBody>
-      </p:sp>
-      <p:sp>
-        <p:nvSpPr>
-          <p:cNvPr id="7" name="TextBox 6">
-            <a:extLst>
-              <a:ext uri="{FF2B5EF4-FFF2-40B4-BE49-F238E27FC236}">
-                <a16:creationId xmlns:a16="http://schemas.microsoft.com/office/drawing/2014/main" id="{8652A8FD-A2B9-4DC6-B3B0-EC8A2552DD5D}"/>
-              </a:ext>
-            </a:extLst>
-          </p:cNvPr>
-          <p:cNvSpPr txBox="1"/>
-          <p:nvPr/>
-        </p:nvSpPr>
-        <p:spPr>
-          <a:xfrm>
-            <a:off x="1371600" y="3124200"/>
-            <a:ext cx="10363200" cy="2308324"/>
-          </a:xfrm>
-          <a:prstGeom prst="rect">
-            <a:avLst/>
-          </a:prstGeom>
-          <a:noFill/>
-        </p:spPr>
-        <p:txBody>
-          <a:bodyPr wrap="square" rtlCol="0">
-            <a:spAutoFit/>
-          </a:bodyPr>
-          <a:lstStyle/>
-          <a:p>
-            <a:pPr marL="285750" indent="-285750">
-              <a:buFont typeface="Wingdings" panose="05000000000000000000" pitchFamily="2" charset="2"/>
-              <a:buChar char="Ø"/>
-            </a:pPr>
-            <a:r>
-              <a:rPr lang="en-US" sz="2400" dirty="0"/>
-              <a:t>Scan the QR code using you Android phone</a:t>
-            </a:r>
-          </a:p>
-          <a:p>
-            <a:pPr marL="285750" indent="-285750">
-              <a:buFont typeface="Wingdings" panose="05000000000000000000" pitchFamily="2" charset="2"/>
-              <a:buChar char="Ø"/>
-            </a:pPr>
-            <a:r>
-              <a:rPr lang="en-US" sz="2400" dirty="0"/>
-              <a:t>Once done, install the app onto your Android phone</a:t>
-            </a:r>
-          </a:p>
-          <a:p>
-            <a:pPr marL="285750" indent="-285750">
-              <a:buFont typeface="Wingdings" panose="05000000000000000000" pitchFamily="2" charset="2"/>
-              <a:buChar char="Ø"/>
-            </a:pPr>
-            <a:r>
-              <a:rPr lang="en-US" sz="2400" dirty="0"/>
-              <a:t>*Note that you may need to adjust your phone security setting in order to install the app*</a:t>
-            </a:r>
-          </a:p>
-          <a:p>
-            <a:pPr marL="285750" indent="-285750">
-              <a:buFont typeface="Wingdings" panose="05000000000000000000" pitchFamily="2" charset="2"/>
-              <a:buChar char="Ø"/>
-            </a:pPr>
-            <a:r>
-              <a:rPr lang="en-US" sz="2400" dirty="0"/>
-              <a:t>Checkout the link below if you have trouble with the installation:</a:t>
-            </a:r>
-          </a:p>
-          <a:p>
-            <a:pPr marL="742950" lvl="1" indent="-285750">
-              <a:buFont typeface="Wingdings" panose="05000000000000000000" pitchFamily="2" charset="2"/>
-              <a:buChar char="Ø"/>
-            </a:pPr>
-            <a:r>
-              <a:rPr lang="en-US" sz="2400" dirty="0"/>
-              <a:t>http://</a:t>
-            </a:r>
-            <a:r>
-              <a:rPr lang="en-US" sz="2400" dirty="0" err="1"/>
-              <a:t>bit.ly</a:t>
-            </a:r>
-            <a:r>
-              <a:rPr lang="en-US" sz="2400" dirty="0"/>
-              <a:t>/2tGglS3</a:t>
-            </a:r>
-          </a:p>
-        </p:txBody>
-      </p:sp>
-    </p:spTree>
-    <p:extLst>
-      <p:ext uri="{BB962C8B-B14F-4D97-AF65-F5344CB8AC3E}">
-        <p14:creationId xmlns:p14="http://schemas.microsoft.com/office/powerpoint/2010/main" val="265453642"/>
-      </p:ext>
-    </p:extLst>
-  </p:cSld>
-  <p:clrMapOvr>
-    <a:masterClrMapping/>
-  </p:clrMapOvr>
-</p:sld>
-</file>
-
 <file path=ppt/slides/slide16.xml><?xml version="1.0" encoding="utf-8"?>
 <p:sld xmlns:a="http://schemas.openxmlformats.org/drawingml/2006/main" xmlns:r="http://schemas.openxmlformats.org/officeDocument/2006/relationships" xmlns:p="http://schemas.openxmlformats.org/presentationml/2006/main">
   <p:cSld>
@@ -6146,7 +6214,7 @@
         </p:nvSpPr>
         <p:spPr>
           <a:xfrm>
-            <a:off x="1981200" y="144170"/>
+            <a:off x="1981200" y="228600"/>
             <a:ext cx="8229600" cy="1143000"/>
           </a:xfrm>
         </p:spPr>
@@ -6182,8 +6250,8 @@
         </p:nvSpPr>
         <p:spPr>
           <a:xfrm>
-            <a:off x="1066800" y="1143000"/>
-            <a:ext cx="6858000" cy="1066799"/>
+            <a:off x="1066800" y="1828800"/>
+            <a:ext cx="6781800" cy="1371600"/>
           </a:xfrm>
           <a:prstGeom prst="rect">
             <a:avLst/>
@@ -6191,7 +6259,7 @@
         </p:spPr>
         <p:txBody>
           <a:bodyPr vert="horz" lIns="91440" tIns="45720" rIns="91440" bIns="45720" rtlCol="0" anchor="t">
-            <a:normAutofit fontScale="92500" lnSpcReduction="20000"/>
+            <a:normAutofit/>
           </a:bodyPr>
           <a:lstStyle>
             <a:lvl1pPr marL="274320" indent="-274320" algn="l" defTabSz="914400" rtl="0" eaLnBrk="1" latinLnBrk="0" hangingPunct="1">
@@ -6372,7 +6440,7 @@
             </a:pPr>
             <a:r>
               <a:rPr lang="en-US" sz="4000" dirty="0"/>
-              <a:t>Step 5:</a:t>
+              <a:t>Step 4:</a:t>
             </a:r>
           </a:p>
           <a:p>
@@ -6384,50 +6452,17 @@
               <a:rPr lang="en-SG" sz="3000" dirty="0">
                 <a:latin typeface="Arial"/>
               </a:rPr>
-              <a:t>Testing of Connectivity</a:t>
-            </a:r>
-            <a:endParaRPr lang="en-SG" sz="1600" dirty="0">
-              <a:latin typeface="Arial"/>
-            </a:endParaRPr>
-          </a:p>
-        </p:txBody>
-      </p:sp>
-      <p:pic>
-        <p:nvPicPr>
-          <p:cNvPr id="2" name="Picture 1">
+              <a:t>Download Android Interface</a:t>
+            </a:r>
+          </a:p>
+        </p:txBody>
+      </p:sp>
+      <p:sp>
+        <p:nvSpPr>
+          <p:cNvPr id="7" name="TextBox 6">
             <a:extLst>
               <a:ext uri="{FF2B5EF4-FFF2-40B4-BE49-F238E27FC236}">
-                <a16:creationId xmlns:a16="http://schemas.microsoft.com/office/drawing/2014/main" id="{FAE48047-1387-4AC1-BD87-F1B4CBC646AC}"/>
-              </a:ext>
-            </a:extLst>
-          </p:cNvPr>
-          <p:cNvPicPr>
-            <a:picLocks noChangeAspect="1"/>
-          </p:cNvPicPr>
-          <p:nvPr/>
-        </p:nvPicPr>
-        <p:blipFill>
-          <a:blip r:embed="rId2"/>
-          <a:stretch>
-            <a:fillRect/>
-          </a:stretch>
-        </p:blipFill>
-        <p:spPr>
-          <a:xfrm>
-            <a:off x="6781800" y="990600"/>
-            <a:ext cx="4191000" cy="5824006"/>
-          </a:xfrm>
-          <a:prstGeom prst="rect">
-            <a:avLst/>
-          </a:prstGeom>
-        </p:spPr>
-      </p:pic>
-      <p:sp>
-        <p:nvSpPr>
-          <p:cNvPr id="3" name="TextBox 2">
-            <a:extLst>
-              <a:ext uri="{FF2B5EF4-FFF2-40B4-BE49-F238E27FC236}">
-                <a16:creationId xmlns:a16="http://schemas.microsoft.com/office/drawing/2014/main" id="{2F2C2B9F-1C13-4AFF-848B-BAD102332A62}"/>
+                <a16:creationId xmlns:a16="http://schemas.microsoft.com/office/drawing/2014/main" id="{8652A8FD-A2B9-4DC6-B3B0-EC8A2552DD5D}"/>
               </a:ext>
             </a:extLst>
           </p:cNvPr>
@@ -6436,8 +6471,8 @@
         </p:nvSpPr>
         <p:spPr>
           <a:xfrm>
-            <a:off x="1028700" y="2514600"/>
-            <a:ext cx="5791200" cy="3046988"/>
+            <a:off x="1371600" y="3124200"/>
+            <a:ext cx="10363200" cy="2308324"/>
           </a:xfrm>
           <a:prstGeom prst="rect">
             <a:avLst/>
@@ -6456,7 +6491,7 @@
             </a:pPr>
             <a:r>
               <a:rPr lang="en-US" sz="2400" dirty="0"/>
-              <a:t>After the installation, run the app and your should see a similar interface as shown on the right.</a:t>
+              <a:t>Scan the QR code using you Android phone</a:t>
             </a:r>
           </a:p>
           <a:p>
@@ -6466,7 +6501,7 @@
             </a:pPr>
             <a:r>
               <a:rPr lang="en-US" sz="2400" dirty="0"/>
-              <a:t>Power up your Arduino via USB cable and touch on the ‘Connect’ button</a:t>
+              <a:t>Once done, install the app onto your Android phone</a:t>
             </a:r>
           </a:p>
           <a:p>
@@ -6476,7 +6511,35 @@
             </a:pPr>
             <a:r>
               <a:rPr lang="en-US" sz="2400" dirty="0"/>
-              <a:t>Search for your device name and enter the PIN number, your device should be connected after a few seconds</a:t>
+              <a:t>*Note that you may need to adjust your phone security setting in order to install the app*</a:t>
+            </a:r>
+          </a:p>
+          <a:p>
+            <a:pPr marL="285750" indent="-285750">
+              <a:buFont typeface="Wingdings" panose="05000000000000000000" pitchFamily="2" charset="2"/>
+              <a:buChar char="Ø"/>
+            </a:pPr>
+            <a:r>
+              <a:rPr lang="en-US" sz="2400" dirty="0"/>
+              <a:t>Checkout the link below if you have trouble with the installation:</a:t>
+            </a:r>
+          </a:p>
+          <a:p>
+            <a:pPr marL="742950" lvl="1" indent="-285750">
+              <a:buFont typeface="Wingdings" panose="05000000000000000000" pitchFamily="2" charset="2"/>
+              <a:buChar char="Ø"/>
+            </a:pPr>
+            <a:r>
+              <a:rPr lang="en-US" sz="2400" dirty="0"/>
+              <a:t>http://</a:t>
+            </a:r>
+            <a:r>
+              <a:rPr lang="en-US" sz="2400" dirty="0" err="1"/>
+              <a:t>bit.ly</a:t>
+            </a:r>
+            <a:r>
+              <a:rPr lang="en-US" sz="2400" dirty="0"/>
+              <a:t>/2tGglS3</a:t>
             </a:r>
           </a:p>
         </p:txBody>
@@ -6484,7 +6547,7 @@
     </p:spTree>
     <p:extLst>
       <p:ext uri="{BB962C8B-B14F-4D97-AF65-F5344CB8AC3E}">
-        <p14:creationId xmlns:p14="http://schemas.microsoft.com/office/powerpoint/2010/main" val="3460254417"/>
+        <p14:creationId xmlns:p14="http://schemas.microsoft.com/office/powerpoint/2010/main" val="265453642"/>
       </p:ext>
     </p:extLst>
   </p:cSld>
@@ -6523,7 +6586,7 @@
         </p:nvSpPr>
         <p:spPr>
           <a:xfrm>
-            <a:off x="2057400" y="140930"/>
+            <a:off x="1981200" y="144170"/>
             <a:ext cx="8229600" cy="1143000"/>
           </a:xfrm>
         </p:spPr>
@@ -6559,8 +6622,8 @@
         </p:nvSpPr>
         <p:spPr>
           <a:xfrm>
-            <a:off x="1066800" y="903767"/>
-            <a:ext cx="6934200" cy="1371600"/>
+            <a:off x="1066800" y="1143000"/>
+            <a:ext cx="6858000" cy="1066799"/>
           </a:xfrm>
           <a:prstGeom prst="rect">
             <a:avLst/>
@@ -6568,7 +6631,7 @@
         </p:spPr>
         <p:txBody>
           <a:bodyPr vert="horz" lIns="91440" tIns="45720" rIns="91440" bIns="45720" rtlCol="0" anchor="t">
-            <a:normAutofit/>
+            <a:normAutofit fontScale="92500" lnSpcReduction="20000"/>
           </a:bodyPr>
           <a:lstStyle>
             <a:lvl1pPr marL="274320" indent="-274320" algn="l" defTabSz="914400" rtl="0" eaLnBrk="1" latinLnBrk="0" hangingPunct="1">
@@ -6749,7 +6812,7 @@
             </a:pPr>
             <a:r>
               <a:rPr lang="en-US" sz="4000" dirty="0"/>
-              <a:t>Step 6:</a:t>
+              <a:t>Step 5:</a:t>
             </a:r>
           </a:p>
           <a:p>
@@ -6758,112 +6821,23 @@
               <a:buChar char="ü"/>
             </a:pPr>
             <a:r>
-              <a:rPr lang="en-SG" dirty="0">
+              <a:rPr lang="en-SG" sz="3000" dirty="0">
                 <a:latin typeface="Arial"/>
               </a:rPr>
-              <a:t>Download Arduino Code</a:t>
-            </a:r>
-          </a:p>
-        </p:txBody>
-      </p:sp>
-      <p:sp>
-        <p:nvSpPr>
-          <p:cNvPr id="4" name="TextBox 3">
+              <a:t>Testing of Connectivity</a:t>
+            </a:r>
+            <a:endParaRPr lang="en-SG" sz="1600" dirty="0">
+              <a:latin typeface="Arial"/>
+            </a:endParaRPr>
+          </a:p>
+        </p:txBody>
+      </p:sp>
+      <p:pic>
+        <p:nvPicPr>
+          <p:cNvPr id="2" name="Picture 1">
             <a:extLst>
               <a:ext uri="{FF2B5EF4-FFF2-40B4-BE49-F238E27FC236}">
-                <a16:creationId xmlns:a16="http://schemas.microsoft.com/office/drawing/2014/main" id="{9F37F302-B147-410B-876A-DB9AB6B1A473}"/>
-              </a:ext>
-            </a:extLst>
-          </p:cNvPr>
-          <p:cNvSpPr txBox="1"/>
-          <p:nvPr/>
-        </p:nvSpPr>
-        <p:spPr>
-          <a:xfrm>
-            <a:off x="1066800" y="3038204"/>
-            <a:ext cx="5029200" cy="2862322"/>
-          </a:xfrm>
-          <a:prstGeom prst="rect">
-            <a:avLst/>
-          </a:prstGeom>
-          <a:noFill/>
-        </p:spPr>
-        <p:txBody>
-          <a:bodyPr wrap="square" rtlCol="0">
-            <a:spAutoFit/>
-          </a:bodyPr>
-          <a:lstStyle/>
-          <a:p>
-            <a:pPr marL="285750" indent="-285750">
-              <a:buFont typeface="Wingdings" panose="05000000000000000000" pitchFamily="2" charset="2"/>
-              <a:buChar char="Ø"/>
-            </a:pPr>
-            <a:r>
-              <a:rPr lang="en-US" sz="2000" dirty="0"/>
-              <a:t>Click on ‘DOWNLOAD ALL’ on the top right corner of the window and unzip the zip file.</a:t>
-            </a:r>
-          </a:p>
-          <a:p>
-            <a:pPr marL="285750" indent="-285750">
-              <a:buFont typeface="Wingdings" panose="05000000000000000000" pitchFamily="2" charset="2"/>
-              <a:buChar char="Ø"/>
-            </a:pPr>
-            <a:r>
-              <a:rPr lang="en-US" sz="2000" dirty="0">
-                <a:solidFill>
-                  <a:srgbClr val="FF0000"/>
-                </a:solidFill>
-              </a:rPr>
-              <a:t>Do not change the file name</a:t>
-            </a:r>
-            <a:r>
-              <a:rPr lang="en-US" sz="2000" dirty="0"/>
-              <a:t>, make sure the 2 INO files are kept in a single folder</a:t>
-            </a:r>
-            <a:endParaRPr lang="en-US" sz="2000" dirty="0">
-              <a:solidFill>
-                <a:srgbClr val="FF0000"/>
-              </a:solidFill>
-            </a:endParaRPr>
-          </a:p>
-          <a:p>
-            <a:pPr marL="285750" indent="-285750">
-              <a:buFont typeface="Wingdings" panose="05000000000000000000" pitchFamily="2" charset="2"/>
-              <a:buChar char="Ø"/>
-            </a:pPr>
-            <a:r>
-              <a:rPr lang="en-US" sz="2000" dirty="0"/>
-              <a:t>Click on either INO file and open it using Arduino IDE</a:t>
-            </a:r>
-          </a:p>
-          <a:p>
-            <a:pPr marL="285750" indent="-285750">
-              <a:buFont typeface="Wingdings" panose="05000000000000000000" pitchFamily="2" charset="2"/>
-              <a:buChar char="Ø"/>
-            </a:pPr>
-            <a:r>
-              <a:rPr lang="en-US" sz="2000" dirty="0"/>
-              <a:t>Your window should consists of 2 tabs -&gt;&gt;</a:t>
-            </a:r>
-          </a:p>
-          <a:p>
-            <a:pPr marL="285750" indent="-285750">
-              <a:buFont typeface="Wingdings" panose="05000000000000000000" pitchFamily="2" charset="2"/>
-              <a:buChar char="Ø"/>
-            </a:pPr>
-            <a:r>
-              <a:rPr lang="en-US" sz="2000" dirty="0"/>
-              <a:t>As for now, you can ignore the first tab and click on the second tab</a:t>
-            </a:r>
-          </a:p>
-        </p:txBody>
-      </p:sp>
-      <p:pic>
-        <p:nvPicPr>
-          <p:cNvPr id="7" name="Picture 6">
-            <a:extLst>
-              <a:ext uri="{FF2B5EF4-FFF2-40B4-BE49-F238E27FC236}">
-                <a16:creationId xmlns:a16="http://schemas.microsoft.com/office/drawing/2014/main" id="{49E9AB2F-2264-4EE9-A9AF-34142113D419}"/>
+                <a16:creationId xmlns:a16="http://schemas.microsoft.com/office/drawing/2014/main" id="{FAE48047-1387-4AC1-BD87-F1B4CBC646AC}"/>
               </a:ext>
             </a:extLst>
           </p:cNvPr>
@@ -6880,8 +6854,8 @@
         </p:blipFill>
         <p:spPr>
           <a:xfrm>
-            <a:off x="6460671" y="993380"/>
-            <a:ext cx="4495800" cy="5864620"/>
+            <a:off x="6781800" y="990600"/>
+            <a:ext cx="4191000" cy="5824006"/>
           </a:xfrm>
           <a:prstGeom prst="rect">
             <a:avLst/>
@@ -6893,7 +6867,7 @@
           <p:cNvPr id="3" name="TextBox 2">
             <a:extLst>
               <a:ext uri="{FF2B5EF4-FFF2-40B4-BE49-F238E27FC236}">
-                <a16:creationId xmlns:a16="http://schemas.microsoft.com/office/drawing/2014/main" id="{457DFD1F-1484-41B5-BD47-9D99D61EC0B7}"/>
+                <a16:creationId xmlns:a16="http://schemas.microsoft.com/office/drawing/2014/main" id="{2F2C2B9F-1C13-4AFF-848B-BAD102332A62}"/>
               </a:ext>
             </a:extLst>
           </p:cNvPr>
@@ -6902,8 +6876,8 @@
         </p:nvSpPr>
         <p:spPr>
           <a:xfrm>
-            <a:off x="990600" y="1950019"/>
-            <a:ext cx="4495800" cy="584775"/>
+            <a:off x="1028700" y="2514600"/>
+            <a:ext cx="5791200" cy="3046988"/>
           </a:xfrm>
           <a:prstGeom prst="rect">
             <a:avLst/>
@@ -6916,45 +6890,41 @@
           </a:bodyPr>
           <a:lstStyle/>
           <a:p>
-            <a:pPr lvl="1">
+            <a:pPr marL="285750" indent="-285750">
               <a:buFont typeface="Wingdings" panose="05000000000000000000" pitchFamily="2" charset="2"/>
               <a:buChar char="Ø"/>
             </a:pPr>
             <a:r>
-              <a:rPr lang="en-SG" sz="1600" dirty="0">
-                <a:latin typeface="Arial"/>
-              </a:rPr>
-              <a:t> Link to Arduino code:</a:t>
-            </a:r>
-          </a:p>
-          <a:p>
-            <a:pPr lvl="1"/>
-            <a:r>
-              <a:rPr lang="en-SG" sz="1600" dirty="0">
-                <a:hlinkClick r:id="rId3"/>
-              </a:rPr>
-              <a:t>http://</a:t>
-            </a:r>
-            <a:r>
-              <a:rPr lang="en-SG" sz="1600" dirty="0" err="1">
-                <a:hlinkClick r:id="rId3"/>
-              </a:rPr>
-              <a:t>bit.ly</a:t>
-            </a:r>
-            <a:r>
-              <a:rPr lang="en-SG" sz="1600" dirty="0">
-                <a:hlinkClick r:id="rId3"/>
-              </a:rPr>
-              <a:t>/2vERs6B</a:t>
-            </a:r>
-            <a:endParaRPr lang="en-US" sz="1600" dirty="0"/>
+              <a:rPr lang="en-US" sz="2400" dirty="0"/>
+              <a:t>After the installation, run the app and your should see a similar interface as shown on the right.</a:t>
+            </a:r>
+          </a:p>
+          <a:p>
+            <a:pPr marL="285750" indent="-285750">
+              <a:buFont typeface="Wingdings" panose="05000000000000000000" pitchFamily="2" charset="2"/>
+              <a:buChar char="Ø"/>
+            </a:pPr>
+            <a:r>
+              <a:rPr lang="en-US" sz="2400" dirty="0"/>
+              <a:t>Power up your Arduino via USB cable and touch on the ‘Connect’ button</a:t>
+            </a:r>
+          </a:p>
+          <a:p>
+            <a:pPr marL="285750" indent="-285750">
+              <a:buFont typeface="Wingdings" panose="05000000000000000000" pitchFamily="2" charset="2"/>
+              <a:buChar char="Ø"/>
+            </a:pPr>
+            <a:r>
+              <a:rPr lang="en-US" sz="2400" dirty="0"/>
+              <a:t>Search for your device name and enter the PIN number, your device should be connected after a few seconds</a:t>
+            </a:r>
           </a:p>
         </p:txBody>
       </p:sp>
     </p:spTree>
     <p:extLst>
       <p:ext uri="{BB962C8B-B14F-4D97-AF65-F5344CB8AC3E}">
-        <p14:creationId xmlns:p14="http://schemas.microsoft.com/office/powerpoint/2010/main" val="2761843146"/>
+        <p14:creationId xmlns:p14="http://schemas.microsoft.com/office/powerpoint/2010/main" val="3460254417"/>
       </p:ext>
     </p:extLst>
   </p:cSld>
@@ -6993,6 +6963,476 @@
         </p:nvSpPr>
         <p:spPr>
           <a:xfrm>
+            <a:off x="2057400" y="140930"/>
+            <a:ext cx="8229600" cy="1143000"/>
+          </a:xfrm>
+        </p:spPr>
+        <p:txBody>
+          <a:bodyPr>
+            <a:normAutofit/>
+          </a:bodyPr>
+          <a:lstStyle/>
+          <a:p>
+            <a:pPr algn="ctr"/>
+            <a:r>
+              <a:rPr lang="en-US" sz="5400" dirty="0">
+                <a:latin typeface="Bauhaus 93" panose="04030905020B02020C02" pitchFamily="82" charset="0"/>
+              </a:rPr>
+              <a:t>Building Procedures</a:t>
+            </a:r>
+          </a:p>
+        </p:txBody>
+      </p:sp>
+      <p:sp>
+        <p:nvSpPr>
+          <p:cNvPr id="5" name="Content Placeholder 2">
+            <a:extLst>
+              <a:ext uri="{FF2B5EF4-FFF2-40B4-BE49-F238E27FC236}">
+                <a16:creationId xmlns:a16="http://schemas.microsoft.com/office/drawing/2014/main" id="{1D0B0722-C7F3-4B17-9234-6B80F63999C6}"/>
+              </a:ext>
+            </a:extLst>
+          </p:cNvPr>
+          <p:cNvSpPr txBox="1">
+            <a:spLocks/>
+          </p:cNvSpPr>
+          <p:nvPr/>
+        </p:nvSpPr>
+        <p:spPr>
+          <a:xfrm>
+            <a:off x="1066800" y="903767"/>
+            <a:ext cx="6934200" cy="1371600"/>
+          </a:xfrm>
+          <a:prstGeom prst="rect">
+            <a:avLst/>
+          </a:prstGeom>
+        </p:spPr>
+        <p:txBody>
+          <a:bodyPr vert="horz" lIns="91440" tIns="45720" rIns="91440" bIns="45720" rtlCol="0" anchor="t">
+            <a:normAutofit/>
+          </a:bodyPr>
+          <a:lstStyle>
+            <a:lvl1pPr marL="274320" indent="-274320" algn="l" defTabSz="914400" rtl="0" eaLnBrk="1" latinLnBrk="0" hangingPunct="1">
+              <a:spcBef>
+                <a:spcPct val="20000"/>
+              </a:spcBef>
+              <a:buClr>
+                <a:schemeClr val="accent2"/>
+              </a:buClr>
+              <a:buSzPct val="85000"/>
+              <a:buFont typeface="Brush Script MT" pitchFamily="66" charset="0"/>
+              <a:buChar char="O"/>
+              <a:defRPr sz="2400" kern="1200">
+                <a:solidFill>
+                  <a:schemeClr val="tx1"/>
+                </a:solidFill>
+                <a:latin typeface="+mn-lt"/>
+                <a:ea typeface="+mn-ea"/>
+                <a:cs typeface="+mn-cs"/>
+              </a:defRPr>
+            </a:lvl1pPr>
+            <a:lvl2pPr marL="640080" indent="-274320" algn="l" defTabSz="914400" rtl="0" eaLnBrk="1" latinLnBrk="0" hangingPunct="1">
+              <a:spcBef>
+                <a:spcPct val="20000"/>
+              </a:spcBef>
+              <a:buClr>
+                <a:schemeClr val="accent2"/>
+              </a:buClr>
+              <a:buSzPct val="85000"/>
+              <a:buFont typeface="Brush Script MT" pitchFamily="66" charset="0"/>
+              <a:buChar char="O"/>
+              <a:defRPr sz="2200" kern="1200">
+                <a:solidFill>
+                  <a:schemeClr val="tx1"/>
+                </a:solidFill>
+                <a:latin typeface="+mn-lt"/>
+                <a:ea typeface="+mn-ea"/>
+                <a:cs typeface="+mn-cs"/>
+              </a:defRPr>
+            </a:lvl2pPr>
+            <a:lvl3pPr marL="914400" indent="-228600" algn="l" defTabSz="914400" rtl="0" eaLnBrk="1" latinLnBrk="0" hangingPunct="1">
+              <a:spcBef>
+                <a:spcPct val="20000"/>
+              </a:spcBef>
+              <a:buClr>
+                <a:schemeClr val="accent2"/>
+              </a:buClr>
+              <a:buSzPct val="85000"/>
+              <a:buFont typeface="Brush Script MT" pitchFamily="66" charset="0"/>
+              <a:buChar char="O"/>
+              <a:defRPr sz="2000" kern="1200">
+                <a:solidFill>
+                  <a:schemeClr val="tx1"/>
+                </a:solidFill>
+                <a:latin typeface="+mn-lt"/>
+                <a:ea typeface="+mn-ea"/>
+                <a:cs typeface="+mn-cs"/>
+              </a:defRPr>
+            </a:lvl3pPr>
+            <a:lvl4pPr marL="1280160" indent="-228600" algn="l" defTabSz="914400" rtl="0" eaLnBrk="1" latinLnBrk="0" hangingPunct="1">
+              <a:spcBef>
+                <a:spcPct val="20000"/>
+              </a:spcBef>
+              <a:buClr>
+                <a:schemeClr val="accent2"/>
+              </a:buClr>
+              <a:buSzPct val="85000"/>
+              <a:buFont typeface="Brush Script MT" pitchFamily="66" charset="0"/>
+              <a:buChar char="O"/>
+              <a:defRPr sz="1800" kern="1200">
+                <a:solidFill>
+                  <a:schemeClr val="tx1"/>
+                </a:solidFill>
+                <a:latin typeface="+mn-lt"/>
+                <a:ea typeface="+mn-ea"/>
+                <a:cs typeface="+mn-cs"/>
+              </a:defRPr>
+            </a:lvl4pPr>
+            <a:lvl5pPr marL="1645920" indent="-228600" algn="l" defTabSz="914400" rtl="0" eaLnBrk="1" latinLnBrk="0" hangingPunct="1">
+              <a:spcBef>
+                <a:spcPct val="20000"/>
+              </a:spcBef>
+              <a:buClr>
+                <a:schemeClr val="accent2"/>
+              </a:buClr>
+              <a:buSzPct val="85000"/>
+              <a:buFont typeface="Brush Script MT" pitchFamily="66" charset="0"/>
+              <a:buChar char="O"/>
+              <a:defRPr sz="1600" kern="1200">
+                <a:solidFill>
+                  <a:schemeClr val="tx1"/>
+                </a:solidFill>
+                <a:latin typeface="+mn-lt"/>
+                <a:ea typeface="+mn-ea"/>
+                <a:cs typeface="+mn-cs"/>
+              </a:defRPr>
+            </a:lvl5pPr>
+            <a:lvl6pPr marL="2011680" indent="-228600" algn="l" defTabSz="914400" rtl="0" eaLnBrk="1" latinLnBrk="0" hangingPunct="1">
+              <a:spcBef>
+                <a:spcPct val="20000"/>
+              </a:spcBef>
+              <a:buClr>
+                <a:schemeClr val="accent2"/>
+              </a:buClr>
+              <a:buSzPct val="85000"/>
+              <a:buFont typeface="Brush Script MT" pitchFamily="66" charset="0"/>
+              <a:buChar char="O"/>
+              <a:defRPr sz="1600" kern="1200">
+                <a:solidFill>
+                  <a:schemeClr val="tx1"/>
+                </a:solidFill>
+                <a:latin typeface="+mn-lt"/>
+                <a:ea typeface="+mn-ea"/>
+                <a:cs typeface="+mn-cs"/>
+              </a:defRPr>
+            </a:lvl6pPr>
+            <a:lvl7pPr marL="2377440" indent="-228600" algn="l" defTabSz="914400" rtl="0" eaLnBrk="1" latinLnBrk="0" hangingPunct="1">
+              <a:spcBef>
+                <a:spcPct val="20000"/>
+              </a:spcBef>
+              <a:buClr>
+                <a:schemeClr val="accent2"/>
+              </a:buClr>
+              <a:buSzPct val="85000"/>
+              <a:buFont typeface="Brush Script MT" pitchFamily="66" charset="0"/>
+              <a:buChar char="O"/>
+              <a:defRPr sz="1600" kern="1200">
+                <a:solidFill>
+                  <a:schemeClr val="tx1"/>
+                </a:solidFill>
+                <a:latin typeface="+mn-lt"/>
+                <a:ea typeface="+mn-ea"/>
+                <a:cs typeface="+mn-cs"/>
+              </a:defRPr>
+            </a:lvl7pPr>
+            <a:lvl8pPr marL="2743200" indent="-228600" algn="l" defTabSz="914400" rtl="0" eaLnBrk="1" latinLnBrk="0" hangingPunct="1">
+              <a:spcBef>
+                <a:spcPct val="20000"/>
+              </a:spcBef>
+              <a:buClr>
+                <a:schemeClr val="accent2"/>
+              </a:buClr>
+              <a:buSzPct val="85000"/>
+              <a:buFont typeface="Brush Script MT" pitchFamily="66" charset="0"/>
+              <a:buChar char="O"/>
+              <a:defRPr sz="1600" kern="1200">
+                <a:solidFill>
+                  <a:schemeClr val="tx1"/>
+                </a:solidFill>
+                <a:latin typeface="+mn-lt"/>
+                <a:ea typeface="+mn-ea"/>
+                <a:cs typeface="+mn-cs"/>
+              </a:defRPr>
+            </a:lvl8pPr>
+            <a:lvl9pPr marL="3108960" indent="-228600" algn="l" defTabSz="914400" rtl="0" eaLnBrk="1" latinLnBrk="0" hangingPunct="1">
+              <a:spcBef>
+                <a:spcPct val="20000"/>
+              </a:spcBef>
+              <a:buClr>
+                <a:schemeClr val="accent2"/>
+              </a:buClr>
+              <a:buSzPct val="85000"/>
+              <a:buFont typeface="Brush Script MT" pitchFamily="66" charset="0"/>
+              <a:buChar char="O"/>
+              <a:defRPr sz="1600" kern="1200">
+                <a:solidFill>
+                  <a:schemeClr val="tx1"/>
+                </a:solidFill>
+                <a:latin typeface="+mn-lt"/>
+                <a:ea typeface="+mn-ea"/>
+                <a:cs typeface="+mn-cs"/>
+              </a:defRPr>
+            </a:lvl9pPr>
+          </a:lstStyle>
+          <a:p>
+            <a:pPr marL="0" indent="0">
+              <a:buNone/>
+            </a:pPr>
+            <a:r>
+              <a:rPr lang="en-US" sz="4000" dirty="0"/>
+              <a:t>Step 6:</a:t>
+            </a:r>
+          </a:p>
+          <a:p>
+            <a:pPr>
+              <a:buFont typeface="Wingdings" panose="05000000000000000000" pitchFamily="2" charset="2"/>
+              <a:buChar char="ü"/>
+            </a:pPr>
+            <a:r>
+              <a:rPr lang="en-SG" dirty="0">
+                <a:latin typeface="Arial"/>
+              </a:rPr>
+              <a:t>Download Arduino Code</a:t>
+            </a:r>
+          </a:p>
+        </p:txBody>
+      </p:sp>
+      <p:sp>
+        <p:nvSpPr>
+          <p:cNvPr id="4" name="TextBox 3">
+            <a:extLst>
+              <a:ext uri="{FF2B5EF4-FFF2-40B4-BE49-F238E27FC236}">
+                <a16:creationId xmlns:a16="http://schemas.microsoft.com/office/drawing/2014/main" id="{9F37F302-B147-410B-876A-DB9AB6B1A473}"/>
+              </a:ext>
+            </a:extLst>
+          </p:cNvPr>
+          <p:cNvSpPr txBox="1"/>
+          <p:nvPr/>
+        </p:nvSpPr>
+        <p:spPr>
+          <a:xfrm>
+            <a:off x="1066800" y="3038204"/>
+            <a:ext cx="5029200" cy="2862322"/>
+          </a:xfrm>
+          <a:prstGeom prst="rect">
+            <a:avLst/>
+          </a:prstGeom>
+          <a:noFill/>
+        </p:spPr>
+        <p:txBody>
+          <a:bodyPr wrap="square" rtlCol="0">
+            <a:spAutoFit/>
+          </a:bodyPr>
+          <a:lstStyle/>
+          <a:p>
+            <a:pPr marL="285750" indent="-285750">
+              <a:buFont typeface="Wingdings" panose="05000000000000000000" pitchFamily="2" charset="2"/>
+              <a:buChar char="Ø"/>
+            </a:pPr>
+            <a:r>
+              <a:rPr lang="en-US" sz="2000" dirty="0"/>
+              <a:t>Click on ‘DOWNLOAD ALL’ on the top right corner of the window and unzip the zip file.</a:t>
+            </a:r>
+          </a:p>
+          <a:p>
+            <a:pPr marL="285750" indent="-285750">
+              <a:buFont typeface="Wingdings" panose="05000000000000000000" pitchFamily="2" charset="2"/>
+              <a:buChar char="Ø"/>
+            </a:pPr>
+            <a:r>
+              <a:rPr lang="en-US" sz="2000" dirty="0">
+                <a:solidFill>
+                  <a:srgbClr val="FF0000"/>
+                </a:solidFill>
+              </a:rPr>
+              <a:t>Do not change the file name</a:t>
+            </a:r>
+            <a:r>
+              <a:rPr lang="en-US" sz="2000" dirty="0"/>
+              <a:t>, make sure the 2 INO files are kept in a single folder</a:t>
+            </a:r>
+            <a:endParaRPr lang="en-US" sz="2000" dirty="0">
+              <a:solidFill>
+                <a:srgbClr val="FF0000"/>
+              </a:solidFill>
+            </a:endParaRPr>
+          </a:p>
+          <a:p>
+            <a:pPr marL="285750" indent="-285750">
+              <a:buFont typeface="Wingdings" panose="05000000000000000000" pitchFamily="2" charset="2"/>
+              <a:buChar char="Ø"/>
+            </a:pPr>
+            <a:r>
+              <a:rPr lang="en-US" sz="2000" dirty="0"/>
+              <a:t>Click on either INO file and open it using Arduino IDE</a:t>
+            </a:r>
+          </a:p>
+          <a:p>
+            <a:pPr marL="285750" indent="-285750">
+              <a:buFont typeface="Wingdings" panose="05000000000000000000" pitchFamily="2" charset="2"/>
+              <a:buChar char="Ø"/>
+            </a:pPr>
+            <a:r>
+              <a:rPr lang="en-US" sz="2000" dirty="0"/>
+              <a:t>Your window should consists of 2 tabs -&gt;&gt;</a:t>
+            </a:r>
+          </a:p>
+          <a:p>
+            <a:pPr marL="285750" indent="-285750">
+              <a:buFont typeface="Wingdings" panose="05000000000000000000" pitchFamily="2" charset="2"/>
+              <a:buChar char="Ø"/>
+            </a:pPr>
+            <a:r>
+              <a:rPr lang="en-US" sz="2000" dirty="0"/>
+              <a:t>As for now, you can ignore the first tab and click on the second tab</a:t>
+            </a:r>
+          </a:p>
+        </p:txBody>
+      </p:sp>
+      <p:pic>
+        <p:nvPicPr>
+          <p:cNvPr id="7" name="Picture 6">
+            <a:extLst>
+              <a:ext uri="{FF2B5EF4-FFF2-40B4-BE49-F238E27FC236}">
+                <a16:creationId xmlns:a16="http://schemas.microsoft.com/office/drawing/2014/main" id="{49E9AB2F-2264-4EE9-A9AF-34142113D419}"/>
+              </a:ext>
+            </a:extLst>
+          </p:cNvPr>
+          <p:cNvPicPr>
+            <a:picLocks noChangeAspect="1"/>
+          </p:cNvPicPr>
+          <p:nvPr/>
+        </p:nvPicPr>
+        <p:blipFill>
+          <a:blip r:embed="rId2"/>
+          <a:stretch>
+            <a:fillRect/>
+          </a:stretch>
+        </p:blipFill>
+        <p:spPr>
+          <a:xfrm>
+            <a:off x="6460671" y="993380"/>
+            <a:ext cx="4495800" cy="5864620"/>
+          </a:xfrm>
+          <a:prstGeom prst="rect">
+            <a:avLst/>
+          </a:prstGeom>
+        </p:spPr>
+      </p:pic>
+      <p:sp>
+        <p:nvSpPr>
+          <p:cNvPr id="3" name="TextBox 2">
+            <a:extLst>
+              <a:ext uri="{FF2B5EF4-FFF2-40B4-BE49-F238E27FC236}">
+                <a16:creationId xmlns:a16="http://schemas.microsoft.com/office/drawing/2014/main" id="{457DFD1F-1484-41B5-BD47-9D99D61EC0B7}"/>
+              </a:ext>
+            </a:extLst>
+          </p:cNvPr>
+          <p:cNvSpPr txBox="1"/>
+          <p:nvPr/>
+        </p:nvSpPr>
+        <p:spPr>
+          <a:xfrm>
+            <a:off x="990600" y="1950019"/>
+            <a:ext cx="4495800" cy="584775"/>
+          </a:xfrm>
+          <a:prstGeom prst="rect">
+            <a:avLst/>
+          </a:prstGeom>
+          <a:noFill/>
+        </p:spPr>
+        <p:txBody>
+          <a:bodyPr wrap="square" rtlCol="0">
+            <a:spAutoFit/>
+          </a:bodyPr>
+          <a:lstStyle/>
+          <a:p>
+            <a:pPr lvl="1">
+              <a:buFont typeface="Wingdings" panose="05000000000000000000" pitchFamily="2" charset="2"/>
+              <a:buChar char="Ø"/>
+            </a:pPr>
+            <a:r>
+              <a:rPr lang="en-SG" sz="1600" dirty="0">
+                <a:latin typeface="Arial"/>
+              </a:rPr>
+              <a:t> Link to Arduino code:</a:t>
+            </a:r>
+          </a:p>
+          <a:p>
+            <a:pPr lvl="1"/>
+            <a:r>
+              <a:rPr lang="en-SG" sz="1600" dirty="0">
+                <a:hlinkClick r:id="rId3"/>
+              </a:rPr>
+              <a:t>http://</a:t>
+            </a:r>
+            <a:r>
+              <a:rPr lang="en-SG" sz="1600" dirty="0" err="1">
+                <a:hlinkClick r:id="rId3"/>
+              </a:rPr>
+              <a:t>bit.ly</a:t>
+            </a:r>
+            <a:r>
+              <a:rPr lang="en-SG" sz="1600" dirty="0">
+                <a:hlinkClick r:id="rId3"/>
+              </a:rPr>
+              <a:t>/2vERs6B</a:t>
+            </a:r>
+            <a:endParaRPr lang="en-US" sz="1600" dirty="0"/>
+          </a:p>
+        </p:txBody>
+      </p:sp>
+    </p:spTree>
+    <p:extLst>
+      <p:ext uri="{BB962C8B-B14F-4D97-AF65-F5344CB8AC3E}">
+        <p14:creationId xmlns:p14="http://schemas.microsoft.com/office/powerpoint/2010/main" val="2761843146"/>
+      </p:ext>
+    </p:extLst>
+  </p:cSld>
+  <p:clrMapOvr>
+    <a:masterClrMapping/>
+  </p:clrMapOvr>
+</p:sld>
+</file>
+
+<file path=ppt/slides/slide19.xml><?xml version="1.0" encoding="utf-8"?>
+<p:sld xmlns:a="http://schemas.openxmlformats.org/drawingml/2006/main" xmlns:r="http://schemas.openxmlformats.org/officeDocument/2006/relationships" xmlns:p="http://schemas.openxmlformats.org/presentationml/2006/main">
+  <p:cSld>
+    <p:spTree>
+      <p:nvGrpSpPr>
+        <p:cNvPr id="1" name=""/>
+        <p:cNvGrpSpPr/>
+        <p:nvPr/>
+      </p:nvGrpSpPr>
+      <p:grpSpPr>
+        <a:xfrm>
+          <a:off x="0" y="0"/>
+          <a:ext cx="0" cy="0"/>
+          <a:chOff x="0" y="0"/>
+          <a:chExt cx="0" cy="0"/>
+        </a:xfrm>
+      </p:grpSpPr>
+      <p:sp>
+        <p:nvSpPr>
+          <p:cNvPr id="6" name="Title 1"/>
+          <p:cNvSpPr>
+            <a:spLocks noGrp="1"/>
+          </p:cNvSpPr>
+          <p:nvPr>
+            <p:ph type="title"/>
+          </p:nvPr>
+        </p:nvSpPr>
+        <p:spPr>
+          <a:xfrm>
             <a:off x="1981200" y="76200"/>
             <a:ext cx="8229600" cy="1143000"/>
           </a:xfrm>
@@ -7154,7 +7594,112 @@
 </p:sld>
 </file>
 
-<file path=ppt/slides/slide19.xml><?xml version="1.0" encoding="utf-8"?>
+<file path=ppt/slides/slide2.xml><?xml version="1.0" encoding="utf-8"?>
+<p:sld xmlns:a="http://schemas.openxmlformats.org/drawingml/2006/main" xmlns:r="http://schemas.openxmlformats.org/officeDocument/2006/relationships" xmlns:p="http://schemas.openxmlformats.org/presentationml/2006/main">
+  <p:cSld>
+    <p:spTree>
+      <p:nvGrpSpPr>
+        <p:cNvPr id="1" name=""/>
+        <p:cNvGrpSpPr/>
+        <p:nvPr/>
+      </p:nvGrpSpPr>
+      <p:grpSpPr>
+        <a:xfrm>
+          <a:off x="0" y="0"/>
+          <a:ext cx="0" cy="0"/>
+          <a:chOff x="0" y="0"/>
+          <a:chExt cx="0" cy="0"/>
+        </a:xfrm>
+      </p:grpSpPr>
+      <p:sp>
+        <p:nvSpPr>
+          <p:cNvPr id="2" name="Title 1"/>
+          <p:cNvSpPr>
+            <a:spLocks noGrp="1"/>
+          </p:cNvSpPr>
+          <p:nvPr>
+            <p:ph type="title"/>
+          </p:nvPr>
+        </p:nvSpPr>
+        <p:spPr/>
+        <p:txBody>
+          <a:bodyPr>
+            <a:normAutofit/>
+          </a:bodyPr>
+          <a:lstStyle/>
+          <a:p>
+            <a:r>
+              <a:rPr lang="en-US" sz="3200" dirty="0"/>
+              <a:t>In this 4 weeks, you will be able to…</a:t>
+            </a:r>
+          </a:p>
+        </p:txBody>
+      </p:sp>
+      <p:sp>
+        <p:nvSpPr>
+          <p:cNvPr id="3" name="Content Placeholder 2"/>
+          <p:cNvSpPr>
+            <a:spLocks noGrp="1"/>
+          </p:cNvSpPr>
+          <p:nvPr>
+            <p:ph idx="1"/>
+          </p:nvPr>
+        </p:nvSpPr>
+        <p:spPr/>
+        <p:txBody>
+          <a:bodyPr>
+            <a:normAutofit/>
+          </a:bodyPr>
+          <a:lstStyle/>
+          <a:p>
+            <a:pPr>
+              <a:buFont typeface="Wingdings" panose="05000000000000000000" pitchFamily="2" charset="2"/>
+              <a:buChar char="ü"/>
+            </a:pPr>
+            <a:r>
+              <a:rPr lang="en-US" sz="2600" dirty="0"/>
+              <a:t>Design and build your very own Unmanned Ground Vehicle (UGV).</a:t>
+            </a:r>
+          </a:p>
+          <a:p>
+            <a:pPr>
+              <a:buFont typeface="Wingdings" panose="05000000000000000000" pitchFamily="2" charset="2"/>
+              <a:buChar char="ü"/>
+            </a:pPr>
+            <a:r>
+              <a:rPr lang="en-US" sz="2600" dirty="0"/>
+              <a:t>Establish a wireless communication between a microcontroller and your Android phone.</a:t>
+            </a:r>
+          </a:p>
+          <a:p>
+            <a:pPr>
+              <a:buFont typeface="Wingdings" panose="05000000000000000000" pitchFamily="2" charset="2"/>
+              <a:buChar char="ü"/>
+            </a:pPr>
+            <a:r>
+              <a:rPr lang="en-US" sz="2600" dirty="0"/>
+              <a:t>Write a program to maneuver your UGV and collect data for you!</a:t>
+            </a:r>
+          </a:p>
+          <a:p>
+            <a:endParaRPr lang="en-US" dirty="0"/>
+          </a:p>
+        </p:txBody>
+      </p:sp>
+    </p:spTree>
+    <p:extLst>
+      <p:ext uri="{BB962C8B-B14F-4D97-AF65-F5344CB8AC3E}">
+        <p14:creationId xmlns:p14="http://schemas.microsoft.com/office/powerpoint/2010/main" val="3273887163"/>
+      </p:ext>
+    </p:extLst>
+  </p:cSld>
+  <p:clrMapOvr>
+    <a:masterClrMapping/>
+  </p:clrMapOvr>
+</p:sld>
+</file>
+
+<file path=ppt/slides/slide20.xml><?xml version="1.0" encoding="utf-8"?>
 <p:sld xmlns:a="http://schemas.openxmlformats.org/drawingml/2006/main" xmlns:r="http://schemas.openxmlformats.org/officeDocument/2006/relationships" xmlns:p="http://schemas.openxmlformats.org/presentationml/2006/main">
   <p:cSld>
     <p:spTree>
@@ -7352,112 +7897,7 @@
 </p:sld>
 </file>
 
-<file path=ppt/slides/slide2.xml><?xml version="1.0" encoding="utf-8"?>
-<p:sld xmlns:a="http://schemas.openxmlformats.org/drawingml/2006/main" xmlns:r="http://schemas.openxmlformats.org/officeDocument/2006/relationships" xmlns:p="http://schemas.openxmlformats.org/presentationml/2006/main">
-  <p:cSld>
-    <p:spTree>
-      <p:nvGrpSpPr>
-        <p:cNvPr id="1" name=""/>
-        <p:cNvGrpSpPr/>
-        <p:nvPr/>
-      </p:nvGrpSpPr>
-      <p:grpSpPr>
-        <a:xfrm>
-          <a:off x="0" y="0"/>
-          <a:ext cx="0" cy="0"/>
-          <a:chOff x="0" y="0"/>
-          <a:chExt cx="0" cy="0"/>
-        </a:xfrm>
-      </p:grpSpPr>
-      <p:sp>
-        <p:nvSpPr>
-          <p:cNvPr id="2" name="Title 1"/>
-          <p:cNvSpPr>
-            <a:spLocks noGrp="1"/>
-          </p:cNvSpPr>
-          <p:nvPr>
-            <p:ph type="title"/>
-          </p:nvPr>
-        </p:nvSpPr>
-        <p:spPr/>
-        <p:txBody>
-          <a:bodyPr>
-            <a:normAutofit/>
-          </a:bodyPr>
-          <a:lstStyle/>
-          <a:p>
-            <a:r>
-              <a:rPr lang="en-US" sz="3200" dirty="0"/>
-              <a:t>In this 4 weeks, you will be able to…</a:t>
-            </a:r>
-          </a:p>
-        </p:txBody>
-      </p:sp>
-      <p:sp>
-        <p:nvSpPr>
-          <p:cNvPr id="3" name="Content Placeholder 2"/>
-          <p:cNvSpPr>
-            <a:spLocks noGrp="1"/>
-          </p:cNvSpPr>
-          <p:nvPr>
-            <p:ph idx="1"/>
-          </p:nvPr>
-        </p:nvSpPr>
-        <p:spPr/>
-        <p:txBody>
-          <a:bodyPr>
-            <a:normAutofit/>
-          </a:bodyPr>
-          <a:lstStyle/>
-          <a:p>
-            <a:pPr>
-              <a:buFont typeface="Wingdings" panose="05000000000000000000" pitchFamily="2" charset="2"/>
-              <a:buChar char="ü"/>
-            </a:pPr>
-            <a:r>
-              <a:rPr lang="en-US" sz="2600" dirty="0"/>
-              <a:t>Design and build your very own Unmanned Ground Vehicle (UGV).</a:t>
-            </a:r>
-          </a:p>
-          <a:p>
-            <a:pPr>
-              <a:buFont typeface="Wingdings" panose="05000000000000000000" pitchFamily="2" charset="2"/>
-              <a:buChar char="ü"/>
-            </a:pPr>
-            <a:r>
-              <a:rPr lang="en-US" sz="2600" dirty="0"/>
-              <a:t>Establish a wireless communication between a microcontroller and your Android phone.</a:t>
-            </a:r>
-          </a:p>
-          <a:p>
-            <a:pPr>
-              <a:buFont typeface="Wingdings" panose="05000000000000000000" pitchFamily="2" charset="2"/>
-              <a:buChar char="ü"/>
-            </a:pPr>
-            <a:r>
-              <a:rPr lang="en-US" sz="2600" dirty="0"/>
-              <a:t>Write a program to maneuver your UGV and collect data for you!</a:t>
-            </a:r>
-          </a:p>
-          <a:p>
-            <a:endParaRPr lang="en-US" dirty="0"/>
-          </a:p>
-        </p:txBody>
-      </p:sp>
-    </p:spTree>
-    <p:extLst>
-      <p:ext uri="{BB962C8B-B14F-4D97-AF65-F5344CB8AC3E}">
-        <p14:creationId xmlns:p14="http://schemas.microsoft.com/office/powerpoint/2010/main" val="3273887163"/>
-      </p:ext>
-    </p:extLst>
-  </p:cSld>
-  <p:clrMapOvr>
-    <a:masterClrMapping/>
-  </p:clrMapOvr>
-</p:sld>
-</file>
-
-<file path=ppt/slides/slide20.xml><?xml version="1.0" encoding="utf-8"?>
+<file path=ppt/slides/slide21.xml><?xml version="1.0" encoding="utf-8"?>
 <p:sld xmlns:a="http://schemas.openxmlformats.org/drawingml/2006/main" xmlns:r="http://schemas.openxmlformats.org/officeDocument/2006/relationships" xmlns:p="http://schemas.openxmlformats.org/presentationml/2006/main">
   <p:cSld>
     <p:spTree>
@@ -9209,7 +9649,13 @@
       </p:grpSpPr>
       <p:sp>
         <p:nvSpPr>
-          <p:cNvPr id="6" name="Title 1"/>
+          <p:cNvPr id="2" name="Title 1">
+            <a:extLst>
+              <a:ext uri="{FF2B5EF4-FFF2-40B4-BE49-F238E27FC236}">
+                <a16:creationId xmlns:a16="http://schemas.microsoft.com/office/drawing/2014/main" id="{F1CDF7FE-9084-4205-8AD1-B0ADD8327D40}"/>
+              </a:ext>
+            </a:extLst>
+          </p:cNvPr>
           <p:cNvSpPr>
             <a:spLocks noGrp="1"/>
           </p:cNvSpPr>
@@ -9217,43 +9663,27 @@
             <p:ph type="title"/>
           </p:nvPr>
         </p:nvSpPr>
-        <p:spPr>
-          <a:xfrm>
-            <a:off x="1981200" y="533400"/>
-            <a:ext cx="8229600" cy="1143000"/>
-          </a:xfrm>
-        </p:spPr>
-        <p:txBody>
-          <a:bodyPr>
-            <a:normAutofit/>
-          </a:bodyPr>
-          <a:lstStyle/>
-          <a:p>
-            <a:pPr algn="ctr"/>
-            <a:r>
-              <a:rPr lang="en-US" sz="5400" dirty="0">
-                <a:latin typeface="Bauhaus 93" panose="04030905020B02020C02" pitchFamily="82" charset="0"/>
-              </a:rPr>
-              <a:t>Building</a:t>
-            </a:r>
-            <a:r>
-              <a:rPr lang="en-US" sz="4200" dirty="0">
-                <a:latin typeface="Bauhaus 93" panose="04030905020B02020C02" pitchFamily="82" charset="0"/>
-              </a:rPr>
-              <a:t> </a:t>
-            </a:r>
-            <a:r>
-              <a:rPr lang="en-US" sz="5400" dirty="0">
-                <a:latin typeface="Bauhaus 93" panose="04030905020B02020C02" pitchFamily="82" charset="0"/>
-              </a:rPr>
-              <a:t>Procedures</a:t>
-            </a:r>
-          </a:p>
-        </p:txBody>
-      </p:sp>
-      <p:sp>
-        <p:nvSpPr>
-          <p:cNvPr id="3" name="Content Placeholder 2"/>
+        <p:spPr/>
+        <p:txBody>
+          <a:bodyPr/>
+          <a:lstStyle/>
+          <a:p>
+            <a:r>
+              <a:rPr lang="en-US" b="1" dirty="0"/>
+              <a:t>The Challenge (Week 4, 20%)</a:t>
+            </a:r>
+          </a:p>
+        </p:txBody>
+      </p:sp>
+      <p:sp>
+        <p:nvSpPr>
+          <p:cNvPr id="3" name="Content Placeholder 2">
+            <a:extLst>
+              <a:ext uri="{FF2B5EF4-FFF2-40B4-BE49-F238E27FC236}">
+                <a16:creationId xmlns:a16="http://schemas.microsoft.com/office/drawing/2014/main" id="{6F5CE5F5-0B64-470A-A8C6-CA0FB95B094D}"/>
+              </a:ext>
+            </a:extLst>
+          </p:cNvPr>
           <p:cNvSpPr>
             <a:spLocks noGrp="1"/>
           </p:cNvSpPr>
@@ -9263,8 +9693,8 @@
         </p:nvSpPr>
         <p:spPr>
           <a:xfrm>
-            <a:off x="1143000" y="1665514"/>
-            <a:ext cx="5410199" cy="1600200"/>
+            <a:off x="827049" y="1679537"/>
+            <a:ext cx="10820400" cy="5032376"/>
           </a:xfrm>
         </p:spPr>
         <p:txBody>
@@ -9273,527 +9703,104 @@
           </a:bodyPr>
           <a:lstStyle/>
           <a:p>
-            <a:pPr marL="0" indent="0">
-              <a:buNone/>
-            </a:pPr>
-            <a:r>
-              <a:rPr lang="en-US" sz="4000" dirty="0"/>
-              <a:t>Step 1:</a:t>
-            </a:r>
-          </a:p>
-          <a:p>
-            <a:pPr>
-              <a:buFont typeface="Wingdings" panose="05000000000000000000" pitchFamily="2" charset="2"/>
-              <a:buChar char="ü"/>
-            </a:pPr>
-            <a:r>
-              <a:rPr lang="en-SG" sz="3000" b="1" dirty="0">
-                <a:latin typeface="Arial"/>
+            <a:r>
+              <a:rPr lang="en-US" dirty="0"/>
+              <a:t>Total of 50 teams</a:t>
+            </a:r>
+          </a:p>
+          <a:p>
+            <a:pPr lvl="1"/>
+            <a:r>
+              <a:rPr lang="en-US" dirty="0">
+                <a:solidFill>
+                  <a:srgbClr val="FF0000"/>
+                </a:solidFill>
               </a:rPr>
-              <a:t>Solder the male-to-male wires to the DC motors</a:t>
-            </a:r>
-          </a:p>
-          <a:p>
-            <a:pPr>
-              <a:buFont typeface="Wingdings" panose="05000000000000000000" pitchFamily="2" charset="2"/>
-              <a:buChar char="ü"/>
-            </a:pPr>
-            <a:endParaRPr lang="en-SG" sz="1200" dirty="0">
-              <a:latin typeface="Arial"/>
-            </a:endParaRPr>
-          </a:p>
-        </p:txBody>
-      </p:sp>
-      <p:pic>
-        <p:nvPicPr>
-          <p:cNvPr id="1027" name="Picture 3"/>
-          <p:cNvPicPr>
-            <a:picLocks noChangeAspect="1" noChangeArrowheads="1"/>
-          </p:cNvPicPr>
-          <p:nvPr/>
-        </p:nvPicPr>
-        <p:blipFill>
-          <a:blip r:embed="rId2">
-            <a:extLst>
-              <a:ext uri="{28A0092B-C50C-407E-A947-70E740481C1C}">
-                <a14:useLocalDpi xmlns:a14="http://schemas.microsoft.com/office/drawing/2010/main" val="0"/>
-              </a:ext>
-            </a:extLst>
-          </a:blip>
-          <a:srcRect/>
-          <a:stretch>
-            <a:fillRect/>
-          </a:stretch>
-        </p:blipFill>
-        <p:spPr bwMode="auto">
-          <a:xfrm>
-            <a:off x="7866300" y="1587216"/>
-            <a:ext cx="2683559" cy="5123158"/>
-          </a:xfrm>
-          <a:prstGeom prst="rect">
-            <a:avLst/>
-          </a:prstGeom>
-          <a:noFill/>
-          <a:ln>
-            <a:noFill/>
-          </a:ln>
-          <a:extLst>
-            <a:ext uri="{909E8E84-426E-40DD-AFC4-6F175D3DCCD1}">
-              <a14:hiddenFill xmlns:a14="http://schemas.microsoft.com/office/drawing/2010/main">
-                <a:solidFill>
-                  <a:schemeClr val="accent1"/>
-                </a:solidFill>
-              </a14:hiddenFill>
-            </a:ext>
-            <a:ext uri="{91240B29-F687-4F45-9708-019B960494DF}">
-              <a14:hiddenLine xmlns:a14="http://schemas.microsoft.com/office/drawing/2010/main" w="9525">
-                <a:solidFill>
-                  <a:schemeClr val="tx1"/>
-                </a:solidFill>
-                <a:miter lim="800000"/>
-                <a:headEnd/>
-                <a:tailEnd/>
-              </a14:hiddenLine>
-            </a:ext>
-          </a:extLst>
-        </p:spPr>
-      </p:pic>
-      <p:sp>
-        <p:nvSpPr>
-          <p:cNvPr id="4" name="Down Arrow 3"/>
-          <p:cNvSpPr/>
-          <p:nvPr/>
-        </p:nvSpPr>
-        <p:spPr>
-          <a:xfrm>
-            <a:off x="9458970" y="4708414"/>
-            <a:ext cx="457200" cy="1387586"/>
-          </a:xfrm>
-          <a:prstGeom prst="downArrow">
-            <a:avLst/>
-          </a:prstGeom>
-          <a:solidFill>
-            <a:srgbClr val="0070C0"/>
-          </a:solidFill>
-          <a:ln>
-            <a:noFill/>
-          </a:ln>
-        </p:spPr>
-        <p:style>
-          <a:lnRef idx="3">
-            <a:schemeClr val="lt1"/>
-          </a:lnRef>
-          <a:fillRef idx="1">
-            <a:schemeClr val="accent5"/>
-          </a:fillRef>
-          <a:effectRef idx="1">
-            <a:schemeClr val="accent5"/>
-          </a:effectRef>
-          <a:fontRef idx="minor">
-            <a:schemeClr val="lt1"/>
-          </a:fontRef>
-        </p:style>
-        <p:txBody>
-          <a:bodyPr rtlCol="0" anchor="ctr"/>
-          <a:lstStyle/>
-          <a:p>
-            <a:pPr algn="ctr"/>
-            <a:endParaRPr lang="en-US"/>
-          </a:p>
-        </p:txBody>
-      </p:sp>
-      <p:sp>
-        <p:nvSpPr>
-          <p:cNvPr id="5" name="Rectangle 4"/>
-          <p:cNvSpPr/>
-          <p:nvPr/>
-        </p:nvSpPr>
-        <p:spPr>
-          <a:xfrm>
-            <a:off x="9208080" y="4193057"/>
-            <a:ext cx="958980" cy="523220"/>
-          </a:xfrm>
-          <a:prstGeom prst="rect">
-            <a:avLst/>
-          </a:prstGeom>
-          <a:solidFill>
-            <a:srgbClr val="0070C0"/>
-          </a:solidFill>
-        </p:spPr>
-        <p:txBody>
-          <a:bodyPr wrap="square">
-            <a:spAutoFit/>
-          </a:bodyPr>
-          <a:lstStyle/>
-          <a:p>
-            <a:r>
-              <a:rPr lang="en-SG" sz="2800" b="1" dirty="0">
-                <a:solidFill>
-                  <a:schemeClr val="bg1"/>
-                </a:solidFill>
-                <a:effectLst>
-                  <a:outerShdw blurRad="38100" dist="38100" dir="2700000" algn="tl">
-                    <a:srgbClr val="000000">
-                      <a:alpha val="43137"/>
-                    </a:srgbClr>
-                  </a:outerShdw>
-                </a:effectLst>
-                <a:latin typeface="Arial"/>
+              <a:t>Split into 10 details (1 detail consist of 5 teams)</a:t>
+            </a:r>
+          </a:p>
+          <a:p>
+            <a:r>
+              <a:rPr lang="en-US" dirty="0"/>
+              <a:t>F1 Race (10%)</a:t>
+            </a:r>
+          </a:p>
+          <a:p>
+            <a:pPr lvl="1"/>
+            <a:r>
+              <a:rPr lang="en-US" dirty="0"/>
+              <a:t>A mini race on the perimeter of a circuit</a:t>
+            </a:r>
+          </a:p>
+          <a:p>
+            <a:pPr lvl="1"/>
+            <a:r>
+              <a:rPr lang="en-US" dirty="0"/>
+              <a:t>Race length: 5 x 2.5m track, completion of 2 laps is required</a:t>
+            </a:r>
+          </a:p>
+          <a:p>
+            <a:pPr lvl="1"/>
+            <a:r>
+              <a:rPr lang="en-US" dirty="0"/>
+              <a:t>Number of tries: 2 </a:t>
+            </a:r>
+            <a:r>
+              <a:rPr lang="en-US" dirty="0">
+                <a:solidFill>
+                  <a:srgbClr val="FF0000"/>
+                </a:solidFill>
               </a:rPr>
-              <a:t>Wire</a:t>
-            </a:r>
-            <a:endParaRPr lang="en-US" sz="2800" dirty="0">
-              <a:solidFill>
-                <a:schemeClr val="bg1"/>
-              </a:solidFill>
-              <a:effectLst>
-                <a:outerShdw blurRad="38100" dist="38100" dir="2700000" algn="tl">
-                  <a:srgbClr val="000000">
-                    <a:alpha val="43137"/>
-                  </a:srgbClr>
-                </a:outerShdw>
-              </a:effectLst>
-            </a:endParaRPr>
-          </a:p>
-        </p:txBody>
-      </p:sp>
-      <p:sp>
-        <p:nvSpPr>
-          <p:cNvPr id="10" name="Rectangle 9"/>
-          <p:cNvSpPr/>
-          <p:nvPr/>
-        </p:nvSpPr>
-        <p:spPr>
-          <a:xfrm>
-            <a:off x="6477000" y="3401232"/>
-            <a:ext cx="1802096" cy="523220"/>
-          </a:xfrm>
-          <a:prstGeom prst="rect">
-            <a:avLst/>
-          </a:prstGeom>
-          <a:solidFill>
-            <a:srgbClr val="FFC000"/>
-          </a:solidFill>
-        </p:spPr>
-        <p:txBody>
-          <a:bodyPr wrap="none">
-            <a:spAutoFit/>
-          </a:bodyPr>
-          <a:lstStyle/>
-          <a:p>
-            <a:r>
-              <a:rPr lang="en-SG" sz="2800" b="1" dirty="0">
-                <a:effectLst>
-                  <a:outerShdw blurRad="38100" dist="38100" dir="2700000" algn="tl">
-                    <a:srgbClr val="000000">
-                      <a:alpha val="43137"/>
-                    </a:srgbClr>
-                  </a:outerShdw>
-                </a:effectLst>
-                <a:latin typeface="Arial"/>
-              </a:rPr>
-              <a:t>DC Motor</a:t>
-            </a:r>
-            <a:endParaRPr lang="en-US" sz="2800" dirty="0">
-              <a:effectLst>
-                <a:outerShdw blurRad="38100" dist="38100" dir="2700000" algn="tl">
-                  <a:srgbClr val="000000">
-                    <a:alpha val="43137"/>
-                  </a:srgbClr>
-                </a:outerShdw>
-              </a:effectLst>
-            </a:endParaRPr>
-          </a:p>
-        </p:txBody>
-      </p:sp>
-      <p:sp>
-        <p:nvSpPr>
-          <p:cNvPr id="11" name="Content Placeholder 2">
-            <a:extLst>
-              <a:ext uri="{FF2B5EF4-FFF2-40B4-BE49-F238E27FC236}">
-                <a16:creationId xmlns:a16="http://schemas.microsoft.com/office/drawing/2014/main" id="{955A392D-3BD1-4ED5-A851-EC4EEE185F10}"/>
-              </a:ext>
-            </a:extLst>
-          </p:cNvPr>
-          <p:cNvSpPr txBox="1">
-            <a:spLocks/>
-          </p:cNvSpPr>
-          <p:nvPr/>
-        </p:nvSpPr>
-        <p:spPr>
-          <a:xfrm>
-            <a:off x="1363916" y="3427418"/>
-            <a:ext cx="3885803" cy="721377"/>
-          </a:xfrm>
-          <a:prstGeom prst="rect">
-            <a:avLst/>
-          </a:prstGeom>
-        </p:spPr>
-        <p:txBody>
-          <a:bodyPr vert="horz" lIns="91440" tIns="45720" rIns="91440" bIns="45720" rtlCol="0" anchor="t">
-            <a:normAutofit/>
-          </a:bodyPr>
-          <a:lstStyle>
-            <a:lvl1pPr marL="274320" indent="-274320" algn="l" defTabSz="914400" rtl="0" eaLnBrk="1" latinLnBrk="0" hangingPunct="1">
-              <a:spcBef>
-                <a:spcPct val="20000"/>
-              </a:spcBef>
-              <a:buClr>
-                <a:schemeClr val="accent2"/>
-              </a:buClr>
-              <a:buSzPct val="85000"/>
-              <a:buFont typeface="Brush Script MT" pitchFamily="66" charset="0"/>
-              <a:buChar char="O"/>
-              <a:defRPr sz="2400" kern="1200">
-                <a:solidFill>
-                  <a:schemeClr val="tx1"/>
-                </a:solidFill>
-                <a:latin typeface="+mn-lt"/>
-                <a:ea typeface="+mn-ea"/>
-                <a:cs typeface="+mn-cs"/>
-              </a:defRPr>
-            </a:lvl1pPr>
-            <a:lvl2pPr marL="640080" indent="-274320" algn="l" defTabSz="914400" rtl="0" eaLnBrk="1" latinLnBrk="0" hangingPunct="1">
-              <a:spcBef>
-                <a:spcPct val="20000"/>
-              </a:spcBef>
-              <a:buClr>
-                <a:schemeClr val="accent2"/>
-              </a:buClr>
-              <a:buSzPct val="85000"/>
-              <a:buFont typeface="Brush Script MT" pitchFamily="66" charset="0"/>
-              <a:buChar char="O"/>
-              <a:defRPr sz="2200" kern="1200">
-                <a:solidFill>
-                  <a:schemeClr val="tx1"/>
-                </a:solidFill>
-                <a:latin typeface="+mn-lt"/>
-                <a:ea typeface="+mn-ea"/>
-                <a:cs typeface="+mn-cs"/>
-              </a:defRPr>
-            </a:lvl2pPr>
-            <a:lvl3pPr marL="914400" indent="-228600" algn="l" defTabSz="914400" rtl="0" eaLnBrk="1" latinLnBrk="0" hangingPunct="1">
-              <a:spcBef>
-                <a:spcPct val="20000"/>
-              </a:spcBef>
-              <a:buClr>
-                <a:schemeClr val="accent2"/>
-              </a:buClr>
-              <a:buSzPct val="85000"/>
-              <a:buFont typeface="Brush Script MT" pitchFamily="66" charset="0"/>
-              <a:buChar char="O"/>
-              <a:defRPr sz="2000" kern="1200">
-                <a:solidFill>
-                  <a:schemeClr val="tx1"/>
-                </a:solidFill>
-                <a:latin typeface="+mn-lt"/>
-                <a:ea typeface="+mn-ea"/>
-                <a:cs typeface="+mn-cs"/>
-              </a:defRPr>
-            </a:lvl3pPr>
-            <a:lvl4pPr marL="1280160" indent="-228600" algn="l" defTabSz="914400" rtl="0" eaLnBrk="1" latinLnBrk="0" hangingPunct="1">
-              <a:spcBef>
-                <a:spcPct val="20000"/>
-              </a:spcBef>
-              <a:buClr>
-                <a:schemeClr val="accent2"/>
-              </a:buClr>
-              <a:buSzPct val="85000"/>
-              <a:buFont typeface="Brush Script MT" pitchFamily="66" charset="0"/>
-              <a:buChar char="O"/>
-              <a:defRPr sz="1800" kern="1200">
-                <a:solidFill>
-                  <a:schemeClr val="tx1"/>
-                </a:solidFill>
-                <a:latin typeface="+mn-lt"/>
-                <a:ea typeface="+mn-ea"/>
-                <a:cs typeface="+mn-cs"/>
-              </a:defRPr>
-            </a:lvl4pPr>
-            <a:lvl5pPr marL="1645920" indent="-228600" algn="l" defTabSz="914400" rtl="0" eaLnBrk="1" latinLnBrk="0" hangingPunct="1">
-              <a:spcBef>
-                <a:spcPct val="20000"/>
-              </a:spcBef>
-              <a:buClr>
-                <a:schemeClr val="accent2"/>
-              </a:buClr>
-              <a:buSzPct val="85000"/>
-              <a:buFont typeface="Brush Script MT" pitchFamily="66" charset="0"/>
-              <a:buChar char="O"/>
-              <a:defRPr sz="1600" kern="1200">
-                <a:solidFill>
-                  <a:schemeClr val="tx1"/>
-                </a:solidFill>
-                <a:latin typeface="+mn-lt"/>
-                <a:ea typeface="+mn-ea"/>
-                <a:cs typeface="+mn-cs"/>
-              </a:defRPr>
-            </a:lvl5pPr>
-            <a:lvl6pPr marL="2011680" indent="-228600" algn="l" defTabSz="914400" rtl="0" eaLnBrk="1" latinLnBrk="0" hangingPunct="1">
-              <a:spcBef>
-                <a:spcPct val="20000"/>
-              </a:spcBef>
-              <a:buClr>
-                <a:schemeClr val="accent2"/>
-              </a:buClr>
-              <a:buSzPct val="85000"/>
-              <a:buFont typeface="Brush Script MT" pitchFamily="66" charset="0"/>
-              <a:buChar char="O"/>
-              <a:defRPr sz="1600" kern="1200">
-                <a:solidFill>
-                  <a:schemeClr val="tx1"/>
-                </a:solidFill>
-                <a:latin typeface="+mn-lt"/>
-                <a:ea typeface="+mn-ea"/>
-                <a:cs typeface="+mn-cs"/>
-              </a:defRPr>
-            </a:lvl6pPr>
-            <a:lvl7pPr marL="2377440" indent="-228600" algn="l" defTabSz="914400" rtl="0" eaLnBrk="1" latinLnBrk="0" hangingPunct="1">
-              <a:spcBef>
-                <a:spcPct val="20000"/>
-              </a:spcBef>
-              <a:buClr>
-                <a:schemeClr val="accent2"/>
-              </a:buClr>
-              <a:buSzPct val="85000"/>
-              <a:buFont typeface="Brush Script MT" pitchFamily="66" charset="0"/>
-              <a:buChar char="O"/>
-              <a:defRPr sz="1600" kern="1200">
-                <a:solidFill>
-                  <a:schemeClr val="tx1"/>
-                </a:solidFill>
-                <a:latin typeface="+mn-lt"/>
-                <a:ea typeface="+mn-ea"/>
-                <a:cs typeface="+mn-cs"/>
-              </a:defRPr>
-            </a:lvl7pPr>
-            <a:lvl8pPr marL="2743200" indent="-228600" algn="l" defTabSz="914400" rtl="0" eaLnBrk="1" latinLnBrk="0" hangingPunct="1">
-              <a:spcBef>
-                <a:spcPct val="20000"/>
-              </a:spcBef>
-              <a:buClr>
-                <a:schemeClr val="accent2"/>
-              </a:buClr>
-              <a:buSzPct val="85000"/>
-              <a:buFont typeface="Brush Script MT" pitchFamily="66" charset="0"/>
-              <a:buChar char="O"/>
-              <a:defRPr sz="1600" kern="1200">
-                <a:solidFill>
-                  <a:schemeClr val="tx1"/>
-                </a:solidFill>
-                <a:latin typeface="+mn-lt"/>
-                <a:ea typeface="+mn-ea"/>
-                <a:cs typeface="+mn-cs"/>
-              </a:defRPr>
-            </a:lvl8pPr>
-            <a:lvl9pPr marL="3108960" indent="-228600" algn="l" defTabSz="914400" rtl="0" eaLnBrk="1" latinLnBrk="0" hangingPunct="1">
-              <a:spcBef>
-                <a:spcPct val="20000"/>
-              </a:spcBef>
-              <a:buClr>
-                <a:schemeClr val="accent2"/>
-              </a:buClr>
-              <a:buSzPct val="85000"/>
-              <a:buFont typeface="Brush Script MT" pitchFamily="66" charset="0"/>
-              <a:buChar char="O"/>
-              <a:defRPr sz="1600" kern="1200">
-                <a:solidFill>
-                  <a:schemeClr val="tx1"/>
-                </a:solidFill>
-                <a:latin typeface="+mn-lt"/>
-                <a:ea typeface="+mn-ea"/>
-                <a:cs typeface="+mn-cs"/>
-              </a:defRPr>
-            </a:lvl9pPr>
-          </a:lstStyle>
-          <a:p>
-            <a:pPr marL="0" indent="0">
-              <a:buNone/>
-            </a:pPr>
-            <a:r>
-              <a:rPr lang="en-SG" sz="1800" dirty="0">
-                <a:latin typeface="Arial"/>
-              </a:rPr>
-              <a:t>Soldering Tutorial (Recommended):</a:t>
-            </a:r>
-          </a:p>
-          <a:p>
-            <a:pPr marL="0" indent="0">
-              <a:buNone/>
-            </a:pPr>
-            <a:r>
-              <a:rPr lang="en-SG" sz="1800" dirty="0">
-                <a:latin typeface="Arial"/>
-                <a:hlinkClick r:id="rId3"/>
-              </a:rPr>
-              <a:t>https://youtu.be/f95i88OSWB4</a:t>
-            </a:r>
-            <a:endParaRPr lang="en-SG" sz="1800" dirty="0">
-              <a:latin typeface="Arial"/>
-            </a:endParaRPr>
-          </a:p>
-        </p:txBody>
-      </p:sp>
-      <p:sp>
-        <p:nvSpPr>
-          <p:cNvPr id="2" name="Arrow: Bent 1">
-            <a:extLst>
-              <a:ext uri="{FF2B5EF4-FFF2-40B4-BE49-F238E27FC236}">
-                <a16:creationId xmlns:a16="http://schemas.microsoft.com/office/drawing/2014/main" id="{AB721A20-CC0A-4CDB-A4E6-42DEF18A7285}"/>
-              </a:ext>
-            </a:extLst>
-          </p:cNvPr>
-          <p:cNvSpPr/>
-          <p:nvPr/>
-        </p:nvSpPr>
-        <p:spPr>
-          <a:xfrm>
-            <a:off x="7239000" y="2486832"/>
-            <a:ext cx="1294314" cy="914400"/>
-          </a:xfrm>
-          <a:prstGeom prst="bentArrow">
-            <a:avLst/>
-          </a:prstGeom>
-          <a:solidFill>
-            <a:srgbClr val="FFC000"/>
-          </a:solidFill>
-          <a:ln>
-            <a:noFill/>
-          </a:ln>
-        </p:spPr>
-        <p:style>
-          <a:lnRef idx="2">
-            <a:schemeClr val="accent1">
-              <a:shade val="50000"/>
-            </a:schemeClr>
-          </a:lnRef>
-          <a:fillRef idx="1">
-            <a:schemeClr val="accent1"/>
-          </a:fillRef>
-          <a:effectRef idx="0">
-            <a:schemeClr val="accent1"/>
-          </a:effectRef>
-          <a:fontRef idx="minor">
-            <a:schemeClr val="lt1"/>
-          </a:fontRef>
-        </p:style>
-        <p:txBody>
-          <a:bodyPr rtlCol="0" anchor="ctr"/>
-          <a:lstStyle/>
-          <a:p>
-            <a:pPr algn="ctr"/>
-            <a:endParaRPr lang="en-US">
-              <a:solidFill>
-                <a:schemeClr val="tx1"/>
-              </a:solidFill>
-            </a:endParaRPr>
+              <a:t>(best timing will be taken)</a:t>
+            </a:r>
+          </a:p>
+          <a:p>
+            <a:pPr lvl="1"/>
+            <a:r>
+              <a:rPr lang="en-US" dirty="0"/>
+              <a:t>Winning criteria: Fastest timing wins</a:t>
+            </a:r>
+          </a:p>
+          <a:p>
+            <a:r>
+              <a:rPr lang="en-US" dirty="0"/>
+              <a:t>Maze Clearing (10%)</a:t>
+            </a:r>
+          </a:p>
+          <a:p>
+            <a:pPr lvl="1"/>
+            <a:r>
+              <a:rPr lang="en-US" dirty="0"/>
+              <a:t>Clearing a maze by passing through all the checkpoints (RFID tags) provided</a:t>
+            </a:r>
+          </a:p>
+          <a:p>
+            <a:pPr lvl="1"/>
+            <a:r>
+              <a:rPr lang="en-US" dirty="0"/>
+              <a:t>Race length: unknown</a:t>
+            </a:r>
+          </a:p>
+          <a:p>
+            <a:pPr lvl="1"/>
+            <a:r>
+              <a:rPr lang="en-US" dirty="0"/>
+              <a:t>Number of tries: 2 (best timing will be taken)</a:t>
+            </a:r>
+          </a:p>
+          <a:p>
+            <a:pPr lvl="1"/>
+            <a:r>
+              <a:rPr lang="en-US" dirty="0"/>
+              <a:t>Winning criteria: Fastest timing wins</a:t>
+            </a:r>
           </a:p>
         </p:txBody>
       </p:sp>
     </p:spTree>
     <p:extLst>
       <p:ext uri="{BB962C8B-B14F-4D97-AF65-F5344CB8AC3E}">
-        <p14:creationId xmlns:p14="http://schemas.microsoft.com/office/powerpoint/2010/main" val="485693562"/>
+        <p14:creationId xmlns:p14="http://schemas.microsoft.com/office/powerpoint/2010/main" val="1199138246"/>
       </p:ext>
     </p:extLst>
   </p:cSld>
@@ -9822,7 +9829,7 @@
       </p:grpSpPr>
       <p:sp>
         <p:nvSpPr>
-          <p:cNvPr id="2" name="Title 1"/>
+          <p:cNvPr id="6" name="Title 1"/>
           <p:cNvSpPr>
             <a:spLocks noGrp="1"/>
           </p:cNvSpPr>
@@ -9832,7 +9839,7 @@
         </p:nvSpPr>
         <p:spPr>
           <a:xfrm>
-            <a:off x="1970314" y="176886"/>
+            <a:off x="1981200" y="533400"/>
             <a:ext cx="8229600" cy="1143000"/>
           </a:xfrm>
         </p:spPr>
@@ -9850,7 +9857,7 @@
               <a:t>Building</a:t>
             </a:r>
             <a:r>
-              <a:rPr lang="en-US" sz="4000" dirty="0">
+              <a:rPr lang="en-US" sz="4200" dirty="0">
                 <a:latin typeface="Bauhaus 93" panose="04030905020B02020C02" pitchFamily="82" charset="0"/>
               </a:rPr>
               <a:t> </a:t>
@@ -9876,8 +9883,8 @@
         </p:nvSpPr>
         <p:spPr>
           <a:xfrm>
-            <a:off x="1447800" y="1038561"/>
-            <a:ext cx="8909957" cy="3052764"/>
+            <a:off x="1143000" y="1665514"/>
+            <a:ext cx="5410199" cy="1600200"/>
           </a:xfrm>
         </p:spPr>
         <p:txBody>
@@ -9891,7 +9898,7 @@
             </a:pPr>
             <a:r>
               <a:rPr lang="en-US" sz="4000" dirty="0"/>
-              <a:t>Step 2:</a:t>
+              <a:t>Step 1:</a:t>
             </a:r>
           </a:p>
           <a:p>
@@ -9900,67 +9907,26 @@
               <a:buChar char="ü"/>
             </a:pPr>
             <a:r>
-              <a:rPr lang="en-US" sz="3000" b="1" dirty="0">
-                <a:latin typeface="Arial" panose="020B0604020202020204" pitchFamily="34" charset="0"/>
-                <a:cs typeface="Arial" panose="020B0604020202020204" pitchFamily="34" charset="0"/>
+              <a:rPr lang="en-SG" sz="3000" b="1" dirty="0">
+                <a:latin typeface="Arial"/>
               </a:rPr>
-              <a:t>Creating the body of the bot and the wheels</a:t>
-            </a:r>
-            <a:endParaRPr lang="en-SG" sz="3000" dirty="0">
+              <a:t>Solder the male-to-male wires to the DC motors</a:t>
+            </a:r>
+          </a:p>
+          <a:p>
+            <a:pPr>
+              <a:buFont typeface="Wingdings" panose="05000000000000000000" pitchFamily="2" charset="2"/>
+              <a:buChar char="ü"/>
+            </a:pPr>
+            <a:endParaRPr lang="en-SG" sz="1200" dirty="0">
               <a:latin typeface="Arial"/>
             </a:endParaRPr>
           </a:p>
-          <a:p>
-            <a:pPr>
-              <a:buFont typeface="Wingdings" panose="05000000000000000000" pitchFamily="2" charset="2"/>
-              <a:buChar char="Ø"/>
-            </a:pPr>
-            <a:r>
-              <a:rPr lang="en-SG" b="0" i="0" u="none" strike="noStrike" dirty="0">
-                <a:latin typeface="Arial" panose="020B0604020202020204" pitchFamily="34" charset="0"/>
-                <a:cs typeface="Arial" panose="020B0604020202020204" pitchFamily="34" charset="0"/>
-              </a:rPr>
-              <a:t>Cut the corrugated sheet into </a:t>
-            </a:r>
-            <a:r>
-              <a:rPr lang="en-SG" u="sng" dirty="0">
-                <a:latin typeface="Arial" panose="020B0604020202020204" pitchFamily="34" charset="0"/>
-                <a:cs typeface="Arial" panose="020B0604020202020204" pitchFamily="34" charset="0"/>
-              </a:rPr>
-              <a:t>2-4 small pieces</a:t>
-            </a:r>
-          </a:p>
-          <a:p>
-            <a:pPr>
-              <a:buFont typeface="Wingdings" panose="05000000000000000000" pitchFamily="2" charset="2"/>
-              <a:buChar char="Ø"/>
-            </a:pPr>
-            <a:r>
-              <a:rPr lang="en-SG" dirty="0">
-                <a:latin typeface="Arial" panose="020B0604020202020204" pitchFamily="34" charset="0"/>
-                <a:cs typeface="Arial" panose="020B0604020202020204" pitchFamily="34" charset="0"/>
-              </a:rPr>
-              <a:t>Feel free to change the shapes and sizes</a:t>
-            </a:r>
-          </a:p>
-          <a:p>
-            <a:pPr>
-              <a:buFont typeface="Wingdings" panose="05000000000000000000" pitchFamily="2" charset="2"/>
-              <a:buChar char="Ø"/>
-            </a:pPr>
-            <a:r>
-              <a:rPr lang="en-SG" dirty="0">
-                <a:latin typeface="Arial" panose="020B0604020202020204" pitchFamily="34" charset="0"/>
-                <a:cs typeface="Arial" panose="020B0604020202020204" pitchFamily="34" charset="0"/>
-              </a:rPr>
-              <a:t>After cutting, stack and attach the layers together</a:t>
-            </a:r>
-          </a:p>
         </p:txBody>
       </p:sp>
       <p:pic>
         <p:nvPicPr>
-          <p:cNvPr id="2051" name="Picture 3"/>
+          <p:cNvPr id="1027" name="Picture 3"/>
           <p:cNvPicPr>
             <a:picLocks noChangeAspect="1" noChangeArrowheads="1"/>
           </p:cNvPicPr>
@@ -9981,8 +9947,8 @@
         </p:blipFill>
         <p:spPr bwMode="auto">
           <a:xfrm>
-            <a:off x="762000" y="4321325"/>
-            <a:ext cx="5727071" cy="2482550"/>
+            <a:off x="7866300" y="1587216"/>
+            <a:ext cx="2683559" cy="5123158"/>
           </a:xfrm>
           <a:prstGeom prst="rect">
             <a:avLst/>
@@ -10014,28 +9980,34 @@
       </p:pic>
       <p:sp>
         <p:nvSpPr>
-          <p:cNvPr id="8" name="Down Arrow 7"/>
+          <p:cNvPr id="4" name="Down Arrow 3"/>
           <p:cNvSpPr/>
           <p:nvPr/>
         </p:nvSpPr>
         <p:spPr>
-          <a:xfrm rot="18768791">
-            <a:off x="784832" y="4729403"/>
-            <a:ext cx="762000" cy="1158519"/>
+          <a:xfrm>
+            <a:off x="9458970" y="4708414"/>
+            <a:ext cx="457200" cy="1387586"/>
           </a:xfrm>
           <a:prstGeom prst="downArrow">
             <a:avLst/>
           </a:prstGeom>
+          <a:solidFill>
+            <a:srgbClr val="0070C0"/>
+          </a:solidFill>
+          <a:ln>
+            <a:noFill/>
+          </a:ln>
         </p:spPr>
         <p:style>
-          <a:lnRef idx="0">
-            <a:schemeClr val="accent2"/>
+          <a:lnRef idx="3">
+            <a:schemeClr val="lt1"/>
           </a:lnRef>
-          <a:fillRef idx="3">
-            <a:schemeClr val="accent2"/>
+          <a:fillRef idx="1">
+            <a:schemeClr val="accent5"/>
           </a:fillRef>
-          <a:effectRef idx="3">
-            <a:schemeClr val="accent2"/>
+          <a:effectRef idx="1">
+            <a:schemeClr val="accent5"/>
           </a:effectRef>
           <a:fontRef idx="minor">
             <a:schemeClr val="lt1"/>
@@ -10052,23 +10024,361 @@
       </p:sp>
       <p:sp>
         <p:nvSpPr>
-          <p:cNvPr id="6" name="Oval 5"/>
+          <p:cNvPr id="5" name="Rectangle 4"/>
           <p:cNvSpPr/>
           <p:nvPr/>
         </p:nvSpPr>
         <p:spPr>
           <a:xfrm>
-            <a:off x="1127732" y="4928900"/>
-            <a:ext cx="2432957" cy="1524000"/>
-          </a:xfrm>
-          <a:prstGeom prst="ellipse">
+            <a:off x="9208080" y="4193057"/>
+            <a:ext cx="958980" cy="523220"/>
+          </a:xfrm>
+          <a:prstGeom prst="rect">
             <a:avLst/>
           </a:prstGeom>
-          <a:noFill/>
+          <a:solidFill>
+            <a:srgbClr val="0070C0"/>
+          </a:solidFill>
+        </p:spPr>
+        <p:txBody>
+          <a:bodyPr wrap="square">
+            <a:spAutoFit/>
+          </a:bodyPr>
+          <a:lstStyle/>
+          <a:p>
+            <a:r>
+              <a:rPr lang="en-SG" sz="2800" b="1" dirty="0">
+                <a:solidFill>
+                  <a:schemeClr val="bg1"/>
+                </a:solidFill>
+                <a:effectLst>
+                  <a:outerShdw blurRad="38100" dist="38100" dir="2700000" algn="tl">
+                    <a:srgbClr val="000000">
+                      <a:alpha val="43137"/>
+                    </a:srgbClr>
+                  </a:outerShdw>
+                </a:effectLst>
+                <a:latin typeface="Arial"/>
+              </a:rPr>
+              <a:t>Wire</a:t>
+            </a:r>
+            <a:endParaRPr lang="en-US" sz="2800" dirty="0">
+              <a:solidFill>
+                <a:schemeClr val="bg1"/>
+              </a:solidFill>
+              <a:effectLst>
+                <a:outerShdw blurRad="38100" dist="38100" dir="2700000" algn="tl">
+                  <a:srgbClr val="000000">
+                    <a:alpha val="43137"/>
+                  </a:srgbClr>
+                </a:outerShdw>
+              </a:effectLst>
+            </a:endParaRPr>
+          </a:p>
+        </p:txBody>
+      </p:sp>
+      <p:sp>
+        <p:nvSpPr>
+          <p:cNvPr id="10" name="Rectangle 9"/>
+          <p:cNvSpPr/>
+          <p:nvPr/>
+        </p:nvSpPr>
+        <p:spPr>
+          <a:xfrm>
+            <a:off x="6477000" y="3401232"/>
+            <a:ext cx="1802096" cy="523220"/>
+          </a:xfrm>
+          <a:prstGeom prst="rect">
+            <a:avLst/>
+          </a:prstGeom>
+          <a:solidFill>
+            <a:srgbClr val="FFC000"/>
+          </a:solidFill>
+        </p:spPr>
+        <p:txBody>
+          <a:bodyPr wrap="none">
+            <a:spAutoFit/>
+          </a:bodyPr>
+          <a:lstStyle/>
+          <a:p>
+            <a:r>
+              <a:rPr lang="en-SG" sz="2800" b="1" dirty="0">
+                <a:effectLst>
+                  <a:outerShdw blurRad="38100" dist="38100" dir="2700000" algn="tl">
+                    <a:srgbClr val="000000">
+                      <a:alpha val="43137"/>
+                    </a:srgbClr>
+                  </a:outerShdw>
+                </a:effectLst>
+                <a:latin typeface="Arial"/>
+              </a:rPr>
+              <a:t>DC Motor</a:t>
+            </a:r>
+            <a:endParaRPr lang="en-US" sz="2800" dirty="0">
+              <a:effectLst>
+                <a:outerShdw blurRad="38100" dist="38100" dir="2700000" algn="tl">
+                  <a:srgbClr val="000000">
+                    <a:alpha val="43137"/>
+                  </a:srgbClr>
+                </a:outerShdw>
+              </a:effectLst>
+            </a:endParaRPr>
+          </a:p>
+        </p:txBody>
+      </p:sp>
+      <p:sp>
+        <p:nvSpPr>
+          <p:cNvPr id="11" name="Content Placeholder 2">
+            <a:extLst>
+              <a:ext uri="{FF2B5EF4-FFF2-40B4-BE49-F238E27FC236}">
+                <a16:creationId xmlns:a16="http://schemas.microsoft.com/office/drawing/2014/main" id="{955A392D-3BD1-4ED5-A851-EC4EEE185F10}"/>
+              </a:ext>
+            </a:extLst>
+          </p:cNvPr>
+          <p:cNvSpPr txBox="1">
+            <a:spLocks/>
+          </p:cNvSpPr>
+          <p:nvPr/>
+        </p:nvSpPr>
+        <p:spPr>
+          <a:xfrm>
+            <a:off x="1363916" y="3427418"/>
+            <a:ext cx="3885803" cy="721377"/>
+          </a:xfrm>
+          <a:prstGeom prst="rect">
+            <a:avLst/>
+          </a:prstGeom>
+        </p:spPr>
+        <p:txBody>
+          <a:bodyPr vert="horz" lIns="91440" tIns="45720" rIns="91440" bIns="45720" rtlCol="0" anchor="t">
+            <a:normAutofit/>
+          </a:bodyPr>
+          <a:lstStyle>
+            <a:lvl1pPr marL="274320" indent="-274320" algn="l" defTabSz="914400" rtl="0" eaLnBrk="1" latinLnBrk="0" hangingPunct="1">
+              <a:spcBef>
+                <a:spcPct val="20000"/>
+              </a:spcBef>
+              <a:buClr>
+                <a:schemeClr val="accent2"/>
+              </a:buClr>
+              <a:buSzPct val="85000"/>
+              <a:buFont typeface="Brush Script MT" pitchFamily="66" charset="0"/>
+              <a:buChar char="O"/>
+              <a:defRPr sz="2400" kern="1200">
+                <a:solidFill>
+                  <a:schemeClr val="tx1"/>
+                </a:solidFill>
+                <a:latin typeface="+mn-lt"/>
+                <a:ea typeface="+mn-ea"/>
+                <a:cs typeface="+mn-cs"/>
+              </a:defRPr>
+            </a:lvl1pPr>
+            <a:lvl2pPr marL="640080" indent="-274320" algn="l" defTabSz="914400" rtl="0" eaLnBrk="1" latinLnBrk="0" hangingPunct="1">
+              <a:spcBef>
+                <a:spcPct val="20000"/>
+              </a:spcBef>
+              <a:buClr>
+                <a:schemeClr val="accent2"/>
+              </a:buClr>
+              <a:buSzPct val="85000"/>
+              <a:buFont typeface="Brush Script MT" pitchFamily="66" charset="0"/>
+              <a:buChar char="O"/>
+              <a:defRPr sz="2200" kern="1200">
+                <a:solidFill>
+                  <a:schemeClr val="tx1"/>
+                </a:solidFill>
+                <a:latin typeface="+mn-lt"/>
+                <a:ea typeface="+mn-ea"/>
+                <a:cs typeface="+mn-cs"/>
+              </a:defRPr>
+            </a:lvl2pPr>
+            <a:lvl3pPr marL="914400" indent="-228600" algn="l" defTabSz="914400" rtl="0" eaLnBrk="1" latinLnBrk="0" hangingPunct="1">
+              <a:spcBef>
+                <a:spcPct val="20000"/>
+              </a:spcBef>
+              <a:buClr>
+                <a:schemeClr val="accent2"/>
+              </a:buClr>
+              <a:buSzPct val="85000"/>
+              <a:buFont typeface="Brush Script MT" pitchFamily="66" charset="0"/>
+              <a:buChar char="O"/>
+              <a:defRPr sz="2000" kern="1200">
+                <a:solidFill>
+                  <a:schemeClr val="tx1"/>
+                </a:solidFill>
+                <a:latin typeface="+mn-lt"/>
+                <a:ea typeface="+mn-ea"/>
+                <a:cs typeface="+mn-cs"/>
+              </a:defRPr>
+            </a:lvl3pPr>
+            <a:lvl4pPr marL="1280160" indent="-228600" algn="l" defTabSz="914400" rtl="0" eaLnBrk="1" latinLnBrk="0" hangingPunct="1">
+              <a:spcBef>
+                <a:spcPct val="20000"/>
+              </a:spcBef>
+              <a:buClr>
+                <a:schemeClr val="accent2"/>
+              </a:buClr>
+              <a:buSzPct val="85000"/>
+              <a:buFont typeface="Brush Script MT" pitchFamily="66" charset="0"/>
+              <a:buChar char="O"/>
+              <a:defRPr sz="1800" kern="1200">
+                <a:solidFill>
+                  <a:schemeClr val="tx1"/>
+                </a:solidFill>
+                <a:latin typeface="+mn-lt"/>
+                <a:ea typeface="+mn-ea"/>
+                <a:cs typeface="+mn-cs"/>
+              </a:defRPr>
+            </a:lvl4pPr>
+            <a:lvl5pPr marL="1645920" indent="-228600" algn="l" defTabSz="914400" rtl="0" eaLnBrk="1" latinLnBrk="0" hangingPunct="1">
+              <a:spcBef>
+                <a:spcPct val="20000"/>
+              </a:spcBef>
+              <a:buClr>
+                <a:schemeClr val="accent2"/>
+              </a:buClr>
+              <a:buSzPct val="85000"/>
+              <a:buFont typeface="Brush Script MT" pitchFamily="66" charset="0"/>
+              <a:buChar char="O"/>
+              <a:defRPr sz="1600" kern="1200">
+                <a:solidFill>
+                  <a:schemeClr val="tx1"/>
+                </a:solidFill>
+                <a:latin typeface="+mn-lt"/>
+                <a:ea typeface="+mn-ea"/>
+                <a:cs typeface="+mn-cs"/>
+              </a:defRPr>
+            </a:lvl5pPr>
+            <a:lvl6pPr marL="2011680" indent="-228600" algn="l" defTabSz="914400" rtl="0" eaLnBrk="1" latinLnBrk="0" hangingPunct="1">
+              <a:spcBef>
+                <a:spcPct val="20000"/>
+              </a:spcBef>
+              <a:buClr>
+                <a:schemeClr val="accent2"/>
+              </a:buClr>
+              <a:buSzPct val="85000"/>
+              <a:buFont typeface="Brush Script MT" pitchFamily="66" charset="0"/>
+              <a:buChar char="O"/>
+              <a:defRPr sz="1600" kern="1200">
+                <a:solidFill>
+                  <a:schemeClr val="tx1"/>
+                </a:solidFill>
+                <a:latin typeface="+mn-lt"/>
+                <a:ea typeface="+mn-ea"/>
+                <a:cs typeface="+mn-cs"/>
+              </a:defRPr>
+            </a:lvl6pPr>
+            <a:lvl7pPr marL="2377440" indent="-228600" algn="l" defTabSz="914400" rtl="0" eaLnBrk="1" latinLnBrk="0" hangingPunct="1">
+              <a:spcBef>
+                <a:spcPct val="20000"/>
+              </a:spcBef>
+              <a:buClr>
+                <a:schemeClr val="accent2"/>
+              </a:buClr>
+              <a:buSzPct val="85000"/>
+              <a:buFont typeface="Brush Script MT" pitchFamily="66" charset="0"/>
+              <a:buChar char="O"/>
+              <a:defRPr sz="1600" kern="1200">
+                <a:solidFill>
+                  <a:schemeClr val="tx1"/>
+                </a:solidFill>
+                <a:latin typeface="+mn-lt"/>
+                <a:ea typeface="+mn-ea"/>
+                <a:cs typeface="+mn-cs"/>
+              </a:defRPr>
+            </a:lvl7pPr>
+            <a:lvl8pPr marL="2743200" indent="-228600" algn="l" defTabSz="914400" rtl="0" eaLnBrk="1" latinLnBrk="0" hangingPunct="1">
+              <a:spcBef>
+                <a:spcPct val="20000"/>
+              </a:spcBef>
+              <a:buClr>
+                <a:schemeClr val="accent2"/>
+              </a:buClr>
+              <a:buSzPct val="85000"/>
+              <a:buFont typeface="Brush Script MT" pitchFamily="66" charset="0"/>
+              <a:buChar char="O"/>
+              <a:defRPr sz="1600" kern="1200">
+                <a:solidFill>
+                  <a:schemeClr val="tx1"/>
+                </a:solidFill>
+                <a:latin typeface="+mn-lt"/>
+                <a:ea typeface="+mn-ea"/>
+                <a:cs typeface="+mn-cs"/>
+              </a:defRPr>
+            </a:lvl8pPr>
+            <a:lvl9pPr marL="3108960" indent="-228600" algn="l" defTabSz="914400" rtl="0" eaLnBrk="1" latinLnBrk="0" hangingPunct="1">
+              <a:spcBef>
+                <a:spcPct val="20000"/>
+              </a:spcBef>
+              <a:buClr>
+                <a:schemeClr val="accent2"/>
+              </a:buClr>
+              <a:buSzPct val="85000"/>
+              <a:buFont typeface="Brush Script MT" pitchFamily="66" charset="0"/>
+              <a:buChar char="O"/>
+              <a:defRPr sz="1600" kern="1200">
+                <a:solidFill>
+                  <a:schemeClr val="tx1"/>
+                </a:solidFill>
+                <a:latin typeface="+mn-lt"/>
+                <a:ea typeface="+mn-ea"/>
+                <a:cs typeface="+mn-cs"/>
+              </a:defRPr>
+            </a:lvl9pPr>
+          </a:lstStyle>
+          <a:p>
+            <a:pPr marL="0" indent="0">
+              <a:buNone/>
+            </a:pPr>
+            <a:r>
+              <a:rPr lang="en-SG" sz="1800" dirty="0">
+                <a:latin typeface="Arial"/>
+              </a:rPr>
+              <a:t>Soldering Tutorial (Recommended):</a:t>
+            </a:r>
+          </a:p>
+          <a:p>
+            <a:pPr marL="0" indent="0">
+              <a:buNone/>
+            </a:pPr>
+            <a:r>
+              <a:rPr lang="en-SG" sz="1800" dirty="0">
+                <a:latin typeface="Arial"/>
+                <a:hlinkClick r:id="rId3"/>
+              </a:rPr>
+              <a:t>https://youtu.be/f95i88OSWB4</a:t>
+            </a:r>
+            <a:endParaRPr lang="en-SG" sz="1800" dirty="0">
+              <a:latin typeface="Arial"/>
+            </a:endParaRPr>
+          </a:p>
+        </p:txBody>
+      </p:sp>
+      <p:sp>
+        <p:nvSpPr>
+          <p:cNvPr id="2" name="Arrow: Bent 1">
+            <a:extLst>
+              <a:ext uri="{FF2B5EF4-FFF2-40B4-BE49-F238E27FC236}">
+                <a16:creationId xmlns:a16="http://schemas.microsoft.com/office/drawing/2014/main" id="{AB721A20-CC0A-4CDB-A4E6-42DEF18A7285}"/>
+              </a:ext>
+            </a:extLst>
+          </p:cNvPr>
+          <p:cNvSpPr/>
+          <p:nvPr/>
+        </p:nvSpPr>
+        <p:spPr>
+          <a:xfrm>
+            <a:off x="7239000" y="2486832"/>
+            <a:ext cx="1294314" cy="914400"/>
+          </a:xfrm>
+          <a:prstGeom prst="bentArrow">
+            <a:avLst/>
+          </a:prstGeom>
+          <a:solidFill>
+            <a:srgbClr val="FFC000"/>
+          </a:solidFill>
           <a:ln>
-            <a:solidFill>
-              <a:srgbClr val="FFFF00"/>
-            </a:solidFill>
+            <a:noFill/>
           </a:ln>
         </p:spPr>
         <p:style>
@@ -10092,106 +10402,18 @@
           <a:lstStyle/>
           <a:p>
             <a:pPr algn="ctr"/>
-            <a:endParaRPr lang="en-US"/>
-          </a:p>
-        </p:txBody>
-      </p:sp>
-      <p:pic>
-        <p:nvPicPr>
-          <p:cNvPr id="7" name="Picture 2"/>
-          <p:cNvPicPr>
-            <a:picLocks noChangeAspect="1" noChangeArrowheads="1"/>
-          </p:cNvPicPr>
-          <p:nvPr/>
-        </p:nvPicPr>
-        <p:blipFill>
-          <a:blip r:embed="rId3">
-            <a:extLst>
-              <a:ext uri="{28A0092B-C50C-407E-A947-70E740481C1C}">
-                <a14:useLocalDpi xmlns:a14="http://schemas.microsoft.com/office/drawing/2010/main" val="0"/>
-              </a:ext>
-            </a:extLst>
-          </a:blip>
-          <a:srcRect/>
-          <a:stretch>
-            <a:fillRect/>
-          </a:stretch>
-        </p:blipFill>
-        <p:spPr bwMode="auto">
-          <a:xfrm>
-            <a:off x="8969666" y="4648199"/>
-            <a:ext cx="3243856" cy="2235262"/>
-          </a:xfrm>
-          <a:prstGeom prst="rect">
-            <a:avLst/>
-          </a:prstGeom>
-          <a:noFill/>
-          <a:ln>
-            <a:noFill/>
-          </a:ln>
-          <a:extLst>
-            <a:ext uri="{909E8E84-426E-40DD-AFC4-6F175D3DCCD1}">
-              <a14:hiddenFill xmlns:a14="http://schemas.microsoft.com/office/drawing/2010/main">
-                <a:solidFill>
-                  <a:schemeClr val="accent1"/>
-                </a:solidFill>
-              </a14:hiddenFill>
-            </a:ext>
-            <a:ext uri="{91240B29-F687-4F45-9708-019B960494DF}">
-              <a14:hiddenLine xmlns:a14="http://schemas.microsoft.com/office/drawing/2010/main" w="9525">
-                <a:solidFill>
-                  <a:schemeClr val="tx1"/>
-                </a:solidFill>
-                <a:miter lim="800000"/>
-                <a:headEnd/>
-                <a:tailEnd/>
-              </a14:hiddenLine>
-            </a:ext>
-          </a:extLst>
-        </p:spPr>
-      </p:pic>
-      <p:sp>
-        <p:nvSpPr>
-          <p:cNvPr id="10" name="Down Arrow 9"/>
-          <p:cNvSpPr/>
-          <p:nvPr/>
-        </p:nvSpPr>
-        <p:spPr>
-          <a:xfrm rot="18768791">
-            <a:off x="8442625" y="4402527"/>
-            <a:ext cx="762000" cy="1158519"/>
-          </a:xfrm>
-          <a:prstGeom prst="downArrow">
-            <a:avLst/>
-          </a:prstGeom>
-        </p:spPr>
-        <p:style>
-          <a:lnRef idx="0">
-            <a:schemeClr val="accent2"/>
-          </a:lnRef>
-          <a:fillRef idx="3">
-            <a:schemeClr val="accent2"/>
-          </a:fillRef>
-          <a:effectRef idx="3">
-            <a:schemeClr val="accent2"/>
-          </a:effectRef>
-          <a:fontRef idx="minor">
-            <a:schemeClr val="lt1"/>
-          </a:fontRef>
-        </p:style>
-        <p:txBody>
-          <a:bodyPr rtlCol="0" anchor="ctr"/>
-          <a:lstStyle/>
-          <a:p>
-            <a:pPr algn="ctr"/>
-            <a:endParaRPr lang="en-US"/>
+            <a:endParaRPr lang="en-US">
+              <a:solidFill>
+                <a:schemeClr val="tx1"/>
+              </a:solidFill>
+            </a:endParaRPr>
           </a:p>
         </p:txBody>
       </p:sp>
     </p:spTree>
     <p:extLst>
       <p:ext uri="{BB962C8B-B14F-4D97-AF65-F5344CB8AC3E}">
-        <p14:creationId xmlns:p14="http://schemas.microsoft.com/office/powerpoint/2010/main" val="248974604"/>
+        <p14:creationId xmlns:p14="http://schemas.microsoft.com/office/powerpoint/2010/main" val="485693562"/>
       </p:ext>
     </p:extLst>
   </p:cSld>
@@ -10230,7 +10452,7 @@
         </p:nvSpPr>
         <p:spPr>
           <a:xfrm>
-            <a:off x="1776111" y="76902"/>
+            <a:off x="1970314" y="176886"/>
             <a:ext cx="8229600" cy="1143000"/>
           </a:xfrm>
         </p:spPr>
@@ -10245,7 +10467,19 @@
               <a:rPr lang="en-US" sz="5400" dirty="0">
                 <a:latin typeface="Bauhaus 93" panose="04030905020B02020C02" pitchFamily="82" charset="0"/>
               </a:rPr>
-              <a:t>Building Procedures</a:t>
+              <a:t>Building</a:t>
+            </a:r>
+            <a:r>
+              <a:rPr lang="en-US" sz="4000" dirty="0">
+                <a:latin typeface="Bauhaus 93" panose="04030905020B02020C02" pitchFamily="82" charset="0"/>
+              </a:rPr>
+              <a:t> </a:t>
+            </a:r>
+            <a:r>
+              <a:rPr lang="en-US" sz="5400" dirty="0">
+                <a:latin typeface="Bauhaus 93" panose="04030905020B02020C02" pitchFamily="82" charset="0"/>
+              </a:rPr>
+              <a:t>Procedures</a:t>
             </a:r>
           </a:p>
         </p:txBody>
@@ -10262,8 +10496,8 @@
         </p:nvSpPr>
         <p:spPr>
           <a:xfrm>
-            <a:off x="1916756" y="1045978"/>
-            <a:ext cx="1780380" cy="726390"/>
+            <a:off x="1447800" y="1038561"/>
+            <a:ext cx="8909957" cy="3052764"/>
           </a:xfrm>
         </p:spPr>
         <p:txBody>
@@ -10280,11 +10514,73 @@
               <a:t>Step 2:</a:t>
             </a:r>
           </a:p>
+          <a:p>
+            <a:pPr>
+              <a:buFont typeface="Wingdings" panose="05000000000000000000" pitchFamily="2" charset="2"/>
+              <a:buChar char="ü"/>
+            </a:pPr>
+            <a:r>
+              <a:rPr lang="en-US" sz="3000" b="1" dirty="0">
+                <a:latin typeface="Arial" panose="020B0604020202020204" pitchFamily="34" charset="0"/>
+                <a:cs typeface="Arial" panose="020B0604020202020204" pitchFamily="34" charset="0"/>
+              </a:rPr>
+              <a:t>Creating the body of the bot and the wheels</a:t>
+            </a:r>
+            <a:endParaRPr lang="en-SG" sz="3000" dirty="0">
+              <a:latin typeface="Arial"/>
+            </a:endParaRPr>
+          </a:p>
+          <a:p>
+            <a:pPr>
+              <a:buFont typeface="Wingdings" panose="05000000000000000000" pitchFamily="2" charset="2"/>
+              <a:buChar char="Ø"/>
+            </a:pPr>
+            <a:r>
+              <a:rPr lang="en-SG" b="0" i="0" u="none" strike="noStrike" dirty="0">
+                <a:latin typeface="Arial" panose="020B0604020202020204" pitchFamily="34" charset="0"/>
+                <a:cs typeface="Arial" panose="020B0604020202020204" pitchFamily="34" charset="0"/>
+              </a:rPr>
+              <a:t>Cut the corrugated sheet into </a:t>
+            </a:r>
+            <a:r>
+              <a:rPr lang="en-SG" u="sng" dirty="0">
+                <a:latin typeface="Arial" panose="020B0604020202020204" pitchFamily="34" charset="0"/>
+                <a:cs typeface="Arial" panose="020B0604020202020204" pitchFamily="34" charset="0"/>
+              </a:rPr>
+              <a:t>2-4 small pieces</a:t>
+            </a:r>
+          </a:p>
+          <a:p>
+            <a:pPr>
+              <a:buFont typeface="Wingdings" panose="05000000000000000000" pitchFamily="2" charset="2"/>
+              <a:buChar char="Ø"/>
+            </a:pPr>
+            <a:r>
+              <a:rPr lang="en-SG" dirty="0">
+                <a:latin typeface="Arial" panose="020B0604020202020204" pitchFamily="34" charset="0"/>
+                <a:cs typeface="Arial" panose="020B0604020202020204" pitchFamily="34" charset="0"/>
+              </a:rPr>
+              <a:t>Feel free to change the shapes and sizes</a:t>
+            </a:r>
+          </a:p>
+          <a:p>
+            <a:pPr>
+              <a:buFont typeface="Wingdings" panose="05000000000000000000" pitchFamily="2" charset="2"/>
+              <a:buChar char="Ø"/>
+            </a:pPr>
+            <a:r>
+              <a:rPr lang="en-SG" dirty="0">
+                <a:latin typeface="Arial" panose="020B0604020202020204" pitchFamily="34" charset="0"/>
+                <a:cs typeface="Arial" panose="020B0604020202020204" pitchFamily="34" charset="0"/>
+              </a:rPr>
+              <a:t>After cutting, stack and attach the layers together</a:t>
+            </a:r>
+          </a:p>
         </p:txBody>
       </p:sp>
       <p:pic>
         <p:nvPicPr>
-          <p:cNvPr id="3074" name="Picture 2"/>
+          <p:cNvPr id="2051" name="Picture 3"/>
           <p:cNvPicPr>
             <a:picLocks noChangeAspect="1" noChangeArrowheads="1"/>
           </p:cNvPicPr>
@@ -10305,8 +10601,8 @@
         </p:blipFill>
         <p:spPr bwMode="auto">
           <a:xfrm>
-            <a:off x="3732302" y="1040535"/>
-            <a:ext cx="4608665" cy="5721101"/>
+            <a:off x="762000" y="4321325"/>
+            <a:ext cx="5727071" cy="2482550"/>
           </a:xfrm>
           <a:prstGeom prst="rect">
             <a:avLst/>
@@ -10338,27 +10634,27 @@
       </p:pic>
       <p:sp>
         <p:nvSpPr>
-          <p:cNvPr id="7" name="Down Arrow 6"/>
+          <p:cNvPr id="8" name="Down Arrow 7"/>
           <p:cNvSpPr/>
           <p:nvPr/>
         </p:nvSpPr>
         <p:spPr>
-          <a:xfrm rot="15297360">
-            <a:off x="4448714" y="836985"/>
-            <a:ext cx="457200" cy="2277716"/>
+          <a:xfrm rot="18768791">
+            <a:off x="784832" y="4729403"/>
+            <a:ext cx="762000" cy="1158519"/>
           </a:xfrm>
           <a:prstGeom prst="downArrow">
             <a:avLst/>
           </a:prstGeom>
         </p:spPr>
         <p:style>
-          <a:lnRef idx="3">
-            <a:schemeClr val="lt1"/>
+          <a:lnRef idx="0">
+            <a:schemeClr val="accent2"/>
           </a:lnRef>
-          <a:fillRef idx="1">
+          <a:fillRef idx="3">
             <a:schemeClr val="accent2"/>
           </a:fillRef>
-          <a:effectRef idx="1">
+          <a:effectRef idx="3">
             <a:schemeClr val="accent2"/>
           </a:effectRef>
           <a:fontRef idx="minor">
@@ -10376,92 +10672,36 @@
       </p:sp>
       <p:sp>
         <p:nvSpPr>
-          <p:cNvPr id="6" name="Rectangle 5"/>
+          <p:cNvPr id="6" name="Oval 5"/>
           <p:cNvSpPr/>
           <p:nvPr/>
         </p:nvSpPr>
         <p:spPr>
           <a:xfrm>
-            <a:off x="1813656" y="4057380"/>
-            <a:ext cx="1791821" cy="1212640"/>
-          </a:xfrm>
-          <a:prstGeom prst="rect">
+            <a:off x="1127732" y="4928900"/>
+            <a:ext cx="2432957" cy="1524000"/>
+          </a:xfrm>
+          <a:prstGeom prst="ellipse">
             <a:avLst/>
           </a:prstGeom>
-        </p:spPr>
-        <p:txBody>
-          <a:bodyPr wrap="square">
-            <a:spAutoFit/>
-          </a:bodyPr>
-          <a:lstStyle/>
-          <a:p>
-            <a:pPr lvl="0">
-              <a:spcBef>
-                <a:spcPct val="20000"/>
-              </a:spcBef>
-              <a:buClr>
-                <a:srgbClr val="AA2B1E"/>
-              </a:buClr>
-              <a:buSzPct val="85000"/>
-            </a:pPr>
-            <a:r>
-              <a:rPr lang="en-SG" sz="1400" dirty="0">
-                <a:solidFill>
-                  <a:prstClr val="black"/>
-                </a:solidFill>
-                <a:latin typeface="Arial" panose="020B0604020202020204" pitchFamily="34" charset="0"/>
-                <a:cs typeface="Arial" panose="020B0604020202020204" pitchFamily="34" charset="0"/>
-              </a:rPr>
-              <a:t>*Hints*</a:t>
-            </a:r>
-          </a:p>
-          <a:p>
-            <a:pPr lvl="0">
-              <a:spcBef>
-                <a:spcPct val="20000"/>
-              </a:spcBef>
-              <a:buClr>
-                <a:srgbClr val="AA2B1E"/>
-              </a:buClr>
-              <a:buSzPct val="85000"/>
-            </a:pPr>
-            <a:r>
-              <a:rPr lang="en-SG" sz="1400" dirty="0">
-                <a:solidFill>
-                  <a:prstClr val="black"/>
-                </a:solidFill>
-                <a:latin typeface="Arial" panose="020B0604020202020204" pitchFamily="34" charset="0"/>
-                <a:cs typeface="Arial" panose="020B0604020202020204" pitchFamily="34" charset="0"/>
-              </a:rPr>
-              <a:t>Holes like this can be drilled across the boards for neater connections</a:t>
-            </a:r>
-          </a:p>
-        </p:txBody>
-      </p:sp>
-      <p:sp>
-        <p:nvSpPr>
-          <p:cNvPr id="10" name="Down Arrow 9"/>
-          <p:cNvSpPr/>
-          <p:nvPr/>
-        </p:nvSpPr>
-        <p:spPr>
-          <a:xfrm rot="15405613">
-            <a:off x="3766915" y="3972624"/>
-            <a:ext cx="457200" cy="856104"/>
-          </a:xfrm>
-          <a:prstGeom prst="downArrow">
-            <a:avLst/>
-          </a:prstGeom>
+          <a:noFill/>
+          <a:ln>
+            <a:solidFill>
+              <a:srgbClr val="FFFF00"/>
+            </a:solidFill>
+          </a:ln>
         </p:spPr>
         <p:style>
-          <a:lnRef idx="3">
-            <a:schemeClr val="lt1"/>
+          <a:lnRef idx="2">
+            <a:schemeClr val="accent1">
+              <a:shade val="50000"/>
+            </a:schemeClr>
           </a:lnRef>
           <a:fillRef idx="1">
-            <a:schemeClr val="accent6"/>
+            <a:schemeClr val="accent1"/>
           </a:fillRef>
-          <a:effectRef idx="1">
-            <a:schemeClr val="accent6"/>
+          <a:effectRef idx="0">
+            <a:schemeClr val="accent1"/>
           </a:effectRef>
           <a:fontRef idx="minor">
             <a:schemeClr val="lt1"/>
@@ -10476,108 +10716,83 @@
           </a:p>
         </p:txBody>
       </p:sp>
-      <p:sp>
-        <p:nvSpPr>
-          <p:cNvPr id="4" name="TextBox 3">
+      <p:pic>
+        <p:nvPicPr>
+          <p:cNvPr id="7" name="Picture 2"/>
+          <p:cNvPicPr>
+            <a:picLocks noChangeAspect="1" noChangeArrowheads="1"/>
+          </p:cNvPicPr>
+          <p:nvPr/>
+        </p:nvPicPr>
+        <p:blipFill>
+          <a:blip r:embed="rId3">
             <a:extLst>
-              <a:ext uri="{FF2B5EF4-FFF2-40B4-BE49-F238E27FC236}">
-                <a16:creationId xmlns:a16="http://schemas.microsoft.com/office/drawing/2014/main" id="{E2EB9F98-76BA-41C7-836D-B346BAE4858E}"/>
+              <a:ext uri="{28A0092B-C50C-407E-A947-70E740481C1C}">
+                <a14:useLocalDpi xmlns:a14="http://schemas.microsoft.com/office/drawing/2010/main" val="0"/>
               </a:ext>
             </a:extLst>
-          </p:cNvPr>
-          <p:cNvSpPr txBox="1"/>
-          <p:nvPr/>
-        </p:nvSpPr>
-        <p:spPr>
-          <a:xfrm>
-            <a:off x="1663946" y="1968841"/>
-            <a:ext cx="2286000" cy="923330"/>
+          </a:blip>
+          <a:srcRect/>
+          <a:stretch>
+            <a:fillRect/>
+          </a:stretch>
+        </p:blipFill>
+        <p:spPr bwMode="auto">
+          <a:xfrm>
+            <a:off x="8969666" y="4648199"/>
+            <a:ext cx="3243856" cy="2235262"/>
           </a:xfrm>
           <a:prstGeom prst="rect">
             <a:avLst/>
           </a:prstGeom>
           <a:noFill/>
-        </p:spPr>
-        <p:txBody>
-          <a:bodyPr wrap="square" rtlCol="0">
-            <a:spAutoFit/>
-          </a:bodyPr>
-          <a:lstStyle/>
-          <a:p>
-            <a:pPr>
-              <a:buFont typeface="Wingdings" panose="05000000000000000000" pitchFamily="2" charset="2"/>
-              <a:buChar char="Ø"/>
-            </a:pPr>
-            <a:r>
-              <a:rPr lang="en-SG" dirty="0">
-                <a:latin typeface="Arial" panose="020B0604020202020204" pitchFamily="34" charset="0"/>
-                <a:cs typeface="Arial" panose="020B0604020202020204" pitchFamily="34" charset="0"/>
-              </a:rPr>
-              <a:t>Position the </a:t>
-            </a:r>
-            <a:r>
-              <a:rPr lang="en-SG" b="1" dirty="0">
-                <a:latin typeface="Arial" panose="020B0604020202020204" pitchFamily="34" charset="0"/>
-                <a:cs typeface="Arial" panose="020B0604020202020204" pitchFamily="34" charset="0"/>
-              </a:rPr>
-              <a:t>castor ball</a:t>
-            </a:r>
-            <a:r>
-              <a:rPr lang="en-SG" dirty="0">
-                <a:latin typeface="Arial" panose="020B0604020202020204" pitchFamily="34" charset="0"/>
-                <a:cs typeface="Arial" panose="020B0604020202020204" pitchFamily="34" charset="0"/>
-              </a:rPr>
-              <a:t> at the </a:t>
-            </a:r>
-            <a:r>
-              <a:rPr lang="en-SG" u="sng" dirty="0">
-                <a:latin typeface="Arial" panose="020B0604020202020204" pitchFamily="34" charset="0"/>
-                <a:cs typeface="Arial" panose="020B0604020202020204" pitchFamily="34" charset="0"/>
-              </a:rPr>
-              <a:t>front </a:t>
-            </a:r>
-            <a:r>
-              <a:rPr lang="en-SG" dirty="0">
-                <a:latin typeface="Arial" panose="020B0604020202020204" pitchFamily="34" charset="0"/>
-                <a:cs typeface="Arial" panose="020B0604020202020204" pitchFamily="34" charset="0"/>
-              </a:rPr>
-              <a:t>of the car</a:t>
-            </a:r>
-          </a:p>
-        </p:txBody>
-      </p:sp>
-      <p:sp>
-        <p:nvSpPr>
-          <p:cNvPr id="11" name="Down Arrow 11">
-            <a:extLst>
-              <a:ext uri="{FF2B5EF4-FFF2-40B4-BE49-F238E27FC236}">
-                <a16:creationId xmlns:a16="http://schemas.microsoft.com/office/drawing/2014/main" id="{71E15E59-0EC8-49AD-B88D-32819831B959}"/>
-              </a:ext>
-            </a:extLst>
-          </p:cNvPr>
+          <a:ln>
+            <a:noFill/>
+          </a:ln>
+          <a:extLst>
+            <a:ext uri="{909E8E84-426E-40DD-AFC4-6F175D3DCCD1}">
+              <a14:hiddenFill xmlns:a14="http://schemas.microsoft.com/office/drawing/2010/main">
+                <a:solidFill>
+                  <a:schemeClr val="accent1"/>
+                </a:solidFill>
+              </a14:hiddenFill>
+            </a:ext>
+            <a:ext uri="{91240B29-F687-4F45-9708-019B960494DF}">
+              <a14:hiddenLine xmlns:a14="http://schemas.microsoft.com/office/drawing/2010/main" w="9525">
+                <a:solidFill>
+                  <a:schemeClr val="tx1"/>
+                </a:solidFill>
+                <a:miter lim="800000"/>
+                <a:headEnd/>
+                <a:tailEnd/>
+              </a14:hiddenLine>
+            </a:ext>
+          </a:extLst>
+        </p:spPr>
+      </p:pic>
+      <p:sp>
+        <p:nvSpPr>
+          <p:cNvPr id="10" name="Down Arrow 9"/>
           <p:cNvSpPr/>
           <p:nvPr/>
         </p:nvSpPr>
         <p:spPr>
-          <a:xfrm rot="3283674">
-            <a:off x="7831411" y="4305692"/>
-            <a:ext cx="355058" cy="1216474"/>
+          <a:xfrm rot="18768791">
+            <a:off x="8442625" y="4402527"/>
+            <a:ext cx="762000" cy="1158519"/>
           </a:xfrm>
           <a:prstGeom prst="downArrow">
             <a:avLst/>
           </a:prstGeom>
-          <a:solidFill>
-            <a:srgbClr val="0070C0"/>
-          </a:solidFill>
         </p:spPr>
         <p:style>
-          <a:lnRef idx="3">
-            <a:schemeClr val="lt1"/>
+          <a:lnRef idx="0">
+            <a:schemeClr val="accent2"/>
           </a:lnRef>
-          <a:fillRef idx="1003">
-            <a:schemeClr val="lt2"/>
+          <a:fillRef idx="3">
+            <a:schemeClr val="accent2"/>
           </a:fillRef>
-          <a:effectRef idx="1">
+          <a:effectRef idx="3">
             <a:schemeClr val="accent2"/>
           </a:effectRef>
           <a:fontRef idx="minor">
@@ -10593,119 +10808,10 @@
           </a:p>
         </p:txBody>
       </p:sp>
-      <p:sp>
-        <p:nvSpPr>
-          <p:cNvPr id="12" name="Down Arrow 11">
-            <a:extLst>
-              <a:ext uri="{FF2B5EF4-FFF2-40B4-BE49-F238E27FC236}">
-                <a16:creationId xmlns:a16="http://schemas.microsoft.com/office/drawing/2014/main" id="{7EC79802-FE6E-45D4-A088-0D5DF5511E88}"/>
-              </a:ext>
-            </a:extLst>
-          </p:cNvPr>
-          <p:cNvSpPr/>
-          <p:nvPr/>
-        </p:nvSpPr>
-        <p:spPr>
-          <a:xfrm rot="4392898">
-            <a:off x="6571246" y="3069313"/>
-            <a:ext cx="439137" cy="3373004"/>
-          </a:xfrm>
-          <a:prstGeom prst="downArrow">
-            <a:avLst/>
-          </a:prstGeom>
-          <a:solidFill>
-            <a:srgbClr val="0070C0"/>
-          </a:solidFill>
-        </p:spPr>
-        <p:style>
-          <a:lnRef idx="3">
-            <a:schemeClr val="lt1"/>
-          </a:lnRef>
-          <a:fillRef idx="1003">
-            <a:schemeClr val="lt2"/>
-          </a:fillRef>
-          <a:effectRef idx="1">
-            <a:schemeClr val="accent2"/>
-          </a:effectRef>
-          <a:fontRef idx="minor">
-            <a:schemeClr val="lt1"/>
-          </a:fontRef>
-        </p:style>
-        <p:txBody>
-          <a:bodyPr rtlCol="0" anchor="ctr"/>
-          <a:lstStyle/>
-          <a:p>
-            <a:pPr algn="ctr"/>
-            <a:endParaRPr lang="en-US"/>
-          </a:p>
-        </p:txBody>
-      </p:sp>
-      <p:sp>
-        <p:nvSpPr>
-          <p:cNvPr id="13" name="Rectangle 12">
-            <a:extLst>
-              <a:ext uri="{FF2B5EF4-FFF2-40B4-BE49-F238E27FC236}">
-                <a16:creationId xmlns:a16="http://schemas.microsoft.com/office/drawing/2014/main" id="{68B51806-9D1D-459F-B840-E38F6BC469B2}"/>
-              </a:ext>
-            </a:extLst>
-          </p:cNvPr>
-          <p:cNvSpPr/>
-          <p:nvPr/>
-        </p:nvSpPr>
-        <p:spPr>
-          <a:xfrm>
-            <a:off x="8446445" y="3853216"/>
-            <a:ext cx="2084393" cy="1200329"/>
-          </a:xfrm>
-          <a:prstGeom prst="rect">
-            <a:avLst/>
-          </a:prstGeom>
-        </p:spPr>
-        <p:txBody>
-          <a:bodyPr wrap="square">
-            <a:spAutoFit/>
-          </a:bodyPr>
-          <a:lstStyle/>
-          <a:p>
-            <a:pPr marL="285750" indent="-285750">
-              <a:buFont typeface="Wingdings" panose="05000000000000000000" pitchFamily="2" charset="2"/>
-              <a:buChar char="Ø"/>
-            </a:pPr>
-            <a:r>
-              <a:rPr lang="en-SG" dirty="0">
-                <a:solidFill>
-                  <a:srgbClr val="000000"/>
-                </a:solidFill>
-                <a:latin typeface="avenir-lt-w01_85-heavy1475544"/>
-              </a:rPr>
-              <a:t>Secure the brackets onto </a:t>
-            </a:r>
-            <a:r>
-              <a:rPr lang="en-SG" b="1" dirty="0">
-                <a:solidFill>
-                  <a:srgbClr val="000000"/>
-                </a:solidFill>
-                <a:latin typeface="avenir-lt-w01_85-heavy1475544"/>
-              </a:rPr>
-              <a:t>each side </a:t>
-            </a:r>
-            <a:r>
-              <a:rPr lang="en-SG" dirty="0">
-                <a:solidFill>
-                  <a:srgbClr val="000000"/>
-                </a:solidFill>
-                <a:latin typeface="avenir-lt-w01_85-heavy1475544"/>
-              </a:rPr>
-              <a:t>of the UGV</a:t>
-            </a:r>
-            <a:endParaRPr lang="en-US" b="1" dirty="0"/>
-          </a:p>
-        </p:txBody>
-      </p:sp>
     </p:spTree>
     <p:extLst>
       <p:ext uri="{BB962C8B-B14F-4D97-AF65-F5344CB8AC3E}">
-        <p14:creationId xmlns:p14="http://schemas.microsoft.com/office/powerpoint/2010/main" val="3749623174"/>
+        <p14:creationId xmlns:p14="http://schemas.microsoft.com/office/powerpoint/2010/main" val="248974604"/>
       </p:ext>
     </p:extLst>
   </p:cSld>
@@ -10744,7 +10850,7 @@
         </p:nvSpPr>
         <p:spPr>
           <a:xfrm>
-            <a:off x="1828800" y="144572"/>
+            <a:off x="1776111" y="76902"/>
             <a:ext cx="8229600" cy="1143000"/>
           </a:xfrm>
         </p:spPr>
@@ -10764,9 +10870,41 @@
           </a:p>
         </p:txBody>
       </p:sp>
+      <p:sp>
+        <p:nvSpPr>
+          <p:cNvPr id="3" name="Content Placeholder 2"/>
+          <p:cNvSpPr>
+            <a:spLocks noGrp="1"/>
+          </p:cNvSpPr>
+          <p:nvPr>
+            <p:ph idx="1"/>
+          </p:nvPr>
+        </p:nvSpPr>
+        <p:spPr>
+          <a:xfrm>
+            <a:off x="1916756" y="1045978"/>
+            <a:ext cx="1780380" cy="726390"/>
+          </a:xfrm>
+        </p:spPr>
+        <p:txBody>
+          <a:bodyPr>
+            <a:normAutofit/>
+          </a:bodyPr>
+          <a:lstStyle/>
+          <a:p>
+            <a:pPr marL="0" indent="0">
+              <a:buNone/>
+            </a:pPr>
+            <a:r>
+              <a:rPr lang="en-US" sz="4000" dirty="0"/>
+              <a:t>Step 2:</a:t>
+            </a:r>
+          </a:p>
+        </p:txBody>
+      </p:sp>
       <p:pic>
         <p:nvPicPr>
-          <p:cNvPr id="6147" name="Picture 3"/>
+          <p:cNvPr id="3074" name="Picture 2"/>
           <p:cNvPicPr>
             <a:picLocks noChangeAspect="1" noChangeArrowheads="1"/>
           </p:cNvPicPr>
@@ -10787,8 +10925,8 @@
         </p:blipFill>
         <p:spPr bwMode="auto">
           <a:xfrm>
-            <a:off x="3024661" y="1066800"/>
-            <a:ext cx="5837878" cy="5685973"/>
+            <a:off x="3732302" y="1040535"/>
+            <a:ext cx="4608665" cy="5721101"/>
           </a:xfrm>
           <a:prstGeom prst="rect">
             <a:avLst/>
@@ -10820,14 +10958,52 @@
       </p:pic>
       <p:sp>
         <p:nvSpPr>
-          <p:cNvPr id="5" name="Rectangle 4"/>
+          <p:cNvPr id="7" name="Down Arrow 6"/>
           <p:cNvSpPr/>
           <p:nvPr/>
         </p:nvSpPr>
         <p:spPr>
-          <a:xfrm>
-            <a:off x="966740" y="933629"/>
-            <a:ext cx="1714501" cy="707886"/>
+          <a:xfrm rot="15297360">
+            <a:off x="4448714" y="836985"/>
+            <a:ext cx="457200" cy="2277716"/>
+          </a:xfrm>
+          <a:prstGeom prst="downArrow">
+            <a:avLst/>
+          </a:prstGeom>
+        </p:spPr>
+        <p:style>
+          <a:lnRef idx="3">
+            <a:schemeClr val="lt1"/>
+          </a:lnRef>
+          <a:fillRef idx="1">
+            <a:schemeClr val="accent2"/>
+          </a:fillRef>
+          <a:effectRef idx="1">
+            <a:schemeClr val="accent2"/>
+          </a:effectRef>
+          <a:fontRef idx="minor">
+            <a:schemeClr val="lt1"/>
+          </a:fontRef>
+        </p:style>
+        <p:txBody>
+          <a:bodyPr rtlCol="0" anchor="ctr"/>
+          <a:lstStyle/>
+          <a:p>
+            <a:pPr algn="ctr"/>
+            <a:endParaRPr lang="en-US"/>
+          </a:p>
+        </p:txBody>
+      </p:sp>
+      <p:sp>
+        <p:nvSpPr>
+          <p:cNvPr id="6" name="Rectangle 5"/>
+          <p:cNvSpPr/>
+          <p:nvPr/>
+        </p:nvSpPr>
+        <p:spPr>
+          <a:xfrm>
+            <a:off x="1813656" y="4057380"/>
+            <a:ext cx="1791821" cy="1212640"/>
           </a:xfrm>
           <a:prstGeom prst="rect">
             <a:avLst/>
@@ -10849,84 +11025,49 @@
               <a:buSzPct val="85000"/>
             </a:pPr>
             <a:r>
-              <a:rPr lang="en-US" sz="4000" dirty="0">
+              <a:rPr lang="en-SG" sz="1400" dirty="0">
                 <a:solidFill>
                   <a:prstClr val="black"/>
                 </a:solidFill>
+                <a:latin typeface="Arial" panose="020B0604020202020204" pitchFamily="34" charset="0"/>
+                <a:cs typeface="Arial" panose="020B0604020202020204" pitchFamily="34" charset="0"/>
               </a:rPr>
-              <a:t>Step 2:</a:t>
-            </a:r>
-          </a:p>
-        </p:txBody>
-      </p:sp>
-      <p:sp>
-        <p:nvSpPr>
-          <p:cNvPr id="6" name="Rectangle 5"/>
+              <a:t>*Hints*</a:t>
+            </a:r>
+          </a:p>
+          <a:p>
+            <a:pPr lvl="0">
+              <a:spcBef>
+                <a:spcPct val="20000"/>
+              </a:spcBef>
+              <a:buClr>
+                <a:srgbClr val="AA2B1E"/>
+              </a:buClr>
+              <a:buSzPct val="85000"/>
+            </a:pPr>
+            <a:r>
+              <a:rPr lang="en-SG" sz="1400" dirty="0">
+                <a:solidFill>
+                  <a:prstClr val="black"/>
+                </a:solidFill>
+                <a:latin typeface="Arial" panose="020B0604020202020204" pitchFamily="34" charset="0"/>
+                <a:cs typeface="Arial" panose="020B0604020202020204" pitchFamily="34" charset="0"/>
+              </a:rPr>
+              <a:t>Holes like this can be drilled across the boards for neater connections</a:t>
+            </a:r>
+          </a:p>
+        </p:txBody>
+      </p:sp>
+      <p:sp>
+        <p:nvSpPr>
+          <p:cNvPr id="10" name="Down Arrow 9"/>
           <p:cNvSpPr/>
           <p:nvPr/>
         </p:nvSpPr>
         <p:spPr>
-          <a:xfrm>
-            <a:off x="533400" y="2514600"/>
-            <a:ext cx="2347169" cy="1938992"/>
-          </a:xfrm>
-          <a:prstGeom prst="rect">
-            <a:avLst/>
-          </a:prstGeom>
-        </p:spPr>
-        <p:txBody>
-          <a:bodyPr wrap="square">
-            <a:spAutoFit/>
-          </a:bodyPr>
-          <a:lstStyle/>
-          <a:p>
-            <a:pPr marL="342900" indent="-342900">
-              <a:buFont typeface="Wingdings" panose="05000000000000000000" pitchFamily="2" charset="2"/>
-              <a:buChar char="Ø"/>
-            </a:pPr>
-            <a:r>
-              <a:rPr lang="en-US" sz="2000" dirty="0">
-                <a:effectLst>
-                  <a:outerShdw blurRad="38100" dist="38100" dir="2700000" algn="tl">
-                    <a:srgbClr val="000000">
-                      <a:alpha val="43137"/>
-                    </a:srgbClr>
-                  </a:outerShdw>
-                </a:effectLst>
-              </a:rPr>
-              <a:t>Insert the motors through the bracket</a:t>
-            </a:r>
-          </a:p>
-          <a:p>
-            <a:pPr marL="342900" indent="-342900">
-              <a:buFont typeface="Wingdings" panose="05000000000000000000" pitchFamily="2" charset="2"/>
-              <a:buChar char="Ø"/>
-            </a:pPr>
-            <a:r>
-              <a:rPr lang="en-US" sz="2000" dirty="0">
-                <a:effectLst>
-                  <a:outerShdw blurRad="38100" dist="38100" dir="2700000" algn="tl">
-                    <a:srgbClr val="000000">
-                      <a:alpha val="43137"/>
-                    </a:srgbClr>
-                  </a:outerShdw>
-                </a:effectLst>
-              </a:rPr>
-              <a:t>Attached the wheels to the motors</a:t>
-            </a:r>
-          </a:p>
-        </p:txBody>
-      </p:sp>
-      <p:sp>
-        <p:nvSpPr>
-          <p:cNvPr id="12" name="Down Arrow 11"/>
-          <p:cNvSpPr/>
-          <p:nvPr/>
-        </p:nvSpPr>
-        <p:spPr>
-          <a:xfrm rot="18973395">
-            <a:off x="3083886" y="3843899"/>
-            <a:ext cx="457200" cy="1829375"/>
+          <a:xfrm rot="15405613">
+            <a:off x="3766915" y="3972624"/>
+            <a:ext cx="457200" cy="856104"/>
           </a:xfrm>
           <a:prstGeom prst="downArrow">
             <a:avLst/>
@@ -10957,28 +11098,107 @@
       </p:sp>
       <p:sp>
         <p:nvSpPr>
-          <p:cNvPr id="13" name="Down Arrow 12"/>
+          <p:cNvPr id="4" name="TextBox 3">
+            <a:extLst>
+              <a:ext uri="{FF2B5EF4-FFF2-40B4-BE49-F238E27FC236}">
+                <a16:creationId xmlns:a16="http://schemas.microsoft.com/office/drawing/2014/main" id="{E2EB9F98-76BA-41C7-836D-B346BAE4858E}"/>
+              </a:ext>
+            </a:extLst>
+          </p:cNvPr>
+          <p:cNvSpPr txBox="1"/>
+          <p:nvPr/>
+        </p:nvSpPr>
+        <p:spPr>
+          <a:xfrm>
+            <a:off x="1663946" y="1968841"/>
+            <a:ext cx="2286000" cy="923330"/>
+          </a:xfrm>
+          <a:prstGeom prst="rect">
+            <a:avLst/>
+          </a:prstGeom>
+          <a:noFill/>
+        </p:spPr>
+        <p:txBody>
+          <a:bodyPr wrap="square" rtlCol="0">
+            <a:spAutoFit/>
+          </a:bodyPr>
+          <a:lstStyle/>
+          <a:p>
+            <a:pPr>
+              <a:buFont typeface="Wingdings" panose="05000000000000000000" pitchFamily="2" charset="2"/>
+              <a:buChar char="Ø"/>
+            </a:pPr>
+            <a:r>
+              <a:rPr lang="en-SG" dirty="0">
+                <a:latin typeface="Arial" panose="020B0604020202020204" pitchFamily="34" charset="0"/>
+                <a:cs typeface="Arial" panose="020B0604020202020204" pitchFamily="34" charset="0"/>
+              </a:rPr>
+              <a:t>Position the </a:t>
+            </a:r>
+            <a:r>
+              <a:rPr lang="en-SG" b="1" dirty="0">
+                <a:latin typeface="Arial" panose="020B0604020202020204" pitchFamily="34" charset="0"/>
+                <a:cs typeface="Arial" panose="020B0604020202020204" pitchFamily="34" charset="0"/>
+              </a:rPr>
+              <a:t>castor ball</a:t>
+            </a:r>
+            <a:r>
+              <a:rPr lang="en-SG" dirty="0">
+                <a:latin typeface="Arial" panose="020B0604020202020204" pitchFamily="34" charset="0"/>
+                <a:cs typeface="Arial" panose="020B0604020202020204" pitchFamily="34" charset="0"/>
+              </a:rPr>
+              <a:t> at the </a:t>
+            </a:r>
+            <a:r>
+              <a:rPr lang="en-SG" u="sng" dirty="0">
+                <a:latin typeface="Arial" panose="020B0604020202020204" pitchFamily="34" charset="0"/>
+                <a:cs typeface="Arial" panose="020B0604020202020204" pitchFamily="34" charset="0"/>
+              </a:rPr>
+              <a:t>front </a:t>
+            </a:r>
+            <a:r>
+              <a:rPr lang="en-SG" dirty="0">
+                <a:latin typeface="Arial" panose="020B0604020202020204" pitchFamily="34" charset="0"/>
+                <a:cs typeface="Arial" panose="020B0604020202020204" pitchFamily="34" charset="0"/>
+              </a:rPr>
+              <a:t>of the car</a:t>
+            </a:r>
+          </a:p>
+        </p:txBody>
+      </p:sp>
+      <p:sp>
+        <p:nvSpPr>
+          <p:cNvPr id="11" name="Down Arrow 11">
+            <a:extLst>
+              <a:ext uri="{FF2B5EF4-FFF2-40B4-BE49-F238E27FC236}">
+                <a16:creationId xmlns:a16="http://schemas.microsoft.com/office/drawing/2014/main" id="{71E15E59-0EC8-49AD-B88D-32819831B959}"/>
+              </a:ext>
+            </a:extLst>
+          </p:cNvPr>
           <p:cNvSpPr/>
           <p:nvPr/>
         </p:nvSpPr>
         <p:spPr>
-          <a:xfrm rot="17605759">
-            <a:off x="5042154" y="1565488"/>
-            <a:ext cx="457200" cy="5616912"/>
+          <a:xfrm rot="3283674">
+            <a:off x="7831411" y="4305692"/>
+            <a:ext cx="355058" cy="1216474"/>
           </a:xfrm>
           <a:prstGeom prst="downArrow">
             <a:avLst/>
           </a:prstGeom>
+          <a:solidFill>
+            <a:srgbClr val="0070C0"/>
+          </a:solidFill>
         </p:spPr>
         <p:style>
           <a:lnRef idx="3">
             <a:schemeClr val="lt1"/>
           </a:lnRef>
-          <a:fillRef idx="1">
-            <a:schemeClr val="accent6"/>
+          <a:fillRef idx="1003">
+            <a:schemeClr val="lt2"/>
           </a:fillRef>
           <a:effectRef idx="1">
-            <a:schemeClr val="accent6"/>
+            <a:schemeClr val="accent2"/>
           </a:effectRef>
           <a:fontRef idx="minor">
             <a:schemeClr val="lt1"/>
@@ -10995,10 +11215,10 @@
       </p:sp>
       <p:sp>
         <p:nvSpPr>
-          <p:cNvPr id="3" name="Rectangle 2">
+          <p:cNvPr id="12" name="Down Arrow 11">
             <a:extLst>
               <a:ext uri="{FF2B5EF4-FFF2-40B4-BE49-F238E27FC236}">
-                <a16:creationId xmlns:a16="http://schemas.microsoft.com/office/drawing/2014/main" id="{19431865-4DC5-4EA5-BCC1-315FB129300E}"/>
+                <a16:creationId xmlns:a16="http://schemas.microsoft.com/office/drawing/2014/main" id="{7EC79802-FE6E-45D4-A088-0D5DF5511E88}"/>
               </a:ext>
             </a:extLst>
           </p:cNvPr>
@@ -11006,33 +11226,26 @@
           <p:nvPr/>
         </p:nvSpPr>
         <p:spPr>
-          <a:xfrm>
-            <a:off x="4953000" y="5784668"/>
-            <a:ext cx="1676400" cy="968105"/>
-          </a:xfrm>
-          <a:prstGeom prst="rect">
+          <a:xfrm rot="4392898">
+            <a:off x="6571246" y="3069313"/>
+            <a:ext cx="439137" cy="3373004"/>
+          </a:xfrm>
+          <a:prstGeom prst="downArrow">
             <a:avLst/>
           </a:prstGeom>
           <a:solidFill>
-            <a:srgbClr val="E18B19"/>
+            <a:srgbClr val="0070C0"/>
           </a:solidFill>
-          <a:ln>
-            <a:solidFill>
-              <a:srgbClr val="EBA547"/>
-            </a:solidFill>
-          </a:ln>
         </p:spPr>
         <p:style>
-          <a:lnRef idx="2">
-            <a:schemeClr val="accent1">
-              <a:shade val="50000"/>
-            </a:schemeClr>
+          <a:lnRef idx="3">
+            <a:schemeClr val="lt1"/>
           </a:lnRef>
-          <a:fillRef idx="1">
-            <a:schemeClr val="accent1"/>
+          <a:fillRef idx="1003">
+            <a:schemeClr val="lt2"/>
           </a:fillRef>
-          <a:effectRef idx="0">
-            <a:schemeClr val="accent1"/>
+          <a:effectRef idx="1">
+            <a:schemeClr val="accent2"/>
           </a:effectRef>
           <a:fontRef idx="minor">
             <a:schemeClr val="lt1"/>
@@ -11047,10 +11260,72 @@
           </a:p>
         </p:txBody>
       </p:sp>
+      <p:sp>
+        <p:nvSpPr>
+          <p:cNvPr id="13" name="Rectangle 12">
+            <a:extLst>
+              <a:ext uri="{FF2B5EF4-FFF2-40B4-BE49-F238E27FC236}">
+                <a16:creationId xmlns:a16="http://schemas.microsoft.com/office/drawing/2014/main" id="{68B51806-9D1D-459F-B840-E38F6BC469B2}"/>
+              </a:ext>
+            </a:extLst>
+          </p:cNvPr>
+          <p:cNvSpPr/>
+          <p:nvPr/>
+        </p:nvSpPr>
+        <p:spPr>
+          <a:xfrm>
+            <a:off x="8446445" y="3853216"/>
+            <a:ext cx="2084393" cy="1200329"/>
+          </a:xfrm>
+          <a:prstGeom prst="rect">
+            <a:avLst/>
+          </a:prstGeom>
+        </p:spPr>
+        <p:txBody>
+          <a:bodyPr wrap="square">
+            <a:spAutoFit/>
+          </a:bodyPr>
+          <a:lstStyle/>
+          <a:p>
+            <a:pPr marL="285750" indent="-285750">
+              <a:buFont typeface="Wingdings" panose="05000000000000000000" pitchFamily="2" charset="2"/>
+              <a:buChar char="Ø"/>
+            </a:pPr>
+            <a:r>
+              <a:rPr lang="en-SG" dirty="0">
+                <a:solidFill>
+                  <a:srgbClr val="000000"/>
+                </a:solidFill>
+                <a:latin typeface="avenir-lt-w01_85-heavy1475544"/>
+              </a:rPr>
+              <a:t>Secure the brackets onto </a:t>
+            </a:r>
+            <a:r>
+              <a:rPr lang="en-SG" b="1" dirty="0">
+                <a:solidFill>
+                  <a:srgbClr val="000000"/>
+                </a:solidFill>
+                <a:latin typeface="avenir-lt-w01_85-heavy1475544"/>
+              </a:rPr>
+              <a:t>each side </a:t>
+            </a:r>
+            <a:r>
+              <a:rPr lang="en-SG" dirty="0">
+                <a:solidFill>
+                  <a:srgbClr val="000000"/>
+                </a:solidFill>
+                <a:latin typeface="avenir-lt-w01_85-heavy1475544"/>
+              </a:rPr>
+              <a:t>of the UGV</a:t>
+            </a:r>
+            <a:endParaRPr lang="en-US" b="1" dirty="0"/>
+          </a:p>
+        </p:txBody>
+      </p:sp>
     </p:spTree>
     <p:extLst>
       <p:ext uri="{BB962C8B-B14F-4D97-AF65-F5344CB8AC3E}">
-        <p14:creationId xmlns:p14="http://schemas.microsoft.com/office/powerpoint/2010/main" val="120450478"/>
+        <p14:creationId xmlns:p14="http://schemas.microsoft.com/office/powerpoint/2010/main" val="3749623174"/>
       </p:ext>
     </p:extLst>
   </p:cSld>
@@ -11079,7 +11354,7 @@
       </p:grpSpPr>
       <p:sp>
         <p:nvSpPr>
-          <p:cNvPr id="5" name="Title 1"/>
+          <p:cNvPr id="2" name="Title 1"/>
           <p:cNvSpPr>
             <a:spLocks noGrp="1"/>
           </p:cNvSpPr>
@@ -11089,7 +11364,7 @@
         </p:nvSpPr>
         <p:spPr>
           <a:xfrm>
-            <a:off x="2057400" y="152400"/>
+            <a:off x="1828800" y="144572"/>
             <a:ext cx="8229600" cy="1143000"/>
           </a:xfrm>
         </p:spPr>
@@ -11109,142 +11384,16 @@
           </a:p>
         </p:txBody>
       </p:sp>
-      <p:sp>
-        <p:nvSpPr>
-          <p:cNvPr id="3" name="Content Placeholder 2"/>
-          <p:cNvSpPr>
-            <a:spLocks noGrp="1"/>
-          </p:cNvSpPr>
-          <p:nvPr>
-            <p:ph idx="1"/>
-          </p:nvPr>
-        </p:nvSpPr>
-        <p:spPr>
-          <a:xfrm>
-            <a:off x="457200" y="1094264"/>
-            <a:ext cx="11506200" cy="2626177"/>
-          </a:xfrm>
-        </p:spPr>
-        <p:txBody>
-          <a:bodyPr>
-            <a:normAutofit/>
-          </a:bodyPr>
-          <a:lstStyle/>
-          <a:p>
-            <a:pPr marL="0" indent="0">
-              <a:buNone/>
-            </a:pPr>
-            <a:r>
-              <a:rPr lang="en-US" sz="4000" dirty="0"/>
-              <a:t>Step 3:</a:t>
-            </a:r>
-          </a:p>
-          <a:p>
-            <a:pPr>
-              <a:buFont typeface="Wingdings" panose="05000000000000000000" pitchFamily="2" charset="2"/>
-              <a:buChar char="ü"/>
-            </a:pPr>
-            <a:r>
-              <a:rPr lang="en-SG" sz="3000" dirty="0">
-                <a:latin typeface="Arial"/>
-              </a:rPr>
-              <a:t>Assemble the electronics</a:t>
-            </a:r>
-          </a:p>
-          <a:p>
-            <a:pPr lvl="0">
-              <a:buClr>
-                <a:srgbClr val="AA2B1E"/>
-              </a:buClr>
-              <a:buFont typeface="Wingdings" panose="05000000000000000000" pitchFamily="2" charset="2"/>
-              <a:buChar char="q"/>
-            </a:pPr>
-            <a:r>
-              <a:rPr lang="en-SG" sz="2600" dirty="0">
-                <a:solidFill>
-                  <a:prstClr val="black"/>
-                </a:solidFill>
-                <a:latin typeface="Arial" panose="020B0604020202020204" pitchFamily="34" charset="0"/>
-                <a:cs typeface="Arial" panose="020B0604020202020204" pitchFamily="34" charset="0"/>
-              </a:rPr>
-              <a:t>Solder the necessary components according to the </a:t>
-            </a:r>
-            <a:r>
-              <a:rPr lang="en-SG" sz="2600" u="sng" dirty="0">
-                <a:solidFill>
-                  <a:prstClr val="black"/>
-                </a:solidFill>
-                <a:latin typeface="Arial" panose="020B0604020202020204" pitchFamily="34" charset="0"/>
-                <a:cs typeface="Arial" panose="020B0604020202020204" pitchFamily="34" charset="0"/>
-              </a:rPr>
-              <a:t>schematic diagram</a:t>
-            </a:r>
-            <a:r>
-              <a:rPr lang="en-SG" sz="2600" dirty="0">
-                <a:solidFill>
-                  <a:prstClr val="black"/>
-                </a:solidFill>
-                <a:latin typeface="Arial" panose="020B0604020202020204" pitchFamily="34" charset="0"/>
-                <a:cs typeface="Arial" panose="020B0604020202020204" pitchFamily="34" charset="0"/>
-              </a:rPr>
-              <a:t> shown on the next slide</a:t>
-            </a:r>
-          </a:p>
-          <a:p>
-            <a:pPr lvl="0">
-              <a:buClr>
-                <a:srgbClr val="AA2B1E"/>
-              </a:buClr>
-              <a:buFont typeface="Wingdings" panose="05000000000000000000" pitchFamily="2" charset="2"/>
-              <a:buChar char="q"/>
-            </a:pPr>
-            <a:r>
-              <a:rPr lang="en-US" sz="2600" dirty="0">
-                <a:solidFill>
-                  <a:prstClr val="black"/>
-                </a:solidFill>
-                <a:latin typeface="Arial" panose="020B0604020202020204" pitchFamily="34" charset="0"/>
-                <a:cs typeface="Arial" panose="020B0604020202020204" pitchFamily="34" charset="0"/>
-              </a:rPr>
-              <a:t>Usage of mini breadboard is </a:t>
-            </a:r>
-            <a:r>
-              <a:rPr lang="en-US" sz="2600" u="sng" dirty="0">
-                <a:solidFill>
-                  <a:prstClr val="black"/>
-                </a:solidFill>
-                <a:latin typeface="Arial" panose="020B0604020202020204" pitchFamily="34" charset="0"/>
-                <a:cs typeface="Arial" panose="020B0604020202020204" pitchFamily="34" charset="0"/>
-              </a:rPr>
-              <a:t>optional</a:t>
-            </a:r>
-            <a:endParaRPr lang="en-US" sz="2400" dirty="0">
-              <a:solidFill>
-                <a:prstClr val="black"/>
-              </a:solidFill>
-              <a:latin typeface="+mj-lt"/>
-            </a:endParaRPr>
-          </a:p>
-          <a:p>
-            <a:pPr marL="0" indent="0">
-              <a:buNone/>
-            </a:pPr>
-            <a:endParaRPr lang="en-SG" b="0" i="0" u="none" strike="noStrike" dirty="0">
-              <a:latin typeface="+mj-lt"/>
-            </a:endParaRPr>
-          </a:p>
-        </p:txBody>
-      </p:sp>
       <p:pic>
         <p:nvPicPr>
-          <p:cNvPr id="8194" name="Picture 2"/>
+          <p:cNvPr id="6147" name="Picture 3"/>
           <p:cNvPicPr>
             <a:picLocks noChangeAspect="1" noChangeArrowheads="1"/>
           </p:cNvPicPr>
           <p:nvPr/>
         </p:nvPicPr>
         <p:blipFill>
-          <a:blip r:embed="rId2" cstate="print">
+          <a:blip r:embed="rId2">
             <a:extLst>
               <a:ext uri="{28A0092B-C50C-407E-A947-70E740481C1C}">
                 <a14:useLocalDpi xmlns:a14="http://schemas.microsoft.com/office/drawing/2010/main" val="0"/>
@@ -11258,8 +11407,8 @@
         </p:blipFill>
         <p:spPr bwMode="auto">
           <a:xfrm>
-            <a:off x="5546619" y="3849276"/>
-            <a:ext cx="5157982" cy="2932889"/>
+            <a:off x="3024661" y="1066800"/>
+            <a:ext cx="5837878" cy="5685973"/>
           </a:xfrm>
           <a:prstGeom prst="rect">
             <a:avLst/>
@@ -11268,7 +11417,6 @@
           <a:ln>
             <a:noFill/>
           </a:ln>
-          <a:effectLst/>
           <a:extLst>
             <a:ext uri="{909E8E84-426E-40DD-AFC4-6F175D3DCCD1}">
               <a14:hiddenFill xmlns:a14="http://schemas.microsoft.com/office/drawing/2010/main">
@@ -11287,28 +11435,19 @@
                 <a:tailEnd/>
               </a14:hiddenLine>
             </a:ext>
-            <a:ext uri="{AF507438-7753-43E0-B8FC-AC1667EBCBE1}">
-              <a14:hiddenEffects xmlns:a14="http://schemas.microsoft.com/office/drawing/2010/main">
-                <a:effectLst>
-                  <a:outerShdw dist="35921" dir="2700000" algn="ctr" rotWithShape="0">
-                    <a:schemeClr val="bg2"/>
-                  </a:outerShdw>
-                </a:effectLst>
-              </a14:hiddenEffects>
-            </a:ext>
           </a:extLst>
         </p:spPr>
       </p:pic>
       <p:sp>
         <p:nvSpPr>
-          <p:cNvPr id="2" name="Rectangle 1"/>
+          <p:cNvPr id="5" name="Rectangle 4"/>
           <p:cNvSpPr/>
           <p:nvPr/>
         </p:nvSpPr>
         <p:spPr>
           <a:xfrm>
-            <a:off x="6324601" y="6252016"/>
-            <a:ext cx="3770909" cy="536054"/>
+            <a:off x="966740" y="933629"/>
+            <a:ext cx="1714501" cy="707886"/>
           </a:xfrm>
           <a:prstGeom prst="rect">
             <a:avLst/>
@@ -11320,12 +11459,53 @@
           </a:bodyPr>
           <a:lstStyle/>
           <a:p>
-            <a:pPr algn="ctr"/>
-            <a:r>
-              <a:rPr lang="en-US" sz="2800" dirty="0">
-                <a:solidFill>
-                  <a:schemeClr val="bg1"/>
-                </a:solidFill>
+            <a:pPr lvl="0">
+              <a:spcBef>
+                <a:spcPct val="20000"/>
+              </a:spcBef>
+              <a:buClr>
+                <a:srgbClr val="AA2B1E"/>
+              </a:buClr>
+              <a:buSzPct val="85000"/>
+            </a:pPr>
+            <a:r>
+              <a:rPr lang="en-US" sz="4000" dirty="0">
+                <a:solidFill>
+                  <a:prstClr val="black"/>
+                </a:solidFill>
+              </a:rPr>
+              <a:t>Step 2:</a:t>
+            </a:r>
+          </a:p>
+        </p:txBody>
+      </p:sp>
+      <p:sp>
+        <p:nvSpPr>
+          <p:cNvPr id="6" name="Rectangle 5"/>
+          <p:cNvSpPr/>
+          <p:nvPr/>
+        </p:nvSpPr>
+        <p:spPr>
+          <a:xfrm>
+            <a:off x="533400" y="2514600"/>
+            <a:ext cx="2347169" cy="1938992"/>
+          </a:xfrm>
+          <a:prstGeom prst="rect">
+            <a:avLst/>
+          </a:prstGeom>
+        </p:spPr>
+        <p:txBody>
+          <a:bodyPr wrap="square">
+            <a:spAutoFit/>
+          </a:bodyPr>
+          <a:lstStyle/>
+          <a:p>
+            <a:pPr marL="342900" indent="-342900">
+              <a:buFont typeface="Wingdings" panose="05000000000000000000" pitchFamily="2" charset="2"/>
+              <a:buChar char="Ø"/>
+            </a:pPr>
+            <a:r>
+              <a:rPr lang="en-US" sz="2000" dirty="0">
                 <a:effectLst>
                   <a:outerShdw blurRad="38100" dist="38100" dir="2700000" algn="tl">
                     <a:srgbClr val="000000">
@@ -11333,92 +11513,17 @@
                     </a:srgbClr>
                   </a:outerShdw>
                 </a:effectLst>
-                <a:latin typeface="Arial" panose="020B0604020202020204" pitchFamily="34" charset="0"/>
-                <a:ea typeface="+mj-ea"/>
-                <a:cs typeface="Arial" panose="020B0604020202020204" pitchFamily="34" charset="0"/>
               </a:rPr>
-              <a:t>Sample</a:t>
-            </a:r>
-            <a:endParaRPr lang="en-US" sz="2800" dirty="0">
-              <a:solidFill>
-                <a:schemeClr val="bg1"/>
-              </a:solidFill>
-              <a:effectLst>
-                <a:outerShdw blurRad="38100" dist="38100" dir="2700000" algn="tl">
-                  <a:srgbClr val="000000">
-                    <a:alpha val="43137"/>
-                  </a:srgbClr>
-                </a:outerShdw>
-              </a:effectLst>
-              <a:latin typeface="Arial" panose="020B0604020202020204" pitchFamily="34" charset="0"/>
-              <a:cs typeface="Arial" panose="020B0604020202020204" pitchFamily="34" charset="0"/>
-            </a:endParaRPr>
-          </a:p>
-        </p:txBody>
-      </p:sp>
-      <p:pic>
-        <p:nvPicPr>
-          <p:cNvPr id="4" name="Picture 3">
-            <a:extLst>
-              <a:ext uri="{FF2B5EF4-FFF2-40B4-BE49-F238E27FC236}">
-                <a16:creationId xmlns:a16="http://schemas.microsoft.com/office/drawing/2014/main" id="{10E1A6D6-1C08-4043-A3D4-08369D5663AD}"/>
-              </a:ext>
-            </a:extLst>
-          </p:cNvPr>
-          <p:cNvPicPr>
-            <a:picLocks noChangeAspect="1"/>
-          </p:cNvPicPr>
-          <p:nvPr/>
-        </p:nvPicPr>
-        <p:blipFill>
-          <a:blip r:embed="rId3"/>
-          <a:stretch>
-            <a:fillRect/>
-          </a:stretch>
-        </p:blipFill>
-        <p:spPr>
-          <a:xfrm>
-            <a:off x="1099457" y="3844319"/>
-            <a:ext cx="4267200" cy="2953215"/>
-          </a:xfrm>
-          <a:prstGeom prst="rect">
-            <a:avLst/>
-          </a:prstGeom>
-        </p:spPr>
-      </p:pic>
-      <p:sp>
-        <p:nvSpPr>
-          <p:cNvPr id="7" name="Rectangle 6">
-            <a:extLst>
-              <a:ext uri="{FF2B5EF4-FFF2-40B4-BE49-F238E27FC236}">
-                <a16:creationId xmlns:a16="http://schemas.microsoft.com/office/drawing/2014/main" id="{CC34D299-84C7-438D-BACC-4C1E870E23D8}"/>
-              </a:ext>
-            </a:extLst>
-          </p:cNvPr>
-          <p:cNvSpPr/>
-          <p:nvPr/>
-        </p:nvSpPr>
-        <p:spPr>
-          <a:xfrm>
-            <a:off x="1219200" y="6205708"/>
-            <a:ext cx="3770909" cy="536054"/>
-          </a:xfrm>
-          <a:prstGeom prst="rect">
-            <a:avLst/>
-          </a:prstGeom>
-        </p:spPr>
-        <p:txBody>
-          <a:bodyPr wrap="square">
-            <a:spAutoFit/>
-          </a:bodyPr>
-          <a:lstStyle/>
-          <a:p>
-            <a:pPr algn="ctr"/>
-            <a:r>
-              <a:rPr lang="en-US" sz="2800" dirty="0">
-                <a:solidFill>
-                  <a:schemeClr val="bg1"/>
-                </a:solidFill>
+              <a:t>Insert the motors through the bracket</a:t>
+            </a:r>
+          </a:p>
+          <a:p>
+            <a:pPr marL="342900" indent="-342900">
+              <a:buFont typeface="Wingdings" panose="05000000000000000000" pitchFamily="2" charset="2"/>
+              <a:buChar char="Ø"/>
+            </a:pPr>
+            <a:r>
+              <a:rPr lang="en-US" sz="2000" dirty="0">
                 <a:effectLst>
                   <a:outerShdw blurRad="38100" dist="38100" dir="2700000" algn="tl">
                     <a:srgbClr val="000000">
@@ -11426,69 +11531,146 @@
                     </a:srgbClr>
                   </a:outerShdw>
                 </a:effectLst>
-                <a:latin typeface="Arial" panose="020B0604020202020204" pitchFamily="34" charset="0"/>
-                <a:ea typeface="+mj-ea"/>
-                <a:cs typeface="Arial" panose="020B0604020202020204" pitchFamily="34" charset="0"/>
               </a:rPr>
-              <a:t>Sample</a:t>
-            </a:r>
-            <a:endParaRPr lang="en-US" sz="2800" dirty="0">
-              <a:solidFill>
-                <a:schemeClr val="bg1"/>
-              </a:solidFill>
-              <a:effectLst>
-                <a:outerShdw blurRad="38100" dist="38100" dir="2700000" algn="tl">
-                  <a:srgbClr val="000000">
-                    <a:alpha val="43137"/>
-                  </a:srgbClr>
-                </a:outerShdw>
-              </a:effectLst>
-              <a:latin typeface="Arial" panose="020B0604020202020204" pitchFamily="34" charset="0"/>
-              <a:cs typeface="Arial" panose="020B0604020202020204" pitchFamily="34" charset="0"/>
-            </a:endParaRPr>
-          </a:p>
-        </p:txBody>
-      </p:sp>
-      <p:sp>
-        <p:nvSpPr>
-          <p:cNvPr id="6" name="TextBox 5">
+              <a:t>Attached the wheels to the motors</a:t>
+            </a:r>
+          </a:p>
+        </p:txBody>
+      </p:sp>
+      <p:sp>
+        <p:nvSpPr>
+          <p:cNvPr id="12" name="Down Arrow 11"/>
+          <p:cNvSpPr/>
+          <p:nvPr/>
+        </p:nvSpPr>
+        <p:spPr>
+          <a:xfrm rot="18973395">
+            <a:off x="3083886" y="3843899"/>
+            <a:ext cx="457200" cy="1829375"/>
+          </a:xfrm>
+          <a:prstGeom prst="downArrow">
+            <a:avLst/>
+          </a:prstGeom>
+        </p:spPr>
+        <p:style>
+          <a:lnRef idx="3">
+            <a:schemeClr val="lt1"/>
+          </a:lnRef>
+          <a:fillRef idx="1">
+            <a:schemeClr val="accent6"/>
+          </a:fillRef>
+          <a:effectRef idx="1">
+            <a:schemeClr val="accent6"/>
+          </a:effectRef>
+          <a:fontRef idx="minor">
+            <a:schemeClr val="lt1"/>
+          </a:fontRef>
+        </p:style>
+        <p:txBody>
+          <a:bodyPr rtlCol="0" anchor="ctr"/>
+          <a:lstStyle/>
+          <a:p>
+            <a:pPr algn="ctr"/>
+            <a:endParaRPr lang="en-US"/>
+          </a:p>
+        </p:txBody>
+      </p:sp>
+      <p:sp>
+        <p:nvSpPr>
+          <p:cNvPr id="13" name="Down Arrow 12"/>
+          <p:cNvSpPr/>
+          <p:nvPr/>
+        </p:nvSpPr>
+        <p:spPr>
+          <a:xfrm rot="17605759">
+            <a:off x="5042154" y="1565488"/>
+            <a:ext cx="457200" cy="5616912"/>
+          </a:xfrm>
+          <a:prstGeom prst="downArrow">
+            <a:avLst/>
+          </a:prstGeom>
+        </p:spPr>
+        <p:style>
+          <a:lnRef idx="3">
+            <a:schemeClr val="lt1"/>
+          </a:lnRef>
+          <a:fillRef idx="1">
+            <a:schemeClr val="accent6"/>
+          </a:fillRef>
+          <a:effectRef idx="1">
+            <a:schemeClr val="accent6"/>
+          </a:effectRef>
+          <a:fontRef idx="minor">
+            <a:schemeClr val="lt1"/>
+          </a:fontRef>
+        </p:style>
+        <p:txBody>
+          <a:bodyPr rtlCol="0" anchor="ctr"/>
+          <a:lstStyle/>
+          <a:p>
+            <a:pPr algn="ctr"/>
+            <a:endParaRPr lang="en-US"/>
+          </a:p>
+        </p:txBody>
+      </p:sp>
+      <p:sp>
+        <p:nvSpPr>
+          <p:cNvPr id="3" name="Rectangle 2">
             <a:extLst>
               <a:ext uri="{FF2B5EF4-FFF2-40B4-BE49-F238E27FC236}">
-                <a16:creationId xmlns:a16="http://schemas.microsoft.com/office/drawing/2014/main" id="{355FB895-6700-4816-BD7E-54009D2451B1}"/>
+                <a16:creationId xmlns:a16="http://schemas.microsoft.com/office/drawing/2014/main" id="{19431865-4DC5-4EA5-BCC1-315FB129300E}"/>
               </a:ext>
             </a:extLst>
           </p:cNvPr>
-          <p:cNvSpPr txBox="1"/>
+          <p:cNvSpPr/>
           <p:nvPr/>
         </p:nvSpPr>
         <p:spPr>
           <a:xfrm>
-            <a:off x="1066800" y="3573723"/>
-            <a:ext cx="10058400" cy="276999"/>
+            <a:off x="4953000" y="5784668"/>
+            <a:ext cx="1676400" cy="968105"/>
           </a:xfrm>
           <a:prstGeom prst="rect">
             <a:avLst/>
           </a:prstGeom>
-          <a:noFill/>
-        </p:spPr>
-        <p:txBody>
-          <a:bodyPr wrap="square" rtlCol="0">
-            <a:spAutoFit/>
-          </a:bodyPr>
+          <a:solidFill>
+            <a:srgbClr val="E18B19"/>
+          </a:solidFill>
+          <a:ln>
+            <a:solidFill>
+              <a:srgbClr val="EBA547"/>
+            </a:solidFill>
+          </a:ln>
+        </p:spPr>
+        <p:style>
+          <a:lnRef idx="2">
+            <a:schemeClr val="accent1">
+              <a:shade val="50000"/>
+            </a:schemeClr>
+          </a:lnRef>
+          <a:fillRef idx="1">
+            <a:schemeClr val="accent1"/>
+          </a:fillRef>
+          <a:effectRef idx="0">
+            <a:schemeClr val="accent1"/>
+          </a:effectRef>
+          <a:fontRef idx="minor">
+            <a:schemeClr val="lt1"/>
+          </a:fontRef>
+        </p:style>
+        <p:txBody>
+          <a:bodyPr rtlCol="0" anchor="ctr"/>
           <a:lstStyle/>
           <a:p>
             <a:pPr algn="ctr"/>
-            <a:r>
-              <a:rPr lang="en-US" sz="1200" b="1" u="sng" dirty="0"/>
-              <a:t>These samples are for illustration purposes only, please do not use them as your wiring reference</a:t>
-            </a:r>
+            <a:endParaRPr lang="en-US"/>
           </a:p>
         </p:txBody>
       </p:sp>
     </p:spTree>
     <p:extLst>
       <p:ext uri="{BB962C8B-B14F-4D97-AF65-F5344CB8AC3E}">
-        <p14:creationId xmlns:p14="http://schemas.microsoft.com/office/powerpoint/2010/main" val="370158499"/>
+        <p14:creationId xmlns:p14="http://schemas.microsoft.com/office/powerpoint/2010/main" val="120450478"/>
       </p:ext>
     </p:extLst>
   </p:cSld>

--- a/DIP_Phase_1_Lab_Manuals/DIP Lab Manual for Phase 1.pptx
+++ b/DIP_Phase_1_Lab_Manuals/DIP Lab Manual for Phase 1.pptx
@@ -276,7 +276,7 @@
           <a:p>
             <a:fld id="{3F5B13E4-0C70-0A4F-9943-D548592DF49E}" type="datetimeFigureOut">
               <a:rPr lang="en-US" smtClean="0"/>
-              <a:t>07-Aug-17</a:t>
+              <a:t>08-Aug-17</a:t>
             </a:fld>
             <a:endParaRPr lang="en-US"/>
           </a:p>
@@ -441,7 +441,7 @@
           <a:p>
             <a:fld id="{4185243A-FD7B-4629-BD73-22CC1259F9E9}" type="datetimeFigureOut">
               <a:rPr lang="en-US" smtClean="0"/>
-              <a:t>07-Aug-17</a:t>
+              <a:t>08-Aug-17</a:t>
             </a:fld>
             <a:endParaRPr lang="en-US"/>
           </a:p>
@@ -839,7 +839,7 @@
           <a:p>
             <a:fld id="{CC6F718F-701E-4707-8408-57D61FEAC21D}" type="datetimeFigureOut">
               <a:rPr lang="en-US" smtClean="0"/>
-              <a:t>07-Aug-17</a:t>
+              <a:t>08-Aug-17</a:t>
             </a:fld>
             <a:endParaRPr lang="en-US"/>
           </a:p>
@@ -1009,7 +1009,7 @@
           <a:p>
             <a:fld id="{CC6F718F-701E-4707-8408-57D61FEAC21D}" type="datetimeFigureOut">
               <a:rPr lang="en-US" smtClean="0"/>
-              <a:t>07-Aug-17</a:t>
+              <a:t>08-Aug-17</a:t>
             </a:fld>
             <a:endParaRPr lang="en-US"/>
           </a:p>
@@ -1189,7 +1189,7 @@
           <a:p>
             <a:fld id="{CC6F718F-701E-4707-8408-57D61FEAC21D}" type="datetimeFigureOut">
               <a:rPr lang="en-US" smtClean="0"/>
-              <a:t>07-Aug-17</a:t>
+              <a:t>08-Aug-17</a:t>
             </a:fld>
             <a:endParaRPr lang="en-US"/>
           </a:p>
@@ -1359,7 +1359,7 @@
           <a:p>
             <a:fld id="{CC6F718F-701E-4707-8408-57D61FEAC21D}" type="datetimeFigureOut">
               <a:rPr lang="en-US" smtClean="0"/>
-              <a:t>07-Aug-17</a:t>
+              <a:t>08-Aug-17</a:t>
             </a:fld>
             <a:endParaRPr lang="en-US"/>
           </a:p>
@@ -1605,7 +1605,7 @@
           <a:p>
             <a:fld id="{CC6F718F-701E-4707-8408-57D61FEAC21D}" type="datetimeFigureOut">
               <a:rPr lang="en-US" smtClean="0"/>
-              <a:t>07-Aug-17</a:t>
+              <a:t>08-Aug-17</a:t>
             </a:fld>
             <a:endParaRPr lang="en-US"/>
           </a:p>
@@ -1837,7 +1837,7 @@
           <a:p>
             <a:fld id="{CC6F718F-701E-4707-8408-57D61FEAC21D}" type="datetimeFigureOut">
               <a:rPr lang="en-US" smtClean="0"/>
-              <a:t>07-Aug-17</a:t>
+              <a:t>08-Aug-17</a:t>
             </a:fld>
             <a:endParaRPr lang="en-US"/>
           </a:p>
@@ -2204,7 +2204,7 @@
           <a:p>
             <a:fld id="{CC6F718F-701E-4707-8408-57D61FEAC21D}" type="datetimeFigureOut">
               <a:rPr lang="en-US" smtClean="0"/>
-              <a:t>07-Aug-17</a:t>
+              <a:t>08-Aug-17</a:t>
             </a:fld>
             <a:endParaRPr lang="en-US"/>
           </a:p>
@@ -2322,7 +2322,7 @@
           <a:p>
             <a:fld id="{CC6F718F-701E-4707-8408-57D61FEAC21D}" type="datetimeFigureOut">
               <a:rPr lang="en-US" smtClean="0"/>
-              <a:t>07-Aug-17</a:t>
+              <a:t>08-Aug-17</a:t>
             </a:fld>
             <a:endParaRPr lang="en-US"/>
           </a:p>
@@ -2417,7 +2417,7 @@
           <a:p>
             <a:fld id="{CC6F718F-701E-4707-8408-57D61FEAC21D}" type="datetimeFigureOut">
               <a:rPr lang="en-US" smtClean="0"/>
-              <a:t>07-Aug-17</a:t>
+              <a:t>08-Aug-17</a:t>
             </a:fld>
             <a:endParaRPr lang="en-US"/>
           </a:p>
@@ -2694,7 +2694,7 @@
           <a:p>
             <a:fld id="{CC6F718F-701E-4707-8408-57D61FEAC21D}" type="datetimeFigureOut">
               <a:rPr lang="en-US" smtClean="0"/>
-              <a:t>07-Aug-17</a:t>
+              <a:t>08-Aug-17</a:t>
             </a:fld>
             <a:endParaRPr lang="en-US"/>
           </a:p>
@@ -2951,7 +2951,7 @@
           <a:p>
             <a:fld id="{CC6F718F-701E-4707-8408-57D61FEAC21D}" type="datetimeFigureOut">
               <a:rPr lang="en-US" smtClean="0"/>
-              <a:t>07-Aug-17</a:t>
+              <a:t>08-Aug-17</a:t>
             </a:fld>
             <a:endParaRPr lang="en-US"/>
           </a:p>
@@ -3164,7 +3164,7 @@
           <a:p>
             <a:fld id="{CC6F718F-701E-4707-8408-57D61FEAC21D}" type="datetimeFigureOut">
               <a:rPr lang="en-US" smtClean="0"/>
-              <a:t>07-Aug-17</a:t>
+              <a:t>08-Aug-17</a:t>
             </a:fld>
             <a:endParaRPr lang="en-US"/>
           </a:p>
@@ -9693,13 +9693,13 @@
         </p:nvSpPr>
         <p:spPr>
           <a:xfrm>
-            <a:off x="827049" y="1679537"/>
-            <a:ext cx="10820400" cy="5032376"/>
+            <a:off x="838200" y="1676400"/>
+            <a:ext cx="10885449" cy="5178463"/>
           </a:xfrm>
         </p:spPr>
         <p:txBody>
           <a:bodyPr>
-            <a:normAutofit/>
+            <a:normAutofit fontScale="85000" lnSpcReduction="20000"/>
           </a:bodyPr>
           <a:lstStyle/>
           <a:p>
@@ -9793,6 +9793,33 @@
             <a:r>
               <a:rPr lang="en-US" dirty="0"/>
               <a:t>Winning criteria: Fastest timing wins</a:t>
+            </a:r>
+          </a:p>
+          <a:p>
+            <a:r>
+              <a:rPr lang="en-US" dirty="0"/>
+              <a:t>Quiz (30%)</a:t>
+            </a:r>
+          </a:p>
+          <a:p>
+            <a:pPr lvl="1"/>
+            <a:r>
+              <a:rPr lang="en-US" dirty="0"/>
+              <a:t>Question Format: MCQ</a:t>
+            </a:r>
+          </a:p>
+          <a:p>
+            <a:pPr lvl="1"/>
+            <a:r>
+              <a:rPr lang="en-US" dirty="0"/>
+              <a:t>Number of questions: 3</a:t>
+            </a:r>
+          </a:p>
+          <a:p>
+            <a:pPr lvl="1"/>
+            <a:r>
+              <a:rPr lang="en-US" dirty="0"/>
+              <a:t>Study Materials: “DIP Lab Manual for Phase 1” ppt slides and individual components datasheets</a:t>
             </a:r>
           </a:p>
         </p:txBody>
